--- a/food_desert_pp.pptx
+++ b/food_desert_pp.pptx
@@ -4,10 +4,27 @@
   <p:sldMasterIdLst>
     <p:sldMasterId id="2147483648" r:id="rId1"/>
   </p:sldMasterIdLst>
+  <p:notesMasterIdLst>
+    <p:notesMasterId r:id="rId19"/>
+  </p:notesMasterIdLst>
   <p:sldIdLst>
     <p:sldId id="256" r:id="rId2"/>
     <p:sldId id="257" r:id="rId3"/>
-    <p:sldId id="258" r:id="rId4"/>
+    <p:sldId id="269" r:id="rId4"/>
+    <p:sldId id="265" r:id="rId5"/>
+    <p:sldId id="260" r:id="rId6"/>
+    <p:sldId id="272" r:id="rId7"/>
+    <p:sldId id="268" r:id="rId8"/>
+    <p:sldId id="263" r:id="rId9"/>
+    <p:sldId id="278" r:id="rId10"/>
+    <p:sldId id="259" r:id="rId11"/>
+    <p:sldId id="273" r:id="rId12"/>
+    <p:sldId id="274" r:id="rId13"/>
+    <p:sldId id="275" r:id="rId14"/>
+    <p:sldId id="276" r:id="rId15"/>
+    <p:sldId id="277" r:id="rId16"/>
+    <p:sldId id="258" r:id="rId17"/>
+    <p:sldId id="271" r:id="rId18"/>
   </p:sldIdLst>
   <p:sldSz cx="12192000" cy="6858000"/>
   <p:notesSz cx="6858000" cy="9144000"/>
@@ -107,6 +124,906 @@
     </a:lvl9pPr>
   </p:defaultTextStyle>
 </p:presentation>
+</file>
+
+<file path=ppt/notesMasters/notesMaster1.xml><?xml version="1.0" encoding="utf-8"?>
+<p:notesMaster xmlns:a="http://schemas.openxmlformats.org/drawingml/2006/main" xmlns:r="http://schemas.openxmlformats.org/officeDocument/2006/relationships" xmlns:p="http://schemas.openxmlformats.org/presentationml/2006/main">
+  <p:cSld>
+    <p:bg>
+      <p:bgRef idx="1001">
+        <a:schemeClr val="bg1"/>
+      </p:bgRef>
+    </p:bg>
+    <p:spTree>
+      <p:nvGrpSpPr>
+        <p:cNvPr id="1" name=""/>
+        <p:cNvGrpSpPr/>
+        <p:nvPr/>
+      </p:nvGrpSpPr>
+      <p:grpSpPr>
+        <a:xfrm>
+          <a:off x="0" y="0"/>
+          <a:ext cx="0" cy="0"/>
+          <a:chOff x="0" y="0"/>
+          <a:chExt cx="0" cy="0"/>
+        </a:xfrm>
+      </p:grpSpPr>
+      <p:sp>
+        <p:nvSpPr>
+          <p:cNvPr id="2" name="Header Placeholder 1"/>
+          <p:cNvSpPr>
+            <a:spLocks noGrp="1"/>
+          </p:cNvSpPr>
+          <p:nvPr>
+            <p:ph type="hdr" sz="quarter"/>
+          </p:nvPr>
+        </p:nvSpPr>
+        <p:spPr>
+          <a:xfrm>
+            <a:off x="0" y="0"/>
+            <a:ext cx="2971800" cy="458788"/>
+          </a:xfrm>
+          <a:prstGeom prst="rect">
+            <a:avLst/>
+          </a:prstGeom>
+        </p:spPr>
+        <p:txBody>
+          <a:bodyPr vert="horz" lIns="91440" tIns="45720" rIns="91440" bIns="45720" rtlCol="0"/>
+          <a:lstStyle>
+            <a:lvl1pPr algn="l">
+              <a:defRPr sz="1200"/>
+            </a:lvl1pPr>
+          </a:lstStyle>
+          <a:p>
+            <a:endParaRPr lang="en-US"/>
+          </a:p>
+        </p:txBody>
+      </p:sp>
+      <p:sp>
+        <p:nvSpPr>
+          <p:cNvPr id="3" name="Date Placeholder 2"/>
+          <p:cNvSpPr>
+            <a:spLocks noGrp="1"/>
+          </p:cNvSpPr>
+          <p:nvPr>
+            <p:ph type="dt" idx="1"/>
+          </p:nvPr>
+        </p:nvSpPr>
+        <p:spPr>
+          <a:xfrm>
+            <a:off x="3884613" y="0"/>
+            <a:ext cx="2971800" cy="458788"/>
+          </a:xfrm>
+          <a:prstGeom prst="rect">
+            <a:avLst/>
+          </a:prstGeom>
+        </p:spPr>
+        <p:txBody>
+          <a:bodyPr vert="horz" lIns="91440" tIns="45720" rIns="91440" bIns="45720" rtlCol="0"/>
+          <a:lstStyle>
+            <a:lvl1pPr algn="r">
+              <a:defRPr sz="1200"/>
+            </a:lvl1pPr>
+          </a:lstStyle>
+          <a:p>
+            <a:fld id="{62A3385B-E762-F94F-B8AB-0E51BDA1EC86}" type="datetimeFigureOut">
+              <a:rPr lang="en-US" smtClean="0"/>
+              <a:t>4/27/22</a:t>
+            </a:fld>
+            <a:endParaRPr lang="en-US"/>
+          </a:p>
+        </p:txBody>
+      </p:sp>
+      <p:sp>
+        <p:nvSpPr>
+          <p:cNvPr id="4" name="Slide Image Placeholder 3"/>
+          <p:cNvSpPr>
+            <a:spLocks noGrp="1" noRot="1" noChangeAspect="1"/>
+          </p:cNvSpPr>
+          <p:nvPr>
+            <p:ph type="sldImg" idx="2"/>
+          </p:nvPr>
+        </p:nvSpPr>
+        <p:spPr>
+          <a:xfrm>
+            <a:off x="685800" y="1143000"/>
+            <a:ext cx="5486400" cy="3086100"/>
+          </a:xfrm>
+          <a:prstGeom prst="rect">
+            <a:avLst/>
+          </a:prstGeom>
+          <a:noFill/>
+          <a:ln w="12700">
+            <a:solidFill>
+              <a:prstClr val="black"/>
+            </a:solidFill>
+          </a:ln>
+        </p:spPr>
+        <p:txBody>
+          <a:bodyPr vert="horz" lIns="91440" tIns="45720" rIns="91440" bIns="45720" rtlCol="0" anchor="ctr"/>
+          <a:lstStyle/>
+          <a:p>
+            <a:endParaRPr lang="en-US"/>
+          </a:p>
+        </p:txBody>
+      </p:sp>
+      <p:sp>
+        <p:nvSpPr>
+          <p:cNvPr id="5" name="Notes Placeholder 4"/>
+          <p:cNvSpPr>
+            <a:spLocks noGrp="1"/>
+          </p:cNvSpPr>
+          <p:nvPr>
+            <p:ph type="body" sz="quarter" idx="3"/>
+          </p:nvPr>
+        </p:nvSpPr>
+        <p:spPr>
+          <a:xfrm>
+            <a:off x="685800" y="4400550"/>
+            <a:ext cx="5486400" cy="3600450"/>
+          </a:xfrm>
+          <a:prstGeom prst="rect">
+            <a:avLst/>
+          </a:prstGeom>
+        </p:spPr>
+        <p:txBody>
+          <a:bodyPr vert="horz" lIns="91440" tIns="45720" rIns="91440" bIns="45720" rtlCol="0"/>
+          <a:lstStyle/>
+          <a:p>
+            <a:pPr lvl="0"/>
+            <a:r>
+              <a:rPr lang="en-US"/>
+              <a:t>Click to edit Master text styles</a:t>
+            </a:r>
+          </a:p>
+          <a:p>
+            <a:pPr lvl="1"/>
+            <a:r>
+              <a:rPr lang="en-US"/>
+              <a:t>Second level</a:t>
+            </a:r>
+          </a:p>
+          <a:p>
+            <a:pPr lvl="2"/>
+            <a:r>
+              <a:rPr lang="en-US"/>
+              <a:t>Third level</a:t>
+            </a:r>
+          </a:p>
+          <a:p>
+            <a:pPr lvl="3"/>
+            <a:r>
+              <a:rPr lang="en-US"/>
+              <a:t>Fourth level</a:t>
+            </a:r>
+          </a:p>
+          <a:p>
+            <a:pPr lvl="4"/>
+            <a:r>
+              <a:rPr lang="en-US"/>
+              <a:t>Fifth level</a:t>
+            </a:r>
+          </a:p>
+        </p:txBody>
+      </p:sp>
+      <p:sp>
+        <p:nvSpPr>
+          <p:cNvPr id="6" name="Footer Placeholder 5"/>
+          <p:cNvSpPr>
+            <a:spLocks noGrp="1"/>
+          </p:cNvSpPr>
+          <p:nvPr>
+            <p:ph type="ftr" sz="quarter" idx="4"/>
+          </p:nvPr>
+        </p:nvSpPr>
+        <p:spPr>
+          <a:xfrm>
+            <a:off x="0" y="8685213"/>
+            <a:ext cx="2971800" cy="458787"/>
+          </a:xfrm>
+          <a:prstGeom prst="rect">
+            <a:avLst/>
+          </a:prstGeom>
+        </p:spPr>
+        <p:txBody>
+          <a:bodyPr vert="horz" lIns="91440" tIns="45720" rIns="91440" bIns="45720" rtlCol="0" anchor="b"/>
+          <a:lstStyle>
+            <a:lvl1pPr algn="l">
+              <a:defRPr sz="1200"/>
+            </a:lvl1pPr>
+          </a:lstStyle>
+          <a:p>
+            <a:endParaRPr lang="en-US"/>
+          </a:p>
+        </p:txBody>
+      </p:sp>
+      <p:sp>
+        <p:nvSpPr>
+          <p:cNvPr id="7" name="Slide Number Placeholder 6"/>
+          <p:cNvSpPr>
+            <a:spLocks noGrp="1"/>
+          </p:cNvSpPr>
+          <p:nvPr>
+            <p:ph type="sldNum" sz="quarter" idx="5"/>
+          </p:nvPr>
+        </p:nvSpPr>
+        <p:spPr>
+          <a:xfrm>
+            <a:off x="3884613" y="8685213"/>
+            <a:ext cx="2971800" cy="458787"/>
+          </a:xfrm>
+          <a:prstGeom prst="rect">
+            <a:avLst/>
+          </a:prstGeom>
+        </p:spPr>
+        <p:txBody>
+          <a:bodyPr vert="horz" lIns="91440" tIns="45720" rIns="91440" bIns="45720" rtlCol="0" anchor="b"/>
+          <a:lstStyle>
+            <a:lvl1pPr algn="r">
+              <a:defRPr sz="1200"/>
+            </a:lvl1pPr>
+          </a:lstStyle>
+          <a:p>
+            <a:fld id="{215B2E5D-87C1-E14D-8640-5E66DB7EFB6C}" type="slidenum">
+              <a:rPr lang="en-US" smtClean="0"/>
+              <a:t>‹#›</a:t>
+            </a:fld>
+            <a:endParaRPr lang="en-US"/>
+          </a:p>
+        </p:txBody>
+      </p:sp>
+    </p:spTree>
+    <p:extLst>
+      <p:ext uri="{BB962C8B-B14F-4D97-AF65-F5344CB8AC3E}">
+        <p14:creationId xmlns:p14="http://schemas.microsoft.com/office/powerpoint/2010/main" val="1465129786"/>
+      </p:ext>
+    </p:extLst>
+  </p:cSld>
+  <p:clrMap bg1="lt1" tx1="dk1" bg2="lt2" tx2="dk2" accent1="accent1" accent2="accent2" accent3="accent3" accent4="accent4" accent5="accent5" accent6="accent6" hlink="hlink" folHlink="folHlink"/>
+  <p:notesStyle>
+    <a:lvl1pPr marL="0" algn="l" defTabSz="914400" rtl="0" eaLnBrk="1" latinLnBrk="0" hangingPunct="1">
+      <a:defRPr sz="1200" kern="1200">
+        <a:solidFill>
+          <a:schemeClr val="tx1"/>
+        </a:solidFill>
+        <a:latin typeface="+mn-lt"/>
+        <a:ea typeface="+mn-ea"/>
+        <a:cs typeface="+mn-cs"/>
+      </a:defRPr>
+    </a:lvl1pPr>
+    <a:lvl2pPr marL="457200" algn="l" defTabSz="914400" rtl="0" eaLnBrk="1" latinLnBrk="0" hangingPunct="1">
+      <a:defRPr sz="1200" kern="1200">
+        <a:solidFill>
+          <a:schemeClr val="tx1"/>
+        </a:solidFill>
+        <a:latin typeface="+mn-lt"/>
+        <a:ea typeface="+mn-ea"/>
+        <a:cs typeface="+mn-cs"/>
+      </a:defRPr>
+    </a:lvl2pPr>
+    <a:lvl3pPr marL="914400" algn="l" defTabSz="914400" rtl="0" eaLnBrk="1" latinLnBrk="0" hangingPunct="1">
+      <a:defRPr sz="1200" kern="1200">
+        <a:solidFill>
+          <a:schemeClr val="tx1"/>
+        </a:solidFill>
+        <a:latin typeface="+mn-lt"/>
+        <a:ea typeface="+mn-ea"/>
+        <a:cs typeface="+mn-cs"/>
+      </a:defRPr>
+    </a:lvl3pPr>
+    <a:lvl4pPr marL="1371600" algn="l" defTabSz="914400" rtl="0" eaLnBrk="1" latinLnBrk="0" hangingPunct="1">
+      <a:defRPr sz="1200" kern="1200">
+        <a:solidFill>
+          <a:schemeClr val="tx1"/>
+        </a:solidFill>
+        <a:latin typeface="+mn-lt"/>
+        <a:ea typeface="+mn-ea"/>
+        <a:cs typeface="+mn-cs"/>
+      </a:defRPr>
+    </a:lvl4pPr>
+    <a:lvl5pPr marL="1828800" algn="l" defTabSz="914400" rtl="0" eaLnBrk="1" latinLnBrk="0" hangingPunct="1">
+      <a:defRPr sz="1200" kern="1200">
+        <a:solidFill>
+          <a:schemeClr val="tx1"/>
+        </a:solidFill>
+        <a:latin typeface="+mn-lt"/>
+        <a:ea typeface="+mn-ea"/>
+        <a:cs typeface="+mn-cs"/>
+      </a:defRPr>
+    </a:lvl5pPr>
+    <a:lvl6pPr marL="2286000" algn="l" defTabSz="914400" rtl="0" eaLnBrk="1" latinLnBrk="0" hangingPunct="1">
+      <a:defRPr sz="1200" kern="1200">
+        <a:solidFill>
+          <a:schemeClr val="tx1"/>
+        </a:solidFill>
+        <a:latin typeface="+mn-lt"/>
+        <a:ea typeface="+mn-ea"/>
+        <a:cs typeface="+mn-cs"/>
+      </a:defRPr>
+    </a:lvl6pPr>
+    <a:lvl7pPr marL="2743200" algn="l" defTabSz="914400" rtl="0" eaLnBrk="1" latinLnBrk="0" hangingPunct="1">
+      <a:defRPr sz="1200" kern="1200">
+        <a:solidFill>
+          <a:schemeClr val="tx1"/>
+        </a:solidFill>
+        <a:latin typeface="+mn-lt"/>
+        <a:ea typeface="+mn-ea"/>
+        <a:cs typeface="+mn-cs"/>
+      </a:defRPr>
+    </a:lvl7pPr>
+    <a:lvl8pPr marL="3200400" algn="l" defTabSz="914400" rtl="0" eaLnBrk="1" latinLnBrk="0" hangingPunct="1">
+      <a:defRPr sz="1200" kern="1200">
+        <a:solidFill>
+          <a:schemeClr val="tx1"/>
+        </a:solidFill>
+        <a:latin typeface="+mn-lt"/>
+        <a:ea typeface="+mn-ea"/>
+        <a:cs typeface="+mn-cs"/>
+      </a:defRPr>
+    </a:lvl8pPr>
+    <a:lvl9pPr marL="3657600" algn="l" defTabSz="914400" rtl="0" eaLnBrk="1" latinLnBrk="0" hangingPunct="1">
+      <a:defRPr sz="1200" kern="1200">
+        <a:solidFill>
+          <a:schemeClr val="tx1"/>
+        </a:solidFill>
+        <a:latin typeface="+mn-lt"/>
+        <a:ea typeface="+mn-ea"/>
+        <a:cs typeface="+mn-cs"/>
+      </a:defRPr>
+    </a:lvl9pPr>
+  </p:notesStyle>
+</p:notesMaster>
+</file>
+
+<file path=ppt/notesSlides/notesSlide1.xml><?xml version="1.0" encoding="utf-8"?>
+<p:notes xmlns:a="http://schemas.openxmlformats.org/drawingml/2006/main" xmlns:r="http://schemas.openxmlformats.org/officeDocument/2006/relationships" xmlns:p="http://schemas.openxmlformats.org/presentationml/2006/main">
+  <p:cSld>
+    <p:spTree>
+      <p:nvGrpSpPr>
+        <p:cNvPr id="1" name=""/>
+        <p:cNvGrpSpPr/>
+        <p:nvPr/>
+      </p:nvGrpSpPr>
+      <p:grpSpPr>
+        <a:xfrm>
+          <a:off x="0" y="0"/>
+          <a:ext cx="0" cy="0"/>
+          <a:chOff x="0" y="0"/>
+          <a:chExt cx="0" cy="0"/>
+        </a:xfrm>
+      </p:grpSpPr>
+      <p:sp>
+        <p:nvSpPr>
+          <p:cNvPr id="2" name="Slide Image Placeholder 1"/>
+          <p:cNvSpPr>
+            <a:spLocks noGrp="1" noRot="1" noChangeAspect="1"/>
+          </p:cNvSpPr>
+          <p:nvPr>
+            <p:ph type="sldImg"/>
+          </p:nvPr>
+        </p:nvSpPr>
+        <p:spPr/>
+      </p:sp>
+      <p:sp>
+        <p:nvSpPr>
+          <p:cNvPr id="3" name="Notes Placeholder 2"/>
+          <p:cNvSpPr>
+            <a:spLocks noGrp="1"/>
+          </p:cNvSpPr>
+          <p:nvPr>
+            <p:ph type="body" idx="1"/>
+          </p:nvPr>
+        </p:nvSpPr>
+        <p:spPr/>
+        <p:txBody>
+          <a:bodyPr/>
+          <a:lstStyle/>
+          <a:p>
+            <a:pPr lvl="1"/>
+            <a:r>
+              <a:rPr lang="en-US" dirty="0"/>
+              <a:t>-Low-income: a poverty rate of 20 percent or greater, or a median family income at or below 80 percent of the statewide or metropolitan area median family income;</a:t>
+            </a:r>
+          </a:p>
+          <a:p>
+            <a:r>
+              <a:rPr lang="en-US" dirty="0"/>
+              <a:t>-Low-access: at least 500 persons and/or at least 33 percent of the population lives more than 1 mile from a supermarket or large grocery store (10 miles, in the case of rural census tracts). </a:t>
+            </a:r>
+          </a:p>
+          <a:p>
+            <a:pPr marL="0" marR="0" lvl="0" indent="0" algn="l" defTabSz="914400" rtl="0" eaLnBrk="1" fontAlgn="auto" latinLnBrk="0" hangingPunct="1">
+              <a:lnSpc>
+                <a:spcPct val="100000"/>
+              </a:lnSpc>
+              <a:spcBef>
+                <a:spcPts val="0"/>
+              </a:spcBef>
+              <a:spcAft>
+                <a:spcPts val="0"/>
+              </a:spcAft>
+              <a:buClrTx/>
+              <a:buSzTx/>
+              <a:buFontTx/>
+              <a:buNone/>
+              <a:tabLst/>
+              <a:defRPr/>
+            </a:pPr>
+            <a:endParaRPr lang="en-US" dirty="0"/>
+          </a:p>
+          <a:p>
+            <a:pPr marL="0" marR="0" lvl="0" indent="0" algn="l" defTabSz="914400" rtl="0" eaLnBrk="1" fontAlgn="auto" latinLnBrk="0" hangingPunct="1">
+              <a:lnSpc>
+                <a:spcPct val="100000"/>
+              </a:lnSpc>
+              <a:spcBef>
+                <a:spcPts val="0"/>
+              </a:spcBef>
+              <a:spcAft>
+                <a:spcPts val="0"/>
+              </a:spcAft>
+              <a:buClrTx/>
+              <a:buSzTx/>
+              <a:buFontTx/>
+              <a:buNone/>
+              <a:tabLst/>
+              <a:defRPr/>
+            </a:pPr>
+            <a:r>
+              <a:rPr lang="en-US" dirty="0"/>
+              <a:t>-The 2010 Census food desert analysis deviated from the established USDA definition, defining a low-income community requires 40 percent of the population to have an income at or below 200 percent of federal poverty thresholds for family size</a:t>
+            </a:r>
+          </a:p>
+          <a:p>
+            <a:pPr marL="0" marR="0" lvl="0" indent="0" algn="l" defTabSz="914400" rtl="0" eaLnBrk="1" fontAlgn="auto" latinLnBrk="0" hangingPunct="1">
+              <a:lnSpc>
+                <a:spcPct val="100000"/>
+              </a:lnSpc>
+              <a:spcBef>
+                <a:spcPts val="0"/>
+              </a:spcBef>
+              <a:spcAft>
+                <a:spcPts val="0"/>
+              </a:spcAft>
+              <a:buClrTx/>
+              <a:buSzTx/>
+              <a:buFontTx/>
+              <a:buNone/>
+              <a:tabLst/>
+              <a:defRPr/>
+            </a:pPr>
+            <a:endParaRPr lang="en-US" dirty="0"/>
+          </a:p>
+          <a:p>
+            <a:pPr marL="0" marR="0" lvl="0" indent="0" algn="l" defTabSz="914400" rtl="0" eaLnBrk="1" fontAlgn="auto" latinLnBrk="0" hangingPunct="1">
+              <a:lnSpc>
+                <a:spcPct val="100000"/>
+              </a:lnSpc>
+              <a:spcBef>
+                <a:spcPts val="0"/>
+              </a:spcBef>
+              <a:spcAft>
+                <a:spcPts val="0"/>
+              </a:spcAft>
+              <a:buClrTx/>
+              <a:buSzTx/>
+              <a:buFontTx/>
+              <a:buNone/>
+              <a:tabLst/>
+              <a:defRPr/>
+            </a:pPr>
+            <a:r>
+              <a:rPr lang="en-US" dirty="0"/>
+              <a:t>-Of interest, using the alternate low-income classification, 29.7 million people live in low income census tracts more than 1 mile from a supermarket. </a:t>
+            </a:r>
+          </a:p>
+          <a:p>
+            <a:endParaRPr lang="en-US" dirty="0"/>
+          </a:p>
+        </p:txBody>
+      </p:sp>
+      <p:sp>
+        <p:nvSpPr>
+          <p:cNvPr id="4" name="Slide Number Placeholder 3"/>
+          <p:cNvSpPr>
+            <a:spLocks noGrp="1"/>
+          </p:cNvSpPr>
+          <p:nvPr>
+            <p:ph type="sldNum" sz="quarter" idx="5"/>
+          </p:nvPr>
+        </p:nvSpPr>
+        <p:spPr/>
+        <p:txBody>
+          <a:bodyPr/>
+          <a:lstStyle/>
+          <a:p>
+            <a:fld id="{215B2E5D-87C1-E14D-8640-5E66DB7EFB6C}" type="slidenum">
+              <a:rPr lang="en-US" smtClean="0"/>
+              <a:t>2</a:t>
+            </a:fld>
+            <a:endParaRPr lang="en-US"/>
+          </a:p>
+        </p:txBody>
+      </p:sp>
+    </p:spTree>
+    <p:extLst>
+      <p:ext uri="{BB962C8B-B14F-4D97-AF65-F5344CB8AC3E}">
+        <p14:creationId xmlns:p14="http://schemas.microsoft.com/office/powerpoint/2010/main" val="3735819605"/>
+      </p:ext>
+    </p:extLst>
+  </p:cSld>
+  <p:clrMapOvr>
+    <a:masterClrMapping/>
+  </p:clrMapOvr>
+</p:notes>
+</file>
+
+<file path=ppt/notesSlides/notesSlide2.xml><?xml version="1.0" encoding="utf-8"?>
+<p:notes xmlns:a="http://schemas.openxmlformats.org/drawingml/2006/main" xmlns:r="http://schemas.openxmlformats.org/officeDocument/2006/relationships" xmlns:p="http://schemas.openxmlformats.org/presentationml/2006/main">
+  <p:cSld>
+    <p:spTree>
+      <p:nvGrpSpPr>
+        <p:cNvPr id="1" name=""/>
+        <p:cNvGrpSpPr/>
+        <p:nvPr/>
+      </p:nvGrpSpPr>
+      <p:grpSpPr>
+        <a:xfrm>
+          <a:off x="0" y="0"/>
+          <a:ext cx="0" cy="0"/>
+          <a:chOff x="0" y="0"/>
+          <a:chExt cx="0" cy="0"/>
+        </a:xfrm>
+      </p:grpSpPr>
+      <p:sp>
+        <p:nvSpPr>
+          <p:cNvPr id="2" name="Slide Image Placeholder 1"/>
+          <p:cNvSpPr>
+            <a:spLocks noGrp="1" noRot="1" noChangeAspect="1"/>
+          </p:cNvSpPr>
+          <p:nvPr>
+            <p:ph type="sldImg"/>
+          </p:nvPr>
+        </p:nvSpPr>
+        <p:spPr/>
+      </p:sp>
+      <p:sp>
+        <p:nvSpPr>
+          <p:cNvPr id="3" name="Notes Placeholder 2"/>
+          <p:cNvSpPr>
+            <a:spLocks noGrp="1"/>
+          </p:cNvSpPr>
+          <p:nvPr>
+            <p:ph type="body" idx="1"/>
+          </p:nvPr>
+        </p:nvSpPr>
+        <p:spPr/>
+        <p:txBody>
+          <a:bodyPr/>
+          <a:lstStyle/>
+          <a:p>
+            <a:r>
+              <a:rPr lang="en-US" dirty="0"/>
+              <a:t>-According to a study in the American Journal of Preventive Medicine, wealthier neighborhoods have over three times as many supermarkets as lower income neighborhoods</a:t>
+            </a:r>
+          </a:p>
+          <a:p>
+            <a:endParaRPr lang="en-US" dirty="0"/>
+          </a:p>
+          <a:p>
+            <a:r>
+              <a:rPr lang="en-US" dirty="0"/>
+              <a:t>-Findings from this study led researchers to speculate that the migration of supermarkets to suburbs and the lack of transportation available to low-income communities are contributing to malnutrition among the poor.</a:t>
+            </a:r>
+          </a:p>
+          <a:p>
+            <a:endParaRPr lang="en-US" dirty="0"/>
+          </a:p>
+          <a:p>
+            <a:pPr marL="0" marR="0" lvl="0" indent="0" algn="l" defTabSz="914400" rtl="0" eaLnBrk="1" fontAlgn="auto" latinLnBrk="0" hangingPunct="1">
+              <a:lnSpc>
+                <a:spcPct val="100000"/>
+              </a:lnSpc>
+              <a:spcBef>
+                <a:spcPts val="0"/>
+              </a:spcBef>
+              <a:spcAft>
+                <a:spcPts val="0"/>
+              </a:spcAft>
+              <a:buClrTx/>
+              <a:buSzTx/>
+              <a:buFontTx/>
+              <a:buNone/>
+              <a:tabLst/>
+              <a:defRPr/>
+            </a:pPr>
+            <a:r>
+              <a:rPr lang="en-US" dirty="0"/>
+              <a:t>-”Premature death due to cancer and cardiovascular disease is also greater for African-American, White, and Latino communities where there is greater imbalance of food choices.” (Gallagher, 2006)</a:t>
+            </a:r>
+          </a:p>
+          <a:p>
+            <a:endParaRPr lang="en-US" dirty="0"/>
+          </a:p>
+          <a:p>
+            <a:pPr marL="0" marR="0" lvl="0" indent="0" algn="l" defTabSz="914400" rtl="0" eaLnBrk="1" fontAlgn="auto" latinLnBrk="0" hangingPunct="1">
+              <a:lnSpc>
+                <a:spcPct val="100000"/>
+              </a:lnSpc>
+              <a:spcBef>
+                <a:spcPts val="0"/>
+              </a:spcBef>
+              <a:spcAft>
+                <a:spcPts val="0"/>
+              </a:spcAft>
+              <a:buClrTx/>
+              <a:buSzTx/>
+              <a:buFontTx/>
+              <a:buNone/>
+              <a:tabLst/>
+              <a:defRPr/>
+            </a:pPr>
+            <a:r>
+              <a:rPr lang="en-US" dirty="0"/>
+              <a:t>A study in Chicago demonstrated that African-Americans are the most disadvantaged in regards to access to healthy food choices, and travel the furthest on average to grocery stores [in Chicago]. (Gallagher, 2006)</a:t>
+            </a:r>
+          </a:p>
+          <a:p>
+            <a:endParaRPr lang="en-US" dirty="0"/>
+          </a:p>
+        </p:txBody>
+      </p:sp>
+      <p:sp>
+        <p:nvSpPr>
+          <p:cNvPr id="4" name="Slide Number Placeholder 3"/>
+          <p:cNvSpPr>
+            <a:spLocks noGrp="1"/>
+          </p:cNvSpPr>
+          <p:nvPr>
+            <p:ph type="sldNum" sz="quarter" idx="5"/>
+          </p:nvPr>
+        </p:nvSpPr>
+        <p:spPr/>
+        <p:txBody>
+          <a:bodyPr/>
+          <a:lstStyle/>
+          <a:p>
+            <a:fld id="{215B2E5D-87C1-E14D-8640-5E66DB7EFB6C}" type="slidenum">
+              <a:rPr lang="en-US" smtClean="0"/>
+              <a:t>4</a:t>
+            </a:fld>
+            <a:endParaRPr lang="en-US"/>
+          </a:p>
+        </p:txBody>
+      </p:sp>
+    </p:spTree>
+    <p:extLst>
+      <p:ext uri="{BB962C8B-B14F-4D97-AF65-F5344CB8AC3E}">
+        <p14:creationId xmlns:p14="http://schemas.microsoft.com/office/powerpoint/2010/main" val="2806229823"/>
+      </p:ext>
+    </p:extLst>
+  </p:cSld>
+  <p:clrMapOvr>
+    <a:masterClrMapping/>
+  </p:clrMapOvr>
+</p:notes>
+</file>
+
+<file path=ppt/notesSlides/notesSlide3.xml><?xml version="1.0" encoding="utf-8"?>
+<p:notes xmlns:a="http://schemas.openxmlformats.org/drawingml/2006/main" xmlns:r="http://schemas.openxmlformats.org/officeDocument/2006/relationships" xmlns:p="http://schemas.openxmlformats.org/presentationml/2006/main">
+  <p:cSld>
+    <p:spTree>
+      <p:nvGrpSpPr>
+        <p:cNvPr id="1" name=""/>
+        <p:cNvGrpSpPr/>
+        <p:nvPr/>
+      </p:nvGrpSpPr>
+      <p:grpSpPr>
+        <a:xfrm>
+          <a:off x="0" y="0"/>
+          <a:ext cx="0" cy="0"/>
+          <a:chOff x="0" y="0"/>
+          <a:chExt cx="0" cy="0"/>
+        </a:xfrm>
+      </p:grpSpPr>
+      <p:sp>
+        <p:nvSpPr>
+          <p:cNvPr id="2" name="Slide Image Placeholder 1"/>
+          <p:cNvSpPr>
+            <a:spLocks noGrp="1" noRot="1" noChangeAspect="1"/>
+          </p:cNvSpPr>
+          <p:nvPr>
+            <p:ph type="sldImg"/>
+          </p:nvPr>
+        </p:nvSpPr>
+        <p:spPr/>
+      </p:sp>
+      <p:sp>
+        <p:nvSpPr>
+          <p:cNvPr id="3" name="Notes Placeholder 2"/>
+          <p:cNvSpPr>
+            <a:spLocks noGrp="1"/>
+          </p:cNvSpPr>
+          <p:nvPr>
+            <p:ph type="body" idx="1"/>
+          </p:nvPr>
+        </p:nvSpPr>
+        <p:spPr/>
+        <p:txBody>
+          <a:bodyPr/>
+          <a:lstStyle/>
+          <a:p>
+            <a:pPr marL="0" marR="0" lvl="0" indent="0" algn="l" defTabSz="914400" rtl="0" eaLnBrk="1" fontAlgn="auto" latinLnBrk="0" hangingPunct="1">
+              <a:lnSpc>
+                <a:spcPct val="100000"/>
+              </a:lnSpc>
+              <a:spcBef>
+                <a:spcPts val="0"/>
+              </a:spcBef>
+              <a:spcAft>
+                <a:spcPts val="0"/>
+              </a:spcAft>
+              <a:buClrTx/>
+              <a:buSzTx/>
+              <a:buFontTx/>
+              <a:buNone/>
+              <a:tabLst/>
+              <a:defRPr/>
+            </a:pPr>
+            <a:r>
+              <a:rPr lang="en-US" dirty="0"/>
+              <a:t>Piggly Wiggly was closest grocery store. After closer, no choice but to drive ~15-20 minutes to Publix or Kroger, dependent on traffic.</a:t>
+            </a:r>
+          </a:p>
+          <a:p>
+            <a:endParaRPr lang="en-US" dirty="0"/>
+          </a:p>
+          <a:p>
+            <a:pPr marL="0" marR="0" lvl="0" indent="0" algn="l" defTabSz="914400" rtl="0" eaLnBrk="1" fontAlgn="auto" latinLnBrk="0" hangingPunct="1">
+              <a:lnSpc>
+                <a:spcPct val="100000"/>
+              </a:lnSpc>
+              <a:spcBef>
+                <a:spcPts val="0"/>
+              </a:spcBef>
+              <a:spcAft>
+                <a:spcPts val="0"/>
+              </a:spcAft>
+              <a:buClrTx/>
+              <a:buSzTx/>
+              <a:buFontTx/>
+              <a:buNone/>
+              <a:tabLst/>
+              <a:defRPr/>
+            </a:pPr>
+            <a:r>
+              <a:rPr lang="en-US" dirty="0"/>
+              <a:t>I am a registered nurse, and public health in all its forms is a big interest of mine</a:t>
+            </a:r>
+          </a:p>
+          <a:p>
+            <a:endParaRPr lang="en-US" dirty="0"/>
+          </a:p>
+        </p:txBody>
+      </p:sp>
+      <p:sp>
+        <p:nvSpPr>
+          <p:cNvPr id="4" name="Slide Number Placeholder 3"/>
+          <p:cNvSpPr>
+            <a:spLocks noGrp="1"/>
+          </p:cNvSpPr>
+          <p:nvPr>
+            <p:ph type="sldNum" sz="quarter" idx="5"/>
+          </p:nvPr>
+        </p:nvSpPr>
+        <p:spPr/>
+        <p:txBody>
+          <a:bodyPr/>
+          <a:lstStyle/>
+          <a:p>
+            <a:fld id="{215B2E5D-87C1-E14D-8640-5E66DB7EFB6C}" type="slidenum">
+              <a:rPr lang="en-US" smtClean="0"/>
+              <a:t>5</a:t>
+            </a:fld>
+            <a:endParaRPr lang="en-US"/>
+          </a:p>
+        </p:txBody>
+      </p:sp>
+    </p:spTree>
+    <p:extLst>
+      <p:ext uri="{BB962C8B-B14F-4D97-AF65-F5344CB8AC3E}">
+        <p14:creationId xmlns:p14="http://schemas.microsoft.com/office/powerpoint/2010/main" val="1679474066"/>
+      </p:ext>
+    </p:extLst>
+  </p:cSld>
+  <p:clrMapOvr>
+    <a:masterClrMapping/>
+  </p:clrMapOvr>
+</p:notes>
+</file>
+
+<file path=ppt/notesSlides/notesSlide4.xml><?xml version="1.0" encoding="utf-8"?>
+<p:notes xmlns:a="http://schemas.openxmlformats.org/drawingml/2006/main" xmlns:r="http://schemas.openxmlformats.org/officeDocument/2006/relationships" xmlns:p="http://schemas.openxmlformats.org/presentationml/2006/main">
+  <p:cSld>
+    <p:spTree>
+      <p:nvGrpSpPr>
+        <p:cNvPr id="1" name=""/>
+        <p:cNvGrpSpPr/>
+        <p:nvPr/>
+      </p:nvGrpSpPr>
+      <p:grpSpPr>
+        <a:xfrm>
+          <a:off x="0" y="0"/>
+          <a:ext cx="0" cy="0"/>
+          <a:chOff x="0" y="0"/>
+          <a:chExt cx="0" cy="0"/>
+        </a:xfrm>
+      </p:grpSpPr>
+      <p:sp>
+        <p:nvSpPr>
+          <p:cNvPr id="2" name="Slide Image Placeholder 1"/>
+          <p:cNvSpPr>
+            <a:spLocks noGrp="1" noRot="1" noChangeAspect="1"/>
+          </p:cNvSpPr>
+          <p:nvPr>
+            <p:ph type="sldImg"/>
+          </p:nvPr>
+        </p:nvSpPr>
+        <p:spPr/>
+      </p:sp>
+      <p:sp>
+        <p:nvSpPr>
+          <p:cNvPr id="3" name="Notes Placeholder 2"/>
+          <p:cNvSpPr>
+            <a:spLocks noGrp="1"/>
+          </p:cNvSpPr>
+          <p:nvPr>
+            <p:ph type="body" idx="1"/>
+          </p:nvPr>
+        </p:nvSpPr>
+        <p:spPr/>
+        <p:txBody>
+          <a:bodyPr/>
+          <a:lstStyle/>
+          <a:p>
+            <a:endParaRPr lang="en-US" dirty="0"/>
+          </a:p>
+        </p:txBody>
+      </p:sp>
+      <p:sp>
+        <p:nvSpPr>
+          <p:cNvPr id="4" name="Slide Number Placeholder 3"/>
+          <p:cNvSpPr>
+            <a:spLocks noGrp="1"/>
+          </p:cNvSpPr>
+          <p:nvPr>
+            <p:ph type="sldNum" sz="quarter" idx="5"/>
+          </p:nvPr>
+        </p:nvSpPr>
+        <p:spPr/>
+        <p:txBody>
+          <a:bodyPr/>
+          <a:lstStyle/>
+          <a:p>
+            <a:fld id="{215B2E5D-87C1-E14D-8640-5E66DB7EFB6C}" type="slidenum">
+              <a:rPr lang="en-US" smtClean="0"/>
+              <a:t>16</a:t>
+            </a:fld>
+            <a:endParaRPr lang="en-US"/>
+          </a:p>
+        </p:txBody>
+      </p:sp>
+    </p:spTree>
+    <p:extLst>
+      <p:ext uri="{BB962C8B-B14F-4D97-AF65-F5344CB8AC3E}">
+        <p14:creationId xmlns:p14="http://schemas.microsoft.com/office/powerpoint/2010/main" val="923823559"/>
+      </p:ext>
+    </p:extLst>
+  </p:cSld>
+  <p:clrMapOvr>
+    <a:masterClrMapping/>
+  </p:clrMapOvr>
+</p:notes>
 </file>
 
 <file path=ppt/slideLayouts/slideLayout1.xml><?xml version="1.0" encoding="utf-8"?>
@@ -5821,7 +6738,7 @@
           <a:p>
             <a:r>
               <a:rPr lang="en-US" dirty="0"/>
-              <a:t>Data Analysis performed by Kenneth Simmons</a:t>
+              <a:t>Data Analysis performed by Kenneth Simmons, RN</a:t>
             </a:r>
           </a:p>
         </p:txBody>
@@ -5830,6 +6747,874 @@
     <p:extLst>
       <p:ext uri="{BB962C8B-B14F-4D97-AF65-F5344CB8AC3E}">
         <p14:creationId xmlns:p14="http://schemas.microsoft.com/office/powerpoint/2010/main" val="2382667633"/>
+      </p:ext>
+    </p:extLst>
+  </p:cSld>
+  <p:clrMapOvr>
+    <a:masterClrMapping/>
+  </p:clrMapOvr>
+</p:sld>
+</file>
+
+<file path=ppt/slides/slide10.xml><?xml version="1.0" encoding="utf-8"?>
+<p:sld xmlns:a="http://schemas.openxmlformats.org/drawingml/2006/main" xmlns:r="http://schemas.openxmlformats.org/officeDocument/2006/relationships" xmlns:p="http://schemas.openxmlformats.org/presentationml/2006/main">
+  <p:cSld>
+    <p:spTree>
+      <p:nvGrpSpPr>
+        <p:cNvPr id="1" name=""/>
+        <p:cNvGrpSpPr/>
+        <p:nvPr/>
+      </p:nvGrpSpPr>
+      <p:grpSpPr>
+        <a:xfrm>
+          <a:off x="0" y="0"/>
+          <a:ext cx="0" cy="0"/>
+          <a:chOff x="0" y="0"/>
+          <a:chExt cx="0" cy="0"/>
+        </a:xfrm>
+      </p:grpSpPr>
+      <p:sp>
+        <p:nvSpPr>
+          <p:cNvPr id="2" name="Title 1">
+            <a:extLst>
+              <a:ext uri="{FF2B5EF4-FFF2-40B4-BE49-F238E27FC236}">
+                <a16:creationId xmlns:a16="http://schemas.microsoft.com/office/drawing/2014/main" id="{52B60D75-208D-5399-8893-8A26B6F229B4}"/>
+              </a:ext>
+            </a:extLst>
+          </p:cNvPr>
+          <p:cNvSpPr>
+            <a:spLocks noGrp="1"/>
+          </p:cNvSpPr>
+          <p:nvPr>
+            <p:ph type="title"/>
+          </p:nvPr>
+        </p:nvSpPr>
+        <p:spPr/>
+        <p:txBody>
+          <a:bodyPr/>
+          <a:lstStyle/>
+          <a:p>
+            <a:r>
+              <a:rPr lang="en-US" dirty="0"/>
+              <a:t>BP scatterplot</a:t>
+            </a:r>
+          </a:p>
+        </p:txBody>
+      </p:sp>
+      <p:sp>
+        <p:nvSpPr>
+          <p:cNvPr id="3" name="Content Placeholder 2">
+            <a:extLst>
+              <a:ext uri="{FF2B5EF4-FFF2-40B4-BE49-F238E27FC236}">
+                <a16:creationId xmlns:a16="http://schemas.microsoft.com/office/drawing/2014/main" id="{6958BB78-804F-3D02-73C6-8B92946505A8}"/>
+              </a:ext>
+            </a:extLst>
+          </p:cNvPr>
+          <p:cNvSpPr>
+            <a:spLocks noGrp="1"/>
+          </p:cNvSpPr>
+          <p:nvPr>
+            <p:ph idx="1"/>
+          </p:nvPr>
+        </p:nvSpPr>
+        <p:spPr/>
+        <p:txBody>
+          <a:bodyPr/>
+          <a:lstStyle/>
+          <a:p>
+            <a:r>
+              <a:rPr lang="en-US" dirty="0"/>
+              <a:t>+/- correlation between disease prevalence and # of grocers per zip</a:t>
+            </a:r>
+          </a:p>
+          <a:p>
+            <a:r>
+              <a:rPr lang="en-US" dirty="0"/>
+              <a:t>Scatter plot and trend line with correlation number on this slide, or next slide</a:t>
+            </a:r>
+          </a:p>
+        </p:txBody>
+      </p:sp>
+    </p:spTree>
+    <p:extLst>
+      <p:ext uri="{BB962C8B-B14F-4D97-AF65-F5344CB8AC3E}">
+        <p14:creationId xmlns:p14="http://schemas.microsoft.com/office/powerpoint/2010/main" val="2036795500"/>
+      </p:ext>
+    </p:extLst>
+  </p:cSld>
+  <p:clrMapOvr>
+    <a:masterClrMapping/>
+  </p:clrMapOvr>
+</p:sld>
+</file>
+
+<file path=ppt/slides/slide11.xml><?xml version="1.0" encoding="utf-8"?>
+<p:sld xmlns:a="http://schemas.openxmlformats.org/drawingml/2006/main" xmlns:r="http://schemas.openxmlformats.org/officeDocument/2006/relationships" xmlns:p="http://schemas.openxmlformats.org/presentationml/2006/main">
+  <p:cSld>
+    <p:spTree>
+      <p:nvGrpSpPr>
+        <p:cNvPr id="1" name=""/>
+        <p:cNvGrpSpPr/>
+        <p:nvPr/>
+      </p:nvGrpSpPr>
+      <p:grpSpPr>
+        <a:xfrm>
+          <a:off x="0" y="0"/>
+          <a:ext cx="0" cy="0"/>
+          <a:chOff x="0" y="0"/>
+          <a:chExt cx="0" cy="0"/>
+        </a:xfrm>
+      </p:grpSpPr>
+      <p:sp>
+        <p:nvSpPr>
+          <p:cNvPr id="2" name="Title 1">
+            <a:extLst>
+              <a:ext uri="{FF2B5EF4-FFF2-40B4-BE49-F238E27FC236}">
+                <a16:creationId xmlns:a16="http://schemas.microsoft.com/office/drawing/2014/main" id="{52B60D75-208D-5399-8893-8A26B6F229B4}"/>
+              </a:ext>
+            </a:extLst>
+          </p:cNvPr>
+          <p:cNvSpPr>
+            <a:spLocks noGrp="1"/>
+          </p:cNvSpPr>
+          <p:nvPr>
+            <p:ph type="title"/>
+          </p:nvPr>
+        </p:nvSpPr>
+        <p:spPr/>
+        <p:txBody>
+          <a:bodyPr/>
+          <a:lstStyle/>
+          <a:p>
+            <a:r>
+              <a:rPr lang="en-US" dirty="0"/>
+              <a:t>CAD scatterplot</a:t>
+            </a:r>
+          </a:p>
+        </p:txBody>
+      </p:sp>
+      <p:sp>
+        <p:nvSpPr>
+          <p:cNvPr id="3" name="Content Placeholder 2">
+            <a:extLst>
+              <a:ext uri="{FF2B5EF4-FFF2-40B4-BE49-F238E27FC236}">
+                <a16:creationId xmlns:a16="http://schemas.microsoft.com/office/drawing/2014/main" id="{6958BB78-804F-3D02-73C6-8B92946505A8}"/>
+              </a:ext>
+            </a:extLst>
+          </p:cNvPr>
+          <p:cNvSpPr>
+            <a:spLocks noGrp="1"/>
+          </p:cNvSpPr>
+          <p:nvPr>
+            <p:ph idx="1"/>
+          </p:nvPr>
+        </p:nvSpPr>
+        <p:spPr/>
+        <p:txBody>
+          <a:bodyPr/>
+          <a:lstStyle/>
+          <a:p>
+            <a:r>
+              <a:rPr lang="en-US" dirty="0"/>
+              <a:t>+/- correlation between disease prevalence and # of grocers per zip</a:t>
+            </a:r>
+          </a:p>
+          <a:p>
+            <a:r>
+              <a:rPr lang="en-US" dirty="0"/>
+              <a:t>Scatter plot and trend line with correlation number on this slide, or next slide</a:t>
+            </a:r>
+          </a:p>
+        </p:txBody>
+      </p:sp>
+    </p:spTree>
+    <p:extLst>
+      <p:ext uri="{BB962C8B-B14F-4D97-AF65-F5344CB8AC3E}">
+        <p14:creationId xmlns:p14="http://schemas.microsoft.com/office/powerpoint/2010/main" val="2166147582"/>
+      </p:ext>
+    </p:extLst>
+  </p:cSld>
+  <p:clrMapOvr>
+    <a:masterClrMapping/>
+  </p:clrMapOvr>
+</p:sld>
+</file>
+
+<file path=ppt/slides/slide12.xml><?xml version="1.0" encoding="utf-8"?>
+<p:sld xmlns:a="http://schemas.openxmlformats.org/drawingml/2006/main" xmlns:r="http://schemas.openxmlformats.org/officeDocument/2006/relationships" xmlns:p="http://schemas.openxmlformats.org/presentationml/2006/main">
+  <p:cSld>
+    <p:spTree>
+      <p:nvGrpSpPr>
+        <p:cNvPr id="1" name=""/>
+        <p:cNvGrpSpPr/>
+        <p:nvPr/>
+      </p:nvGrpSpPr>
+      <p:grpSpPr>
+        <a:xfrm>
+          <a:off x="0" y="0"/>
+          <a:ext cx="0" cy="0"/>
+          <a:chOff x="0" y="0"/>
+          <a:chExt cx="0" cy="0"/>
+        </a:xfrm>
+      </p:grpSpPr>
+      <p:sp>
+        <p:nvSpPr>
+          <p:cNvPr id="2" name="Title 1">
+            <a:extLst>
+              <a:ext uri="{FF2B5EF4-FFF2-40B4-BE49-F238E27FC236}">
+                <a16:creationId xmlns:a16="http://schemas.microsoft.com/office/drawing/2014/main" id="{52B60D75-208D-5399-8893-8A26B6F229B4}"/>
+              </a:ext>
+            </a:extLst>
+          </p:cNvPr>
+          <p:cNvSpPr>
+            <a:spLocks noGrp="1"/>
+          </p:cNvSpPr>
+          <p:nvPr>
+            <p:ph type="title"/>
+          </p:nvPr>
+        </p:nvSpPr>
+        <p:spPr/>
+        <p:txBody>
+          <a:bodyPr/>
+          <a:lstStyle/>
+          <a:p>
+            <a:r>
+              <a:rPr lang="en-US" dirty="0"/>
+              <a:t>DM scatterplot</a:t>
+            </a:r>
+          </a:p>
+        </p:txBody>
+      </p:sp>
+      <p:sp>
+        <p:nvSpPr>
+          <p:cNvPr id="3" name="Content Placeholder 2">
+            <a:extLst>
+              <a:ext uri="{FF2B5EF4-FFF2-40B4-BE49-F238E27FC236}">
+                <a16:creationId xmlns:a16="http://schemas.microsoft.com/office/drawing/2014/main" id="{6958BB78-804F-3D02-73C6-8B92946505A8}"/>
+              </a:ext>
+            </a:extLst>
+          </p:cNvPr>
+          <p:cNvSpPr>
+            <a:spLocks noGrp="1"/>
+          </p:cNvSpPr>
+          <p:nvPr>
+            <p:ph idx="1"/>
+          </p:nvPr>
+        </p:nvSpPr>
+        <p:spPr/>
+        <p:txBody>
+          <a:bodyPr/>
+          <a:lstStyle/>
+          <a:p>
+            <a:r>
+              <a:rPr lang="en-US" dirty="0"/>
+              <a:t>+/- correlation between disease prevalence and # of grocers per zip</a:t>
+            </a:r>
+          </a:p>
+          <a:p>
+            <a:r>
+              <a:rPr lang="en-US" dirty="0"/>
+              <a:t>Scatter plot and trend line with correlation number on this slide, or next slide</a:t>
+            </a:r>
+          </a:p>
+        </p:txBody>
+      </p:sp>
+    </p:spTree>
+    <p:extLst>
+      <p:ext uri="{BB962C8B-B14F-4D97-AF65-F5344CB8AC3E}">
+        <p14:creationId xmlns:p14="http://schemas.microsoft.com/office/powerpoint/2010/main" val="2236692099"/>
+      </p:ext>
+    </p:extLst>
+  </p:cSld>
+  <p:clrMapOvr>
+    <a:masterClrMapping/>
+  </p:clrMapOvr>
+</p:sld>
+</file>
+
+<file path=ppt/slides/slide13.xml><?xml version="1.0" encoding="utf-8"?>
+<p:sld xmlns:a="http://schemas.openxmlformats.org/drawingml/2006/main" xmlns:r="http://schemas.openxmlformats.org/officeDocument/2006/relationships" xmlns:p="http://schemas.openxmlformats.org/presentationml/2006/main">
+  <p:cSld>
+    <p:spTree>
+      <p:nvGrpSpPr>
+        <p:cNvPr id="1" name=""/>
+        <p:cNvGrpSpPr/>
+        <p:nvPr/>
+      </p:nvGrpSpPr>
+      <p:grpSpPr>
+        <a:xfrm>
+          <a:off x="0" y="0"/>
+          <a:ext cx="0" cy="0"/>
+          <a:chOff x="0" y="0"/>
+          <a:chExt cx="0" cy="0"/>
+        </a:xfrm>
+      </p:grpSpPr>
+      <p:sp>
+        <p:nvSpPr>
+          <p:cNvPr id="2" name="Title 1">
+            <a:extLst>
+              <a:ext uri="{FF2B5EF4-FFF2-40B4-BE49-F238E27FC236}">
+                <a16:creationId xmlns:a16="http://schemas.microsoft.com/office/drawing/2014/main" id="{52B60D75-208D-5399-8893-8A26B6F229B4}"/>
+              </a:ext>
+            </a:extLst>
+          </p:cNvPr>
+          <p:cNvSpPr>
+            <a:spLocks noGrp="1"/>
+          </p:cNvSpPr>
+          <p:nvPr>
+            <p:ph type="title"/>
+          </p:nvPr>
+        </p:nvSpPr>
+        <p:spPr/>
+        <p:txBody>
+          <a:bodyPr/>
+          <a:lstStyle/>
+          <a:p>
+            <a:r>
+              <a:rPr lang="en-US" dirty="0"/>
+              <a:t>High </a:t>
+            </a:r>
+            <a:r>
+              <a:rPr lang="en-US" dirty="0" err="1"/>
+              <a:t>chol</a:t>
+            </a:r>
+            <a:r>
+              <a:rPr lang="en-US" dirty="0"/>
+              <a:t> scatterplot</a:t>
+            </a:r>
+          </a:p>
+        </p:txBody>
+      </p:sp>
+      <p:sp>
+        <p:nvSpPr>
+          <p:cNvPr id="3" name="Content Placeholder 2">
+            <a:extLst>
+              <a:ext uri="{FF2B5EF4-FFF2-40B4-BE49-F238E27FC236}">
+                <a16:creationId xmlns:a16="http://schemas.microsoft.com/office/drawing/2014/main" id="{6958BB78-804F-3D02-73C6-8B92946505A8}"/>
+              </a:ext>
+            </a:extLst>
+          </p:cNvPr>
+          <p:cNvSpPr>
+            <a:spLocks noGrp="1"/>
+          </p:cNvSpPr>
+          <p:nvPr>
+            <p:ph idx="1"/>
+          </p:nvPr>
+        </p:nvSpPr>
+        <p:spPr/>
+        <p:txBody>
+          <a:bodyPr/>
+          <a:lstStyle/>
+          <a:p>
+            <a:r>
+              <a:rPr lang="en-US" dirty="0"/>
+              <a:t>+/- correlation between disease prevalence and # of grocers per zip</a:t>
+            </a:r>
+          </a:p>
+          <a:p>
+            <a:r>
+              <a:rPr lang="en-US" dirty="0"/>
+              <a:t>Scatter plot and trend line with correlation number on this slide, or next slide</a:t>
+            </a:r>
+          </a:p>
+        </p:txBody>
+      </p:sp>
+    </p:spTree>
+    <p:extLst>
+      <p:ext uri="{BB962C8B-B14F-4D97-AF65-F5344CB8AC3E}">
+        <p14:creationId xmlns:p14="http://schemas.microsoft.com/office/powerpoint/2010/main" val="2032460076"/>
+      </p:ext>
+    </p:extLst>
+  </p:cSld>
+  <p:clrMapOvr>
+    <a:masterClrMapping/>
+  </p:clrMapOvr>
+</p:sld>
+</file>
+
+<file path=ppt/slides/slide14.xml><?xml version="1.0" encoding="utf-8"?>
+<p:sld xmlns:a="http://schemas.openxmlformats.org/drawingml/2006/main" xmlns:r="http://schemas.openxmlformats.org/officeDocument/2006/relationships" xmlns:p="http://schemas.openxmlformats.org/presentationml/2006/main">
+  <p:cSld>
+    <p:spTree>
+      <p:nvGrpSpPr>
+        <p:cNvPr id="1" name=""/>
+        <p:cNvGrpSpPr/>
+        <p:nvPr/>
+      </p:nvGrpSpPr>
+      <p:grpSpPr>
+        <a:xfrm>
+          <a:off x="0" y="0"/>
+          <a:ext cx="0" cy="0"/>
+          <a:chOff x="0" y="0"/>
+          <a:chExt cx="0" cy="0"/>
+        </a:xfrm>
+      </p:grpSpPr>
+      <p:sp>
+        <p:nvSpPr>
+          <p:cNvPr id="2" name="Title 1">
+            <a:extLst>
+              <a:ext uri="{FF2B5EF4-FFF2-40B4-BE49-F238E27FC236}">
+                <a16:creationId xmlns:a16="http://schemas.microsoft.com/office/drawing/2014/main" id="{52B60D75-208D-5399-8893-8A26B6F229B4}"/>
+              </a:ext>
+            </a:extLst>
+          </p:cNvPr>
+          <p:cNvSpPr>
+            <a:spLocks noGrp="1"/>
+          </p:cNvSpPr>
+          <p:nvPr>
+            <p:ph type="title"/>
+          </p:nvPr>
+        </p:nvSpPr>
+        <p:spPr/>
+        <p:txBody>
+          <a:bodyPr/>
+          <a:lstStyle/>
+          <a:p>
+            <a:r>
+              <a:rPr lang="en-US" dirty="0"/>
+              <a:t>obesity scatterplot</a:t>
+            </a:r>
+          </a:p>
+        </p:txBody>
+      </p:sp>
+      <p:sp>
+        <p:nvSpPr>
+          <p:cNvPr id="3" name="Content Placeholder 2">
+            <a:extLst>
+              <a:ext uri="{FF2B5EF4-FFF2-40B4-BE49-F238E27FC236}">
+                <a16:creationId xmlns:a16="http://schemas.microsoft.com/office/drawing/2014/main" id="{6958BB78-804F-3D02-73C6-8B92946505A8}"/>
+              </a:ext>
+            </a:extLst>
+          </p:cNvPr>
+          <p:cNvSpPr>
+            <a:spLocks noGrp="1"/>
+          </p:cNvSpPr>
+          <p:nvPr>
+            <p:ph idx="1"/>
+          </p:nvPr>
+        </p:nvSpPr>
+        <p:spPr/>
+        <p:txBody>
+          <a:bodyPr/>
+          <a:lstStyle/>
+          <a:p>
+            <a:r>
+              <a:rPr lang="en-US" dirty="0"/>
+              <a:t>+/- correlation between disease prevalence and # of grocers per zip</a:t>
+            </a:r>
+          </a:p>
+          <a:p>
+            <a:r>
+              <a:rPr lang="en-US" dirty="0"/>
+              <a:t>Scatter plot and trend line with correlation number on this slide, or next slide</a:t>
+            </a:r>
+          </a:p>
+        </p:txBody>
+      </p:sp>
+    </p:spTree>
+    <p:extLst>
+      <p:ext uri="{BB962C8B-B14F-4D97-AF65-F5344CB8AC3E}">
+        <p14:creationId xmlns:p14="http://schemas.microsoft.com/office/powerpoint/2010/main" val="1434644402"/>
+      </p:ext>
+    </p:extLst>
+  </p:cSld>
+  <p:clrMapOvr>
+    <a:masterClrMapping/>
+  </p:clrMapOvr>
+</p:sld>
+</file>
+
+<file path=ppt/slides/slide15.xml><?xml version="1.0" encoding="utf-8"?>
+<p:sld xmlns:a="http://schemas.openxmlformats.org/drawingml/2006/main" xmlns:r="http://schemas.openxmlformats.org/officeDocument/2006/relationships" xmlns:p="http://schemas.openxmlformats.org/presentationml/2006/main">
+  <p:cSld>
+    <p:spTree>
+      <p:nvGrpSpPr>
+        <p:cNvPr id="1" name=""/>
+        <p:cNvGrpSpPr/>
+        <p:nvPr/>
+      </p:nvGrpSpPr>
+      <p:grpSpPr>
+        <a:xfrm>
+          <a:off x="0" y="0"/>
+          <a:ext cx="0" cy="0"/>
+          <a:chOff x="0" y="0"/>
+          <a:chExt cx="0" cy="0"/>
+        </a:xfrm>
+      </p:grpSpPr>
+      <p:sp>
+        <p:nvSpPr>
+          <p:cNvPr id="2" name="Title 1">
+            <a:extLst>
+              <a:ext uri="{FF2B5EF4-FFF2-40B4-BE49-F238E27FC236}">
+                <a16:creationId xmlns:a16="http://schemas.microsoft.com/office/drawing/2014/main" id="{52B60D75-208D-5399-8893-8A26B6F229B4}"/>
+              </a:ext>
+            </a:extLst>
+          </p:cNvPr>
+          <p:cNvSpPr>
+            <a:spLocks noGrp="1"/>
+          </p:cNvSpPr>
+          <p:nvPr>
+            <p:ph type="title"/>
+          </p:nvPr>
+        </p:nvSpPr>
+        <p:spPr/>
+        <p:txBody>
+          <a:bodyPr/>
+          <a:lstStyle/>
+          <a:p>
+            <a:r>
+              <a:rPr lang="en-US" dirty="0"/>
+              <a:t>stroke scatterplot</a:t>
+            </a:r>
+          </a:p>
+        </p:txBody>
+      </p:sp>
+      <p:sp>
+        <p:nvSpPr>
+          <p:cNvPr id="3" name="Content Placeholder 2">
+            <a:extLst>
+              <a:ext uri="{FF2B5EF4-FFF2-40B4-BE49-F238E27FC236}">
+                <a16:creationId xmlns:a16="http://schemas.microsoft.com/office/drawing/2014/main" id="{6958BB78-804F-3D02-73C6-8B92946505A8}"/>
+              </a:ext>
+            </a:extLst>
+          </p:cNvPr>
+          <p:cNvSpPr>
+            <a:spLocks noGrp="1"/>
+          </p:cNvSpPr>
+          <p:nvPr>
+            <p:ph idx="1"/>
+          </p:nvPr>
+        </p:nvSpPr>
+        <p:spPr/>
+        <p:txBody>
+          <a:bodyPr/>
+          <a:lstStyle/>
+          <a:p>
+            <a:r>
+              <a:rPr lang="en-US" dirty="0"/>
+              <a:t>+/- correlation between disease prevalence and # of grocers per zip</a:t>
+            </a:r>
+          </a:p>
+          <a:p>
+            <a:r>
+              <a:rPr lang="en-US" dirty="0"/>
+              <a:t>Scatter plot and trend line with correlation number on this slide, or next slide</a:t>
+            </a:r>
+          </a:p>
+        </p:txBody>
+      </p:sp>
+    </p:spTree>
+    <p:extLst>
+      <p:ext uri="{BB962C8B-B14F-4D97-AF65-F5344CB8AC3E}">
+        <p14:creationId xmlns:p14="http://schemas.microsoft.com/office/powerpoint/2010/main" val="316085506"/>
+      </p:ext>
+    </p:extLst>
+  </p:cSld>
+  <p:clrMapOvr>
+    <a:masterClrMapping/>
+  </p:clrMapOvr>
+</p:sld>
+</file>
+
+<file path=ppt/slides/slide16.xml><?xml version="1.0" encoding="utf-8"?>
+<p:sld xmlns:a="http://schemas.openxmlformats.org/drawingml/2006/main" xmlns:r="http://schemas.openxmlformats.org/officeDocument/2006/relationships" xmlns:p="http://schemas.openxmlformats.org/presentationml/2006/main">
+  <p:cSld>
+    <p:spTree>
+      <p:nvGrpSpPr>
+        <p:cNvPr id="1" name=""/>
+        <p:cNvGrpSpPr/>
+        <p:nvPr/>
+      </p:nvGrpSpPr>
+      <p:grpSpPr>
+        <a:xfrm>
+          <a:off x="0" y="0"/>
+          <a:ext cx="0" cy="0"/>
+          <a:chOff x="0" y="0"/>
+          <a:chExt cx="0" cy="0"/>
+        </a:xfrm>
+      </p:grpSpPr>
+      <p:sp>
+        <p:nvSpPr>
+          <p:cNvPr id="2" name="Title 1">
+            <a:extLst>
+              <a:ext uri="{FF2B5EF4-FFF2-40B4-BE49-F238E27FC236}">
+                <a16:creationId xmlns:a16="http://schemas.microsoft.com/office/drawing/2014/main" id="{EE939CEF-D313-650F-CDED-D901767987C6}"/>
+              </a:ext>
+            </a:extLst>
+          </p:cNvPr>
+          <p:cNvSpPr>
+            <a:spLocks noGrp="1"/>
+          </p:cNvSpPr>
+          <p:nvPr>
+            <p:ph type="title"/>
+          </p:nvPr>
+        </p:nvSpPr>
+        <p:spPr/>
+        <p:txBody>
+          <a:bodyPr/>
+          <a:lstStyle/>
+          <a:p>
+            <a:r>
+              <a:rPr lang="en-US" dirty="0"/>
+              <a:t>Works Cited </a:t>
+            </a:r>
+            <a:br>
+              <a:rPr lang="en-US" dirty="0"/>
+            </a:br>
+            <a:endParaRPr lang="en-US" dirty="0"/>
+          </a:p>
+        </p:txBody>
+      </p:sp>
+      <p:sp>
+        <p:nvSpPr>
+          <p:cNvPr id="3" name="Content Placeholder 2">
+            <a:extLst>
+              <a:ext uri="{FF2B5EF4-FFF2-40B4-BE49-F238E27FC236}">
+                <a16:creationId xmlns:a16="http://schemas.microsoft.com/office/drawing/2014/main" id="{2EECEF7C-B273-D9AF-B1C7-784CE704E0C5}"/>
+              </a:ext>
+            </a:extLst>
+          </p:cNvPr>
+          <p:cNvSpPr>
+            <a:spLocks noGrp="1"/>
+          </p:cNvSpPr>
+          <p:nvPr>
+            <p:ph idx="1"/>
+          </p:nvPr>
+        </p:nvSpPr>
+        <p:spPr>
+          <a:xfrm>
+            <a:off x="677334" y="1488613"/>
+            <a:ext cx="8596668" cy="3880773"/>
+          </a:xfrm>
+        </p:spPr>
+        <p:txBody>
+          <a:bodyPr>
+            <a:normAutofit fontScale="62500" lnSpcReduction="20000"/>
+          </a:bodyPr>
+          <a:lstStyle/>
+          <a:p>
+            <a:pPr marL="0" indent="0">
+              <a:buNone/>
+            </a:pPr>
+            <a:endParaRPr lang="en-US" dirty="0"/>
+          </a:p>
+          <a:p>
+            <a:r>
+              <a:rPr lang="en-US" dirty="0"/>
+              <a:t>United States Department of Agriculture Economic Research Service. (2009). </a:t>
+            </a:r>
+            <a:r>
+              <a:rPr lang="en-US" i="1" dirty="0"/>
+              <a:t>Access to Affordable and Nutritious Food: Measuring and Understanding Food Deserts and Their Consequences.</a:t>
+            </a:r>
+            <a:r>
+              <a:rPr lang="en-US" dirty="0"/>
+              <a:t> Retrieved 4/25/22 from </a:t>
+            </a:r>
+            <a:r>
+              <a:rPr lang="en-US" dirty="0">
+                <a:hlinkClick r:id="rId3"/>
+              </a:rPr>
+              <a:t>https://www.ers.usda.gov/webdocs/publications/42711/12716_ap036_1_.pdf?v=41055</a:t>
+            </a:r>
+            <a:endParaRPr lang="en-US" dirty="0"/>
+          </a:p>
+          <a:p>
+            <a:endParaRPr lang="en-US" dirty="0"/>
+          </a:p>
+          <a:p>
+            <a:r>
+              <a:rPr lang="en-US" dirty="0"/>
+              <a:t>Gallagher, M. (2006). Examining the Impact of Food Deserts on Public Health in Chicago. Study commissioned by LaSalle Bank. 2006. Retrieved 4/25/22 from </a:t>
+            </a:r>
+            <a:r>
+              <a:rPr lang="en-US" dirty="0">
+                <a:hlinkClick r:id="rId4"/>
+              </a:rPr>
+              <a:t>http://www.marigallagher.com/2006/07/18/examining-the-impact-of-food-deserts-on-public-health-in-chicago-july-18-2006/</a:t>
+            </a:r>
+            <a:endParaRPr lang="en-US" dirty="0"/>
+          </a:p>
+          <a:p>
+            <a:endParaRPr lang="en-US" dirty="0"/>
+          </a:p>
+          <a:p>
+            <a:r>
+              <a:rPr lang="en-US" dirty="0"/>
+              <a:t>Morland, K., Wing, S., et al. (2002). Neighborhood characteristics associated with the location of food stores and food service places. </a:t>
+            </a:r>
+            <a:r>
+              <a:rPr lang="en-US" i="1" dirty="0"/>
+              <a:t>American Journal of Preventive Medicine</a:t>
+            </a:r>
+            <a:r>
+              <a:rPr lang="en-US" dirty="0"/>
+              <a:t>. 22(1),23-29. Retrieved 4/25/22 from  </a:t>
+            </a:r>
+            <a:r>
+              <a:rPr lang="en-US" dirty="0">
+                <a:hlinkClick r:id="rId5"/>
+              </a:rPr>
+              <a:t>http://www.ncbi.nlm.nih.gov/pubmed/11777675</a:t>
+            </a:r>
+            <a:r>
+              <a:rPr lang="en-US" dirty="0"/>
+              <a:t> </a:t>
+            </a:r>
+          </a:p>
+          <a:p>
+            <a:endParaRPr lang="en-US" dirty="0"/>
+          </a:p>
+          <a:p>
+            <a:r>
+              <a:rPr lang="en-US" dirty="0"/>
+              <a:t>Ver Ploeg, M., </a:t>
+            </a:r>
+            <a:r>
+              <a:rPr lang="en-US" dirty="0" err="1"/>
+              <a:t>Nulph</a:t>
+            </a:r>
+            <a:r>
+              <a:rPr lang="en-US" dirty="0"/>
+              <a:t>, D., &amp; Williams, R. (2011). </a:t>
+            </a:r>
+            <a:r>
+              <a:rPr lang="en-US" i="1" dirty="0"/>
+              <a:t>Mapping Food Deserts in the United States.</a:t>
+            </a:r>
+            <a:r>
+              <a:rPr lang="en-US" dirty="0"/>
+              <a:t> Economic Research Service U.S. Department of Agriculture. Retrieved 4/25/22 from </a:t>
+            </a:r>
+            <a:r>
+              <a:rPr lang="en-US" dirty="0">
+                <a:hlinkClick r:id="rId6"/>
+              </a:rPr>
+              <a:t>https://www.ers.usda.gov/amber-waves/2011/december/data-feature-mapping-food-deserts-in-the-us/</a:t>
+            </a:r>
+            <a:endParaRPr lang="en-US" dirty="0"/>
+          </a:p>
+          <a:p>
+            <a:endParaRPr lang="en-US" b="1" dirty="0"/>
+          </a:p>
+          <a:p>
+            <a:r>
+              <a:rPr lang="en-US" dirty="0"/>
+              <a:t>University of Nevada, Reno. (n.d.).</a:t>
+            </a:r>
+            <a:r>
+              <a:rPr lang="en-US" i="1" dirty="0"/>
+              <a:t>What is a Food Desert?</a:t>
+            </a:r>
+            <a:r>
+              <a:rPr lang="en-US" dirty="0"/>
+              <a:t>. </a:t>
+            </a:r>
+            <a:r>
+              <a:rPr lang="en-US" dirty="0">
+                <a:hlinkClick r:id="rId7"/>
+              </a:rPr>
+              <a:t>https://</a:t>
+            </a:r>
+            <a:r>
+              <a:rPr lang="en-US" dirty="0" err="1">
+                <a:hlinkClick r:id="rId7"/>
+              </a:rPr>
+              <a:t>extension.unr.edu</a:t>
+            </a:r>
+            <a:r>
+              <a:rPr lang="en-US" dirty="0">
+                <a:hlinkClick r:id="rId7"/>
+              </a:rPr>
+              <a:t>/</a:t>
+            </a:r>
+            <a:r>
+              <a:rPr lang="en-US" dirty="0" err="1">
+                <a:hlinkClick r:id="rId7"/>
+              </a:rPr>
+              <a:t>publication.aspx?PubID</a:t>
+            </a:r>
+            <a:r>
+              <a:rPr lang="en-US" dirty="0">
+                <a:hlinkClick r:id="rId7"/>
+              </a:rPr>
+              <a:t>=2484</a:t>
+            </a:r>
+            <a:endParaRPr lang="en-US" dirty="0"/>
+          </a:p>
+          <a:p>
+            <a:endParaRPr lang="en-US" dirty="0"/>
+          </a:p>
+        </p:txBody>
+      </p:sp>
+    </p:spTree>
+    <p:extLst>
+      <p:ext uri="{BB962C8B-B14F-4D97-AF65-F5344CB8AC3E}">
+        <p14:creationId xmlns:p14="http://schemas.microsoft.com/office/powerpoint/2010/main" val="2084559206"/>
+      </p:ext>
+    </p:extLst>
+  </p:cSld>
+  <p:clrMapOvr>
+    <a:masterClrMapping/>
+  </p:clrMapOvr>
+</p:sld>
+</file>
+
+<file path=ppt/slides/slide17.xml><?xml version="1.0" encoding="utf-8"?>
+<p:sld xmlns:a="http://schemas.openxmlformats.org/drawingml/2006/main" xmlns:r="http://schemas.openxmlformats.org/officeDocument/2006/relationships" xmlns:p="http://schemas.openxmlformats.org/presentationml/2006/main">
+  <p:cSld>
+    <p:spTree>
+      <p:nvGrpSpPr>
+        <p:cNvPr id="1" name=""/>
+        <p:cNvGrpSpPr/>
+        <p:nvPr/>
+      </p:nvGrpSpPr>
+      <p:grpSpPr>
+        <a:xfrm>
+          <a:off x="0" y="0"/>
+          <a:ext cx="0" cy="0"/>
+          <a:chOff x="0" y="0"/>
+          <a:chExt cx="0" cy="0"/>
+        </a:xfrm>
+      </p:grpSpPr>
+      <p:sp>
+        <p:nvSpPr>
+          <p:cNvPr id="2" name="Title 1">
+            <a:extLst>
+              <a:ext uri="{FF2B5EF4-FFF2-40B4-BE49-F238E27FC236}">
+                <a16:creationId xmlns:a16="http://schemas.microsoft.com/office/drawing/2014/main" id="{F93A99E5-7A26-54F0-7699-063A5CE75FA6}"/>
+              </a:ext>
+            </a:extLst>
+          </p:cNvPr>
+          <p:cNvSpPr>
+            <a:spLocks noGrp="1"/>
+          </p:cNvSpPr>
+          <p:nvPr>
+            <p:ph type="title"/>
+          </p:nvPr>
+        </p:nvSpPr>
+        <p:spPr>
+          <a:xfrm>
+            <a:off x="658091" y="2108200"/>
+            <a:ext cx="8596668" cy="1320800"/>
+          </a:xfrm>
+        </p:spPr>
+        <p:txBody>
+          <a:bodyPr/>
+          <a:lstStyle/>
+          <a:p>
+            <a:pPr algn="ctr"/>
+            <a:r>
+              <a:rPr lang="en-US" dirty="0"/>
+              <a:t>Questions?</a:t>
+            </a:r>
+          </a:p>
+        </p:txBody>
+      </p:sp>
+    </p:spTree>
+    <p:extLst>
+      <p:ext uri="{BB962C8B-B14F-4D97-AF65-F5344CB8AC3E}">
+        <p14:creationId xmlns:p14="http://schemas.microsoft.com/office/powerpoint/2010/main" val="4170679358"/>
       </p:ext>
     </p:extLst>
   </p:cSld>
@@ -5884,58 +7669,169 @@
           </a:p>
         </p:txBody>
       </p:sp>
-      <p:sp>
-        <p:nvSpPr>
-          <p:cNvPr id="3" name="Content Placeholder 2">
+      <mc:AlternateContent xmlns:mc="http://schemas.openxmlformats.org/markup-compatibility/2006">
+        <mc:Choice xmlns:a14="http://schemas.microsoft.com/office/drawing/2010/main" Requires="a14">
+          <p:sp>
+            <p:nvSpPr>
+              <p:cNvPr id="3" name="Content Placeholder 2">
+                <a:extLst>
+                  <a:ext uri="{FF2B5EF4-FFF2-40B4-BE49-F238E27FC236}">
+                    <a16:creationId xmlns:a16="http://schemas.microsoft.com/office/drawing/2014/main" id="{2DFD6D57-1E11-E2D7-4FDC-4532A337B224}"/>
+                  </a:ext>
+                </a:extLst>
+              </p:cNvPr>
+              <p:cNvSpPr>
+                <a:spLocks noGrp="1"/>
+              </p:cNvSpPr>
+              <p:nvPr>
+                <p:ph idx="1"/>
+              </p:nvPr>
+            </p:nvSpPr>
+            <p:spPr>
+              <a:xfrm>
+                <a:off x="796636" y="1444978"/>
+                <a:ext cx="7791566" cy="3635021"/>
+              </a:xfrm>
+            </p:spPr>
+            <p:txBody>
+              <a:bodyPr>
+                <a:normAutofit/>
+              </a:bodyPr>
+              <a:lstStyle/>
+              <a:p>
+                <a:r>
+                  <a:rPr lang="en-US" dirty="0"/>
+                  <a:t>“An area in the United States with limited access to affordable and nutritious food, particularly such an area composed of predominantly lower income neighborhoods and communities” -2008 Farm Bill</a:t>
+                </a:r>
+              </a:p>
+              <a:p>
+                <a:r>
+                  <a:rPr lang="en-US" dirty="0"/>
+                  <a:t>Census tracts qualify as food deserts if they meet low-income and low-access thresholds:</a:t>
+                </a:r>
+              </a:p>
+              <a:p>
+                <a:pPr lvl="1"/>
+                <a:r>
+                  <a:rPr lang="en-US" dirty="0"/>
+                  <a:t>Low income: poverty rate of </a:t>
+                </a:r>
+                <a14:m>
+                  <m:oMath xmlns:m="http://schemas.openxmlformats.org/officeDocument/2006/math">
+                    <m:r>
+                      <a:rPr lang="en-US" b="0" i="1" smtClean="0">
+                        <a:latin typeface="Cambria Math" panose="02040503050406030204" pitchFamily="18" charset="0"/>
+                      </a:rPr>
+                      <m:t>≥</m:t>
+                    </m:r>
+                  </m:oMath>
+                </a14:m>
+                <a:r>
+                  <a:rPr lang="en-US" dirty="0"/>
+                  <a:t>20% OR income at or below 80% median family income</a:t>
+                </a:r>
+              </a:p>
+              <a:p>
+                <a:pPr lvl="1"/>
+                <a:r>
+                  <a:rPr lang="en-US" dirty="0"/>
+                  <a:t>Low access: 500 people or at least 33% of an urban population live more than 1 mile from a grocery store (10 miles, rural)</a:t>
+                </a:r>
+              </a:p>
+              <a:p>
+                <a:endParaRPr lang="en-US" dirty="0"/>
+              </a:p>
+            </p:txBody>
+          </p:sp>
+        </mc:Choice>
+        <mc:Fallback>
+          <p:sp>
+            <p:nvSpPr>
+              <p:cNvPr id="3" name="Content Placeholder 2">
+                <a:extLst>
+                  <a:ext uri="{FF2B5EF4-FFF2-40B4-BE49-F238E27FC236}">
+                    <a16:creationId xmlns:a16="http://schemas.microsoft.com/office/drawing/2014/main" id="{2DFD6D57-1E11-E2D7-4FDC-4532A337B224}"/>
+                  </a:ext>
+                </a:extLst>
+              </p:cNvPr>
+              <p:cNvSpPr>
+                <a:spLocks noGrp="1" noRot="1" noChangeAspect="1" noMove="1" noResize="1" noEditPoints="1" noAdjustHandles="1" noChangeArrowheads="1" noChangeShapeType="1" noTextEdit="1"/>
+              </p:cNvSpPr>
+              <p:nvPr>
+                <p:ph idx="1"/>
+              </p:nvPr>
+            </p:nvSpPr>
+            <p:spPr>
+              <a:xfrm>
+                <a:off x="796636" y="1444978"/>
+                <a:ext cx="7791566" cy="3635021"/>
+              </a:xfrm>
+              <a:blipFill>
+                <a:blip r:embed="rId3"/>
+                <a:stretch>
+                  <a:fillRect l="-163" t="-697"/>
+                </a:stretch>
+              </a:blipFill>
+            </p:spPr>
+            <p:txBody>
+              <a:bodyPr/>
+              <a:lstStyle/>
+              <a:p>
+                <a:r>
+                  <a:rPr lang="en-US">
+                    <a:noFill/>
+                  </a:rPr>
+                  <a:t> </a:t>
+                </a:r>
+              </a:p>
+            </p:txBody>
+          </p:sp>
+        </mc:Fallback>
+      </mc:AlternateContent>
+      <p:sp>
+        <p:nvSpPr>
+          <p:cNvPr id="7" name="TextBox 6">
             <a:extLst>
               <a:ext uri="{FF2B5EF4-FFF2-40B4-BE49-F238E27FC236}">
-                <a16:creationId xmlns:a16="http://schemas.microsoft.com/office/drawing/2014/main" id="{2DFD6D57-1E11-E2D7-4FDC-4532A337B224}"/>
+                <a16:creationId xmlns:a16="http://schemas.microsoft.com/office/drawing/2014/main" id="{CE18A7D3-584D-550A-5ADC-96190DCD6CEF}"/>
               </a:ext>
             </a:extLst>
           </p:cNvPr>
-          <p:cNvSpPr>
-            <a:spLocks noGrp="1"/>
-          </p:cNvSpPr>
-          <p:nvPr>
-            <p:ph idx="1"/>
-          </p:nvPr>
-        </p:nvSpPr>
-        <p:spPr/>
-        <p:txBody>
-          <a:bodyPr/>
-          <a:lstStyle/>
-          <a:p>
-            <a:r>
-              <a:rPr lang="en-US" dirty="0"/>
-              <a:t>As defined in the 2008 Farm Bill: an “area in</a:t>
-            </a:r>
-            <a:br>
-              <a:rPr lang="en-US" dirty="0"/>
-            </a:br>
-            <a:r>
-              <a:rPr lang="en-US" dirty="0"/>
-              <a:t>the United States with limited access to affordable and nutritious food,</a:t>
-            </a:r>
-            <a:br>
-              <a:rPr lang="en-US" dirty="0"/>
-            </a:br>
-            <a:r>
-              <a:rPr lang="en-US" dirty="0"/>
-              <a:t>particularly such an area composed of predominantly lower income</a:t>
-            </a:r>
-            <a:br>
-              <a:rPr lang="en-US" dirty="0"/>
-            </a:br>
-            <a:r>
-              <a:rPr lang="en-US" dirty="0"/>
-              <a:t>neighborhoods and communities” (Access to Affordable and Nutritious Food, 2009)</a:t>
-            </a:r>
-          </a:p>
-          <a:p>
-            <a:endParaRPr lang="en-US" dirty="0"/>
-          </a:p>
-          <a:p>
-            <a:endParaRPr lang="en-US" dirty="0"/>
+          <p:cNvSpPr txBox="1"/>
+          <p:nvPr/>
+        </p:nvSpPr>
+        <p:spPr>
+          <a:xfrm>
+            <a:off x="796636" y="5313218"/>
+            <a:ext cx="5216237" cy="600164"/>
+          </a:xfrm>
+          <a:prstGeom prst="rect">
+            <a:avLst/>
+          </a:prstGeom>
+          <a:noFill/>
+        </p:spPr>
+        <p:txBody>
+          <a:bodyPr wrap="square" rtlCol="0">
+            <a:spAutoFit/>
+          </a:bodyPr>
+          <a:lstStyle/>
+          <a:p>
+            <a:r>
+              <a:rPr lang="en-US" sz="1100" dirty="0"/>
+              <a:t>Access to Affordable and Nutritious Food, 2009.</a:t>
+            </a:r>
+          </a:p>
+          <a:p>
+            <a:r>
+              <a:rPr lang="en-US" sz="1100" dirty="0"/>
+              <a:t>Economic Research Service U.S. Department of Agriculture, 2011.</a:t>
+            </a:r>
+          </a:p>
+          <a:p>
+            <a:r>
+              <a:rPr lang="en-US" sz="1100" dirty="0"/>
+              <a:t>University of Nevada, Reno. “What is a Food Desert?.”</a:t>
+            </a:r>
           </a:p>
         </p:txBody>
       </p:sp>
@@ -5974,7 +7870,7 @@
           <p:cNvPr id="2" name="Title 1">
             <a:extLst>
               <a:ext uri="{FF2B5EF4-FFF2-40B4-BE49-F238E27FC236}">
-                <a16:creationId xmlns:a16="http://schemas.microsoft.com/office/drawing/2014/main" id="{EE939CEF-D313-650F-CDED-D901767987C6}"/>
+                <a16:creationId xmlns:a16="http://schemas.microsoft.com/office/drawing/2014/main" id="{DFB062F9-C2A6-2AA3-506F-6CB236FC137C}"/>
               </a:ext>
             </a:extLst>
           </p:cNvPr>
@@ -5992,7 +7888,7 @@
           <a:p>
             <a:r>
               <a:rPr lang="en-US" dirty="0"/>
-              <a:t>Works Cited</a:t>
+              <a:t>Non-health related impacts of food deserts</a:t>
             </a:r>
           </a:p>
         </p:txBody>
@@ -6002,7 +7898,7 @@
           <p:cNvPr id="3" name="Content Placeholder 2">
             <a:extLst>
               <a:ext uri="{FF2B5EF4-FFF2-40B4-BE49-F238E27FC236}">
-                <a16:creationId xmlns:a16="http://schemas.microsoft.com/office/drawing/2014/main" id="{2EECEF7C-B273-D9AF-B1C7-784CE704E0C5}"/>
+                <a16:creationId xmlns:a16="http://schemas.microsoft.com/office/drawing/2014/main" id="{E1A493ED-0A83-43A6-4936-6BBB36FFE4C7}"/>
               </a:ext>
             </a:extLst>
           </p:cNvPr>
@@ -6020,14 +7916,10 @@
           <a:p>
             <a:r>
               <a:rPr lang="en-US" dirty="0"/>
-              <a:t>“Access to Affordable and Nutritious Food: Measuring and Understanding Food Deserts and Their Consequences.” United States Department of Agriculture Economic Research Service. 2009. Retrieved 8/25/17 from </a:t>
-            </a:r>
-            <a:r>
-              <a:rPr lang="en-US" dirty="0">
-                <a:hlinkClick r:id="rId2"/>
-              </a:rPr>
-              <a:t>https://www.ers.usda.gov/webdocs/publications/42711/12716_ap036_1_.pdf?v=41055</a:t>
-            </a:r>
+              <a:t>Socioeconomic discrimination</a:t>
+            </a:r>
+          </a:p>
+          <a:p>
             <a:endParaRPr lang="en-US" dirty="0"/>
           </a:p>
         </p:txBody>
@@ -6035,7 +7927,2160 @@
     </p:spTree>
     <p:extLst>
       <p:ext uri="{BB962C8B-B14F-4D97-AF65-F5344CB8AC3E}">
-        <p14:creationId xmlns:p14="http://schemas.microsoft.com/office/powerpoint/2010/main" val="2084559206"/>
+        <p14:creationId xmlns:p14="http://schemas.microsoft.com/office/powerpoint/2010/main" val="1179435448"/>
+      </p:ext>
+    </p:extLst>
+  </p:cSld>
+  <p:clrMapOvr>
+    <a:masterClrMapping/>
+  </p:clrMapOvr>
+</p:sld>
+</file>
+
+<file path=ppt/slides/slide4.xml><?xml version="1.0" encoding="utf-8"?>
+<p:sld xmlns:a="http://schemas.openxmlformats.org/drawingml/2006/main" xmlns:r="http://schemas.openxmlformats.org/officeDocument/2006/relationships" xmlns:p="http://schemas.openxmlformats.org/presentationml/2006/main">
+  <p:cSld>
+    <p:spTree>
+      <p:nvGrpSpPr>
+        <p:cNvPr id="1" name=""/>
+        <p:cNvGrpSpPr/>
+        <p:nvPr/>
+      </p:nvGrpSpPr>
+      <p:grpSpPr>
+        <a:xfrm>
+          <a:off x="0" y="0"/>
+          <a:ext cx="0" cy="0"/>
+          <a:chOff x="0" y="0"/>
+          <a:chExt cx="0" cy="0"/>
+        </a:xfrm>
+      </p:grpSpPr>
+      <p:sp>
+        <p:nvSpPr>
+          <p:cNvPr id="2" name="Title 1">
+            <a:extLst>
+              <a:ext uri="{FF2B5EF4-FFF2-40B4-BE49-F238E27FC236}">
+                <a16:creationId xmlns:a16="http://schemas.microsoft.com/office/drawing/2014/main" id="{014E76D0-5289-B01E-CC61-A570F8628798}"/>
+              </a:ext>
+            </a:extLst>
+          </p:cNvPr>
+          <p:cNvSpPr>
+            <a:spLocks noGrp="1"/>
+          </p:cNvSpPr>
+          <p:nvPr>
+            <p:ph type="title"/>
+          </p:nvPr>
+        </p:nvSpPr>
+        <p:spPr/>
+        <p:txBody>
+          <a:bodyPr/>
+          <a:lstStyle/>
+          <a:p>
+            <a:r>
+              <a:rPr lang="en-US" dirty="0"/>
+              <a:t>Health Impacts on Individuals/Communities</a:t>
+            </a:r>
+          </a:p>
+        </p:txBody>
+      </p:sp>
+      <p:sp>
+        <p:nvSpPr>
+          <p:cNvPr id="3" name="Content Placeholder 2">
+            <a:extLst>
+              <a:ext uri="{FF2B5EF4-FFF2-40B4-BE49-F238E27FC236}">
+                <a16:creationId xmlns:a16="http://schemas.microsoft.com/office/drawing/2014/main" id="{57365260-FD45-C2D7-27A0-4372061593F9}"/>
+              </a:ext>
+            </a:extLst>
+          </p:cNvPr>
+          <p:cNvSpPr>
+            <a:spLocks noGrp="1"/>
+          </p:cNvSpPr>
+          <p:nvPr>
+            <p:ph idx="1"/>
+          </p:nvPr>
+        </p:nvSpPr>
+        <p:spPr/>
+        <p:txBody>
+          <a:bodyPr>
+            <a:normAutofit/>
+          </a:bodyPr>
+          <a:lstStyle/>
+          <a:p>
+            <a:r>
+              <a:rPr lang="en-US" dirty="0"/>
+              <a:t>Wealthier neighborhoods: over three times as many supermarkets, compared to lower income neighborhoods</a:t>
+            </a:r>
+          </a:p>
+          <a:p>
+            <a:r>
+              <a:rPr lang="en-US" dirty="0"/>
+              <a:t>Lack of transportation contributes to malnutrition</a:t>
+            </a:r>
+          </a:p>
+          <a:p>
+            <a:r>
+              <a:rPr lang="en-US" dirty="0"/>
+              <a:t>Minority communities have fewer food choices and more premature death</a:t>
+            </a:r>
+          </a:p>
+          <a:p>
+            <a:pPr marL="0" indent="0">
+              <a:buNone/>
+            </a:pPr>
+            <a:endParaRPr lang="en-US" dirty="0"/>
+          </a:p>
+          <a:p>
+            <a:endParaRPr lang="en-US" dirty="0"/>
+          </a:p>
+        </p:txBody>
+      </p:sp>
+      <p:sp>
+        <p:nvSpPr>
+          <p:cNvPr id="4" name="TextBox 3">
+            <a:extLst>
+              <a:ext uri="{FF2B5EF4-FFF2-40B4-BE49-F238E27FC236}">
+                <a16:creationId xmlns:a16="http://schemas.microsoft.com/office/drawing/2014/main" id="{FEC01250-E187-F686-CE64-E8FA6AFE7F5E}"/>
+              </a:ext>
+            </a:extLst>
+          </p:cNvPr>
+          <p:cNvSpPr txBox="1"/>
+          <p:nvPr/>
+        </p:nvSpPr>
+        <p:spPr>
+          <a:xfrm>
+            <a:off x="773109" y="5610475"/>
+            <a:ext cx="4041422" cy="800219"/>
+          </a:xfrm>
+          <a:prstGeom prst="rect">
+            <a:avLst/>
+          </a:prstGeom>
+          <a:noFill/>
+        </p:spPr>
+        <p:txBody>
+          <a:bodyPr wrap="square" rtlCol="0">
+            <a:spAutoFit/>
+          </a:bodyPr>
+          <a:lstStyle/>
+          <a:p>
+            <a:r>
+              <a:rPr lang="en-US" sz="1400" dirty="0"/>
+              <a:t>Morland, Wing, 2002</a:t>
+            </a:r>
+          </a:p>
+          <a:p>
+            <a:r>
+              <a:rPr lang="en-US" sz="1400" dirty="0"/>
+              <a:t>Gallagher, 2006</a:t>
+            </a:r>
+          </a:p>
+          <a:p>
+            <a:endParaRPr lang="en-US" dirty="0"/>
+          </a:p>
+        </p:txBody>
+      </p:sp>
+    </p:spTree>
+    <p:extLst>
+      <p:ext uri="{BB962C8B-B14F-4D97-AF65-F5344CB8AC3E}">
+        <p14:creationId xmlns:p14="http://schemas.microsoft.com/office/powerpoint/2010/main" val="3696257086"/>
+      </p:ext>
+    </p:extLst>
+  </p:cSld>
+  <p:clrMapOvr>
+    <a:masterClrMapping/>
+  </p:clrMapOvr>
+</p:sld>
+</file>
+
+<file path=ppt/slides/slide5.xml><?xml version="1.0" encoding="utf-8"?>
+<p:sld xmlns:a="http://schemas.openxmlformats.org/drawingml/2006/main" xmlns:r="http://schemas.openxmlformats.org/officeDocument/2006/relationships" xmlns:p="http://schemas.openxmlformats.org/presentationml/2006/main">
+  <p:cSld>
+    <p:spTree>
+      <p:nvGrpSpPr>
+        <p:cNvPr id="1" name=""/>
+        <p:cNvGrpSpPr/>
+        <p:nvPr/>
+      </p:nvGrpSpPr>
+      <p:grpSpPr>
+        <a:xfrm>
+          <a:off x="0" y="0"/>
+          <a:ext cx="0" cy="0"/>
+          <a:chOff x="0" y="0"/>
+          <a:chExt cx="0" cy="0"/>
+        </a:xfrm>
+      </p:grpSpPr>
+      <p:sp>
+        <p:nvSpPr>
+          <p:cNvPr id="2" name="Title 1">
+            <a:extLst>
+              <a:ext uri="{FF2B5EF4-FFF2-40B4-BE49-F238E27FC236}">
+                <a16:creationId xmlns:a16="http://schemas.microsoft.com/office/drawing/2014/main" id="{81CCD0A3-40EF-F958-5466-7C5AD6E9616F}"/>
+              </a:ext>
+            </a:extLst>
+          </p:cNvPr>
+          <p:cNvSpPr>
+            <a:spLocks noGrp="1"/>
+          </p:cNvSpPr>
+          <p:nvPr>
+            <p:ph type="title"/>
+          </p:nvPr>
+        </p:nvSpPr>
+        <p:spPr/>
+        <p:txBody>
+          <a:bodyPr/>
+          <a:lstStyle/>
+          <a:p>
+            <a:r>
+              <a:rPr lang="en-US" dirty="0"/>
+              <a:t>Reason why I did this analysis</a:t>
+            </a:r>
+          </a:p>
+        </p:txBody>
+      </p:sp>
+      <p:sp>
+        <p:nvSpPr>
+          <p:cNvPr id="3" name="Content Placeholder 2">
+            <a:extLst>
+              <a:ext uri="{FF2B5EF4-FFF2-40B4-BE49-F238E27FC236}">
+                <a16:creationId xmlns:a16="http://schemas.microsoft.com/office/drawing/2014/main" id="{B313E338-FCC9-3C03-D40D-A703E41CEB75}"/>
+              </a:ext>
+            </a:extLst>
+          </p:cNvPr>
+          <p:cNvSpPr>
+            <a:spLocks noGrp="1"/>
+          </p:cNvSpPr>
+          <p:nvPr>
+            <p:ph idx="1"/>
+          </p:nvPr>
+        </p:nvSpPr>
+        <p:spPr>
+          <a:xfrm>
+            <a:off x="677334" y="1488613"/>
+            <a:ext cx="8596668" cy="3880773"/>
+          </a:xfrm>
+        </p:spPr>
+        <p:txBody>
+          <a:bodyPr/>
+          <a:lstStyle/>
+          <a:p>
+            <a:r>
+              <a:rPr lang="en-US" dirty="0"/>
+              <a:t>Piggly wiggly on West End</a:t>
+            </a:r>
+          </a:p>
+          <a:p>
+            <a:r>
+              <a:rPr lang="en-US" dirty="0"/>
+              <a:t>Rising food costs</a:t>
+            </a:r>
+          </a:p>
+          <a:p>
+            <a:r>
+              <a:rPr lang="en-US" dirty="0"/>
+              <a:t>Nashville has less than ideal public transportation (subjective opinion)</a:t>
+            </a:r>
+          </a:p>
+          <a:p>
+            <a:r>
+              <a:rPr lang="en-US" dirty="0"/>
+              <a:t>RN with interest in public health</a:t>
+            </a:r>
+          </a:p>
+          <a:p>
+            <a:r>
+              <a:rPr lang="en-US" dirty="0"/>
+              <a:t>Everyone loves food</a:t>
+            </a:r>
+          </a:p>
+          <a:p>
+            <a:endParaRPr lang="en-US" dirty="0"/>
+          </a:p>
+        </p:txBody>
+      </p:sp>
+    </p:spTree>
+    <p:extLst>
+      <p:ext uri="{BB962C8B-B14F-4D97-AF65-F5344CB8AC3E}">
+        <p14:creationId xmlns:p14="http://schemas.microsoft.com/office/powerpoint/2010/main" val="4268277911"/>
+      </p:ext>
+    </p:extLst>
+  </p:cSld>
+  <p:clrMapOvr>
+    <a:masterClrMapping/>
+  </p:clrMapOvr>
+</p:sld>
+</file>
+
+<file path=ppt/slides/slide6.xml><?xml version="1.0" encoding="utf-8"?>
+<p:sld xmlns:a="http://schemas.openxmlformats.org/drawingml/2006/main" xmlns:r="http://schemas.openxmlformats.org/officeDocument/2006/relationships" xmlns:p="http://schemas.openxmlformats.org/presentationml/2006/main">
+  <p:cSld>
+    <p:spTree>
+      <p:nvGrpSpPr>
+        <p:cNvPr id="1" name=""/>
+        <p:cNvGrpSpPr/>
+        <p:nvPr/>
+      </p:nvGrpSpPr>
+      <p:grpSpPr>
+        <a:xfrm>
+          <a:off x="0" y="0"/>
+          <a:ext cx="0" cy="0"/>
+          <a:chOff x="0" y="0"/>
+          <a:chExt cx="0" cy="0"/>
+        </a:xfrm>
+      </p:grpSpPr>
+      <p:sp>
+        <p:nvSpPr>
+          <p:cNvPr id="2" name="Title 1">
+            <a:extLst>
+              <a:ext uri="{FF2B5EF4-FFF2-40B4-BE49-F238E27FC236}">
+                <a16:creationId xmlns:a16="http://schemas.microsoft.com/office/drawing/2014/main" id="{F90AC1E9-0183-1982-3B35-31B07E9078AD}"/>
+              </a:ext>
+            </a:extLst>
+          </p:cNvPr>
+          <p:cNvSpPr>
+            <a:spLocks noGrp="1"/>
+          </p:cNvSpPr>
+          <p:nvPr>
+            <p:ph type="title"/>
+          </p:nvPr>
+        </p:nvSpPr>
+        <p:spPr/>
+        <p:txBody>
+          <a:bodyPr/>
+          <a:lstStyle/>
+          <a:p>
+            <a:r>
+              <a:rPr lang="en-US" dirty="0"/>
+              <a:t>Analysis technique flow chart?	</a:t>
+            </a:r>
+          </a:p>
+        </p:txBody>
+      </p:sp>
+      <p:sp>
+        <p:nvSpPr>
+          <p:cNvPr id="3" name="Content Placeholder 2">
+            <a:extLst>
+              <a:ext uri="{FF2B5EF4-FFF2-40B4-BE49-F238E27FC236}">
+                <a16:creationId xmlns:a16="http://schemas.microsoft.com/office/drawing/2014/main" id="{D75DB9AD-F70A-9FE9-CA81-9AF2D0BABE1C}"/>
+              </a:ext>
+            </a:extLst>
+          </p:cNvPr>
+          <p:cNvSpPr>
+            <a:spLocks noGrp="1"/>
+          </p:cNvSpPr>
+          <p:nvPr>
+            <p:ph idx="1"/>
+          </p:nvPr>
+        </p:nvSpPr>
+        <p:spPr/>
+        <p:txBody>
+          <a:bodyPr/>
+          <a:lstStyle/>
+          <a:p>
+            <a:r>
+              <a:rPr lang="en-US" dirty="0"/>
+              <a:t>Steps and arrows to make it look good</a:t>
+            </a:r>
+          </a:p>
+        </p:txBody>
+      </p:sp>
+    </p:spTree>
+    <p:extLst>
+      <p:ext uri="{BB962C8B-B14F-4D97-AF65-F5344CB8AC3E}">
+        <p14:creationId xmlns:p14="http://schemas.microsoft.com/office/powerpoint/2010/main" val="504080362"/>
+      </p:ext>
+    </p:extLst>
+  </p:cSld>
+  <p:clrMapOvr>
+    <a:masterClrMapping/>
+  </p:clrMapOvr>
+</p:sld>
+</file>
+
+<file path=ppt/slides/slide7.xml><?xml version="1.0" encoding="utf-8"?>
+<p:sld xmlns:a="http://schemas.openxmlformats.org/drawingml/2006/main" xmlns:r="http://schemas.openxmlformats.org/officeDocument/2006/relationships" xmlns:p="http://schemas.openxmlformats.org/presentationml/2006/main">
+  <p:cSld>
+    <p:spTree>
+      <p:nvGrpSpPr>
+        <p:cNvPr id="1" name=""/>
+        <p:cNvGrpSpPr/>
+        <p:nvPr/>
+      </p:nvGrpSpPr>
+      <p:grpSpPr>
+        <a:xfrm>
+          <a:off x="0" y="0"/>
+          <a:ext cx="0" cy="0"/>
+          <a:chOff x="0" y="0"/>
+          <a:chExt cx="0" cy="0"/>
+        </a:xfrm>
+      </p:grpSpPr>
+      <p:sp>
+        <p:nvSpPr>
+          <p:cNvPr id="2" name="Title 1">
+            <a:extLst>
+              <a:ext uri="{FF2B5EF4-FFF2-40B4-BE49-F238E27FC236}">
+                <a16:creationId xmlns:a16="http://schemas.microsoft.com/office/drawing/2014/main" id="{B4FEE979-9D8C-2186-64E7-C33899109C30}"/>
+              </a:ext>
+            </a:extLst>
+          </p:cNvPr>
+          <p:cNvSpPr>
+            <a:spLocks noGrp="1"/>
+          </p:cNvSpPr>
+          <p:nvPr>
+            <p:ph type="title"/>
+          </p:nvPr>
+        </p:nvSpPr>
+        <p:spPr/>
+        <p:txBody>
+          <a:bodyPr/>
+          <a:lstStyle/>
+          <a:p>
+            <a:r>
+              <a:rPr lang="en-US" dirty="0"/>
+              <a:t>Limitations of my Analysis</a:t>
+            </a:r>
+          </a:p>
+        </p:txBody>
+      </p:sp>
+      <p:sp>
+        <p:nvSpPr>
+          <p:cNvPr id="3" name="Content Placeholder 2">
+            <a:extLst>
+              <a:ext uri="{FF2B5EF4-FFF2-40B4-BE49-F238E27FC236}">
+                <a16:creationId xmlns:a16="http://schemas.microsoft.com/office/drawing/2014/main" id="{0FB1E7D3-7A5D-4518-4096-C57BB6FABF05}"/>
+              </a:ext>
+            </a:extLst>
+          </p:cNvPr>
+          <p:cNvSpPr>
+            <a:spLocks noGrp="1"/>
+          </p:cNvSpPr>
+          <p:nvPr>
+            <p:ph idx="1"/>
+          </p:nvPr>
+        </p:nvSpPr>
+        <p:spPr/>
+        <p:txBody>
+          <a:bodyPr/>
+          <a:lstStyle/>
+          <a:p>
+            <a:r>
+              <a:rPr lang="en-US" dirty="0"/>
+              <a:t>Does not take into account convenience stores, restaurants, gas stations, </a:t>
+            </a:r>
+            <a:r>
+              <a:rPr lang="en-US" dirty="0" err="1"/>
+              <a:t>etc</a:t>
+            </a:r>
+            <a:endParaRPr lang="en-US" dirty="0"/>
+          </a:p>
+          <a:p>
+            <a:pPr lvl="1"/>
+            <a:r>
+              <a:rPr lang="en-US" dirty="0"/>
+              <a:t>Categorization of individual markets </a:t>
+            </a:r>
+            <a:r>
+              <a:rPr lang="en-US" dirty="0" err="1"/>
+              <a:t>etc</a:t>
+            </a:r>
+            <a:r>
+              <a:rPr lang="en-US" dirty="0"/>
+              <a:t> far too subjective</a:t>
+            </a:r>
+          </a:p>
+          <a:p>
+            <a:pPr lvl="1"/>
+            <a:r>
+              <a:rPr lang="en-US" dirty="0"/>
+              <a:t>Availability of produce at grocers kept as ‘control’ for healthy food access, and impact on public health</a:t>
+            </a:r>
+          </a:p>
+          <a:p>
+            <a:r>
+              <a:rPr lang="en-US" dirty="0"/>
+              <a:t>Supermarket/Grocery queries limited by API nuances</a:t>
+            </a:r>
+          </a:p>
+          <a:p>
+            <a:pPr lvl="1"/>
+            <a:r>
+              <a:rPr lang="en-US" dirty="0"/>
+              <a:t>Queries kept to large-chain groceries/supermarkets with established presence</a:t>
+            </a:r>
+          </a:p>
+          <a:p>
+            <a:pPr lvl="1"/>
+            <a:r>
+              <a:rPr lang="en-US" dirty="0"/>
+              <a:t>60 results per query</a:t>
+            </a:r>
+          </a:p>
+          <a:p>
+            <a:pPr lvl="1"/>
+            <a:r>
+              <a:rPr lang="en-US" dirty="0"/>
+              <a:t>‘honorable mentions’ kept in some cases</a:t>
+            </a:r>
+          </a:p>
+          <a:p>
+            <a:r>
+              <a:rPr lang="en-US" dirty="0"/>
+              <a:t>Only looking at geospatial relationships and average disease prevalence</a:t>
+            </a:r>
+          </a:p>
+          <a:p>
+            <a:r>
+              <a:rPr lang="en-US" dirty="0"/>
+              <a:t>Not taking into account household income data</a:t>
+            </a:r>
+          </a:p>
+        </p:txBody>
+      </p:sp>
+    </p:spTree>
+    <p:extLst>
+      <p:ext uri="{BB962C8B-B14F-4D97-AF65-F5344CB8AC3E}">
+        <p14:creationId xmlns:p14="http://schemas.microsoft.com/office/powerpoint/2010/main" val="69853949"/>
+      </p:ext>
+    </p:extLst>
+  </p:cSld>
+  <p:clrMapOvr>
+    <a:masterClrMapping/>
+  </p:clrMapOvr>
+</p:sld>
+</file>
+
+<file path=ppt/slides/slide8.xml><?xml version="1.0" encoding="utf-8"?>
+<p:sld xmlns:a="http://schemas.openxmlformats.org/drawingml/2006/main" xmlns:r="http://schemas.openxmlformats.org/officeDocument/2006/relationships" xmlns:p="http://schemas.openxmlformats.org/presentationml/2006/main">
+  <p:cSld>
+    <p:bg>
+      <p:bgPr>
+        <a:solidFill>
+          <a:schemeClr val="bg1"/>
+        </a:solidFill>
+        <a:effectLst/>
+      </p:bgPr>
+    </p:bg>
+    <p:spTree>
+      <p:nvGrpSpPr>
+        <p:cNvPr id="1" name=""/>
+        <p:cNvGrpSpPr/>
+        <p:nvPr/>
+      </p:nvGrpSpPr>
+      <p:grpSpPr>
+        <a:xfrm>
+          <a:off x="0" y="0"/>
+          <a:ext cx="0" cy="0"/>
+          <a:chOff x="0" y="0"/>
+          <a:chExt cx="0" cy="0"/>
+        </a:xfrm>
+      </p:grpSpPr>
+      <p:grpSp>
+        <p:nvGrpSpPr>
+          <p:cNvPr id="74" name="Group 73">
+            <a:extLst>
+              <a:ext uri="{FF2B5EF4-FFF2-40B4-BE49-F238E27FC236}">
+                <a16:creationId xmlns:a16="http://schemas.microsoft.com/office/drawing/2014/main" id="{88C9B83F-64CD-41C1-925F-A08801FFD0BD}"/>
+              </a:ext>
+              <a:ext uri="{C183D7F6-B498-43B3-948B-1728B52AA6E4}">
+                <adec:decorative xmlns:adec="http://schemas.microsoft.com/office/drawing/2017/decorative" val="1"/>
+              </a:ext>
+            </a:extLst>
+          </p:cNvPr>
+          <p:cNvGrpSpPr>
+            <a:grpSpLocks noGrp="1" noUngrp="1" noRot="1" noChangeAspect="1" noMove="1" noResize="1"/>
+          </p:cNvGrpSpPr>
+          <p:nvPr>
+            <p:extLst>
+              <p:ext uri="{386F3935-93C4-4BCD-93E2-E3B085C9AB24}">
+                <p16:designElem xmlns:p16="http://schemas.microsoft.com/office/powerpoint/2015/main" val="1"/>
+              </p:ext>
+            </p:extLst>
+          </p:nvPr>
+        </p:nvGrpSpPr>
+        <p:grpSpPr>
+          <a:xfrm>
+            <a:off x="0" y="-8467"/>
+            <a:ext cx="12192000" cy="6866467"/>
+            <a:chOff x="0" y="-8467"/>
+            <a:chExt cx="12192000" cy="6866467"/>
+          </a:xfrm>
+        </p:grpSpPr>
+        <p:cxnSp>
+          <p:nvCxnSpPr>
+            <p:cNvPr id="75" name="Straight Connector 74">
+              <a:extLst>
+                <a:ext uri="{FF2B5EF4-FFF2-40B4-BE49-F238E27FC236}">
+                  <a16:creationId xmlns:a16="http://schemas.microsoft.com/office/drawing/2014/main" id="{E1655065-0BD7-4422-BEC0-4401E998090A}"/>
+                </a:ext>
+                <a:ext uri="{C183D7F6-B498-43B3-948B-1728B52AA6E4}">
+                  <adec:decorative xmlns:adec="http://schemas.microsoft.com/office/drawing/2017/decorative" val="1"/>
+                </a:ext>
+              </a:extLst>
+            </p:cNvPr>
+            <p:cNvCxnSpPr/>
+            <p:nvPr>
+              <p:extLst>
+                <p:ext uri="{386F3935-93C4-4BCD-93E2-E3B085C9AB24}">
+                  <p16:designElem xmlns:p16="http://schemas.microsoft.com/office/powerpoint/2015/main" val="1"/>
+                </p:ext>
+              </p:extLst>
+            </p:nvPr>
+          </p:nvCxnSpPr>
+          <p:spPr>
+            <a:xfrm>
+              <a:off x="9371012" y="0"/>
+              <a:ext cx="1219200" cy="6858000"/>
+            </a:xfrm>
+            <a:prstGeom prst="line">
+              <a:avLst/>
+            </a:prstGeom>
+            <a:ln w="9525">
+              <a:solidFill>
+                <a:schemeClr val="bg1">
+                  <a:lumMod val="75000"/>
+                </a:schemeClr>
+              </a:solidFill>
+            </a:ln>
+          </p:spPr>
+          <p:style>
+            <a:lnRef idx="2">
+              <a:schemeClr val="accent1"/>
+            </a:lnRef>
+            <a:fillRef idx="0">
+              <a:schemeClr val="accent1"/>
+            </a:fillRef>
+            <a:effectRef idx="1">
+              <a:schemeClr val="accent1"/>
+            </a:effectRef>
+            <a:fontRef idx="minor">
+              <a:schemeClr val="tx1"/>
+            </a:fontRef>
+          </p:style>
+        </p:cxnSp>
+        <p:cxnSp>
+          <p:nvCxnSpPr>
+            <p:cNvPr id="76" name="Straight Connector 75">
+              <a:extLst>
+                <a:ext uri="{FF2B5EF4-FFF2-40B4-BE49-F238E27FC236}">
+                  <a16:creationId xmlns:a16="http://schemas.microsoft.com/office/drawing/2014/main" id="{4DDD90AC-ABEC-4A76-9C9C-AD0A5F8FC7F2}"/>
+                </a:ext>
+                <a:ext uri="{C183D7F6-B498-43B3-948B-1728B52AA6E4}">
+                  <adec:decorative xmlns:adec="http://schemas.microsoft.com/office/drawing/2017/decorative" val="1"/>
+                </a:ext>
+              </a:extLst>
+            </p:cNvPr>
+            <p:cNvCxnSpPr/>
+            <p:nvPr>
+              <p:extLst>
+                <p:ext uri="{386F3935-93C4-4BCD-93E2-E3B085C9AB24}">
+                  <p16:designElem xmlns:p16="http://schemas.microsoft.com/office/powerpoint/2015/main" val="1"/>
+                </p:ext>
+              </p:extLst>
+            </p:nvPr>
+          </p:nvCxnSpPr>
+          <p:spPr>
+            <a:xfrm flipH="1">
+              <a:off x="7425267" y="3681413"/>
+              <a:ext cx="4763558" cy="3176587"/>
+            </a:xfrm>
+            <a:prstGeom prst="line">
+              <a:avLst/>
+            </a:prstGeom>
+            <a:ln w="9525">
+              <a:solidFill>
+                <a:schemeClr val="bg1">
+                  <a:lumMod val="85000"/>
+                </a:schemeClr>
+              </a:solidFill>
+            </a:ln>
+          </p:spPr>
+          <p:style>
+            <a:lnRef idx="2">
+              <a:schemeClr val="accent1"/>
+            </a:lnRef>
+            <a:fillRef idx="0">
+              <a:schemeClr val="accent1"/>
+            </a:fillRef>
+            <a:effectRef idx="1">
+              <a:schemeClr val="accent1"/>
+            </a:effectRef>
+            <a:fontRef idx="minor">
+              <a:schemeClr val="tx1"/>
+            </a:fontRef>
+          </p:style>
+        </p:cxnSp>
+        <p:sp>
+          <p:nvSpPr>
+            <p:cNvPr id="77" name="Rectangle 23">
+              <a:extLst>
+                <a:ext uri="{FF2B5EF4-FFF2-40B4-BE49-F238E27FC236}">
+                  <a16:creationId xmlns:a16="http://schemas.microsoft.com/office/drawing/2014/main" id="{21A8AFEF-EC50-4C0B-9C64-814B76C82090}"/>
+                </a:ext>
+                <a:ext uri="{C183D7F6-B498-43B3-948B-1728B52AA6E4}">
+                  <adec:decorative xmlns:adec="http://schemas.microsoft.com/office/drawing/2017/decorative" val="1"/>
+                </a:ext>
+              </a:extLst>
+            </p:cNvPr>
+            <p:cNvSpPr/>
+            <p:nvPr>
+              <p:extLst>
+                <p:ext uri="{386F3935-93C4-4BCD-93E2-E3B085C9AB24}">
+                  <p16:designElem xmlns:p16="http://schemas.microsoft.com/office/powerpoint/2015/main" val="1"/>
+                </p:ext>
+              </p:extLst>
+            </p:nvPr>
+          </p:nvSpPr>
+          <p:spPr>
+            <a:xfrm>
+              <a:off x="9181476" y="-8467"/>
+              <a:ext cx="3007349" cy="6866467"/>
+            </a:xfrm>
+            <a:custGeom>
+              <a:avLst/>
+              <a:gdLst/>
+              <a:ahLst/>
+              <a:cxnLst/>
+              <a:rect l="l" t="t" r="r" b="b"/>
+              <a:pathLst>
+                <a:path w="3007349" h="6866467">
+                  <a:moveTo>
+                    <a:pt x="2045532" y="0"/>
+                  </a:moveTo>
+                  <a:lnTo>
+                    <a:pt x="3007349" y="0"/>
+                  </a:lnTo>
+                  <a:lnTo>
+                    <a:pt x="3007349" y="6866467"/>
+                  </a:lnTo>
+                  <a:lnTo>
+                    <a:pt x="0" y="6866467"/>
+                  </a:lnTo>
+                  <a:lnTo>
+                    <a:pt x="2045532" y="0"/>
+                  </a:lnTo>
+                  <a:close/>
+                </a:path>
+              </a:pathLst>
+            </a:custGeom>
+            <a:solidFill>
+              <a:schemeClr val="accent1">
+                <a:alpha val="30000"/>
+              </a:schemeClr>
+            </a:solidFill>
+            <a:ln>
+              <a:noFill/>
+            </a:ln>
+            <a:effectLst/>
+          </p:spPr>
+          <p:style>
+            <a:lnRef idx="1">
+              <a:schemeClr val="accent1"/>
+            </a:lnRef>
+            <a:fillRef idx="3">
+              <a:schemeClr val="accent1"/>
+            </a:fillRef>
+            <a:effectRef idx="2">
+              <a:schemeClr val="accent1"/>
+            </a:effectRef>
+            <a:fontRef idx="minor">
+              <a:schemeClr val="lt1"/>
+            </a:fontRef>
+          </p:style>
+        </p:sp>
+        <p:sp>
+          <p:nvSpPr>
+            <p:cNvPr id="78" name="Rectangle 25">
+              <a:extLst>
+                <a:ext uri="{FF2B5EF4-FFF2-40B4-BE49-F238E27FC236}">
+                  <a16:creationId xmlns:a16="http://schemas.microsoft.com/office/drawing/2014/main" id="{CAFAA800-E117-4357-84E4-56B63EA03E37}"/>
+                </a:ext>
+                <a:ext uri="{C183D7F6-B498-43B3-948B-1728B52AA6E4}">
+                  <adec:decorative xmlns:adec="http://schemas.microsoft.com/office/drawing/2017/decorative" val="1"/>
+                </a:ext>
+              </a:extLst>
+            </p:cNvPr>
+            <p:cNvSpPr/>
+            <p:nvPr>
+              <p:extLst>
+                <p:ext uri="{386F3935-93C4-4BCD-93E2-E3B085C9AB24}">
+                  <p16:designElem xmlns:p16="http://schemas.microsoft.com/office/powerpoint/2015/main" val="1"/>
+                </p:ext>
+              </p:extLst>
+            </p:nvPr>
+          </p:nvSpPr>
+          <p:spPr>
+            <a:xfrm>
+              <a:off x="9603442" y="-8467"/>
+              <a:ext cx="2588558" cy="6866467"/>
+            </a:xfrm>
+            <a:custGeom>
+              <a:avLst/>
+              <a:gdLst/>
+              <a:ahLst/>
+              <a:cxnLst/>
+              <a:rect l="l" t="t" r="r" b="b"/>
+              <a:pathLst>
+                <a:path w="2573311" h="6866467">
+                  <a:moveTo>
+                    <a:pt x="0" y="0"/>
+                  </a:moveTo>
+                  <a:lnTo>
+                    <a:pt x="2573311" y="0"/>
+                  </a:lnTo>
+                  <a:lnTo>
+                    <a:pt x="2573311" y="6866467"/>
+                  </a:lnTo>
+                  <a:lnTo>
+                    <a:pt x="1202336" y="6866467"/>
+                  </a:lnTo>
+                  <a:lnTo>
+                    <a:pt x="0" y="0"/>
+                  </a:lnTo>
+                  <a:close/>
+                </a:path>
+              </a:pathLst>
+            </a:custGeom>
+            <a:solidFill>
+              <a:schemeClr val="accent1">
+                <a:alpha val="20000"/>
+              </a:schemeClr>
+            </a:solidFill>
+            <a:ln>
+              <a:noFill/>
+            </a:ln>
+            <a:effectLst/>
+          </p:spPr>
+          <p:style>
+            <a:lnRef idx="1">
+              <a:schemeClr val="accent1"/>
+            </a:lnRef>
+            <a:fillRef idx="3">
+              <a:schemeClr val="accent1"/>
+            </a:fillRef>
+            <a:effectRef idx="2">
+              <a:schemeClr val="accent1"/>
+            </a:effectRef>
+            <a:fontRef idx="minor">
+              <a:schemeClr val="lt1"/>
+            </a:fontRef>
+          </p:style>
+        </p:sp>
+        <p:sp>
+          <p:nvSpPr>
+            <p:cNvPr id="79" name="Isosceles Triangle 78">
+              <a:extLst>
+                <a:ext uri="{FF2B5EF4-FFF2-40B4-BE49-F238E27FC236}">
+                  <a16:creationId xmlns:a16="http://schemas.microsoft.com/office/drawing/2014/main" id="{8DDFC9F4-3B45-402D-8AD7-60B3F08ED755}"/>
+                </a:ext>
+                <a:ext uri="{C183D7F6-B498-43B3-948B-1728B52AA6E4}">
+                  <adec:decorative xmlns:adec="http://schemas.microsoft.com/office/drawing/2017/decorative" val="1"/>
+                </a:ext>
+              </a:extLst>
+            </p:cNvPr>
+            <p:cNvSpPr/>
+            <p:nvPr>
+              <p:extLst>
+                <p:ext uri="{386F3935-93C4-4BCD-93E2-E3B085C9AB24}">
+                  <p16:designElem xmlns:p16="http://schemas.microsoft.com/office/powerpoint/2015/main" val="1"/>
+                </p:ext>
+              </p:extLst>
+            </p:nvPr>
+          </p:nvSpPr>
+          <p:spPr>
+            <a:xfrm>
+              <a:off x="8932333" y="3048000"/>
+              <a:ext cx="3259667" cy="3810000"/>
+            </a:xfrm>
+            <a:prstGeom prst="triangle">
+              <a:avLst>
+                <a:gd name="adj" fmla="val 100000"/>
+              </a:avLst>
+            </a:prstGeom>
+            <a:solidFill>
+              <a:schemeClr val="accent2">
+                <a:alpha val="72000"/>
+              </a:schemeClr>
+            </a:solidFill>
+            <a:ln>
+              <a:noFill/>
+            </a:ln>
+            <a:effectLst/>
+          </p:spPr>
+          <p:style>
+            <a:lnRef idx="1">
+              <a:schemeClr val="accent1"/>
+            </a:lnRef>
+            <a:fillRef idx="3">
+              <a:schemeClr val="accent1"/>
+            </a:fillRef>
+            <a:effectRef idx="2">
+              <a:schemeClr val="accent1"/>
+            </a:effectRef>
+            <a:fontRef idx="minor">
+              <a:schemeClr val="lt1"/>
+            </a:fontRef>
+          </p:style>
+        </p:sp>
+        <p:sp>
+          <p:nvSpPr>
+            <p:cNvPr id="80" name="Rectangle 27">
+              <a:extLst>
+                <a:ext uri="{FF2B5EF4-FFF2-40B4-BE49-F238E27FC236}">
+                  <a16:creationId xmlns:a16="http://schemas.microsoft.com/office/drawing/2014/main" id="{F26A0854-FBE4-4587-B349-06BE192BD7F6}"/>
+                </a:ext>
+                <a:ext uri="{C183D7F6-B498-43B3-948B-1728B52AA6E4}">
+                  <adec:decorative xmlns:adec="http://schemas.microsoft.com/office/drawing/2017/decorative" val="1"/>
+                </a:ext>
+              </a:extLst>
+            </p:cNvPr>
+            <p:cNvSpPr/>
+            <p:nvPr>
+              <p:extLst>
+                <p:ext uri="{386F3935-93C4-4BCD-93E2-E3B085C9AB24}">
+                  <p16:designElem xmlns:p16="http://schemas.microsoft.com/office/powerpoint/2015/main" val="1"/>
+                </p:ext>
+              </p:extLst>
+            </p:nvPr>
+          </p:nvSpPr>
+          <p:spPr>
+            <a:xfrm>
+              <a:off x="9334500" y="-8467"/>
+              <a:ext cx="2854326" cy="6866467"/>
+            </a:xfrm>
+            <a:custGeom>
+              <a:avLst/>
+              <a:gdLst/>
+              <a:ahLst/>
+              <a:cxnLst/>
+              <a:rect l="l" t="t" r="r" b="b"/>
+              <a:pathLst>
+                <a:path w="2858013" h="6866467">
+                  <a:moveTo>
+                    <a:pt x="0" y="0"/>
+                  </a:moveTo>
+                  <a:lnTo>
+                    <a:pt x="2858013" y="0"/>
+                  </a:lnTo>
+                  <a:lnTo>
+                    <a:pt x="2858013" y="6866467"/>
+                  </a:lnTo>
+                  <a:lnTo>
+                    <a:pt x="2473942" y="6866467"/>
+                  </a:lnTo>
+                  <a:lnTo>
+                    <a:pt x="0" y="0"/>
+                  </a:lnTo>
+                  <a:close/>
+                </a:path>
+              </a:pathLst>
+            </a:custGeom>
+            <a:solidFill>
+              <a:schemeClr val="accent2">
+                <a:lumMod val="75000"/>
+                <a:alpha val="70000"/>
+              </a:schemeClr>
+            </a:solidFill>
+            <a:ln>
+              <a:noFill/>
+            </a:ln>
+            <a:effectLst/>
+          </p:spPr>
+          <p:style>
+            <a:lnRef idx="1">
+              <a:schemeClr val="accent1"/>
+            </a:lnRef>
+            <a:fillRef idx="3">
+              <a:schemeClr val="accent1"/>
+            </a:fillRef>
+            <a:effectRef idx="2">
+              <a:schemeClr val="accent1"/>
+            </a:effectRef>
+            <a:fontRef idx="minor">
+              <a:schemeClr val="lt1"/>
+            </a:fontRef>
+          </p:style>
+        </p:sp>
+        <p:sp>
+          <p:nvSpPr>
+            <p:cNvPr id="81" name="Rectangle 28">
+              <a:extLst>
+                <a:ext uri="{FF2B5EF4-FFF2-40B4-BE49-F238E27FC236}">
+                  <a16:creationId xmlns:a16="http://schemas.microsoft.com/office/drawing/2014/main" id="{54A9C4C6-FF7D-470E-BFCA-CE4F60A1F0A8}"/>
+                </a:ext>
+                <a:ext uri="{C183D7F6-B498-43B3-948B-1728B52AA6E4}">
+                  <adec:decorative xmlns:adec="http://schemas.microsoft.com/office/drawing/2017/decorative" val="1"/>
+                </a:ext>
+              </a:extLst>
+            </p:cNvPr>
+            <p:cNvSpPr/>
+            <p:nvPr>
+              <p:extLst>
+                <p:ext uri="{386F3935-93C4-4BCD-93E2-E3B085C9AB24}">
+                  <p16:designElem xmlns:p16="http://schemas.microsoft.com/office/powerpoint/2015/main" val="1"/>
+                </p:ext>
+              </p:extLst>
+            </p:nvPr>
+          </p:nvSpPr>
+          <p:spPr>
+            <a:xfrm>
+              <a:off x="10898730" y="-8467"/>
+              <a:ext cx="1290094" cy="6866467"/>
+            </a:xfrm>
+            <a:custGeom>
+              <a:avLst/>
+              <a:gdLst/>
+              <a:ahLst/>
+              <a:cxnLst/>
+              <a:rect l="l" t="t" r="r" b="b"/>
+              <a:pathLst>
+                <a:path w="1290094" h="6858000">
+                  <a:moveTo>
+                    <a:pt x="1019735" y="0"/>
+                  </a:moveTo>
+                  <a:lnTo>
+                    <a:pt x="1290094" y="0"/>
+                  </a:lnTo>
+                  <a:lnTo>
+                    <a:pt x="1290094" y="6858000"/>
+                  </a:lnTo>
+                  <a:lnTo>
+                    <a:pt x="0" y="6858000"/>
+                  </a:lnTo>
+                  <a:lnTo>
+                    <a:pt x="1019735" y="0"/>
+                  </a:lnTo>
+                  <a:close/>
+                </a:path>
+              </a:pathLst>
+            </a:custGeom>
+            <a:solidFill>
+              <a:schemeClr val="accent1">
+                <a:lumMod val="60000"/>
+                <a:lumOff val="40000"/>
+                <a:alpha val="70000"/>
+              </a:schemeClr>
+            </a:solidFill>
+            <a:ln>
+              <a:noFill/>
+            </a:ln>
+            <a:effectLst/>
+          </p:spPr>
+          <p:style>
+            <a:lnRef idx="1">
+              <a:schemeClr val="accent1"/>
+            </a:lnRef>
+            <a:fillRef idx="3">
+              <a:schemeClr val="accent1"/>
+            </a:fillRef>
+            <a:effectRef idx="2">
+              <a:schemeClr val="accent1"/>
+            </a:effectRef>
+            <a:fontRef idx="minor">
+              <a:schemeClr val="lt1"/>
+            </a:fontRef>
+          </p:style>
+        </p:sp>
+        <p:sp>
+          <p:nvSpPr>
+            <p:cNvPr id="82" name="Rectangle 29">
+              <a:extLst>
+                <a:ext uri="{FF2B5EF4-FFF2-40B4-BE49-F238E27FC236}">
+                  <a16:creationId xmlns:a16="http://schemas.microsoft.com/office/drawing/2014/main" id="{B1721EA8-4871-45D4-B78F-AE805A3004B1}"/>
+                </a:ext>
+                <a:ext uri="{C183D7F6-B498-43B3-948B-1728B52AA6E4}">
+                  <adec:decorative xmlns:adec="http://schemas.microsoft.com/office/drawing/2017/decorative" val="1"/>
+                </a:ext>
+              </a:extLst>
+            </p:cNvPr>
+            <p:cNvSpPr/>
+            <p:nvPr>
+              <p:extLst>
+                <p:ext uri="{386F3935-93C4-4BCD-93E2-E3B085C9AB24}">
+                  <p16:designElem xmlns:p16="http://schemas.microsoft.com/office/powerpoint/2015/main" val="1"/>
+                </p:ext>
+              </p:extLst>
+            </p:nvPr>
+          </p:nvSpPr>
+          <p:spPr>
+            <a:xfrm>
+              <a:off x="10938999" y="-8467"/>
+              <a:ext cx="1249825" cy="6866467"/>
+            </a:xfrm>
+            <a:custGeom>
+              <a:avLst/>
+              <a:gdLst/>
+              <a:ahLst/>
+              <a:cxnLst/>
+              <a:rect l="l" t="t" r="r" b="b"/>
+              <a:pathLst>
+                <a:path w="1249825" h="6858000">
+                  <a:moveTo>
+                    <a:pt x="0" y="0"/>
+                  </a:moveTo>
+                  <a:lnTo>
+                    <a:pt x="1249825" y="0"/>
+                  </a:lnTo>
+                  <a:lnTo>
+                    <a:pt x="1249825" y="6858000"/>
+                  </a:lnTo>
+                  <a:lnTo>
+                    <a:pt x="1109382" y="6858000"/>
+                  </a:lnTo>
+                  <a:lnTo>
+                    <a:pt x="0" y="0"/>
+                  </a:lnTo>
+                  <a:close/>
+                </a:path>
+              </a:pathLst>
+            </a:custGeom>
+            <a:solidFill>
+              <a:schemeClr val="accent1">
+                <a:alpha val="65000"/>
+              </a:schemeClr>
+            </a:solidFill>
+            <a:ln>
+              <a:noFill/>
+            </a:ln>
+            <a:effectLst/>
+          </p:spPr>
+          <p:style>
+            <a:lnRef idx="1">
+              <a:schemeClr val="accent1"/>
+            </a:lnRef>
+            <a:fillRef idx="3">
+              <a:schemeClr val="accent1"/>
+            </a:fillRef>
+            <a:effectRef idx="2">
+              <a:schemeClr val="accent1"/>
+            </a:effectRef>
+            <a:fontRef idx="minor">
+              <a:schemeClr val="lt1"/>
+            </a:fontRef>
+          </p:style>
+        </p:sp>
+        <p:sp>
+          <p:nvSpPr>
+            <p:cNvPr id="83" name="Isosceles Triangle 82">
+              <a:extLst>
+                <a:ext uri="{FF2B5EF4-FFF2-40B4-BE49-F238E27FC236}">
+                  <a16:creationId xmlns:a16="http://schemas.microsoft.com/office/drawing/2014/main" id="{E5763971-E3A3-45C6-9BA8-2E032C7A55EB}"/>
+                </a:ext>
+                <a:ext uri="{C183D7F6-B498-43B3-948B-1728B52AA6E4}">
+                  <adec:decorative xmlns:adec="http://schemas.microsoft.com/office/drawing/2017/decorative" val="1"/>
+                </a:ext>
+              </a:extLst>
+            </p:cNvPr>
+            <p:cNvSpPr/>
+            <p:nvPr>
+              <p:extLst>
+                <p:ext uri="{386F3935-93C4-4BCD-93E2-E3B085C9AB24}">
+                  <p16:designElem xmlns:p16="http://schemas.microsoft.com/office/powerpoint/2015/main" val="1"/>
+                </p:ext>
+              </p:extLst>
+            </p:nvPr>
+          </p:nvSpPr>
+          <p:spPr>
+            <a:xfrm>
+              <a:off x="10371666" y="3589867"/>
+              <a:ext cx="1817159" cy="3268133"/>
+            </a:xfrm>
+            <a:prstGeom prst="triangle">
+              <a:avLst>
+                <a:gd name="adj" fmla="val 100000"/>
+              </a:avLst>
+            </a:prstGeom>
+            <a:solidFill>
+              <a:schemeClr val="accent1">
+                <a:alpha val="80000"/>
+              </a:schemeClr>
+            </a:solidFill>
+            <a:ln>
+              <a:noFill/>
+            </a:ln>
+            <a:effectLst/>
+          </p:spPr>
+          <p:style>
+            <a:lnRef idx="1">
+              <a:schemeClr val="accent1"/>
+            </a:lnRef>
+            <a:fillRef idx="3">
+              <a:schemeClr val="accent1"/>
+            </a:fillRef>
+            <a:effectRef idx="2">
+              <a:schemeClr val="accent1"/>
+            </a:effectRef>
+            <a:fontRef idx="minor">
+              <a:schemeClr val="lt1"/>
+            </a:fontRef>
+          </p:style>
+        </p:sp>
+        <p:sp>
+          <p:nvSpPr>
+            <p:cNvPr id="84" name="Isosceles Triangle 83">
+              <a:extLst>
+                <a:ext uri="{FF2B5EF4-FFF2-40B4-BE49-F238E27FC236}">
+                  <a16:creationId xmlns:a16="http://schemas.microsoft.com/office/drawing/2014/main" id="{32752E94-0E01-4AF5-A43A-F2FAD8737C29}"/>
+                </a:ext>
+                <a:ext uri="{C183D7F6-B498-43B3-948B-1728B52AA6E4}">
+                  <adec:decorative xmlns:adec="http://schemas.microsoft.com/office/drawing/2017/decorative" val="1"/>
+                </a:ext>
+              </a:extLst>
+            </p:cNvPr>
+            <p:cNvSpPr/>
+            <p:nvPr>
+              <p:extLst>
+                <p:ext uri="{386F3935-93C4-4BCD-93E2-E3B085C9AB24}">
+                  <p16:designElem xmlns:p16="http://schemas.microsoft.com/office/powerpoint/2015/main" val="1"/>
+                </p:ext>
+              </p:extLst>
+            </p:nvPr>
+          </p:nvSpPr>
+          <p:spPr>
+            <a:xfrm rot="10800000">
+              <a:off x="0" y="0"/>
+              <a:ext cx="842596" cy="5666154"/>
+            </a:xfrm>
+            <a:prstGeom prst="triangle">
+              <a:avLst>
+                <a:gd name="adj" fmla="val 100000"/>
+              </a:avLst>
+            </a:prstGeom>
+            <a:solidFill>
+              <a:schemeClr val="accent1">
+                <a:alpha val="85000"/>
+              </a:schemeClr>
+            </a:solidFill>
+            <a:ln>
+              <a:noFill/>
+            </a:ln>
+            <a:effectLst/>
+          </p:spPr>
+          <p:style>
+            <a:lnRef idx="1">
+              <a:schemeClr val="accent1"/>
+            </a:lnRef>
+            <a:fillRef idx="3">
+              <a:schemeClr val="accent1"/>
+            </a:fillRef>
+            <a:effectRef idx="2">
+              <a:schemeClr val="accent1"/>
+            </a:effectRef>
+            <a:fontRef idx="minor">
+              <a:schemeClr val="lt1"/>
+            </a:fontRef>
+          </p:style>
+        </p:sp>
+      </p:grpSp>
+      <p:pic>
+        <p:nvPicPr>
+          <p:cNvPr id="7" name="Picture 6" descr="A picture containing background pattern&#10;&#10;Description automatically generated">
+            <a:extLst>
+              <a:ext uri="{FF2B5EF4-FFF2-40B4-BE49-F238E27FC236}">
+                <a16:creationId xmlns:a16="http://schemas.microsoft.com/office/drawing/2014/main" id="{A0189372-212F-6DB7-0D53-0EB3ADD200FB}"/>
+              </a:ext>
+            </a:extLst>
+          </p:cNvPr>
+          <p:cNvPicPr>
+            <a:picLocks noChangeAspect="1"/>
+          </p:cNvPicPr>
+          <p:nvPr/>
+        </p:nvPicPr>
+        <p:blipFill rotWithShape="1">
+          <a:blip r:embed="rId2"/>
+          <a:srcRect l="9162" t="5389" b="3702"/>
+          <a:stretch/>
+        </p:blipFill>
+        <p:spPr>
+          <a:xfrm>
+            <a:off x="4269854" y="-1"/>
+            <a:ext cx="7922146" cy="6858001"/>
+          </a:xfrm>
+          <a:custGeom>
+            <a:avLst/>
+            <a:gdLst/>
+            <a:ahLst/>
+            <a:cxnLst/>
+            <a:rect l="l" t="t" r="r" b="b"/>
+            <a:pathLst>
+              <a:path w="7922146" h="6858001">
+                <a:moveTo>
+                  <a:pt x="379987" y="0"/>
+                </a:moveTo>
+                <a:lnTo>
+                  <a:pt x="5304971" y="0"/>
+                </a:lnTo>
+                <a:lnTo>
+                  <a:pt x="7065281" y="0"/>
+                </a:lnTo>
+                <a:lnTo>
+                  <a:pt x="7397540" y="0"/>
+                </a:lnTo>
+                <a:lnTo>
+                  <a:pt x="7397540" y="1"/>
+                </a:lnTo>
+                <a:lnTo>
+                  <a:pt x="7922146" y="1"/>
+                </a:lnTo>
+                <a:lnTo>
+                  <a:pt x="7922146" y="6858001"/>
+                </a:lnTo>
+                <a:lnTo>
+                  <a:pt x="7065281" y="6858001"/>
+                </a:lnTo>
+                <a:lnTo>
+                  <a:pt x="7065281" y="6858000"/>
+                </a:lnTo>
+                <a:lnTo>
+                  <a:pt x="5932989" y="6858000"/>
+                </a:lnTo>
+                <a:lnTo>
+                  <a:pt x="5932989" y="6858001"/>
+                </a:lnTo>
+                <a:lnTo>
+                  <a:pt x="27809" y="6858001"/>
+                </a:lnTo>
+                <a:lnTo>
+                  <a:pt x="1803228" y="4521201"/>
+                </a:lnTo>
+                <a:close/>
+                <a:moveTo>
+                  <a:pt x="0" y="0"/>
+                </a:moveTo>
+                <a:lnTo>
+                  <a:pt x="379987" y="0"/>
+                </a:lnTo>
+                <a:lnTo>
+                  <a:pt x="0" y="407"/>
+                </a:lnTo>
+                <a:close/>
+              </a:path>
+            </a:pathLst>
+          </a:custGeom>
+        </p:spPr>
+      </p:pic>
+      <p:sp>
+        <p:nvSpPr>
+          <p:cNvPr id="2" name="Title 1">
+            <a:extLst>
+              <a:ext uri="{FF2B5EF4-FFF2-40B4-BE49-F238E27FC236}">
+                <a16:creationId xmlns:a16="http://schemas.microsoft.com/office/drawing/2014/main" id="{A541FFE4-FF91-1306-BEA8-872CA065D66C}"/>
+              </a:ext>
+            </a:extLst>
+          </p:cNvPr>
+          <p:cNvSpPr>
+            <a:spLocks noGrp="1"/>
+          </p:cNvSpPr>
+          <p:nvPr>
+            <p:ph type="title"/>
+          </p:nvPr>
+        </p:nvSpPr>
+        <p:spPr>
+          <a:xfrm>
+            <a:off x="668867" y="1678666"/>
+            <a:ext cx="4088190" cy="2369093"/>
+          </a:xfrm>
+        </p:spPr>
+        <p:txBody>
+          <a:bodyPr vert="horz" lIns="91440" tIns="45720" rIns="91440" bIns="45720" rtlCol="0" anchor="b">
+            <a:normAutofit/>
+          </a:bodyPr>
+          <a:lstStyle/>
+          <a:p>
+            <a:pPr algn="r"/>
+            <a:r>
+              <a:rPr lang="en-US" sz="4800" dirty="0"/>
+              <a:t>Impact on Nashville</a:t>
+            </a:r>
+          </a:p>
+        </p:txBody>
+      </p:sp>
+      <p:cxnSp>
+        <p:nvCxnSpPr>
+          <p:cNvPr id="86" name="Straight Connector 85">
+            <a:extLst>
+              <a:ext uri="{FF2B5EF4-FFF2-40B4-BE49-F238E27FC236}">
+                <a16:creationId xmlns:a16="http://schemas.microsoft.com/office/drawing/2014/main" id="{A57C1A16-B8AB-4D99-A195-A38F556A6486}"/>
+              </a:ext>
+              <a:ext uri="{C183D7F6-B498-43B3-948B-1728B52AA6E4}">
+                <adec:decorative xmlns:adec="http://schemas.microsoft.com/office/drawing/2017/decorative" val="1"/>
+              </a:ext>
+            </a:extLst>
+          </p:cNvPr>
+          <p:cNvCxnSpPr>
+            <a:cxnSpLocks noGrp="1" noRot="1" noChangeAspect="1" noMove="1" noResize="1" noEditPoints="1" noAdjustHandles="1" noChangeArrowheads="1" noChangeShapeType="1"/>
+          </p:cNvCxnSpPr>
+          <p:nvPr>
+            <p:extLst>
+              <p:ext uri="{386F3935-93C4-4BCD-93E2-E3B085C9AB24}">
+                <p16:designElem xmlns:p16="http://schemas.microsoft.com/office/powerpoint/2015/main" val="1"/>
+              </p:ext>
+            </p:extLst>
+          </p:nvPr>
+        </p:nvCxnSpPr>
+        <p:spPr>
+          <a:xfrm>
+            <a:off x="9371012" y="0"/>
+            <a:ext cx="1219200" cy="6858000"/>
+          </a:xfrm>
+          <a:prstGeom prst="line">
+            <a:avLst/>
+          </a:prstGeom>
+          <a:ln w="9525">
+            <a:solidFill>
+              <a:schemeClr val="bg1">
+                <a:lumMod val="75000"/>
+              </a:schemeClr>
+            </a:solidFill>
+          </a:ln>
+        </p:spPr>
+        <p:style>
+          <a:lnRef idx="2">
+            <a:schemeClr val="accent1"/>
+          </a:lnRef>
+          <a:fillRef idx="0">
+            <a:schemeClr val="accent1"/>
+          </a:fillRef>
+          <a:effectRef idx="1">
+            <a:schemeClr val="accent1"/>
+          </a:effectRef>
+          <a:fontRef idx="minor">
+            <a:schemeClr val="tx1"/>
+          </a:fontRef>
+        </p:style>
+      </p:cxnSp>
+      <p:cxnSp>
+        <p:nvCxnSpPr>
+          <p:cNvPr id="88" name="Straight Connector 87">
+            <a:extLst>
+              <a:ext uri="{FF2B5EF4-FFF2-40B4-BE49-F238E27FC236}">
+                <a16:creationId xmlns:a16="http://schemas.microsoft.com/office/drawing/2014/main" id="{F8A9B20B-D1DD-4573-B5EC-558029519236}"/>
+              </a:ext>
+              <a:ext uri="{C183D7F6-B498-43B3-948B-1728B52AA6E4}">
+                <adec:decorative xmlns:adec="http://schemas.microsoft.com/office/drawing/2017/decorative" val="1"/>
+              </a:ext>
+            </a:extLst>
+          </p:cNvPr>
+          <p:cNvCxnSpPr>
+            <a:cxnSpLocks noGrp="1" noRot="1" noChangeAspect="1" noMove="1" noResize="1" noEditPoints="1" noAdjustHandles="1" noChangeArrowheads="1" noChangeShapeType="1"/>
+          </p:cNvCxnSpPr>
+          <p:nvPr>
+            <p:extLst>
+              <p:ext uri="{386F3935-93C4-4BCD-93E2-E3B085C9AB24}">
+                <p16:designElem xmlns:p16="http://schemas.microsoft.com/office/powerpoint/2015/main" val="1"/>
+              </p:ext>
+            </p:extLst>
+          </p:nvPr>
+        </p:nvCxnSpPr>
+        <p:spPr>
+          <a:xfrm flipH="1">
+            <a:off x="7425267" y="3681413"/>
+            <a:ext cx="4763558" cy="3176587"/>
+          </a:xfrm>
+          <a:prstGeom prst="line">
+            <a:avLst/>
+          </a:prstGeom>
+          <a:ln w="9525">
+            <a:solidFill>
+              <a:schemeClr val="bg1">
+                <a:lumMod val="85000"/>
+              </a:schemeClr>
+            </a:solidFill>
+          </a:ln>
+        </p:spPr>
+        <p:style>
+          <a:lnRef idx="2">
+            <a:schemeClr val="accent1"/>
+          </a:lnRef>
+          <a:fillRef idx="0">
+            <a:schemeClr val="accent1"/>
+          </a:fillRef>
+          <a:effectRef idx="1">
+            <a:schemeClr val="accent1"/>
+          </a:effectRef>
+          <a:fontRef idx="minor">
+            <a:schemeClr val="tx1"/>
+          </a:fontRef>
+        </p:style>
+      </p:cxnSp>
+      <p:sp>
+        <p:nvSpPr>
+          <p:cNvPr id="90" name="Rectangle 23">
+            <a:extLst>
+              <a:ext uri="{FF2B5EF4-FFF2-40B4-BE49-F238E27FC236}">
+                <a16:creationId xmlns:a16="http://schemas.microsoft.com/office/drawing/2014/main" id="{66D61E08-70C3-48D8-BEA0-787111DC30DA}"/>
+              </a:ext>
+              <a:ext uri="{C183D7F6-B498-43B3-948B-1728B52AA6E4}">
+                <adec:decorative xmlns:adec="http://schemas.microsoft.com/office/drawing/2017/decorative" val="1"/>
+              </a:ext>
+            </a:extLst>
+          </p:cNvPr>
+          <p:cNvSpPr>
+            <a:spLocks noGrp="1" noRot="1" noChangeAspect="1" noMove="1" noResize="1" noEditPoints="1" noAdjustHandles="1" noChangeArrowheads="1" noChangeShapeType="1" noTextEdit="1"/>
+          </p:cNvSpPr>
+          <p:nvPr>
+            <p:extLst>
+              <p:ext uri="{386F3935-93C4-4BCD-93E2-E3B085C9AB24}">
+                <p16:designElem xmlns:p16="http://schemas.microsoft.com/office/powerpoint/2015/main" val="1"/>
+              </p:ext>
+            </p:extLst>
+          </p:nvPr>
+        </p:nvSpPr>
+        <p:spPr>
+          <a:xfrm>
+            <a:off x="9181476" y="-8467"/>
+            <a:ext cx="3007349" cy="6866467"/>
+          </a:xfrm>
+          <a:custGeom>
+            <a:avLst/>
+            <a:gdLst/>
+            <a:ahLst/>
+            <a:cxnLst/>
+            <a:rect l="l" t="t" r="r" b="b"/>
+            <a:pathLst>
+              <a:path w="3007349" h="6866467">
+                <a:moveTo>
+                  <a:pt x="2045532" y="0"/>
+                </a:moveTo>
+                <a:lnTo>
+                  <a:pt x="3007349" y="0"/>
+                </a:lnTo>
+                <a:lnTo>
+                  <a:pt x="3007349" y="6866467"/>
+                </a:lnTo>
+                <a:lnTo>
+                  <a:pt x="0" y="6866467"/>
+                </a:lnTo>
+                <a:lnTo>
+                  <a:pt x="2045532" y="0"/>
+                </a:lnTo>
+                <a:close/>
+              </a:path>
+            </a:pathLst>
+          </a:custGeom>
+          <a:solidFill>
+            <a:schemeClr val="accent1">
+              <a:alpha val="30000"/>
+            </a:schemeClr>
+          </a:solidFill>
+          <a:ln>
+            <a:noFill/>
+          </a:ln>
+          <a:effectLst/>
+        </p:spPr>
+        <p:style>
+          <a:lnRef idx="1">
+            <a:schemeClr val="accent1"/>
+          </a:lnRef>
+          <a:fillRef idx="3">
+            <a:schemeClr val="accent1"/>
+          </a:fillRef>
+          <a:effectRef idx="2">
+            <a:schemeClr val="accent1"/>
+          </a:effectRef>
+          <a:fontRef idx="minor">
+            <a:schemeClr val="lt1"/>
+          </a:fontRef>
+        </p:style>
+      </p:sp>
+      <p:sp>
+        <p:nvSpPr>
+          <p:cNvPr id="92" name="Rectangle 25">
+            <a:extLst>
+              <a:ext uri="{FF2B5EF4-FFF2-40B4-BE49-F238E27FC236}">
+                <a16:creationId xmlns:a16="http://schemas.microsoft.com/office/drawing/2014/main" id="{FC55298F-0AE5-478E-AD2B-03C2614C5833}"/>
+              </a:ext>
+              <a:ext uri="{C183D7F6-B498-43B3-948B-1728B52AA6E4}">
+                <adec:decorative xmlns:adec="http://schemas.microsoft.com/office/drawing/2017/decorative" val="1"/>
+              </a:ext>
+            </a:extLst>
+          </p:cNvPr>
+          <p:cNvSpPr>
+            <a:spLocks noGrp="1" noRot="1" noChangeAspect="1" noMove="1" noResize="1" noEditPoints="1" noAdjustHandles="1" noChangeArrowheads="1" noChangeShapeType="1" noTextEdit="1"/>
+          </p:cNvSpPr>
+          <p:nvPr>
+            <p:extLst>
+              <p:ext uri="{386F3935-93C4-4BCD-93E2-E3B085C9AB24}">
+                <p16:designElem xmlns:p16="http://schemas.microsoft.com/office/powerpoint/2015/main" val="1"/>
+              </p:ext>
+            </p:extLst>
+          </p:nvPr>
+        </p:nvSpPr>
+        <p:spPr>
+          <a:xfrm>
+            <a:off x="9603442" y="-8467"/>
+            <a:ext cx="2588558" cy="6866467"/>
+          </a:xfrm>
+          <a:custGeom>
+            <a:avLst/>
+            <a:gdLst/>
+            <a:ahLst/>
+            <a:cxnLst/>
+            <a:rect l="l" t="t" r="r" b="b"/>
+            <a:pathLst>
+              <a:path w="2573311" h="6866467">
+                <a:moveTo>
+                  <a:pt x="0" y="0"/>
+                </a:moveTo>
+                <a:lnTo>
+                  <a:pt x="2573311" y="0"/>
+                </a:lnTo>
+                <a:lnTo>
+                  <a:pt x="2573311" y="6866467"/>
+                </a:lnTo>
+                <a:lnTo>
+                  <a:pt x="1202336" y="6866467"/>
+                </a:lnTo>
+                <a:lnTo>
+                  <a:pt x="0" y="0"/>
+                </a:lnTo>
+                <a:close/>
+              </a:path>
+            </a:pathLst>
+          </a:custGeom>
+          <a:solidFill>
+            <a:schemeClr val="accent1">
+              <a:alpha val="20000"/>
+            </a:schemeClr>
+          </a:solidFill>
+          <a:ln>
+            <a:noFill/>
+          </a:ln>
+          <a:effectLst/>
+        </p:spPr>
+        <p:style>
+          <a:lnRef idx="1">
+            <a:schemeClr val="accent1"/>
+          </a:lnRef>
+          <a:fillRef idx="3">
+            <a:schemeClr val="accent1"/>
+          </a:fillRef>
+          <a:effectRef idx="2">
+            <a:schemeClr val="accent1"/>
+          </a:effectRef>
+          <a:fontRef idx="minor">
+            <a:schemeClr val="lt1"/>
+          </a:fontRef>
+        </p:style>
+      </p:sp>
+      <p:sp>
+        <p:nvSpPr>
+          <p:cNvPr id="94" name="Isosceles Triangle 24">
+            <a:extLst>
+              <a:ext uri="{FF2B5EF4-FFF2-40B4-BE49-F238E27FC236}">
+                <a16:creationId xmlns:a16="http://schemas.microsoft.com/office/drawing/2014/main" id="{C180E4EA-0B63-4779-A895-7E90E71088F3}"/>
+              </a:ext>
+              <a:ext uri="{C183D7F6-B498-43B3-948B-1728B52AA6E4}">
+                <adec:decorative xmlns:adec="http://schemas.microsoft.com/office/drawing/2017/decorative" val="1"/>
+              </a:ext>
+            </a:extLst>
+          </p:cNvPr>
+          <p:cNvSpPr>
+            <a:spLocks noGrp="1" noRot="1" noChangeAspect="1" noMove="1" noResize="1" noEditPoints="1" noAdjustHandles="1" noChangeArrowheads="1" noChangeShapeType="1" noTextEdit="1"/>
+          </p:cNvSpPr>
+          <p:nvPr>
+            <p:extLst>
+              <p:ext uri="{386F3935-93C4-4BCD-93E2-E3B085C9AB24}">
+                <p16:designElem xmlns:p16="http://schemas.microsoft.com/office/powerpoint/2015/main" val="1"/>
+              </p:ext>
+            </p:extLst>
+          </p:nvPr>
+        </p:nvSpPr>
+        <p:spPr>
+          <a:xfrm>
+            <a:off x="8932333" y="3048000"/>
+            <a:ext cx="3259667" cy="3810000"/>
+          </a:xfrm>
+          <a:prstGeom prst="triangle">
+            <a:avLst>
+              <a:gd name="adj" fmla="val 100000"/>
+            </a:avLst>
+          </a:prstGeom>
+          <a:solidFill>
+            <a:schemeClr val="accent2">
+              <a:alpha val="72000"/>
+            </a:schemeClr>
+          </a:solidFill>
+          <a:ln>
+            <a:noFill/>
+          </a:ln>
+          <a:effectLst/>
+        </p:spPr>
+        <p:style>
+          <a:lnRef idx="1">
+            <a:schemeClr val="accent1"/>
+          </a:lnRef>
+          <a:fillRef idx="3">
+            <a:schemeClr val="accent1"/>
+          </a:fillRef>
+          <a:effectRef idx="2">
+            <a:schemeClr val="accent1"/>
+          </a:effectRef>
+          <a:fontRef idx="minor">
+            <a:schemeClr val="lt1"/>
+          </a:fontRef>
+        </p:style>
+      </p:sp>
+      <p:sp>
+        <p:nvSpPr>
+          <p:cNvPr id="96" name="Rectangle 27">
+            <a:extLst>
+              <a:ext uri="{FF2B5EF4-FFF2-40B4-BE49-F238E27FC236}">
+                <a16:creationId xmlns:a16="http://schemas.microsoft.com/office/drawing/2014/main" id="{CEE01D9D-3DE8-4EED-B0D3-8F3C79CC7673}"/>
+              </a:ext>
+              <a:ext uri="{C183D7F6-B498-43B3-948B-1728B52AA6E4}">
+                <adec:decorative xmlns:adec="http://schemas.microsoft.com/office/drawing/2017/decorative" val="1"/>
+              </a:ext>
+            </a:extLst>
+          </p:cNvPr>
+          <p:cNvSpPr>
+            <a:spLocks noGrp="1" noRot="1" noChangeAspect="1" noMove="1" noResize="1" noEditPoints="1" noAdjustHandles="1" noChangeArrowheads="1" noChangeShapeType="1" noTextEdit="1"/>
+          </p:cNvSpPr>
+          <p:nvPr>
+            <p:extLst>
+              <p:ext uri="{386F3935-93C4-4BCD-93E2-E3B085C9AB24}">
+                <p16:designElem xmlns:p16="http://schemas.microsoft.com/office/powerpoint/2015/main" val="1"/>
+              </p:ext>
+            </p:extLst>
+          </p:nvPr>
+        </p:nvSpPr>
+        <p:spPr>
+          <a:xfrm>
+            <a:off x="9334500" y="-8467"/>
+            <a:ext cx="2854326" cy="6866467"/>
+          </a:xfrm>
+          <a:custGeom>
+            <a:avLst/>
+            <a:gdLst/>
+            <a:ahLst/>
+            <a:cxnLst/>
+            <a:rect l="l" t="t" r="r" b="b"/>
+            <a:pathLst>
+              <a:path w="2858013" h="6866467">
+                <a:moveTo>
+                  <a:pt x="0" y="0"/>
+                </a:moveTo>
+                <a:lnTo>
+                  <a:pt x="2858013" y="0"/>
+                </a:lnTo>
+                <a:lnTo>
+                  <a:pt x="2858013" y="6866467"/>
+                </a:lnTo>
+                <a:lnTo>
+                  <a:pt x="2473942" y="6866467"/>
+                </a:lnTo>
+                <a:lnTo>
+                  <a:pt x="0" y="0"/>
+                </a:lnTo>
+                <a:close/>
+              </a:path>
+            </a:pathLst>
+          </a:custGeom>
+          <a:solidFill>
+            <a:schemeClr val="accent2">
+              <a:lumMod val="75000"/>
+              <a:alpha val="47000"/>
+            </a:schemeClr>
+          </a:solidFill>
+          <a:ln>
+            <a:noFill/>
+          </a:ln>
+          <a:effectLst/>
+        </p:spPr>
+        <p:style>
+          <a:lnRef idx="1">
+            <a:schemeClr val="accent1"/>
+          </a:lnRef>
+          <a:fillRef idx="3">
+            <a:schemeClr val="accent1"/>
+          </a:fillRef>
+          <a:effectRef idx="2">
+            <a:schemeClr val="accent1"/>
+          </a:effectRef>
+          <a:fontRef idx="minor">
+            <a:schemeClr val="lt1"/>
+          </a:fontRef>
+        </p:style>
+      </p:sp>
+      <p:sp>
+        <p:nvSpPr>
+          <p:cNvPr id="98" name="Rectangle 28">
+            <a:extLst>
+              <a:ext uri="{FF2B5EF4-FFF2-40B4-BE49-F238E27FC236}">
+                <a16:creationId xmlns:a16="http://schemas.microsoft.com/office/drawing/2014/main" id="{89AF5CE9-607F-43F4-8983-DCD6DA4051FD}"/>
+              </a:ext>
+              <a:ext uri="{C183D7F6-B498-43B3-948B-1728B52AA6E4}">
+                <adec:decorative xmlns:adec="http://schemas.microsoft.com/office/drawing/2017/decorative" val="1"/>
+              </a:ext>
+            </a:extLst>
+          </p:cNvPr>
+          <p:cNvSpPr>
+            <a:spLocks noGrp="1" noRot="1" noChangeAspect="1" noMove="1" noResize="1" noEditPoints="1" noAdjustHandles="1" noChangeArrowheads="1" noChangeShapeType="1" noTextEdit="1"/>
+          </p:cNvSpPr>
+          <p:nvPr>
+            <p:extLst>
+              <p:ext uri="{386F3935-93C4-4BCD-93E2-E3B085C9AB24}">
+                <p16:designElem xmlns:p16="http://schemas.microsoft.com/office/powerpoint/2015/main" val="1"/>
+              </p:ext>
+            </p:extLst>
+          </p:nvPr>
+        </p:nvSpPr>
+        <p:spPr>
+          <a:xfrm>
+            <a:off x="10898730" y="-8467"/>
+            <a:ext cx="1290094" cy="6866467"/>
+          </a:xfrm>
+          <a:custGeom>
+            <a:avLst/>
+            <a:gdLst/>
+            <a:ahLst/>
+            <a:cxnLst/>
+            <a:rect l="l" t="t" r="r" b="b"/>
+            <a:pathLst>
+              <a:path w="1290094" h="6858000">
+                <a:moveTo>
+                  <a:pt x="1019735" y="0"/>
+                </a:moveTo>
+                <a:lnTo>
+                  <a:pt x="1290094" y="0"/>
+                </a:lnTo>
+                <a:lnTo>
+                  <a:pt x="1290094" y="6858000"/>
+                </a:lnTo>
+                <a:lnTo>
+                  <a:pt x="0" y="6858000"/>
+                </a:lnTo>
+                <a:lnTo>
+                  <a:pt x="1019735" y="0"/>
+                </a:lnTo>
+                <a:close/>
+              </a:path>
+            </a:pathLst>
+          </a:custGeom>
+          <a:solidFill>
+            <a:schemeClr val="accent1">
+              <a:lumMod val="60000"/>
+              <a:lumOff val="40000"/>
+              <a:alpha val="70000"/>
+            </a:schemeClr>
+          </a:solidFill>
+          <a:ln>
+            <a:noFill/>
+          </a:ln>
+          <a:effectLst/>
+        </p:spPr>
+        <p:style>
+          <a:lnRef idx="1">
+            <a:schemeClr val="accent1"/>
+          </a:lnRef>
+          <a:fillRef idx="3">
+            <a:schemeClr val="accent1"/>
+          </a:fillRef>
+          <a:effectRef idx="2">
+            <a:schemeClr val="accent1"/>
+          </a:effectRef>
+          <a:fontRef idx="minor">
+            <a:schemeClr val="lt1"/>
+          </a:fontRef>
+        </p:style>
+      </p:sp>
+      <p:sp>
+        <p:nvSpPr>
+          <p:cNvPr id="100" name="Rectangle 29">
+            <a:extLst>
+              <a:ext uri="{FF2B5EF4-FFF2-40B4-BE49-F238E27FC236}">
+                <a16:creationId xmlns:a16="http://schemas.microsoft.com/office/drawing/2014/main" id="{6EEA2DBD-9E1E-4521-8C01-F32AD18A89E3}"/>
+              </a:ext>
+              <a:ext uri="{C183D7F6-B498-43B3-948B-1728B52AA6E4}">
+                <adec:decorative xmlns:adec="http://schemas.microsoft.com/office/drawing/2017/decorative" val="1"/>
+              </a:ext>
+            </a:extLst>
+          </p:cNvPr>
+          <p:cNvSpPr>
+            <a:spLocks noGrp="1" noRot="1" noChangeAspect="1" noMove="1" noResize="1" noEditPoints="1" noAdjustHandles="1" noChangeArrowheads="1" noChangeShapeType="1" noTextEdit="1"/>
+          </p:cNvSpPr>
+          <p:nvPr>
+            <p:extLst>
+              <p:ext uri="{386F3935-93C4-4BCD-93E2-E3B085C9AB24}">
+                <p16:designElem xmlns:p16="http://schemas.microsoft.com/office/powerpoint/2015/main" val="1"/>
+              </p:ext>
+            </p:extLst>
+          </p:nvPr>
+        </p:nvSpPr>
+        <p:spPr>
+          <a:xfrm>
+            <a:off x="10938999" y="-8467"/>
+            <a:ext cx="1249825" cy="6866467"/>
+          </a:xfrm>
+          <a:custGeom>
+            <a:avLst/>
+            <a:gdLst/>
+            <a:ahLst/>
+            <a:cxnLst/>
+            <a:rect l="l" t="t" r="r" b="b"/>
+            <a:pathLst>
+              <a:path w="1249825" h="6858000">
+                <a:moveTo>
+                  <a:pt x="0" y="0"/>
+                </a:moveTo>
+                <a:lnTo>
+                  <a:pt x="1249825" y="0"/>
+                </a:lnTo>
+                <a:lnTo>
+                  <a:pt x="1249825" y="6858000"/>
+                </a:lnTo>
+                <a:lnTo>
+                  <a:pt x="1109382" y="6858000"/>
+                </a:lnTo>
+                <a:lnTo>
+                  <a:pt x="0" y="0"/>
+                </a:lnTo>
+                <a:close/>
+              </a:path>
+            </a:pathLst>
+          </a:custGeom>
+          <a:solidFill>
+            <a:schemeClr val="accent1">
+              <a:alpha val="65000"/>
+            </a:schemeClr>
+          </a:solidFill>
+          <a:ln>
+            <a:noFill/>
+          </a:ln>
+          <a:effectLst/>
+        </p:spPr>
+        <p:style>
+          <a:lnRef idx="1">
+            <a:schemeClr val="accent1"/>
+          </a:lnRef>
+          <a:fillRef idx="3">
+            <a:schemeClr val="accent1"/>
+          </a:fillRef>
+          <a:effectRef idx="2">
+            <a:schemeClr val="accent1"/>
+          </a:effectRef>
+          <a:fontRef idx="minor">
+            <a:schemeClr val="lt1"/>
+          </a:fontRef>
+        </p:style>
+      </p:sp>
+      <p:sp>
+        <p:nvSpPr>
+          <p:cNvPr id="102" name="Isosceles Triangle 29">
+            <a:extLst>
+              <a:ext uri="{FF2B5EF4-FFF2-40B4-BE49-F238E27FC236}">
+                <a16:creationId xmlns:a16="http://schemas.microsoft.com/office/drawing/2014/main" id="{15BBD2C1-BA9B-46A9-A27A-33498B169272}"/>
+              </a:ext>
+              <a:ext uri="{C183D7F6-B498-43B3-948B-1728B52AA6E4}">
+                <adec:decorative xmlns:adec="http://schemas.microsoft.com/office/drawing/2017/decorative" val="1"/>
+              </a:ext>
+            </a:extLst>
+          </p:cNvPr>
+          <p:cNvSpPr>
+            <a:spLocks noGrp="1" noRot="1" noChangeAspect="1" noMove="1" noResize="1" noEditPoints="1" noAdjustHandles="1" noChangeArrowheads="1" noChangeShapeType="1" noTextEdit="1"/>
+          </p:cNvSpPr>
+          <p:nvPr>
+            <p:extLst>
+              <p:ext uri="{386F3935-93C4-4BCD-93E2-E3B085C9AB24}">
+                <p16:designElem xmlns:p16="http://schemas.microsoft.com/office/powerpoint/2015/main" val="1"/>
+              </p:ext>
+            </p:extLst>
+          </p:nvPr>
+        </p:nvSpPr>
+        <p:spPr>
+          <a:xfrm>
+            <a:off x="10371666" y="3589867"/>
+            <a:ext cx="1817159" cy="3268133"/>
+          </a:xfrm>
+          <a:prstGeom prst="triangle">
+            <a:avLst>
+              <a:gd name="adj" fmla="val 100000"/>
+            </a:avLst>
+          </a:prstGeom>
+          <a:solidFill>
+            <a:schemeClr val="accent1">
+              <a:alpha val="80000"/>
+            </a:schemeClr>
+          </a:solidFill>
+          <a:ln>
+            <a:noFill/>
+          </a:ln>
+          <a:effectLst/>
+        </p:spPr>
+        <p:style>
+          <a:lnRef idx="1">
+            <a:schemeClr val="accent1"/>
+          </a:lnRef>
+          <a:fillRef idx="3">
+            <a:schemeClr val="accent1"/>
+          </a:fillRef>
+          <a:effectRef idx="2">
+            <a:schemeClr val="accent1"/>
+          </a:effectRef>
+          <a:fontRef idx="minor">
+            <a:schemeClr val="lt1"/>
+          </a:fontRef>
+        </p:style>
+      </p:sp>
+    </p:spTree>
+    <p:extLst>
+      <p:ext uri="{BB962C8B-B14F-4D97-AF65-F5344CB8AC3E}">
+        <p14:creationId xmlns:p14="http://schemas.microsoft.com/office/powerpoint/2010/main" val="3298731451"/>
+      </p:ext>
+    </p:extLst>
+  </p:cSld>
+  <p:clrMapOvr>
+    <a:masterClrMapping/>
+  </p:clrMapOvr>
+  <p:timing>
+    <p:tnLst>
+      <p:par>
+        <p:cTn id="1" dur="indefinite" restart="never" nodeType="tmRoot">
+          <p:childTnLst>
+            <p:seq concurrent="1" nextAc="seek">
+              <p:cTn id="2" dur="indefinite" nodeType="mainSeq">
+                <p:childTnLst>
+                  <p:par>
+                    <p:cTn id="3" fill="hold">
+                      <p:stCondLst>
+                        <p:cond delay="indefinite"/>
+                        <p:cond evt="onBegin" delay="0">
+                          <p:tn val="2"/>
+                        </p:cond>
+                      </p:stCondLst>
+                      <p:childTnLst>
+                        <p:par>
+                          <p:cTn id="4" fill="hold">
+                            <p:stCondLst>
+                              <p:cond delay="0"/>
+                            </p:stCondLst>
+                            <p:childTnLst>
+                              <p:par>
+                                <p:cTn id="5" presetID="10" presetClass="entr" presetSubtype="0" fill="hold" grpId="0" nodeType="withEffect">
+                                  <p:stCondLst>
+                                    <p:cond delay="1000"/>
+                                  </p:stCondLst>
+                                  <p:iterate type="lt">
+                                    <p:tmPct val="10000"/>
+                                  </p:iterate>
+                                  <p:childTnLst>
+                                    <p:set>
+                                      <p:cBhvr>
+                                        <p:cTn id="6" dur="1" fill="hold">
+                                          <p:stCondLst>
+                                            <p:cond delay="0"/>
+                                          </p:stCondLst>
+                                        </p:cTn>
+                                        <p:tgtEl>
+                                          <p:spTgt spid="2"/>
+                                        </p:tgtEl>
+                                        <p:attrNameLst>
+                                          <p:attrName>style.visibility</p:attrName>
+                                        </p:attrNameLst>
+                                      </p:cBhvr>
+                                      <p:to>
+                                        <p:strVal val="visible"/>
+                                      </p:to>
+                                    </p:set>
+                                    <p:animEffect transition="in" filter="fade">
+                                      <p:cBhvr>
+                                        <p:cTn id="7" dur="400"/>
+                                        <p:tgtEl>
+                                          <p:spTgt spid="2"/>
+                                        </p:tgtEl>
+                                      </p:cBhvr>
+                                    </p:animEffect>
+                                  </p:childTnLst>
+                                </p:cTn>
+                              </p:par>
+                            </p:childTnLst>
+                          </p:cTn>
+                        </p:par>
+                      </p:childTnLst>
+                    </p:cTn>
+                  </p:par>
+                </p:childTnLst>
+              </p:cTn>
+              <p:prevCondLst>
+                <p:cond evt="onPrev" delay="0">
+                  <p:tgtEl>
+                    <p:sldTgt/>
+                  </p:tgtEl>
+                </p:cond>
+              </p:prevCondLst>
+              <p:nextCondLst>
+                <p:cond evt="onNext" delay="0">
+                  <p:tgtEl>
+                    <p:sldTgt/>
+                  </p:tgtEl>
+                </p:cond>
+              </p:nextCondLst>
+            </p:seq>
+          </p:childTnLst>
+        </p:cTn>
+      </p:par>
+    </p:tnLst>
+    <p:bldLst>
+      <p:bldP spid="2" grpId="0"/>
+    </p:bldLst>
+  </p:timing>
+</p:sld>
+</file>
+
+<file path=ppt/slides/slide9.xml><?xml version="1.0" encoding="utf-8"?>
+<p:sld xmlns:a="http://schemas.openxmlformats.org/drawingml/2006/main" xmlns:r="http://schemas.openxmlformats.org/officeDocument/2006/relationships" xmlns:p="http://schemas.openxmlformats.org/presentationml/2006/main">
+  <p:cSld>
+    <p:spTree>
+      <p:nvGrpSpPr>
+        <p:cNvPr id="1" name=""/>
+        <p:cNvGrpSpPr/>
+        <p:nvPr/>
+      </p:nvGrpSpPr>
+      <p:grpSpPr>
+        <a:xfrm>
+          <a:off x="0" y="0"/>
+          <a:ext cx="0" cy="0"/>
+          <a:chOff x="0" y="0"/>
+          <a:chExt cx="0" cy="0"/>
+        </a:xfrm>
+      </p:grpSpPr>
+      <p:sp>
+        <p:nvSpPr>
+          <p:cNvPr id="2" name="Title 1">
+            <a:extLst>
+              <a:ext uri="{FF2B5EF4-FFF2-40B4-BE49-F238E27FC236}">
+                <a16:creationId xmlns:a16="http://schemas.microsoft.com/office/drawing/2014/main" id="{9A6A4D31-3F31-2363-64CA-25D86BF1533C}"/>
+              </a:ext>
+            </a:extLst>
+          </p:cNvPr>
+          <p:cNvSpPr>
+            <a:spLocks noGrp="1"/>
+          </p:cNvSpPr>
+          <p:nvPr>
+            <p:ph type="title"/>
+          </p:nvPr>
+        </p:nvSpPr>
+        <p:spPr/>
+        <p:txBody>
+          <a:bodyPr>
+            <a:normAutofit fontScale="90000"/>
+          </a:bodyPr>
+          <a:lstStyle/>
+          <a:p>
+            <a:r>
+              <a:rPr lang="en-US" dirty="0"/>
+              <a:t>Why does one zip code have a total of 10 grocery stores while other zip codes only have one?</a:t>
+            </a:r>
+            <a:br>
+              <a:rPr lang="en-US" dirty="0"/>
+            </a:br>
+            <a:r>
+              <a:rPr lang="en-US" dirty="0"/>
+              <a:t>What percentage of grocery stores that one zip code accounts for</a:t>
+            </a:r>
+          </a:p>
+        </p:txBody>
+      </p:sp>
+    </p:spTree>
+    <p:extLst>
+      <p:ext uri="{BB962C8B-B14F-4D97-AF65-F5344CB8AC3E}">
+        <p14:creationId xmlns:p14="http://schemas.microsoft.com/office/powerpoint/2010/main" val="2713106244"/>
       </p:ext>
     </p:extLst>
   </p:cSld>
@@ -6300,4 +10345,299 @@
     </a:ext>
   </a:extLst>
 </a:theme>
+</file>
+
+<file path=ppt/theme/theme2.xml><?xml version="1.0" encoding="utf-8"?>
+<a:theme xmlns:a="http://schemas.openxmlformats.org/drawingml/2006/main" name="Office Theme">
+  <a:themeElements>
+    <a:clrScheme name="Office">
+      <a:dk1>
+        <a:sysClr val="windowText" lastClr="000000"/>
+      </a:dk1>
+      <a:lt1>
+        <a:sysClr val="window" lastClr="FFFFFF"/>
+      </a:lt1>
+      <a:dk2>
+        <a:srgbClr val="44546A"/>
+      </a:dk2>
+      <a:lt2>
+        <a:srgbClr val="E7E6E6"/>
+      </a:lt2>
+      <a:accent1>
+        <a:srgbClr val="4472C4"/>
+      </a:accent1>
+      <a:accent2>
+        <a:srgbClr val="ED7D31"/>
+      </a:accent2>
+      <a:accent3>
+        <a:srgbClr val="A5A5A5"/>
+      </a:accent3>
+      <a:accent4>
+        <a:srgbClr val="FFC000"/>
+      </a:accent4>
+      <a:accent5>
+        <a:srgbClr val="5B9BD5"/>
+      </a:accent5>
+      <a:accent6>
+        <a:srgbClr val="70AD47"/>
+      </a:accent6>
+      <a:hlink>
+        <a:srgbClr val="0563C1"/>
+      </a:hlink>
+      <a:folHlink>
+        <a:srgbClr val="954F72"/>
+      </a:folHlink>
+    </a:clrScheme>
+    <a:fontScheme name="Office">
+      <a:majorFont>
+        <a:latin typeface="Calibri Light" panose="020F0302020204030204"/>
+        <a:ea typeface=""/>
+        <a:cs typeface=""/>
+        <a:font script="Jpan" typeface="游ゴシック Light"/>
+        <a:font script="Hang" typeface="맑은 고딕"/>
+        <a:font script="Hans" typeface="等线 Light"/>
+        <a:font script="Hant" typeface="新細明體"/>
+        <a:font script="Arab" typeface="Times New Roman"/>
+        <a:font script="Hebr" typeface="Times New Roman"/>
+        <a:font script="Thai" typeface="Angsana New"/>
+        <a:font script="Ethi" typeface="Nyala"/>
+        <a:font script="Beng" typeface="Vrinda"/>
+        <a:font script="Gujr" typeface="Shruti"/>
+        <a:font script="Khmr" typeface="MoolBoran"/>
+        <a:font script="Knda" typeface="Tunga"/>
+        <a:font script="Guru" typeface="Raavi"/>
+        <a:font script="Cans" typeface="Euphemia"/>
+        <a:font script="Cher" typeface="Plantagenet Cherokee"/>
+        <a:font script="Yiii" typeface="Microsoft Yi Baiti"/>
+        <a:font script="Tibt" typeface="Microsoft Himalaya"/>
+        <a:font script="Thaa" typeface="MV Boli"/>
+        <a:font script="Deva" typeface="Mangal"/>
+        <a:font script="Telu" typeface="Gautami"/>
+        <a:font script="Taml" typeface="Latha"/>
+        <a:font script="Syrc" typeface="Estrangelo Edessa"/>
+        <a:font script="Orya" typeface="Kalinga"/>
+        <a:font script="Mlym" typeface="Kartika"/>
+        <a:font script="Laoo" typeface="DokChampa"/>
+        <a:font script="Sinh" typeface="Iskoola Pota"/>
+        <a:font script="Mong" typeface="Mongolian Baiti"/>
+        <a:font script="Viet" typeface="Times New Roman"/>
+        <a:font script="Uigh" typeface="Microsoft Uighur"/>
+        <a:font script="Geor" typeface="Sylfaen"/>
+        <a:font script="Armn" typeface="Arial"/>
+        <a:font script="Bugi" typeface="Leelawadee UI"/>
+        <a:font script="Bopo" typeface="Microsoft JhengHei"/>
+        <a:font script="Java" typeface="Javanese Text"/>
+        <a:font script="Lisu" typeface="Segoe UI"/>
+        <a:font script="Mymr" typeface="Myanmar Text"/>
+        <a:font script="Nkoo" typeface="Ebrima"/>
+        <a:font script="Olck" typeface="Nirmala UI"/>
+        <a:font script="Osma" typeface="Ebrima"/>
+        <a:font script="Phag" typeface="Phagspa"/>
+        <a:font script="Syrn" typeface="Estrangelo Edessa"/>
+        <a:font script="Syrj" typeface="Estrangelo Edessa"/>
+        <a:font script="Syre" typeface="Estrangelo Edessa"/>
+        <a:font script="Sora" typeface="Nirmala UI"/>
+        <a:font script="Tale" typeface="Microsoft Tai Le"/>
+        <a:font script="Talu" typeface="Microsoft New Tai Lue"/>
+        <a:font script="Tfng" typeface="Ebrima"/>
+      </a:majorFont>
+      <a:minorFont>
+        <a:latin typeface="Calibri" panose="020F0502020204030204"/>
+        <a:ea typeface=""/>
+        <a:cs typeface=""/>
+        <a:font script="Jpan" typeface="游ゴシック"/>
+        <a:font script="Hang" typeface="맑은 고딕"/>
+        <a:font script="Hans" typeface="等线"/>
+        <a:font script="Hant" typeface="新細明體"/>
+        <a:font script="Arab" typeface="Arial"/>
+        <a:font script="Hebr" typeface="Arial"/>
+        <a:font script="Thai" typeface="Cordia New"/>
+        <a:font script="Ethi" typeface="Nyala"/>
+        <a:font script="Beng" typeface="Vrinda"/>
+        <a:font script="Gujr" typeface="Shruti"/>
+        <a:font script="Khmr" typeface="DaunPenh"/>
+        <a:font script="Knda" typeface="Tunga"/>
+        <a:font script="Guru" typeface="Raavi"/>
+        <a:font script="Cans" typeface="Euphemia"/>
+        <a:font script="Cher" typeface="Plantagenet Cherokee"/>
+        <a:font script="Yiii" typeface="Microsoft Yi Baiti"/>
+        <a:font script="Tibt" typeface="Microsoft Himalaya"/>
+        <a:font script="Thaa" typeface="MV Boli"/>
+        <a:font script="Deva" typeface="Mangal"/>
+        <a:font script="Telu" typeface="Gautami"/>
+        <a:font script="Taml" typeface="Latha"/>
+        <a:font script="Syrc" typeface="Estrangelo Edessa"/>
+        <a:font script="Orya" typeface="Kalinga"/>
+        <a:font script="Mlym" typeface="Kartika"/>
+        <a:font script="Laoo" typeface="DokChampa"/>
+        <a:font script="Sinh" typeface="Iskoola Pota"/>
+        <a:font script="Mong" typeface="Mongolian Baiti"/>
+        <a:font script="Viet" typeface="Arial"/>
+        <a:font script="Uigh" typeface="Microsoft Uighur"/>
+        <a:font script="Geor" typeface="Sylfaen"/>
+        <a:font script="Armn" typeface="Arial"/>
+        <a:font script="Bugi" typeface="Leelawadee UI"/>
+        <a:font script="Bopo" typeface="Microsoft JhengHei"/>
+        <a:font script="Java" typeface="Javanese Text"/>
+        <a:font script="Lisu" typeface="Segoe UI"/>
+        <a:font script="Mymr" typeface="Myanmar Text"/>
+        <a:font script="Nkoo" typeface="Ebrima"/>
+        <a:font script="Olck" typeface="Nirmala UI"/>
+        <a:font script="Osma" typeface="Ebrima"/>
+        <a:font script="Phag" typeface="Phagspa"/>
+        <a:font script="Syrn" typeface="Estrangelo Edessa"/>
+        <a:font script="Syrj" typeface="Estrangelo Edessa"/>
+        <a:font script="Syre" typeface="Estrangelo Edessa"/>
+        <a:font script="Sora" typeface="Nirmala UI"/>
+        <a:font script="Tale" typeface="Microsoft Tai Le"/>
+        <a:font script="Talu" typeface="Microsoft New Tai Lue"/>
+        <a:font script="Tfng" typeface="Ebrima"/>
+      </a:minorFont>
+    </a:fontScheme>
+    <a:fmtScheme name="Office">
+      <a:fillStyleLst>
+        <a:solidFill>
+          <a:schemeClr val="phClr"/>
+        </a:solidFill>
+        <a:gradFill rotWithShape="1">
+          <a:gsLst>
+            <a:gs pos="0">
+              <a:schemeClr val="phClr">
+                <a:lumMod val="110000"/>
+                <a:satMod val="105000"/>
+                <a:tint val="67000"/>
+              </a:schemeClr>
+            </a:gs>
+            <a:gs pos="50000">
+              <a:schemeClr val="phClr">
+                <a:lumMod val="105000"/>
+                <a:satMod val="103000"/>
+                <a:tint val="73000"/>
+              </a:schemeClr>
+            </a:gs>
+            <a:gs pos="100000">
+              <a:schemeClr val="phClr">
+                <a:lumMod val="105000"/>
+                <a:satMod val="109000"/>
+                <a:tint val="81000"/>
+              </a:schemeClr>
+            </a:gs>
+          </a:gsLst>
+          <a:lin ang="5400000" scaled="0"/>
+        </a:gradFill>
+        <a:gradFill rotWithShape="1">
+          <a:gsLst>
+            <a:gs pos="0">
+              <a:schemeClr val="phClr">
+                <a:satMod val="103000"/>
+                <a:lumMod val="102000"/>
+                <a:tint val="94000"/>
+              </a:schemeClr>
+            </a:gs>
+            <a:gs pos="50000">
+              <a:schemeClr val="phClr">
+                <a:satMod val="110000"/>
+                <a:lumMod val="100000"/>
+                <a:shade val="100000"/>
+              </a:schemeClr>
+            </a:gs>
+            <a:gs pos="100000">
+              <a:schemeClr val="phClr">
+                <a:lumMod val="99000"/>
+                <a:satMod val="120000"/>
+                <a:shade val="78000"/>
+              </a:schemeClr>
+            </a:gs>
+          </a:gsLst>
+          <a:lin ang="5400000" scaled="0"/>
+        </a:gradFill>
+      </a:fillStyleLst>
+      <a:lnStyleLst>
+        <a:ln w="6350" cap="flat" cmpd="sng" algn="ctr">
+          <a:solidFill>
+            <a:schemeClr val="phClr"/>
+          </a:solidFill>
+          <a:prstDash val="solid"/>
+          <a:miter lim="800000"/>
+        </a:ln>
+        <a:ln w="12700" cap="flat" cmpd="sng" algn="ctr">
+          <a:solidFill>
+            <a:schemeClr val="phClr"/>
+          </a:solidFill>
+          <a:prstDash val="solid"/>
+          <a:miter lim="800000"/>
+        </a:ln>
+        <a:ln w="19050" cap="flat" cmpd="sng" algn="ctr">
+          <a:solidFill>
+            <a:schemeClr val="phClr"/>
+          </a:solidFill>
+          <a:prstDash val="solid"/>
+          <a:miter lim="800000"/>
+        </a:ln>
+      </a:lnStyleLst>
+      <a:effectStyleLst>
+        <a:effectStyle>
+          <a:effectLst/>
+        </a:effectStyle>
+        <a:effectStyle>
+          <a:effectLst/>
+        </a:effectStyle>
+        <a:effectStyle>
+          <a:effectLst>
+            <a:outerShdw blurRad="57150" dist="19050" dir="5400000" algn="ctr" rotWithShape="0">
+              <a:srgbClr val="000000">
+                <a:alpha val="63000"/>
+              </a:srgbClr>
+            </a:outerShdw>
+          </a:effectLst>
+        </a:effectStyle>
+      </a:effectStyleLst>
+      <a:bgFillStyleLst>
+        <a:solidFill>
+          <a:schemeClr val="phClr"/>
+        </a:solidFill>
+        <a:solidFill>
+          <a:schemeClr val="phClr">
+            <a:tint val="95000"/>
+            <a:satMod val="170000"/>
+          </a:schemeClr>
+        </a:solidFill>
+        <a:gradFill rotWithShape="1">
+          <a:gsLst>
+            <a:gs pos="0">
+              <a:schemeClr val="phClr">
+                <a:tint val="93000"/>
+                <a:satMod val="150000"/>
+                <a:shade val="98000"/>
+                <a:lumMod val="102000"/>
+              </a:schemeClr>
+            </a:gs>
+            <a:gs pos="50000">
+              <a:schemeClr val="phClr">
+                <a:tint val="98000"/>
+                <a:satMod val="130000"/>
+                <a:shade val="90000"/>
+                <a:lumMod val="103000"/>
+              </a:schemeClr>
+            </a:gs>
+            <a:gs pos="100000">
+              <a:schemeClr val="phClr">
+                <a:shade val="63000"/>
+                <a:satMod val="120000"/>
+              </a:schemeClr>
+            </a:gs>
+          </a:gsLst>
+          <a:lin ang="5400000" scaled="0"/>
+        </a:gradFill>
+      </a:bgFillStyleLst>
+    </a:fmtScheme>
+  </a:themeElements>
+  <a:objectDefaults/>
+  <a:extraClrSchemeLst/>
+  <a:extLst>
+    <a:ext uri="{05A4C25C-085E-4340-85A3-A5531E510DB2}">
+      <thm15:themeFamily xmlns:thm15="http://schemas.microsoft.com/office/thememl/2012/main" name="Office Theme" id="{62F939B6-93AF-4DB8-9C6B-D6C7DFDC589F}" vid="{4A3C46E8-61CC-4603-A589-7422A47A8E4A}"/>
+    </a:ext>
+  </a:extLst>
+</a:theme>
 </file>
--- a/food_desert_pp.pptx
+++ b/food_desert_pp.pptx
@@ -5,7 +5,7 @@
     <p:sldMasterId id="2147483648" r:id="rId1"/>
   </p:sldMasterIdLst>
   <p:notesMasterIdLst>
-    <p:notesMasterId r:id="rId19"/>
+    <p:notesMasterId r:id="rId20"/>
   </p:notesMasterIdLst>
   <p:sldIdLst>
     <p:sldId id="256" r:id="rId2"/>
@@ -25,6 +25,7 @@
     <p:sldId id="277" r:id="rId16"/>
     <p:sldId id="258" r:id="rId17"/>
     <p:sldId id="271" r:id="rId18"/>
+    <p:sldId id="279" r:id="rId19"/>
   </p:sldIdLst>
   <p:sldSz cx="12192000" cy="6858000"/>
   <p:notesSz cx="6858000" cy="9144000"/>
@@ -519,105 +520,6 @@
           <a:bodyPr/>
           <a:lstStyle/>
           <a:p>
-            <a:pPr lvl="1"/>
-            <a:r>
-              <a:rPr lang="en-US" dirty="0"/>
-              <a:t>-Low-income: a poverty rate of 20 percent or greater, or a median family income at or below 80 percent of the statewide or metropolitan area median family income;</a:t>
-            </a:r>
-          </a:p>
-          <a:p>
-            <a:r>
-              <a:rPr lang="en-US" dirty="0"/>
-              <a:t>-Low-access: at least 500 persons and/or at least 33 percent of the population lives more than 1 mile from a supermarket or large grocery store (10 miles, in the case of rural census tracts). </a:t>
-            </a:r>
-          </a:p>
-          <a:p>
-            <a:pPr marL="0" marR="0" lvl="0" indent="0" algn="l" defTabSz="914400" rtl="0" eaLnBrk="1" fontAlgn="auto" latinLnBrk="0" hangingPunct="1">
-              <a:lnSpc>
-                <a:spcPct val="100000"/>
-              </a:lnSpc>
-              <a:spcBef>
-                <a:spcPts val="0"/>
-              </a:spcBef>
-              <a:spcAft>
-                <a:spcPts val="0"/>
-              </a:spcAft>
-              <a:buClrTx/>
-              <a:buSzTx/>
-              <a:buFontTx/>
-              <a:buNone/>
-              <a:tabLst/>
-              <a:defRPr/>
-            </a:pPr>
-            <a:endParaRPr lang="en-US" dirty="0"/>
-          </a:p>
-          <a:p>
-            <a:pPr marL="0" marR="0" lvl="0" indent="0" algn="l" defTabSz="914400" rtl="0" eaLnBrk="1" fontAlgn="auto" latinLnBrk="0" hangingPunct="1">
-              <a:lnSpc>
-                <a:spcPct val="100000"/>
-              </a:lnSpc>
-              <a:spcBef>
-                <a:spcPts val="0"/>
-              </a:spcBef>
-              <a:spcAft>
-                <a:spcPts val="0"/>
-              </a:spcAft>
-              <a:buClrTx/>
-              <a:buSzTx/>
-              <a:buFontTx/>
-              <a:buNone/>
-              <a:tabLst/>
-              <a:defRPr/>
-            </a:pPr>
-            <a:r>
-              <a:rPr lang="en-US" dirty="0"/>
-              <a:t>-The 2010 Census food desert analysis deviated from the established USDA definition, defining a low-income community requires 40 percent of the population to have an income at or below 200 percent of federal poverty thresholds for family size</a:t>
-            </a:r>
-          </a:p>
-          <a:p>
-            <a:pPr marL="0" marR="0" lvl="0" indent="0" algn="l" defTabSz="914400" rtl="0" eaLnBrk="1" fontAlgn="auto" latinLnBrk="0" hangingPunct="1">
-              <a:lnSpc>
-                <a:spcPct val="100000"/>
-              </a:lnSpc>
-              <a:spcBef>
-                <a:spcPts val="0"/>
-              </a:spcBef>
-              <a:spcAft>
-                <a:spcPts val="0"/>
-              </a:spcAft>
-              <a:buClrTx/>
-              <a:buSzTx/>
-              <a:buFontTx/>
-              <a:buNone/>
-              <a:tabLst/>
-              <a:defRPr/>
-            </a:pPr>
-            <a:endParaRPr lang="en-US" dirty="0"/>
-          </a:p>
-          <a:p>
-            <a:pPr marL="0" marR="0" lvl="0" indent="0" algn="l" defTabSz="914400" rtl="0" eaLnBrk="1" fontAlgn="auto" latinLnBrk="0" hangingPunct="1">
-              <a:lnSpc>
-                <a:spcPct val="100000"/>
-              </a:lnSpc>
-              <a:spcBef>
-                <a:spcPts val="0"/>
-              </a:spcBef>
-              <a:spcAft>
-                <a:spcPts val="0"/>
-              </a:spcAft>
-              <a:buClrTx/>
-              <a:buSzTx/>
-              <a:buFontTx/>
-              <a:buNone/>
-              <a:tabLst/>
-              <a:defRPr/>
-            </a:pPr>
-            <a:r>
-              <a:rPr lang="en-US" dirty="0"/>
-              <a:t>-Of interest, using the alternate low-income classification, 29.7 million people live in low income census tracts more than 1 mile from a supermarket. </a:t>
-            </a:r>
-          </a:p>
-          <a:p>
             <a:endParaRPr lang="en-US" dirty="0"/>
           </a:p>
         </p:txBody>
@@ -639,7 +541,7 @@
           <a:p>
             <a:fld id="{215B2E5D-87C1-E14D-8640-5E66DB7EFB6C}" type="slidenum">
               <a:rPr lang="en-US" smtClean="0"/>
-              <a:t>2</a:t>
+              <a:t>1</a:t>
             </a:fld>
             <a:endParaRPr lang="en-US"/>
           </a:p>
@@ -648,7 +550,7 @@
     </p:spTree>
     <p:extLst>
       <p:ext uri="{BB962C8B-B14F-4D97-AF65-F5344CB8AC3E}">
-        <p14:creationId xmlns:p14="http://schemas.microsoft.com/office/powerpoint/2010/main" val="3735819605"/>
+        <p14:creationId xmlns:p14="http://schemas.microsoft.com/office/powerpoint/2010/main" val="3190150375"/>
       </p:ext>
     </p:extLst>
   </p:cSld>
@@ -702,22 +604,17 @@
           <a:bodyPr/>
           <a:lstStyle/>
           <a:p>
-            <a:r>
-              <a:rPr lang="en-US" dirty="0"/>
-              <a:t>-According to a study in the American Journal of Preventive Medicine, wealthier neighborhoods have over three times as many supermarkets as lower income neighborhoods</a:t>
-            </a:r>
-          </a:p>
-          <a:p>
-            <a:endParaRPr lang="en-US" dirty="0"/>
-          </a:p>
-          <a:p>
-            <a:r>
-              <a:rPr lang="en-US" dirty="0"/>
-              <a:t>-Findings from this study led researchers to speculate that the migration of supermarkets to suburbs and the lack of transportation available to low-income communities are contributing to malnutrition among the poor.</a:t>
-            </a:r>
-          </a:p>
-          <a:p>
-            <a:endParaRPr lang="en-US" dirty="0"/>
+            <a:pPr lvl="1"/>
+            <a:r>
+              <a:rPr lang="en-US" dirty="0"/>
+              <a:t>-Low-income: a poverty rate of 20 percent or greater, or a median family income at or below 80 percent of the statewide or metropolitan area median family income;</a:t>
+            </a:r>
+          </a:p>
+          <a:p>
+            <a:r>
+              <a:rPr lang="en-US" dirty="0"/>
+              <a:t>-Low-access: at least 500 persons and/or at least 33 percent of the population lives more than 1 mile from a supermarket or large grocery store (10 miles, in the case of rural census tracts). </a:t>
+            </a:r>
           </a:p>
           <a:p>
             <a:pPr marL="0" marR="0" lvl="0" indent="0" algn="l" defTabSz="914400" rtl="0" eaLnBrk="1" fontAlgn="auto" latinLnBrk="0" hangingPunct="1">
@@ -737,12 +634,6 @@
               <a:tabLst/>
               <a:defRPr/>
             </a:pPr>
-            <a:r>
-              <a:rPr lang="en-US" dirty="0"/>
-              <a:t>-”Premature death due to cancer and cardiovascular disease is also greater for African-American, White, and Latino communities where there is greater imbalance of food choices.” (Gallagher, 2006)</a:t>
-            </a:r>
-          </a:p>
-          <a:p>
             <a:endParaRPr lang="en-US" dirty="0"/>
           </a:p>
           <a:p>
@@ -765,7 +656,50 @@
             </a:pPr>
             <a:r>
               <a:rPr lang="en-US" dirty="0"/>
-              <a:t>A study in Chicago demonstrated that African-Americans are the most disadvantaged in regards to access to healthy food choices, and travel the furthest on average to grocery stores [in Chicago]. (Gallagher, 2006)</a:t>
+              <a:t>-The 2010 Census food desert analysis deviated from the established USDA definition, defining a low-income community requires 40 percent of the population to have an income at or below 200 percent of federal poverty thresholds for family size</a:t>
+            </a:r>
+          </a:p>
+          <a:p>
+            <a:pPr marL="0" marR="0" lvl="0" indent="0" algn="l" defTabSz="914400" rtl="0" eaLnBrk="1" fontAlgn="auto" latinLnBrk="0" hangingPunct="1">
+              <a:lnSpc>
+                <a:spcPct val="100000"/>
+              </a:lnSpc>
+              <a:spcBef>
+                <a:spcPts val="0"/>
+              </a:spcBef>
+              <a:spcAft>
+                <a:spcPts val="0"/>
+              </a:spcAft>
+              <a:buClrTx/>
+              <a:buSzTx/>
+              <a:buFontTx/>
+              <a:buNone/>
+              <a:tabLst/>
+              <a:defRPr/>
+            </a:pPr>
+            <a:endParaRPr lang="en-US" dirty="0"/>
+          </a:p>
+          <a:p>
+            <a:pPr marL="0" marR="0" lvl="0" indent="0" algn="l" defTabSz="914400" rtl="0" eaLnBrk="1" fontAlgn="auto" latinLnBrk="0" hangingPunct="1">
+              <a:lnSpc>
+                <a:spcPct val="100000"/>
+              </a:lnSpc>
+              <a:spcBef>
+                <a:spcPts val="0"/>
+              </a:spcBef>
+              <a:spcAft>
+                <a:spcPts val="0"/>
+              </a:spcAft>
+              <a:buClrTx/>
+              <a:buSzTx/>
+              <a:buFontTx/>
+              <a:buNone/>
+              <a:tabLst/>
+              <a:defRPr/>
+            </a:pPr>
+            <a:r>
+              <a:rPr lang="en-US" dirty="0"/>
+              <a:t>-Of interest, using the alternate low-income classification, 29.7 million people live in low income census tracts more than 1 mile from a supermarket. </a:t>
             </a:r>
           </a:p>
           <a:p>
@@ -790,7 +724,7 @@
           <a:p>
             <a:fld id="{215B2E5D-87C1-E14D-8640-5E66DB7EFB6C}" type="slidenum">
               <a:rPr lang="en-US" smtClean="0"/>
-              <a:t>4</a:t>
+              <a:t>2</a:t>
             </a:fld>
             <a:endParaRPr lang="en-US"/>
           </a:p>
@@ -799,7 +733,7 @@
     </p:spTree>
     <p:extLst>
       <p:ext uri="{BB962C8B-B14F-4D97-AF65-F5344CB8AC3E}">
-        <p14:creationId xmlns:p14="http://schemas.microsoft.com/office/powerpoint/2010/main" val="2806229823"/>
+        <p14:creationId xmlns:p14="http://schemas.microsoft.com/office/powerpoint/2010/main" val="3735819605"/>
       </p:ext>
     </p:extLst>
   </p:cSld>
@@ -853,6 +787,108 @@
           <a:bodyPr/>
           <a:lstStyle/>
           <a:p>
+            <a:endParaRPr lang="en-US" dirty="0"/>
+          </a:p>
+        </p:txBody>
+      </p:sp>
+      <p:sp>
+        <p:nvSpPr>
+          <p:cNvPr id="4" name="Slide Number Placeholder 3"/>
+          <p:cNvSpPr>
+            <a:spLocks noGrp="1"/>
+          </p:cNvSpPr>
+          <p:nvPr>
+            <p:ph type="sldNum" sz="quarter" idx="5"/>
+          </p:nvPr>
+        </p:nvSpPr>
+        <p:spPr/>
+        <p:txBody>
+          <a:bodyPr/>
+          <a:lstStyle/>
+          <a:p>
+            <a:fld id="{215B2E5D-87C1-E14D-8640-5E66DB7EFB6C}" type="slidenum">
+              <a:rPr lang="en-US" smtClean="0"/>
+              <a:t>3</a:t>
+            </a:fld>
+            <a:endParaRPr lang="en-US"/>
+          </a:p>
+        </p:txBody>
+      </p:sp>
+    </p:spTree>
+    <p:extLst>
+      <p:ext uri="{BB962C8B-B14F-4D97-AF65-F5344CB8AC3E}">
+        <p14:creationId xmlns:p14="http://schemas.microsoft.com/office/powerpoint/2010/main" val="1102780649"/>
+      </p:ext>
+    </p:extLst>
+  </p:cSld>
+  <p:clrMapOvr>
+    <a:masterClrMapping/>
+  </p:clrMapOvr>
+</p:notes>
+</file>
+
+<file path=ppt/notesSlides/notesSlide4.xml><?xml version="1.0" encoding="utf-8"?>
+<p:notes xmlns:a="http://schemas.openxmlformats.org/drawingml/2006/main" xmlns:r="http://schemas.openxmlformats.org/officeDocument/2006/relationships" xmlns:p="http://schemas.openxmlformats.org/presentationml/2006/main">
+  <p:cSld>
+    <p:spTree>
+      <p:nvGrpSpPr>
+        <p:cNvPr id="1" name=""/>
+        <p:cNvGrpSpPr/>
+        <p:nvPr/>
+      </p:nvGrpSpPr>
+      <p:grpSpPr>
+        <a:xfrm>
+          <a:off x="0" y="0"/>
+          <a:ext cx="0" cy="0"/>
+          <a:chOff x="0" y="0"/>
+          <a:chExt cx="0" cy="0"/>
+        </a:xfrm>
+      </p:grpSpPr>
+      <p:sp>
+        <p:nvSpPr>
+          <p:cNvPr id="2" name="Slide Image Placeholder 1"/>
+          <p:cNvSpPr>
+            <a:spLocks noGrp="1" noRot="1" noChangeAspect="1"/>
+          </p:cNvSpPr>
+          <p:nvPr>
+            <p:ph type="sldImg"/>
+          </p:nvPr>
+        </p:nvSpPr>
+        <p:spPr/>
+      </p:sp>
+      <p:sp>
+        <p:nvSpPr>
+          <p:cNvPr id="3" name="Notes Placeholder 2"/>
+          <p:cNvSpPr>
+            <a:spLocks noGrp="1"/>
+          </p:cNvSpPr>
+          <p:nvPr>
+            <p:ph type="body" idx="1"/>
+          </p:nvPr>
+        </p:nvSpPr>
+        <p:spPr/>
+        <p:txBody>
+          <a:bodyPr/>
+          <a:lstStyle/>
+          <a:p>
+            <a:r>
+              <a:rPr lang="en-US" dirty="0"/>
+              <a:t>-According to a study in the American Journal of Preventive Medicine, wealthier neighborhoods have over three times as many supermarkets as lower income neighborhoods</a:t>
+            </a:r>
+          </a:p>
+          <a:p>
+            <a:endParaRPr lang="en-US" dirty="0"/>
+          </a:p>
+          <a:p>
+            <a:r>
+              <a:rPr lang="en-US" dirty="0"/>
+              <a:t>-Findings from this study led researchers to speculate that the migration of supermarkets to suburbs and the lack of transportation available to low-income communities are contributing to malnutrition among the poor.</a:t>
+            </a:r>
+          </a:p>
+          <a:p>
+            <a:endParaRPr lang="en-US" dirty="0"/>
+          </a:p>
+          <a:p>
             <a:pPr marL="0" marR="0" lvl="0" indent="0" algn="l" defTabSz="914400" rtl="0" eaLnBrk="1" fontAlgn="auto" latinLnBrk="0" hangingPunct="1">
               <a:lnSpc>
                 <a:spcPct val="100000"/>
@@ -872,7 +908,7 @@
             </a:pPr>
             <a:r>
               <a:rPr lang="en-US" dirty="0"/>
-              <a:t>Piggly Wiggly was closest grocery store. After closer, no choice but to drive ~15-20 minutes to Publix or Kroger, dependent on traffic.</a:t>
+              <a:t>-”Premature death due to cancer and cardiovascular disease is also greater for African-American, White, and Latino communities where there is greater imbalance of food choices.” (Gallagher, 2006)</a:t>
             </a:r>
           </a:p>
           <a:p>
@@ -898,6 +934,139 @@
             </a:pPr>
             <a:r>
               <a:rPr lang="en-US" dirty="0"/>
+              <a:t>A study in Chicago demonstrated that African-Americans are the most disadvantaged in regards to access to healthy food choices, and travel the furthest on average to grocery stores [in Chicago]. (Gallagher, 2006)</a:t>
+            </a:r>
+          </a:p>
+          <a:p>
+            <a:endParaRPr lang="en-US" dirty="0"/>
+          </a:p>
+        </p:txBody>
+      </p:sp>
+      <p:sp>
+        <p:nvSpPr>
+          <p:cNvPr id="4" name="Slide Number Placeholder 3"/>
+          <p:cNvSpPr>
+            <a:spLocks noGrp="1"/>
+          </p:cNvSpPr>
+          <p:nvPr>
+            <p:ph type="sldNum" sz="quarter" idx="5"/>
+          </p:nvPr>
+        </p:nvSpPr>
+        <p:spPr/>
+        <p:txBody>
+          <a:bodyPr/>
+          <a:lstStyle/>
+          <a:p>
+            <a:fld id="{215B2E5D-87C1-E14D-8640-5E66DB7EFB6C}" type="slidenum">
+              <a:rPr lang="en-US" smtClean="0"/>
+              <a:t>4</a:t>
+            </a:fld>
+            <a:endParaRPr lang="en-US"/>
+          </a:p>
+        </p:txBody>
+      </p:sp>
+    </p:spTree>
+    <p:extLst>
+      <p:ext uri="{BB962C8B-B14F-4D97-AF65-F5344CB8AC3E}">
+        <p14:creationId xmlns:p14="http://schemas.microsoft.com/office/powerpoint/2010/main" val="2806229823"/>
+      </p:ext>
+    </p:extLst>
+  </p:cSld>
+  <p:clrMapOvr>
+    <a:masterClrMapping/>
+  </p:clrMapOvr>
+</p:notes>
+</file>
+
+<file path=ppt/notesSlides/notesSlide5.xml><?xml version="1.0" encoding="utf-8"?>
+<p:notes xmlns:a="http://schemas.openxmlformats.org/drawingml/2006/main" xmlns:r="http://schemas.openxmlformats.org/officeDocument/2006/relationships" xmlns:p="http://schemas.openxmlformats.org/presentationml/2006/main">
+  <p:cSld>
+    <p:spTree>
+      <p:nvGrpSpPr>
+        <p:cNvPr id="1" name=""/>
+        <p:cNvGrpSpPr/>
+        <p:nvPr/>
+      </p:nvGrpSpPr>
+      <p:grpSpPr>
+        <a:xfrm>
+          <a:off x="0" y="0"/>
+          <a:ext cx="0" cy="0"/>
+          <a:chOff x="0" y="0"/>
+          <a:chExt cx="0" cy="0"/>
+        </a:xfrm>
+      </p:grpSpPr>
+      <p:sp>
+        <p:nvSpPr>
+          <p:cNvPr id="2" name="Slide Image Placeholder 1"/>
+          <p:cNvSpPr>
+            <a:spLocks noGrp="1" noRot="1" noChangeAspect="1"/>
+          </p:cNvSpPr>
+          <p:nvPr>
+            <p:ph type="sldImg"/>
+          </p:nvPr>
+        </p:nvSpPr>
+        <p:spPr/>
+      </p:sp>
+      <p:sp>
+        <p:nvSpPr>
+          <p:cNvPr id="3" name="Notes Placeholder 2"/>
+          <p:cNvSpPr>
+            <a:spLocks noGrp="1"/>
+          </p:cNvSpPr>
+          <p:nvPr>
+            <p:ph type="body" idx="1"/>
+          </p:nvPr>
+        </p:nvSpPr>
+        <p:spPr/>
+        <p:txBody>
+          <a:bodyPr/>
+          <a:lstStyle/>
+          <a:p>
+            <a:pPr marL="0" marR="0" lvl="0" indent="0" algn="l" defTabSz="914400" rtl="0" eaLnBrk="1" fontAlgn="auto" latinLnBrk="0" hangingPunct="1">
+              <a:lnSpc>
+                <a:spcPct val="100000"/>
+              </a:lnSpc>
+              <a:spcBef>
+                <a:spcPts val="0"/>
+              </a:spcBef>
+              <a:spcAft>
+                <a:spcPts val="0"/>
+              </a:spcAft>
+              <a:buClrTx/>
+              <a:buSzTx/>
+              <a:buFontTx/>
+              <a:buNone/>
+              <a:tabLst/>
+              <a:defRPr/>
+            </a:pPr>
+            <a:r>
+              <a:rPr lang="en-US" dirty="0"/>
+              <a:t>Piggly Wiggly was closest grocery store. After closer, no choice but to drive ~15-20 minutes to Publix or Kroger, dependent on traffic.</a:t>
+            </a:r>
+          </a:p>
+          <a:p>
+            <a:endParaRPr lang="en-US" dirty="0"/>
+          </a:p>
+          <a:p>
+            <a:pPr marL="0" marR="0" lvl="0" indent="0" algn="l" defTabSz="914400" rtl="0" eaLnBrk="1" fontAlgn="auto" latinLnBrk="0" hangingPunct="1">
+              <a:lnSpc>
+                <a:spcPct val="100000"/>
+              </a:lnSpc>
+              <a:spcBef>
+                <a:spcPts val="0"/>
+              </a:spcBef>
+              <a:spcAft>
+                <a:spcPts val="0"/>
+              </a:spcAft>
+              <a:buClrTx/>
+              <a:buSzTx/>
+              <a:buFontTx/>
+              <a:buNone/>
+              <a:tabLst/>
+              <a:defRPr/>
+            </a:pPr>
+            <a:r>
+              <a:rPr lang="en-US" dirty="0"/>
               <a:t>I am a registered nurse, and public health in all its forms is a big interest of mine</a:t>
             </a:r>
           </a:p>
@@ -942,7 +1111,7 @@
 </p:notes>
 </file>
 
-<file path=ppt/notesSlides/notesSlide4.xml><?xml version="1.0" encoding="utf-8"?>
+<file path=ppt/notesSlides/notesSlide6.xml><?xml version="1.0" encoding="utf-8"?>
 <p:notes xmlns:a="http://schemas.openxmlformats.org/drawingml/2006/main" xmlns:r="http://schemas.openxmlformats.org/officeDocument/2006/relationships" xmlns:p="http://schemas.openxmlformats.org/presentationml/2006/main">
   <p:cSld>
     <p:spTree>
@@ -6741,6 +6910,12 @@
               <a:t>Data Analysis performed by Kenneth Simmons, RN</a:t>
             </a:r>
           </a:p>
+          <a:p>
+            <a:r>
+              <a:rPr lang="en-US" dirty="0"/>
+              <a:t>Nashville Software School – DDA6</a:t>
+            </a:r>
+          </a:p>
         </p:txBody>
       </p:sp>
     </p:spTree>
@@ -7615,6 +7790,64 @@
     <p:extLst>
       <p:ext uri="{BB962C8B-B14F-4D97-AF65-F5344CB8AC3E}">
         <p14:creationId xmlns:p14="http://schemas.microsoft.com/office/powerpoint/2010/main" val="4170679358"/>
+      </p:ext>
+    </p:extLst>
+  </p:cSld>
+  <p:clrMapOvr>
+    <a:masterClrMapping/>
+  </p:clrMapOvr>
+</p:sld>
+</file>
+
+<file path=ppt/slides/slide18.xml><?xml version="1.0" encoding="utf-8"?>
+<p:sld xmlns:a="http://schemas.openxmlformats.org/drawingml/2006/main" xmlns:r="http://schemas.openxmlformats.org/officeDocument/2006/relationships" xmlns:p="http://schemas.openxmlformats.org/presentationml/2006/main">
+  <p:cSld>
+    <p:spTree>
+      <p:nvGrpSpPr>
+        <p:cNvPr id="1" name=""/>
+        <p:cNvGrpSpPr/>
+        <p:nvPr/>
+      </p:nvGrpSpPr>
+      <p:grpSpPr>
+        <a:xfrm>
+          <a:off x="0" y="0"/>
+          <a:ext cx="0" cy="0"/>
+          <a:chOff x="0" y="0"/>
+          <a:chExt cx="0" cy="0"/>
+        </a:xfrm>
+      </p:grpSpPr>
+      <p:sp>
+        <p:nvSpPr>
+          <p:cNvPr id="2" name="Title 1">
+            <a:extLst>
+              <a:ext uri="{FF2B5EF4-FFF2-40B4-BE49-F238E27FC236}">
+                <a16:creationId xmlns:a16="http://schemas.microsoft.com/office/drawing/2014/main" id="{1F814D6E-00AA-775A-FF50-94D7BE631017}"/>
+              </a:ext>
+            </a:extLst>
+          </p:cNvPr>
+          <p:cNvSpPr>
+            <a:spLocks noGrp="1"/>
+          </p:cNvSpPr>
+          <p:nvPr>
+            <p:ph type="title"/>
+          </p:nvPr>
+        </p:nvSpPr>
+        <p:spPr/>
+        <p:txBody>
+          <a:bodyPr/>
+          <a:lstStyle/>
+          <a:p>
+            <a:r>
+              <a:rPr lang="en-US" dirty="0"/>
+              <a:t>“Off to the dashboard” [hyperlink to Tableau Public dashboard]</a:t>
+            </a:r>
+          </a:p>
+        </p:txBody>
+      </p:sp>
+    </p:spTree>
+    <p:extLst>
+      <p:ext uri="{BB962C8B-B14F-4D97-AF65-F5344CB8AC3E}">
+        <p14:creationId xmlns:p14="http://schemas.microsoft.com/office/powerpoint/2010/main" val="2207471357"/>
       </p:ext>
     </p:extLst>
   </p:cSld>

--- a/food_desert_pp.pptx
+++ b/food_desert_pp.pptx
@@ -5,27 +5,26 @@
     <p:sldMasterId id="2147483648" r:id="rId1"/>
   </p:sldMasterIdLst>
   <p:notesMasterIdLst>
-    <p:notesMasterId r:id="rId20"/>
+    <p:notesMasterId r:id="rId19"/>
   </p:notesMasterIdLst>
   <p:sldIdLst>
     <p:sldId id="256" r:id="rId2"/>
     <p:sldId id="257" r:id="rId3"/>
-    <p:sldId id="269" r:id="rId4"/>
-    <p:sldId id="265" r:id="rId5"/>
-    <p:sldId id="260" r:id="rId6"/>
-    <p:sldId id="272" r:id="rId7"/>
-    <p:sldId id="268" r:id="rId8"/>
-    <p:sldId id="263" r:id="rId9"/>
-    <p:sldId id="278" r:id="rId10"/>
-    <p:sldId id="259" r:id="rId11"/>
-    <p:sldId id="273" r:id="rId12"/>
-    <p:sldId id="274" r:id="rId13"/>
-    <p:sldId id="275" r:id="rId14"/>
-    <p:sldId id="276" r:id="rId15"/>
-    <p:sldId id="277" r:id="rId16"/>
-    <p:sldId id="258" r:id="rId17"/>
-    <p:sldId id="271" r:id="rId18"/>
-    <p:sldId id="279" r:id="rId19"/>
+    <p:sldId id="265" r:id="rId4"/>
+    <p:sldId id="260" r:id="rId5"/>
+    <p:sldId id="272" r:id="rId6"/>
+    <p:sldId id="268" r:id="rId7"/>
+    <p:sldId id="263" r:id="rId8"/>
+    <p:sldId id="280" r:id="rId9"/>
+    <p:sldId id="281" r:id="rId10"/>
+    <p:sldId id="282" r:id="rId11"/>
+    <p:sldId id="283" r:id="rId12"/>
+    <p:sldId id="284" r:id="rId13"/>
+    <p:sldId id="285" r:id="rId14"/>
+    <p:sldId id="278" r:id="rId15"/>
+    <p:sldId id="258" r:id="rId16"/>
+    <p:sldId id="271" r:id="rId17"/>
+    <p:sldId id="279" r:id="rId18"/>
   </p:sldIdLst>
   <p:sldSz cx="12192000" cy="6858000"/>
   <p:notesSz cx="6858000" cy="9144000"/>
@@ -560,6 +559,258 @@
 </p:notes>
 </file>
 
+<file path=ppt/notesSlides/notesSlide10.xml><?xml version="1.0" encoding="utf-8"?>
+<p:notes xmlns:a="http://schemas.openxmlformats.org/drawingml/2006/main" xmlns:r="http://schemas.openxmlformats.org/officeDocument/2006/relationships" xmlns:p="http://schemas.openxmlformats.org/presentationml/2006/main">
+  <p:cSld>
+    <p:spTree>
+      <p:nvGrpSpPr>
+        <p:cNvPr id="1" name=""/>
+        <p:cNvGrpSpPr/>
+        <p:nvPr/>
+      </p:nvGrpSpPr>
+      <p:grpSpPr>
+        <a:xfrm>
+          <a:off x="0" y="0"/>
+          <a:ext cx="0" cy="0"/>
+          <a:chOff x="0" y="0"/>
+          <a:chExt cx="0" cy="0"/>
+        </a:xfrm>
+      </p:grpSpPr>
+      <p:sp>
+        <p:nvSpPr>
+          <p:cNvPr id="2" name="Slide Image Placeholder 1"/>
+          <p:cNvSpPr>
+            <a:spLocks noGrp="1" noRot="1" noChangeAspect="1"/>
+          </p:cNvSpPr>
+          <p:nvPr>
+            <p:ph type="sldImg"/>
+          </p:nvPr>
+        </p:nvSpPr>
+        <p:spPr/>
+      </p:sp>
+      <p:sp>
+        <p:nvSpPr>
+          <p:cNvPr id="3" name="Notes Placeholder 2"/>
+          <p:cNvSpPr>
+            <a:spLocks noGrp="1"/>
+          </p:cNvSpPr>
+          <p:nvPr>
+            <p:ph type="body" idx="1"/>
+          </p:nvPr>
+        </p:nvSpPr>
+        <p:spPr/>
+        <p:txBody>
+          <a:bodyPr/>
+          <a:lstStyle/>
+          <a:p>
+            <a:endParaRPr lang="en-US" dirty="0"/>
+          </a:p>
+        </p:txBody>
+      </p:sp>
+      <p:sp>
+        <p:nvSpPr>
+          <p:cNvPr id="4" name="Slide Number Placeholder 3"/>
+          <p:cNvSpPr>
+            <a:spLocks noGrp="1"/>
+          </p:cNvSpPr>
+          <p:nvPr>
+            <p:ph type="sldNum" sz="quarter" idx="5"/>
+          </p:nvPr>
+        </p:nvSpPr>
+        <p:spPr/>
+        <p:txBody>
+          <a:bodyPr/>
+          <a:lstStyle/>
+          <a:p>
+            <a:fld id="{215B2E5D-87C1-E14D-8640-5E66DB7EFB6C}" type="slidenum">
+              <a:rPr lang="en-US" smtClean="0"/>
+              <a:t>13</a:t>
+            </a:fld>
+            <a:endParaRPr lang="en-US"/>
+          </a:p>
+        </p:txBody>
+      </p:sp>
+    </p:spTree>
+    <p:extLst>
+      <p:ext uri="{BB962C8B-B14F-4D97-AF65-F5344CB8AC3E}">
+        <p14:creationId xmlns:p14="http://schemas.microsoft.com/office/powerpoint/2010/main" val="737331624"/>
+      </p:ext>
+    </p:extLst>
+  </p:cSld>
+  <p:clrMapOvr>
+    <a:masterClrMapping/>
+  </p:clrMapOvr>
+</p:notes>
+</file>
+
+<file path=ppt/notesSlides/notesSlide11.xml><?xml version="1.0" encoding="utf-8"?>
+<p:notes xmlns:a="http://schemas.openxmlformats.org/drawingml/2006/main" xmlns:r="http://schemas.openxmlformats.org/officeDocument/2006/relationships" xmlns:p="http://schemas.openxmlformats.org/presentationml/2006/main">
+  <p:cSld>
+    <p:spTree>
+      <p:nvGrpSpPr>
+        <p:cNvPr id="1" name=""/>
+        <p:cNvGrpSpPr/>
+        <p:nvPr/>
+      </p:nvGrpSpPr>
+      <p:grpSpPr>
+        <a:xfrm>
+          <a:off x="0" y="0"/>
+          <a:ext cx="0" cy="0"/>
+          <a:chOff x="0" y="0"/>
+          <a:chExt cx="0" cy="0"/>
+        </a:xfrm>
+      </p:grpSpPr>
+      <p:sp>
+        <p:nvSpPr>
+          <p:cNvPr id="2" name="Slide Image Placeholder 1"/>
+          <p:cNvSpPr>
+            <a:spLocks noGrp="1" noRot="1" noChangeAspect="1"/>
+          </p:cNvSpPr>
+          <p:nvPr>
+            <p:ph type="sldImg"/>
+          </p:nvPr>
+        </p:nvSpPr>
+        <p:spPr/>
+      </p:sp>
+      <p:sp>
+        <p:nvSpPr>
+          <p:cNvPr id="3" name="Notes Placeholder 2"/>
+          <p:cNvSpPr>
+            <a:spLocks noGrp="1"/>
+          </p:cNvSpPr>
+          <p:nvPr>
+            <p:ph type="body" idx="1"/>
+          </p:nvPr>
+        </p:nvSpPr>
+        <p:spPr/>
+        <p:txBody>
+          <a:bodyPr/>
+          <a:lstStyle/>
+          <a:p>
+            <a:endParaRPr lang="en-US" dirty="0"/>
+          </a:p>
+        </p:txBody>
+      </p:sp>
+      <p:sp>
+        <p:nvSpPr>
+          <p:cNvPr id="4" name="Slide Number Placeholder 3"/>
+          <p:cNvSpPr>
+            <a:spLocks noGrp="1"/>
+          </p:cNvSpPr>
+          <p:nvPr>
+            <p:ph type="sldNum" sz="quarter" idx="5"/>
+          </p:nvPr>
+        </p:nvSpPr>
+        <p:spPr/>
+        <p:txBody>
+          <a:bodyPr/>
+          <a:lstStyle/>
+          <a:p>
+            <a:fld id="{215B2E5D-87C1-E14D-8640-5E66DB7EFB6C}" type="slidenum">
+              <a:rPr lang="en-US" smtClean="0"/>
+              <a:t>14</a:t>
+            </a:fld>
+            <a:endParaRPr lang="en-US"/>
+          </a:p>
+        </p:txBody>
+      </p:sp>
+    </p:spTree>
+    <p:extLst>
+      <p:ext uri="{BB962C8B-B14F-4D97-AF65-F5344CB8AC3E}">
+        <p14:creationId xmlns:p14="http://schemas.microsoft.com/office/powerpoint/2010/main" val="1561530210"/>
+      </p:ext>
+    </p:extLst>
+  </p:cSld>
+  <p:clrMapOvr>
+    <a:masterClrMapping/>
+  </p:clrMapOvr>
+</p:notes>
+</file>
+
+<file path=ppt/notesSlides/notesSlide12.xml><?xml version="1.0" encoding="utf-8"?>
+<p:notes xmlns:a="http://schemas.openxmlformats.org/drawingml/2006/main" xmlns:r="http://schemas.openxmlformats.org/officeDocument/2006/relationships" xmlns:p="http://schemas.openxmlformats.org/presentationml/2006/main">
+  <p:cSld>
+    <p:spTree>
+      <p:nvGrpSpPr>
+        <p:cNvPr id="1" name=""/>
+        <p:cNvGrpSpPr/>
+        <p:nvPr/>
+      </p:nvGrpSpPr>
+      <p:grpSpPr>
+        <a:xfrm>
+          <a:off x="0" y="0"/>
+          <a:ext cx="0" cy="0"/>
+          <a:chOff x="0" y="0"/>
+          <a:chExt cx="0" cy="0"/>
+        </a:xfrm>
+      </p:grpSpPr>
+      <p:sp>
+        <p:nvSpPr>
+          <p:cNvPr id="2" name="Slide Image Placeholder 1"/>
+          <p:cNvSpPr>
+            <a:spLocks noGrp="1" noRot="1" noChangeAspect="1"/>
+          </p:cNvSpPr>
+          <p:nvPr>
+            <p:ph type="sldImg"/>
+          </p:nvPr>
+        </p:nvSpPr>
+        <p:spPr/>
+      </p:sp>
+      <p:sp>
+        <p:nvSpPr>
+          <p:cNvPr id="3" name="Notes Placeholder 2"/>
+          <p:cNvSpPr>
+            <a:spLocks noGrp="1"/>
+          </p:cNvSpPr>
+          <p:nvPr>
+            <p:ph type="body" idx="1"/>
+          </p:nvPr>
+        </p:nvSpPr>
+        <p:spPr/>
+        <p:txBody>
+          <a:bodyPr/>
+          <a:lstStyle/>
+          <a:p>
+            <a:endParaRPr lang="en-US" dirty="0"/>
+          </a:p>
+        </p:txBody>
+      </p:sp>
+      <p:sp>
+        <p:nvSpPr>
+          <p:cNvPr id="4" name="Slide Number Placeholder 3"/>
+          <p:cNvSpPr>
+            <a:spLocks noGrp="1"/>
+          </p:cNvSpPr>
+          <p:nvPr>
+            <p:ph type="sldNum" sz="quarter" idx="5"/>
+          </p:nvPr>
+        </p:nvSpPr>
+        <p:spPr/>
+        <p:txBody>
+          <a:bodyPr/>
+          <a:lstStyle/>
+          <a:p>
+            <a:fld id="{215B2E5D-87C1-E14D-8640-5E66DB7EFB6C}" type="slidenum">
+              <a:rPr lang="en-US" smtClean="0"/>
+              <a:t>15</a:t>
+            </a:fld>
+            <a:endParaRPr lang="en-US"/>
+          </a:p>
+        </p:txBody>
+      </p:sp>
+    </p:spTree>
+    <p:extLst>
+      <p:ext uri="{BB962C8B-B14F-4D97-AF65-F5344CB8AC3E}">
+        <p14:creationId xmlns:p14="http://schemas.microsoft.com/office/powerpoint/2010/main" val="923823559"/>
+      </p:ext>
+    </p:extLst>
+  </p:cSld>
+  <p:clrMapOvr>
+    <a:masterClrMapping/>
+  </p:clrMapOvr>
+</p:notes>
+</file>
+
 <file path=ppt/notesSlides/notesSlide2.xml><?xml version="1.0" encoding="utf-8"?>
 <p:notes xmlns:a="http://schemas.openxmlformats.org/drawingml/2006/main" xmlns:r="http://schemas.openxmlformats.org/officeDocument/2006/relationships" xmlns:p="http://schemas.openxmlformats.org/presentationml/2006/main">
   <p:cSld>
@@ -787,7 +1038,71 @@
           <a:bodyPr/>
           <a:lstStyle/>
           <a:p>
+            <a:r>
+              <a:rPr lang="en-US" dirty="0"/>
+              <a:t>-According to a study in the American Journal of Preventive Medicine, wealthier neighborhoods have over three times as many supermarkets as lower income neighborhoods. Keep in mind that this is nation-wide, not Nashville specifically.</a:t>
+            </a:r>
+          </a:p>
+          <a:p>
             <a:endParaRPr lang="en-US" dirty="0"/>
+          </a:p>
+          <a:p>
+            <a:r>
+              <a:rPr lang="en-US" dirty="0"/>
+              <a:t>-Findings from this study led researchers to speculate that the migration of supermarkets to suburbs and the lack of transportation available to low-income communities are contributing to malnutrition amongst poorer communities</a:t>
+            </a:r>
+          </a:p>
+          <a:p>
+            <a:endParaRPr lang="en-US" dirty="0"/>
+          </a:p>
+          <a:p>
+            <a:pPr marL="0" marR="0" lvl="0" indent="0" algn="l" defTabSz="914400" rtl="0" eaLnBrk="1" fontAlgn="auto" latinLnBrk="0" hangingPunct="1">
+              <a:lnSpc>
+                <a:spcPct val="100000"/>
+              </a:lnSpc>
+              <a:spcBef>
+                <a:spcPts val="0"/>
+              </a:spcBef>
+              <a:spcAft>
+                <a:spcPts val="0"/>
+              </a:spcAft>
+              <a:buClrTx/>
+              <a:buSzTx/>
+              <a:buFontTx/>
+              <a:buNone/>
+              <a:tabLst/>
+              <a:defRPr/>
+            </a:pPr>
+            <a:r>
+              <a:rPr lang="en-US" dirty="0"/>
+              <a:t>-”Premature death due to cancer and cardiovascular disease is also greater for African-American, White, and Latino communities where there is greater imbalance of food choices.” (Gallagher, 2006)</a:t>
+            </a:r>
+          </a:p>
+          <a:p>
+            <a:endParaRPr lang="en-US" dirty="0"/>
+          </a:p>
+          <a:p>
+            <a:pPr marL="0" marR="0" lvl="0" indent="0" algn="l" defTabSz="914400" rtl="0" eaLnBrk="1" fontAlgn="auto" latinLnBrk="0" hangingPunct="1">
+              <a:lnSpc>
+                <a:spcPct val="100000"/>
+              </a:lnSpc>
+              <a:spcBef>
+                <a:spcPts val="0"/>
+              </a:spcBef>
+              <a:spcAft>
+                <a:spcPts val="0"/>
+              </a:spcAft>
+              <a:buClrTx/>
+              <a:buSzTx/>
+              <a:buFontTx/>
+              <a:buNone/>
+              <a:tabLst/>
+              <a:defRPr/>
+            </a:pPr>
+            <a:r>
+              <a:rPr lang="en-US" dirty="0"/>
+              <a:t>A study in Chicago demonstrated that African-Americans are the most disadvantaged in regards to access to healthy food choices, and travel the furthest on average to grocery stores [in Chicago]. (Gallagher, 2006)</a:t>
+            </a:r>
           </a:p>
         </p:txBody>
       </p:sp>
@@ -817,7 +1132,7 @@
     </p:spTree>
     <p:extLst>
       <p:ext uri="{BB962C8B-B14F-4D97-AF65-F5344CB8AC3E}">
-        <p14:creationId xmlns:p14="http://schemas.microsoft.com/office/powerpoint/2010/main" val="1102780649"/>
+        <p14:creationId xmlns:p14="http://schemas.microsoft.com/office/powerpoint/2010/main" val="2806229823"/>
       </p:ext>
     </p:extLst>
   </p:cSld>
@@ -871,24 +1186,6 @@
           <a:bodyPr/>
           <a:lstStyle/>
           <a:p>
-            <a:r>
-              <a:rPr lang="en-US" dirty="0"/>
-              <a:t>-According to a study in the American Journal of Preventive Medicine, wealthier neighborhoods have over three times as many supermarkets as lower income neighborhoods</a:t>
-            </a:r>
-          </a:p>
-          <a:p>
-            <a:endParaRPr lang="en-US" dirty="0"/>
-          </a:p>
-          <a:p>
-            <a:r>
-              <a:rPr lang="en-US" dirty="0"/>
-              <a:t>-Findings from this study led researchers to speculate that the migration of supermarkets to suburbs and the lack of transportation available to low-income communities are contributing to malnutrition among the poor.</a:t>
-            </a:r>
-          </a:p>
-          <a:p>
-            <a:endParaRPr lang="en-US" dirty="0"/>
-          </a:p>
-          <a:p>
             <a:pPr marL="0" marR="0" lvl="0" indent="0" algn="l" defTabSz="914400" rtl="0" eaLnBrk="1" fontAlgn="auto" latinLnBrk="0" hangingPunct="1">
               <a:lnSpc>
                 <a:spcPct val="100000"/>
@@ -908,7 +1205,7 @@
             </a:pPr>
             <a:r>
               <a:rPr lang="en-US" dirty="0"/>
-              <a:t>-”Premature death due to cancer and cardiovascular disease is also greater for African-American, White, and Latino communities where there is greater imbalance of food choices.” (Gallagher, 2006)</a:t>
+              <a:t>Piggly Wiggly was closest grocery store. After closer, no choice but to drive ~15-20 minutes to Publix or Kroger, dependent on traffic.</a:t>
             </a:r>
           </a:p>
           <a:p>
@@ -934,7 +1231,7 @@
             </a:pPr>
             <a:r>
               <a:rPr lang="en-US" dirty="0"/>
-              <a:t>A study in Chicago demonstrated that African-Americans are the most disadvantaged in regards to access to healthy food choices, and travel the furthest on average to grocery stores [in Chicago]. (Gallagher, 2006)</a:t>
+              <a:t>I am a registered nurse, and public health in all its forms is a big interest of mine. Public health is an important subject matter to everyone in a community.</a:t>
             </a:r>
           </a:p>
           <a:p>
@@ -968,7 +1265,7 @@
     </p:spTree>
     <p:extLst>
       <p:ext uri="{BB962C8B-B14F-4D97-AF65-F5344CB8AC3E}">
-        <p14:creationId xmlns:p14="http://schemas.microsoft.com/office/powerpoint/2010/main" val="2806229823"/>
+        <p14:creationId xmlns:p14="http://schemas.microsoft.com/office/powerpoint/2010/main" val="1679474066"/>
       </p:ext>
     </p:extLst>
   </p:cSld>
@@ -1022,56 +1319,85 @@
           <a:bodyPr/>
           <a:lstStyle/>
           <a:p>
-            <a:pPr marL="0" marR="0" lvl="0" indent="0" algn="l" defTabSz="914400" rtl="0" eaLnBrk="1" fontAlgn="auto" latinLnBrk="0" hangingPunct="1">
-              <a:lnSpc>
-                <a:spcPct val="100000"/>
-              </a:lnSpc>
-              <a:spcBef>
-                <a:spcPts val="0"/>
-              </a:spcBef>
-              <a:spcAft>
-                <a:spcPts val="0"/>
-              </a:spcAft>
-              <a:buClrTx/>
-              <a:buSzTx/>
-              <a:buFontTx/>
-              <a:buNone/>
-              <a:tabLst/>
-              <a:defRPr/>
-            </a:pPr>
             <a:r>
               <a:rPr lang="en-US" dirty="0"/>
-              <a:t>Piggly Wiggly was closest grocery store. After closer, no choice but to drive ~15-20 minutes to Publix or Kroger, dependent on traffic.</a:t>
+              <a:t>I quickly discovered that my analysis will have a few limitations.</a:t>
             </a:r>
           </a:p>
           <a:p>
             <a:endParaRPr lang="en-US" dirty="0"/>
           </a:p>
           <a:p>
-            <a:pPr marL="0" marR="0" lvl="0" indent="0" algn="l" defTabSz="914400" rtl="0" eaLnBrk="1" fontAlgn="auto" latinLnBrk="0" hangingPunct="1">
-              <a:lnSpc>
-                <a:spcPct val="100000"/>
-              </a:lnSpc>
-              <a:spcBef>
-                <a:spcPts val="0"/>
-              </a:spcBef>
-              <a:spcAft>
-                <a:spcPts val="0"/>
-              </a:spcAft>
-              <a:buClrTx/>
-              <a:buSzTx/>
-              <a:buFontTx/>
-              <a:buNone/>
-              <a:tabLst/>
-              <a:defRPr/>
-            </a:pPr>
             <a:r>
               <a:rPr lang="en-US" dirty="0"/>
-              <a:t>I am a registered nurse, and public health in all its forms is a big interest of mine</a:t>
+              <a:t>Most of these limitations surround API nuances</a:t>
+            </a:r>
+          </a:p>
+          <a:p>
+            <a:r>
+              <a:rPr lang="en-US" dirty="0"/>
+              <a:t>	* Google Places API limits queries to 60 results</a:t>
+            </a:r>
+          </a:p>
+          <a:p>
+            <a:r>
+              <a:rPr lang="en-US" dirty="0"/>
+              <a:t>	* Results differ depending on size of search area</a:t>
+            </a:r>
+          </a:p>
+          <a:p>
+            <a:r>
+              <a:rPr lang="en-US" dirty="0"/>
+              <a:t>		* ‘zoom in’ on google maps while doing a search</a:t>
+            </a:r>
+          </a:p>
+          <a:p>
+            <a:r>
+              <a:rPr lang="en-US" dirty="0"/>
+              <a:t>	* Duplicates are a given when searching amongst adjacent zip codes</a:t>
             </a:r>
           </a:p>
           <a:p>
             <a:endParaRPr lang="en-US" dirty="0"/>
+          </a:p>
+          <a:p>
+            <a:r>
+              <a:rPr lang="en-US" dirty="0"/>
+              <a:t>Too much subjectivity when categorizing stores</a:t>
+            </a:r>
+          </a:p>
+          <a:p>
+            <a:r>
+              <a:rPr lang="en-US" dirty="0"/>
+              <a:t>	* one API parameter is establishment type</a:t>
+            </a:r>
+          </a:p>
+          <a:p>
+            <a:r>
+              <a:rPr lang="en-US" dirty="0"/>
+              <a:t>		* parameter set for query, but results still not perfect</a:t>
+            </a:r>
+          </a:p>
+          <a:p>
+            <a:r>
+              <a:rPr lang="en-US" dirty="0"/>
+              <a:t>		* required manual filtering</a:t>
+            </a:r>
+          </a:p>
+          <a:p>
+            <a:r>
+              <a:rPr lang="en-US" dirty="0"/>
+              <a:t>	* many results in grocery query too ambiguous, potentially fitting other categories more closely</a:t>
+            </a:r>
+          </a:p>
+          <a:p>
+            <a:endParaRPr lang="en-US" dirty="0"/>
+          </a:p>
+          <a:p>
+            <a:r>
+              <a:rPr lang="en-US" dirty="0"/>
+              <a:t>This analysis did not look at data other than number of grocery stores and the relationship to chronic disease.</a:t>
+            </a:r>
           </a:p>
         </p:txBody>
       </p:sp>
@@ -1092,7 +1418,7 @@
           <a:p>
             <a:fld id="{215B2E5D-87C1-E14D-8640-5E66DB7EFB6C}" type="slidenum">
               <a:rPr lang="en-US" smtClean="0"/>
-              <a:t>5</a:t>
+              <a:t>6</a:t>
             </a:fld>
             <a:endParaRPr lang="en-US"/>
           </a:p>
@@ -1101,7 +1427,7 @@
     </p:spTree>
     <p:extLst>
       <p:ext uri="{BB962C8B-B14F-4D97-AF65-F5344CB8AC3E}">
-        <p14:creationId xmlns:p14="http://schemas.microsoft.com/office/powerpoint/2010/main" val="1679474066"/>
+        <p14:creationId xmlns:p14="http://schemas.microsoft.com/office/powerpoint/2010/main" val="2309547921"/>
       </p:ext>
     </p:extLst>
   </p:cSld>
@@ -1155,7 +1481,10 @@
           <a:bodyPr/>
           <a:lstStyle/>
           <a:p>
-            <a:endParaRPr lang="en-US" dirty="0"/>
+            <a:r>
+              <a:rPr lang="en-US" dirty="0"/>
+              <a:t>Most of the following scatter plots demonstrate a weak relationship. There are some interesting findings however.</a:t>
+            </a:r>
           </a:p>
         </p:txBody>
       </p:sp>
@@ -1176,7 +1505,7 @@
           <a:p>
             <a:fld id="{215B2E5D-87C1-E14D-8640-5E66DB7EFB6C}" type="slidenum">
               <a:rPr lang="en-US" smtClean="0"/>
-              <a:t>16</a:t>
+              <a:t>8</a:t>
             </a:fld>
             <a:endParaRPr lang="en-US"/>
           </a:p>
@@ -1185,7 +1514,262 @@
     </p:spTree>
     <p:extLst>
       <p:ext uri="{BB962C8B-B14F-4D97-AF65-F5344CB8AC3E}">
-        <p14:creationId xmlns:p14="http://schemas.microsoft.com/office/powerpoint/2010/main" val="923823559"/>
+        <p14:creationId xmlns:p14="http://schemas.microsoft.com/office/powerpoint/2010/main" val="1297237968"/>
+      </p:ext>
+    </p:extLst>
+  </p:cSld>
+  <p:clrMapOvr>
+    <a:masterClrMapping/>
+  </p:clrMapOvr>
+</p:notes>
+</file>
+
+<file path=ppt/notesSlides/notesSlide7.xml><?xml version="1.0" encoding="utf-8"?>
+<p:notes xmlns:a="http://schemas.openxmlformats.org/drawingml/2006/main" xmlns:r="http://schemas.openxmlformats.org/officeDocument/2006/relationships" xmlns:p="http://schemas.openxmlformats.org/presentationml/2006/main">
+  <p:cSld>
+    <p:spTree>
+      <p:nvGrpSpPr>
+        <p:cNvPr id="1" name=""/>
+        <p:cNvGrpSpPr/>
+        <p:nvPr/>
+      </p:nvGrpSpPr>
+      <p:grpSpPr>
+        <a:xfrm>
+          <a:off x="0" y="0"/>
+          <a:ext cx="0" cy="0"/>
+          <a:chOff x="0" y="0"/>
+          <a:chExt cx="0" cy="0"/>
+        </a:xfrm>
+      </p:grpSpPr>
+      <p:sp>
+        <p:nvSpPr>
+          <p:cNvPr id="2" name="Slide Image Placeholder 1"/>
+          <p:cNvSpPr>
+            <a:spLocks noGrp="1" noRot="1" noChangeAspect="1"/>
+          </p:cNvSpPr>
+          <p:nvPr>
+            <p:ph type="sldImg"/>
+          </p:nvPr>
+        </p:nvSpPr>
+        <p:spPr/>
+      </p:sp>
+      <p:sp>
+        <p:nvSpPr>
+          <p:cNvPr id="3" name="Notes Placeholder 2"/>
+          <p:cNvSpPr>
+            <a:spLocks noGrp="1"/>
+          </p:cNvSpPr>
+          <p:nvPr>
+            <p:ph type="body" idx="1"/>
+          </p:nvPr>
+        </p:nvSpPr>
+        <p:spPr/>
+        <p:txBody>
+          <a:bodyPr/>
+          <a:lstStyle/>
+          <a:p>
+            <a:endParaRPr lang="en-US" dirty="0"/>
+          </a:p>
+        </p:txBody>
+      </p:sp>
+      <p:sp>
+        <p:nvSpPr>
+          <p:cNvPr id="4" name="Slide Number Placeholder 3"/>
+          <p:cNvSpPr>
+            <a:spLocks noGrp="1"/>
+          </p:cNvSpPr>
+          <p:nvPr>
+            <p:ph type="sldNum" sz="quarter" idx="5"/>
+          </p:nvPr>
+        </p:nvSpPr>
+        <p:spPr/>
+        <p:txBody>
+          <a:bodyPr/>
+          <a:lstStyle/>
+          <a:p>
+            <a:fld id="{215B2E5D-87C1-E14D-8640-5E66DB7EFB6C}" type="slidenum">
+              <a:rPr lang="en-US" smtClean="0"/>
+              <a:t>10</a:t>
+            </a:fld>
+            <a:endParaRPr lang="en-US"/>
+          </a:p>
+        </p:txBody>
+      </p:sp>
+    </p:spTree>
+    <p:extLst>
+      <p:ext uri="{BB962C8B-B14F-4D97-AF65-F5344CB8AC3E}">
+        <p14:creationId xmlns:p14="http://schemas.microsoft.com/office/powerpoint/2010/main" val="2591177343"/>
+      </p:ext>
+    </p:extLst>
+  </p:cSld>
+  <p:clrMapOvr>
+    <a:masterClrMapping/>
+  </p:clrMapOvr>
+</p:notes>
+</file>
+
+<file path=ppt/notesSlides/notesSlide8.xml><?xml version="1.0" encoding="utf-8"?>
+<p:notes xmlns:a="http://schemas.openxmlformats.org/drawingml/2006/main" xmlns:r="http://schemas.openxmlformats.org/officeDocument/2006/relationships" xmlns:p="http://schemas.openxmlformats.org/presentationml/2006/main">
+  <p:cSld>
+    <p:spTree>
+      <p:nvGrpSpPr>
+        <p:cNvPr id="1" name=""/>
+        <p:cNvGrpSpPr/>
+        <p:nvPr/>
+      </p:nvGrpSpPr>
+      <p:grpSpPr>
+        <a:xfrm>
+          <a:off x="0" y="0"/>
+          <a:ext cx="0" cy="0"/>
+          <a:chOff x="0" y="0"/>
+          <a:chExt cx="0" cy="0"/>
+        </a:xfrm>
+      </p:grpSpPr>
+      <p:sp>
+        <p:nvSpPr>
+          <p:cNvPr id="2" name="Slide Image Placeholder 1"/>
+          <p:cNvSpPr>
+            <a:spLocks noGrp="1" noRot="1" noChangeAspect="1"/>
+          </p:cNvSpPr>
+          <p:nvPr>
+            <p:ph type="sldImg"/>
+          </p:nvPr>
+        </p:nvSpPr>
+        <p:spPr/>
+      </p:sp>
+      <p:sp>
+        <p:nvSpPr>
+          <p:cNvPr id="3" name="Notes Placeholder 2"/>
+          <p:cNvSpPr>
+            <a:spLocks noGrp="1"/>
+          </p:cNvSpPr>
+          <p:nvPr>
+            <p:ph type="body" idx="1"/>
+          </p:nvPr>
+        </p:nvSpPr>
+        <p:spPr/>
+        <p:txBody>
+          <a:bodyPr/>
+          <a:lstStyle/>
+          <a:p>
+            <a:r>
+              <a:rPr lang="en-US" dirty="0"/>
+              <a:t>High cholesterol seems to have the highest prevalence out of all diseases examined. The positive trend line works against my hypothesis however, so further analysis would benefit from looking at other metrics.</a:t>
+            </a:r>
+          </a:p>
+        </p:txBody>
+      </p:sp>
+      <p:sp>
+        <p:nvSpPr>
+          <p:cNvPr id="4" name="Slide Number Placeholder 3"/>
+          <p:cNvSpPr>
+            <a:spLocks noGrp="1"/>
+          </p:cNvSpPr>
+          <p:nvPr>
+            <p:ph type="sldNum" sz="quarter" idx="5"/>
+          </p:nvPr>
+        </p:nvSpPr>
+        <p:spPr/>
+        <p:txBody>
+          <a:bodyPr/>
+          <a:lstStyle/>
+          <a:p>
+            <a:fld id="{215B2E5D-87C1-E14D-8640-5E66DB7EFB6C}" type="slidenum">
+              <a:rPr lang="en-US" smtClean="0"/>
+              <a:t>11</a:t>
+            </a:fld>
+            <a:endParaRPr lang="en-US"/>
+          </a:p>
+        </p:txBody>
+      </p:sp>
+    </p:spTree>
+    <p:extLst>
+      <p:ext uri="{BB962C8B-B14F-4D97-AF65-F5344CB8AC3E}">
+        <p14:creationId xmlns:p14="http://schemas.microsoft.com/office/powerpoint/2010/main" val="66986011"/>
+      </p:ext>
+    </p:extLst>
+  </p:cSld>
+  <p:clrMapOvr>
+    <a:masterClrMapping/>
+  </p:clrMapOvr>
+</p:notes>
+</file>
+
+<file path=ppt/notesSlides/notesSlide9.xml><?xml version="1.0" encoding="utf-8"?>
+<p:notes xmlns:a="http://schemas.openxmlformats.org/drawingml/2006/main" xmlns:r="http://schemas.openxmlformats.org/officeDocument/2006/relationships" xmlns:p="http://schemas.openxmlformats.org/presentationml/2006/main">
+  <p:cSld>
+    <p:spTree>
+      <p:nvGrpSpPr>
+        <p:cNvPr id="1" name=""/>
+        <p:cNvGrpSpPr/>
+        <p:nvPr/>
+      </p:nvGrpSpPr>
+      <p:grpSpPr>
+        <a:xfrm>
+          <a:off x="0" y="0"/>
+          <a:ext cx="0" cy="0"/>
+          <a:chOff x="0" y="0"/>
+          <a:chExt cx="0" cy="0"/>
+        </a:xfrm>
+      </p:grpSpPr>
+      <p:sp>
+        <p:nvSpPr>
+          <p:cNvPr id="2" name="Slide Image Placeholder 1"/>
+          <p:cNvSpPr>
+            <a:spLocks noGrp="1" noRot="1" noChangeAspect="1"/>
+          </p:cNvSpPr>
+          <p:nvPr>
+            <p:ph type="sldImg"/>
+          </p:nvPr>
+        </p:nvSpPr>
+        <p:spPr/>
+      </p:sp>
+      <p:sp>
+        <p:nvSpPr>
+          <p:cNvPr id="3" name="Notes Placeholder 2"/>
+          <p:cNvSpPr>
+            <a:spLocks noGrp="1"/>
+          </p:cNvSpPr>
+          <p:nvPr>
+            <p:ph type="body" idx="1"/>
+          </p:nvPr>
+        </p:nvSpPr>
+        <p:spPr/>
+        <p:txBody>
+          <a:bodyPr/>
+          <a:lstStyle/>
+          <a:p>
+            <a:endParaRPr lang="en-US" dirty="0"/>
+          </a:p>
+        </p:txBody>
+      </p:sp>
+      <p:sp>
+        <p:nvSpPr>
+          <p:cNvPr id="4" name="Slide Number Placeholder 3"/>
+          <p:cNvSpPr>
+            <a:spLocks noGrp="1"/>
+          </p:cNvSpPr>
+          <p:nvPr>
+            <p:ph type="sldNum" sz="quarter" idx="5"/>
+          </p:nvPr>
+        </p:nvSpPr>
+        <p:spPr/>
+        <p:txBody>
+          <a:bodyPr/>
+          <a:lstStyle/>
+          <a:p>
+            <a:fld id="{215B2E5D-87C1-E14D-8640-5E66DB7EFB6C}" type="slidenum">
+              <a:rPr lang="en-US" smtClean="0"/>
+              <a:t>12</a:t>
+            </a:fld>
+            <a:endParaRPr lang="en-US"/>
+          </a:p>
+        </p:txBody>
+      </p:sp>
+    </p:spTree>
+    <p:extLst>
+      <p:ext uri="{BB962C8B-B14F-4D97-AF65-F5344CB8AC3E}">
+        <p14:creationId xmlns:p14="http://schemas.microsoft.com/office/powerpoint/2010/main" val="1106462944"/>
       </p:ext>
     </p:extLst>
   </p:cSld>
@@ -6953,7 +7537,7 @@
           <p:cNvPr id="2" name="Title 1">
             <a:extLst>
               <a:ext uri="{FF2B5EF4-FFF2-40B4-BE49-F238E27FC236}">
-                <a16:creationId xmlns:a16="http://schemas.microsoft.com/office/drawing/2014/main" id="{52B60D75-208D-5399-8893-8A26B6F229B4}"/>
+                <a16:creationId xmlns:a16="http://schemas.microsoft.com/office/drawing/2014/main" id="{A53EA5E4-6308-9126-C254-5D087436B290}"/>
               </a:ext>
             </a:extLst>
           </p:cNvPr>
@@ -6969,51 +7553,43 @@
           <a:bodyPr/>
           <a:lstStyle/>
           <a:p>
-            <a:r>
-              <a:rPr lang="en-US" dirty="0"/>
-              <a:t>BP scatterplot</a:t>
-            </a:r>
-          </a:p>
-        </p:txBody>
-      </p:sp>
-      <p:sp>
-        <p:nvSpPr>
-          <p:cNvPr id="3" name="Content Placeholder 2">
+            <a:endParaRPr lang="en-US"/>
+          </a:p>
+        </p:txBody>
+      </p:sp>
+      <p:pic>
+        <p:nvPicPr>
+          <p:cNvPr id="11" name="Content Placeholder 10" descr="Chart, scatter chart&#10;&#10;Description automatically generated">
             <a:extLst>
               <a:ext uri="{FF2B5EF4-FFF2-40B4-BE49-F238E27FC236}">
-                <a16:creationId xmlns:a16="http://schemas.microsoft.com/office/drawing/2014/main" id="{6958BB78-804F-3D02-73C6-8B92946505A8}"/>
+                <a16:creationId xmlns:a16="http://schemas.microsoft.com/office/drawing/2014/main" id="{46E7E5FD-2B60-AA49-6321-3B69AC253189}"/>
               </a:ext>
             </a:extLst>
           </p:cNvPr>
-          <p:cNvSpPr>
-            <a:spLocks noGrp="1"/>
-          </p:cNvSpPr>
+          <p:cNvPicPr>
+            <a:picLocks noGrp="1" noChangeAspect="1"/>
+          </p:cNvPicPr>
           <p:nvPr>
             <p:ph idx="1"/>
           </p:nvPr>
-        </p:nvSpPr>
-        <p:spPr/>
-        <p:txBody>
-          <a:bodyPr/>
-          <a:lstStyle/>
-          <a:p>
-            <a:r>
-              <a:rPr lang="en-US" dirty="0"/>
-              <a:t>+/- correlation between disease prevalence and # of grocers per zip</a:t>
-            </a:r>
-          </a:p>
-          <a:p>
-            <a:r>
-              <a:rPr lang="en-US" dirty="0"/>
-              <a:t>Scatter plot and trend line with correlation number on this slide, or next slide</a:t>
-            </a:r>
-          </a:p>
-        </p:txBody>
-      </p:sp>
+        </p:nvPicPr>
+        <p:blipFill>
+          <a:blip r:embed="rId3"/>
+          <a:stretch>
+            <a:fillRect/>
+          </a:stretch>
+        </p:blipFill>
+        <p:spPr>
+          <a:xfrm>
+            <a:off x="677334" y="0"/>
+            <a:ext cx="9678894" cy="6248400"/>
+          </a:xfrm>
+        </p:spPr>
+      </p:pic>
     </p:spTree>
     <p:extLst>
       <p:ext uri="{BB962C8B-B14F-4D97-AF65-F5344CB8AC3E}">
-        <p14:creationId xmlns:p14="http://schemas.microsoft.com/office/powerpoint/2010/main" val="2036795500"/>
+        <p14:creationId xmlns:p14="http://schemas.microsoft.com/office/powerpoint/2010/main" val="499009756"/>
       </p:ext>
     </p:extLst>
   </p:cSld>
@@ -7045,7 +7621,7 @@
           <p:cNvPr id="2" name="Title 1">
             <a:extLst>
               <a:ext uri="{FF2B5EF4-FFF2-40B4-BE49-F238E27FC236}">
-                <a16:creationId xmlns:a16="http://schemas.microsoft.com/office/drawing/2014/main" id="{52B60D75-208D-5399-8893-8A26B6F229B4}"/>
+                <a16:creationId xmlns:a16="http://schemas.microsoft.com/office/drawing/2014/main" id="{A53EA5E4-6308-9126-C254-5D087436B290}"/>
               </a:ext>
             </a:extLst>
           </p:cNvPr>
@@ -7061,51 +7637,43 @@
           <a:bodyPr/>
           <a:lstStyle/>
           <a:p>
-            <a:r>
-              <a:rPr lang="en-US" dirty="0"/>
-              <a:t>CAD scatterplot</a:t>
-            </a:r>
-          </a:p>
-        </p:txBody>
-      </p:sp>
-      <p:sp>
-        <p:nvSpPr>
-          <p:cNvPr id="3" name="Content Placeholder 2">
+            <a:endParaRPr lang="en-US"/>
+          </a:p>
+        </p:txBody>
+      </p:sp>
+      <p:pic>
+        <p:nvPicPr>
+          <p:cNvPr id="11" name="Content Placeholder 10" descr="Chart, scatter chart&#10;&#10;Description automatically generated">
             <a:extLst>
               <a:ext uri="{FF2B5EF4-FFF2-40B4-BE49-F238E27FC236}">
-                <a16:creationId xmlns:a16="http://schemas.microsoft.com/office/drawing/2014/main" id="{6958BB78-804F-3D02-73C6-8B92946505A8}"/>
+                <a16:creationId xmlns:a16="http://schemas.microsoft.com/office/drawing/2014/main" id="{5C51C8C3-D9DF-B98F-030D-0706C49F3F5B}"/>
               </a:ext>
             </a:extLst>
           </p:cNvPr>
-          <p:cNvSpPr>
-            <a:spLocks noGrp="1"/>
-          </p:cNvSpPr>
+          <p:cNvPicPr>
+            <a:picLocks noGrp="1" noChangeAspect="1"/>
+          </p:cNvPicPr>
           <p:nvPr>
             <p:ph idx="1"/>
           </p:nvPr>
-        </p:nvSpPr>
-        <p:spPr/>
-        <p:txBody>
-          <a:bodyPr/>
-          <a:lstStyle/>
-          <a:p>
-            <a:r>
-              <a:rPr lang="en-US" dirty="0"/>
-              <a:t>+/- correlation between disease prevalence and # of grocers per zip</a:t>
-            </a:r>
-          </a:p>
-          <a:p>
-            <a:r>
-              <a:rPr lang="en-US" dirty="0"/>
-              <a:t>Scatter plot and trend line with correlation number on this slide, or next slide</a:t>
-            </a:r>
-          </a:p>
-        </p:txBody>
-      </p:sp>
+        </p:nvPicPr>
+        <p:blipFill>
+          <a:blip r:embed="rId3"/>
+          <a:stretch>
+            <a:fillRect/>
+          </a:stretch>
+        </p:blipFill>
+        <p:spPr>
+          <a:xfrm>
+            <a:off x="677334" y="0"/>
+            <a:ext cx="9678894" cy="6248400"/>
+          </a:xfrm>
+        </p:spPr>
+      </p:pic>
     </p:spTree>
     <p:extLst>
       <p:ext uri="{BB962C8B-B14F-4D97-AF65-F5344CB8AC3E}">
-        <p14:creationId xmlns:p14="http://schemas.microsoft.com/office/powerpoint/2010/main" val="2166147582"/>
+        <p14:creationId xmlns:p14="http://schemas.microsoft.com/office/powerpoint/2010/main" val="502227334"/>
       </p:ext>
     </p:extLst>
   </p:cSld>
@@ -7137,7 +7705,7 @@
           <p:cNvPr id="2" name="Title 1">
             <a:extLst>
               <a:ext uri="{FF2B5EF4-FFF2-40B4-BE49-F238E27FC236}">
-                <a16:creationId xmlns:a16="http://schemas.microsoft.com/office/drawing/2014/main" id="{52B60D75-208D-5399-8893-8A26B6F229B4}"/>
+                <a16:creationId xmlns:a16="http://schemas.microsoft.com/office/drawing/2014/main" id="{A53EA5E4-6308-9126-C254-5D087436B290}"/>
               </a:ext>
             </a:extLst>
           </p:cNvPr>
@@ -7153,51 +7721,43 @@
           <a:bodyPr/>
           <a:lstStyle/>
           <a:p>
-            <a:r>
-              <a:rPr lang="en-US" dirty="0"/>
-              <a:t>DM scatterplot</a:t>
-            </a:r>
-          </a:p>
-        </p:txBody>
-      </p:sp>
-      <p:sp>
-        <p:nvSpPr>
-          <p:cNvPr id="3" name="Content Placeholder 2">
+            <a:endParaRPr lang="en-US"/>
+          </a:p>
+        </p:txBody>
+      </p:sp>
+      <p:pic>
+        <p:nvPicPr>
+          <p:cNvPr id="11" name="Content Placeholder 10" descr="Chart, scatter chart&#10;&#10;Description automatically generated">
             <a:extLst>
               <a:ext uri="{FF2B5EF4-FFF2-40B4-BE49-F238E27FC236}">
-                <a16:creationId xmlns:a16="http://schemas.microsoft.com/office/drawing/2014/main" id="{6958BB78-804F-3D02-73C6-8B92946505A8}"/>
+                <a16:creationId xmlns:a16="http://schemas.microsoft.com/office/drawing/2014/main" id="{B9720362-136D-9DAE-E66A-CC2E7391DB9F}"/>
               </a:ext>
             </a:extLst>
           </p:cNvPr>
-          <p:cNvSpPr>
-            <a:spLocks noGrp="1"/>
-          </p:cNvSpPr>
+          <p:cNvPicPr>
+            <a:picLocks noGrp="1" noChangeAspect="1"/>
+          </p:cNvPicPr>
           <p:nvPr>
             <p:ph idx="1"/>
           </p:nvPr>
-        </p:nvSpPr>
-        <p:spPr/>
-        <p:txBody>
-          <a:bodyPr/>
-          <a:lstStyle/>
-          <a:p>
-            <a:r>
-              <a:rPr lang="en-US" dirty="0"/>
-              <a:t>+/- correlation between disease prevalence and # of grocers per zip</a:t>
-            </a:r>
-          </a:p>
-          <a:p>
-            <a:r>
-              <a:rPr lang="en-US" dirty="0"/>
-              <a:t>Scatter plot and trend line with correlation number on this slide, or next slide</a:t>
-            </a:r>
-          </a:p>
-        </p:txBody>
-      </p:sp>
+        </p:nvPicPr>
+        <p:blipFill>
+          <a:blip r:embed="rId3"/>
+          <a:stretch>
+            <a:fillRect/>
+          </a:stretch>
+        </p:blipFill>
+        <p:spPr>
+          <a:xfrm>
+            <a:off x="677334" y="0"/>
+            <a:ext cx="9678894" cy="6248400"/>
+          </a:xfrm>
+        </p:spPr>
+      </p:pic>
     </p:spTree>
     <p:extLst>
       <p:ext uri="{BB962C8B-B14F-4D97-AF65-F5344CB8AC3E}">
-        <p14:creationId xmlns:p14="http://schemas.microsoft.com/office/powerpoint/2010/main" val="2236692099"/>
+        <p14:creationId xmlns:p14="http://schemas.microsoft.com/office/powerpoint/2010/main" val="3473258192"/>
       </p:ext>
     </p:extLst>
   </p:cSld>
@@ -7229,7 +7789,7 @@
           <p:cNvPr id="2" name="Title 1">
             <a:extLst>
               <a:ext uri="{FF2B5EF4-FFF2-40B4-BE49-F238E27FC236}">
-                <a16:creationId xmlns:a16="http://schemas.microsoft.com/office/drawing/2014/main" id="{52B60D75-208D-5399-8893-8A26B6F229B4}"/>
+                <a16:creationId xmlns:a16="http://schemas.microsoft.com/office/drawing/2014/main" id="{A53EA5E4-6308-9126-C254-5D087436B290}"/>
               </a:ext>
             </a:extLst>
           </p:cNvPr>
@@ -7245,59 +7805,43 @@
           <a:bodyPr/>
           <a:lstStyle/>
           <a:p>
-            <a:r>
-              <a:rPr lang="en-US" dirty="0"/>
-              <a:t>High </a:t>
-            </a:r>
-            <a:r>
-              <a:rPr lang="en-US" dirty="0" err="1"/>
-              <a:t>chol</a:t>
-            </a:r>
-            <a:r>
-              <a:rPr lang="en-US" dirty="0"/>
-              <a:t> scatterplot</a:t>
-            </a:r>
-          </a:p>
-        </p:txBody>
-      </p:sp>
-      <p:sp>
-        <p:nvSpPr>
-          <p:cNvPr id="3" name="Content Placeholder 2">
+            <a:endParaRPr lang="en-US"/>
+          </a:p>
+        </p:txBody>
+      </p:sp>
+      <p:pic>
+        <p:nvPicPr>
+          <p:cNvPr id="11" name="Content Placeholder 10" descr="Chart, scatter chart&#10;&#10;Description automatically generated">
             <a:extLst>
               <a:ext uri="{FF2B5EF4-FFF2-40B4-BE49-F238E27FC236}">
-                <a16:creationId xmlns:a16="http://schemas.microsoft.com/office/drawing/2014/main" id="{6958BB78-804F-3D02-73C6-8B92946505A8}"/>
+                <a16:creationId xmlns:a16="http://schemas.microsoft.com/office/drawing/2014/main" id="{78575FAF-3051-4771-D428-279A106357FB}"/>
               </a:ext>
             </a:extLst>
           </p:cNvPr>
-          <p:cNvSpPr>
-            <a:spLocks noGrp="1"/>
-          </p:cNvSpPr>
+          <p:cNvPicPr>
+            <a:picLocks noGrp="1" noChangeAspect="1"/>
+          </p:cNvPicPr>
           <p:nvPr>
             <p:ph idx="1"/>
           </p:nvPr>
-        </p:nvSpPr>
-        <p:spPr/>
-        <p:txBody>
-          <a:bodyPr/>
-          <a:lstStyle/>
-          <a:p>
-            <a:r>
-              <a:rPr lang="en-US" dirty="0"/>
-              <a:t>+/- correlation between disease prevalence and # of grocers per zip</a:t>
-            </a:r>
-          </a:p>
-          <a:p>
-            <a:r>
-              <a:rPr lang="en-US" dirty="0"/>
-              <a:t>Scatter plot and trend line with correlation number on this slide, or next slide</a:t>
-            </a:r>
-          </a:p>
-        </p:txBody>
-      </p:sp>
+        </p:nvPicPr>
+        <p:blipFill>
+          <a:blip r:embed="rId3"/>
+          <a:stretch>
+            <a:fillRect/>
+          </a:stretch>
+        </p:blipFill>
+        <p:spPr>
+          <a:xfrm>
+            <a:off x="677334" y="0"/>
+            <a:ext cx="9678894" cy="6248400"/>
+          </a:xfrm>
+        </p:spPr>
+      </p:pic>
     </p:spTree>
     <p:extLst>
       <p:ext uri="{BB962C8B-B14F-4D97-AF65-F5344CB8AC3E}">
-        <p14:creationId xmlns:p14="http://schemas.microsoft.com/office/powerpoint/2010/main" val="2032460076"/>
+        <p14:creationId xmlns:p14="http://schemas.microsoft.com/office/powerpoint/2010/main" val="3012565670"/>
       </p:ext>
     </p:extLst>
   </p:cSld>
@@ -7329,7 +7873,7 @@
           <p:cNvPr id="2" name="Title 1">
             <a:extLst>
               <a:ext uri="{FF2B5EF4-FFF2-40B4-BE49-F238E27FC236}">
-                <a16:creationId xmlns:a16="http://schemas.microsoft.com/office/drawing/2014/main" id="{52B60D75-208D-5399-8893-8A26B6F229B4}"/>
+                <a16:creationId xmlns:a16="http://schemas.microsoft.com/office/drawing/2014/main" id="{9A6A4D31-3F31-2363-64CA-25D86BF1533C}"/>
               </a:ext>
             </a:extLst>
           </p:cNvPr>
@@ -7342,46 +7886,24 @@
         </p:nvSpPr>
         <p:spPr/>
         <p:txBody>
-          <a:bodyPr/>
+          <a:bodyPr>
+            <a:normAutofit fontScale="90000"/>
+          </a:bodyPr>
           <a:lstStyle/>
           <a:p>
             <a:r>
               <a:rPr lang="en-US" dirty="0"/>
-              <a:t>obesity scatterplot</a:t>
-            </a:r>
-          </a:p>
-        </p:txBody>
-      </p:sp>
-      <p:sp>
-        <p:nvSpPr>
-          <p:cNvPr id="3" name="Content Placeholder 2">
-            <a:extLst>
-              <a:ext uri="{FF2B5EF4-FFF2-40B4-BE49-F238E27FC236}">
-                <a16:creationId xmlns:a16="http://schemas.microsoft.com/office/drawing/2014/main" id="{6958BB78-804F-3D02-73C6-8B92946505A8}"/>
-              </a:ext>
-            </a:extLst>
-          </p:cNvPr>
-          <p:cNvSpPr>
-            <a:spLocks noGrp="1"/>
-          </p:cNvSpPr>
-          <p:nvPr>
-            <p:ph idx="1"/>
-          </p:nvPr>
-        </p:nvSpPr>
-        <p:spPr/>
-        <p:txBody>
-          <a:bodyPr/>
-          <a:lstStyle/>
-          <a:p>
-            <a:r>
+              <a:t>Why does one zip code have a total of 9 grocery stores while other zip codes only have one?</a:t>
+            </a:r>
+            <a:br>
               <a:rPr lang="en-US" dirty="0"/>
-              <a:t>+/- correlation between disease prevalence and # of grocers per zip</a:t>
-            </a:r>
-          </a:p>
-          <a:p>
-            <a:r>
+            </a:br>
+            <a:br>
               <a:rPr lang="en-US" dirty="0"/>
-              <a:t>Scatter plot and trend line with correlation number on this slide, or next slide</a:t>
+            </a:br>
+            <a:r>
+              <a:rPr lang="en-US" dirty="0"/>
+              <a:t>What percentage of grocery stores that one zip code accounts for</a:t>
             </a:r>
           </a:p>
         </p:txBody>
@@ -7389,7 +7911,7 @@
     </p:spTree>
     <p:extLst>
       <p:ext uri="{BB962C8B-B14F-4D97-AF65-F5344CB8AC3E}">
-        <p14:creationId xmlns:p14="http://schemas.microsoft.com/office/powerpoint/2010/main" val="1434644402"/>
+        <p14:creationId xmlns:p14="http://schemas.microsoft.com/office/powerpoint/2010/main" val="2713106244"/>
       </p:ext>
     </p:extLst>
   </p:cSld>
@@ -7421,7 +7943,7 @@
           <p:cNvPr id="2" name="Title 1">
             <a:extLst>
               <a:ext uri="{FF2B5EF4-FFF2-40B4-BE49-F238E27FC236}">
-                <a16:creationId xmlns:a16="http://schemas.microsoft.com/office/drawing/2014/main" id="{52B60D75-208D-5399-8893-8A26B6F229B4}"/>
+                <a16:creationId xmlns:a16="http://schemas.microsoft.com/office/drawing/2014/main" id="{EE939CEF-D313-650F-CDED-D901767987C6}"/>
               </a:ext>
             </a:extLst>
           </p:cNvPr>
@@ -7439,8 +7961,12 @@
           <a:p>
             <a:r>
               <a:rPr lang="en-US" dirty="0"/>
-              <a:t>stroke scatterplot</a:t>
-            </a:r>
+              <a:t>Works Cited </a:t>
+            </a:r>
+            <a:br>
+              <a:rPr lang="en-US" dirty="0"/>
+            </a:br>
+            <a:endParaRPr lang="en-US" dirty="0"/>
           </a:p>
         </p:txBody>
       </p:sp>
@@ -7449,7 +7975,7 @@
           <p:cNvPr id="3" name="Content Placeholder 2">
             <a:extLst>
               <a:ext uri="{FF2B5EF4-FFF2-40B4-BE49-F238E27FC236}">
-                <a16:creationId xmlns:a16="http://schemas.microsoft.com/office/drawing/2014/main" id="{6958BB78-804F-3D02-73C6-8B92946505A8}"/>
+                <a16:creationId xmlns:a16="http://schemas.microsoft.com/office/drawing/2014/main" id="{2EECEF7C-B273-D9AF-B1C7-784CE704E0C5}"/>
               </a:ext>
             </a:extLst>
           </p:cNvPr>
@@ -7460,28 +7986,161 @@
             <p:ph idx="1"/>
           </p:nvPr>
         </p:nvSpPr>
-        <p:spPr/>
-        <p:txBody>
-          <a:bodyPr/>
-          <a:lstStyle/>
+        <p:spPr>
+          <a:xfrm>
+            <a:off x="677334" y="1488613"/>
+            <a:ext cx="8596668" cy="3880773"/>
+          </a:xfrm>
+        </p:spPr>
+        <p:txBody>
+          <a:bodyPr>
+            <a:normAutofit fontScale="62500" lnSpcReduction="20000"/>
+          </a:bodyPr>
+          <a:lstStyle/>
+          <a:p>
+            <a:pPr marL="0" indent="0">
+              <a:buNone/>
+            </a:pPr>
+            <a:endParaRPr lang="en-US" dirty="0"/>
+          </a:p>
           <a:p>
             <a:r>
               <a:rPr lang="en-US" dirty="0"/>
-              <a:t>+/- correlation between disease prevalence and # of grocers per zip</a:t>
-            </a:r>
+              <a:t>Gallagher, M. (2006). Examining the Impact of Food Deserts on Public Health in Chicago. Study commissioned by LaSalle Bank. 2006. Retrieved 4/25/22 from </a:t>
+            </a:r>
+            <a:r>
+              <a:rPr lang="en-US" dirty="0">
+                <a:hlinkClick r:id="rId3"/>
+              </a:rPr>
+              <a:t>http://www.marigallagher.com/2006/07/18/examining-the-impact-of-food-deserts-on-public-health-in-chicago-july-18-2006/</a:t>
+            </a:r>
+            <a:endParaRPr lang="en-US" dirty="0"/>
+          </a:p>
+          <a:p>
+            <a:endParaRPr lang="en-US" dirty="0"/>
           </a:p>
           <a:p>
             <a:r>
               <a:rPr lang="en-US" dirty="0"/>
-              <a:t>Scatter plot and trend line with correlation number on this slide, or next slide</a:t>
-            </a:r>
+              <a:t>Morland, K., Wing, S., et al. (2002). Neighborhood characteristics associated with the location of food stores and food service places. </a:t>
+            </a:r>
+            <a:r>
+              <a:rPr lang="en-US" i="1" dirty="0"/>
+              <a:t>American Journal of Preventive Medicine</a:t>
+            </a:r>
+            <a:r>
+              <a:rPr lang="en-US" dirty="0"/>
+              <a:t>. 22(1),23-29. Retrieved 4/25/22 from  </a:t>
+            </a:r>
+            <a:r>
+              <a:rPr lang="en-US" dirty="0">
+                <a:hlinkClick r:id="rId4"/>
+              </a:rPr>
+              <a:t>http://www.ncbi.nlm.nih.gov/pubmed/11777675</a:t>
+            </a:r>
+            <a:r>
+              <a:rPr lang="en-US" dirty="0"/>
+              <a:t> </a:t>
+            </a:r>
+          </a:p>
+          <a:p>
+            <a:endParaRPr lang="en-US" dirty="0"/>
+          </a:p>
+          <a:p>
+            <a:r>
+              <a:rPr lang="en-US" dirty="0"/>
+              <a:t>United States Department of Agriculture Economic Research Service. (2009). </a:t>
+            </a:r>
+            <a:r>
+              <a:rPr lang="en-US" i="1" dirty="0"/>
+              <a:t>Access to Affordable and Nutritious Food: Measuring and Understanding Food Deserts and Their Consequences.</a:t>
+            </a:r>
+            <a:r>
+              <a:rPr lang="en-US" dirty="0"/>
+              <a:t> Retrieved 4/25/22 from </a:t>
+            </a:r>
+            <a:r>
+              <a:rPr lang="en-US" dirty="0">
+                <a:hlinkClick r:id="rId5"/>
+              </a:rPr>
+              <a:t>https://www.ers.usda.gov/webdocs/publications/42711/12716_ap036_1_.pdf?v=41055</a:t>
+            </a:r>
+            <a:endParaRPr lang="en-US" dirty="0"/>
+          </a:p>
+          <a:p>
+            <a:endParaRPr lang="en-US" b="1" dirty="0"/>
+          </a:p>
+          <a:p>
+            <a:r>
+              <a:rPr lang="en-US" dirty="0"/>
+              <a:t>University of Nevada, Reno. (n.d.).</a:t>
+            </a:r>
+            <a:r>
+              <a:rPr lang="en-US" i="1" dirty="0"/>
+              <a:t>What is a Food Desert?</a:t>
+            </a:r>
+            <a:r>
+              <a:rPr lang="en-US" dirty="0"/>
+              <a:t>. </a:t>
+            </a:r>
+            <a:r>
+              <a:rPr lang="en-US" dirty="0">
+                <a:hlinkClick r:id="rId6"/>
+              </a:rPr>
+              <a:t>https://extension.unr.edu/publication.aspx?PubID=2484</a:t>
+            </a:r>
+            <a:endParaRPr lang="en-US" dirty="0"/>
+          </a:p>
+          <a:p>
+            <a:endParaRPr lang="en-US" dirty="0"/>
+          </a:p>
+          <a:p>
+            <a:r>
+              <a:rPr lang="en-US" dirty="0"/>
+              <a:t>Ver Ploeg, M., </a:t>
+            </a:r>
+            <a:r>
+              <a:rPr lang="en-US" dirty="0" err="1"/>
+              <a:t>Nulph</a:t>
+            </a:r>
+            <a:r>
+              <a:rPr lang="en-US" dirty="0"/>
+              <a:t>, D., &amp; Williams, R. (2011). </a:t>
+            </a:r>
+            <a:r>
+              <a:rPr lang="en-US" i="1" dirty="0"/>
+              <a:t>Mapping Food Deserts in the United States.</a:t>
+            </a:r>
+            <a:r>
+              <a:rPr lang="en-US" dirty="0"/>
+              <a:t> Economic Research Service U.S. Department of Agriculture. Retrieved 4/25/22 from </a:t>
+            </a:r>
+            <a:r>
+              <a:rPr lang="en-US" dirty="0">
+                <a:hlinkClick r:id="rId7"/>
+              </a:rPr>
+              <a:t>https://www.ers.usda.gov/amber-waves/2011/december/data-feature-mapping-food-deserts-in-the-us/</a:t>
+            </a:r>
+            <a:endParaRPr lang="en-US" dirty="0"/>
+          </a:p>
+          <a:p>
+            <a:endParaRPr lang="en-US" dirty="0"/>
+          </a:p>
+          <a:p>
+            <a:endParaRPr lang="en-US" dirty="0"/>
+          </a:p>
+          <a:p>
+            <a:endParaRPr lang="en-US" dirty="0"/>
+          </a:p>
+          <a:p>
+            <a:endParaRPr lang="en-US" dirty="0"/>
           </a:p>
         </p:txBody>
       </p:sp>
     </p:spTree>
     <p:extLst>
       <p:ext uri="{BB962C8B-B14F-4D97-AF65-F5344CB8AC3E}">
-        <p14:creationId xmlns:p14="http://schemas.microsoft.com/office/powerpoint/2010/main" val="316085506"/>
+        <p14:creationId xmlns:p14="http://schemas.microsoft.com/office/powerpoint/2010/main" val="2084559206"/>
       </p:ext>
     </p:extLst>
   </p:cSld>
@@ -7513,7 +8172,7 @@
           <p:cNvPr id="2" name="Title 1">
             <a:extLst>
               <a:ext uri="{FF2B5EF4-FFF2-40B4-BE49-F238E27FC236}">
-                <a16:creationId xmlns:a16="http://schemas.microsoft.com/office/drawing/2014/main" id="{EE939CEF-D313-650F-CDED-D901767987C6}"/>
+                <a16:creationId xmlns:a16="http://schemas.microsoft.com/office/drawing/2014/main" id="{F93A99E5-7A26-54F0-7699-063A5CE75FA6}"/>
               </a:ext>
             </a:extLst>
           </p:cNvPr>
@@ -7524,208 +8183,28 @@
             <p:ph type="title"/>
           </p:nvPr>
         </p:nvSpPr>
-        <p:spPr/>
-        <p:txBody>
-          <a:bodyPr/>
-          <a:lstStyle/>
-          <a:p>
-            <a:r>
-              <a:rPr lang="en-US" dirty="0"/>
-              <a:t>Works Cited </a:t>
-            </a:r>
-            <a:br>
-              <a:rPr lang="en-US" dirty="0"/>
-            </a:br>
-            <a:endParaRPr lang="en-US" dirty="0"/>
-          </a:p>
-        </p:txBody>
-      </p:sp>
-      <p:sp>
-        <p:nvSpPr>
-          <p:cNvPr id="3" name="Content Placeholder 2">
-            <a:extLst>
-              <a:ext uri="{FF2B5EF4-FFF2-40B4-BE49-F238E27FC236}">
-                <a16:creationId xmlns:a16="http://schemas.microsoft.com/office/drawing/2014/main" id="{2EECEF7C-B273-D9AF-B1C7-784CE704E0C5}"/>
-              </a:ext>
-            </a:extLst>
-          </p:cNvPr>
-          <p:cNvSpPr>
-            <a:spLocks noGrp="1"/>
-          </p:cNvSpPr>
-          <p:nvPr>
-            <p:ph idx="1"/>
-          </p:nvPr>
-        </p:nvSpPr>
         <p:spPr>
           <a:xfrm>
-            <a:off x="677334" y="1488613"/>
-            <a:ext cx="8596668" cy="3880773"/>
+            <a:off x="1797666" y="2768600"/>
+            <a:ext cx="8596668" cy="1320800"/>
           </a:xfrm>
         </p:spPr>
         <p:txBody>
-          <a:bodyPr>
-            <a:normAutofit fontScale="62500" lnSpcReduction="20000"/>
-          </a:bodyPr>
-          <a:lstStyle/>
-          <a:p>
-            <a:pPr marL="0" indent="0">
-              <a:buNone/>
-            </a:pPr>
-            <a:endParaRPr lang="en-US" dirty="0"/>
-          </a:p>
-          <a:p>
+          <a:bodyPr/>
+          <a:lstStyle/>
+          <a:p>
+            <a:pPr algn="ctr"/>
             <a:r>
               <a:rPr lang="en-US" dirty="0"/>
-              <a:t>United States Department of Agriculture Economic Research Service. (2009). </a:t>
-            </a:r>
-            <a:r>
-              <a:rPr lang="en-US" i="1" dirty="0"/>
-              <a:t>Access to Affordable and Nutritious Food: Measuring and Understanding Food Deserts and Their Consequences.</a:t>
-            </a:r>
-            <a:r>
-              <a:rPr lang="en-US" dirty="0"/>
-              <a:t> Retrieved 4/25/22 from </a:t>
-            </a:r>
-            <a:r>
-              <a:rPr lang="en-US" dirty="0">
-                <a:hlinkClick r:id="rId3"/>
-              </a:rPr>
-              <a:t>https://www.ers.usda.gov/webdocs/publications/42711/12716_ap036_1_.pdf?v=41055</a:t>
-            </a:r>
-            <a:endParaRPr lang="en-US" dirty="0"/>
-          </a:p>
-          <a:p>
-            <a:endParaRPr lang="en-US" dirty="0"/>
-          </a:p>
-          <a:p>
-            <a:r>
-              <a:rPr lang="en-US" dirty="0"/>
-              <a:t>Gallagher, M. (2006). Examining the Impact of Food Deserts on Public Health in Chicago. Study commissioned by LaSalle Bank. 2006. Retrieved 4/25/22 from </a:t>
-            </a:r>
-            <a:r>
-              <a:rPr lang="en-US" dirty="0">
-                <a:hlinkClick r:id="rId4"/>
-              </a:rPr>
-              <a:t>http://www.marigallagher.com/2006/07/18/examining-the-impact-of-food-deserts-on-public-health-in-chicago-july-18-2006/</a:t>
-            </a:r>
-            <a:endParaRPr lang="en-US" dirty="0"/>
-          </a:p>
-          <a:p>
-            <a:endParaRPr lang="en-US" dirty="0"/>
-          </a:p>
-          <a:p>
-            <a:r>
-              <a:rPr lang="en-US" dirty="0"/>
-              <a:t>Morland, K., Wing, S., et al. (2002). Neighborhood characteristics associated with the location of food stores and food service places. </a:t>
-            </a:r>
-            <a:r>
-              <a:rPr lang="en-US" i="1" dirty="0"/>
-              <a:t>American Journal of Preventive Medicine</a:t>
-            </a:r>
-            <a:r>
-              <a:rPr lang="en-US" dirty="0"/>
-              <a:t>. 22(1),23-29. Retrieved 4/25/22 from  </a:t>
-            </a:r>
-            <a:r>
-              <a:rPr lang="en-US" dirty="0">
-                <a:hlinkClick r:id="rId5"/>
-              </a:rPr>
-              <a:t>http://www.ncbi.nlm.nih.gov/pubmed/11777675</a:t>
-            </a:r>
-            <a:r>
-              <a:rPr lang="en-US" dirty="0"/>
-              <a:t> </a:t>
-            </a:r>
-          </a:p>
-          <a:p>
-            <a:endParaRPr lang="en-US" dirty="0"/>
-          </a:p>
-          <a:p>
-            <a:r>
-              <a:rPr lang="en-US" dirty="0"/>
-              <a:t>Ver Ploeg, M., </a:t>
-            </a:r>
-            <a:r>
-              <a:rPr lang="en-US" dirty="0" err="1"/>
-              <a:t>Nulph</a:t>
-            </a:r>
-            <a:r>
-              <a:rPr lang="en-US" dirty="0"/>
-              <a:t>, D., &amp; Williams, R. (2011). </a:t>
-            </a:r>
-            <a:r>
-              <a:rPr lang="en-US" i="1" dirty="0"/>
-              <a:t>Mapping Food Deserts in the United States.</a:t>
-            </a:r>
-            <a:r>
-              <a:rPr lang="en-US" dirty="0"/>
-              <a:t> Economic Research Service U.S. Department of Agriculture. Retrieved 4/25/22 from </a:t>
-            </a:r>
-            <a:r>
-              <a:rPr lang="en-US" dirty="0">
-                <a:hlinkClick r:id="rId6"/>
-              </a:rPr>
-              <a:t>https://www.ers.usda.gov/amber-waves/2011/december/data-feature-mapping-food-deserts-in-the-us/</a:t>
-            </a:r>
-            <a:endParaRPr lang="en-US" dirty="0"/>
-          </a:p>
-          <a:p>
-            <a:endParaRPr lang="en-US" b="1" dirty="0"/>
-          </a:p>
-          <a:p>
-            <a:r>
-              <a:rPr lang="en-US" dirty="0"/>
-              <a:t>University of Nevada, Reno. (n.d.).</a:t>
-            </a:r>
-            <a:r>
-              <a:rPr lang="en-US" i="1" dirty="0"/>
-              <a:t>What is a Food Desert?</a:t>
-            </a:r>
-            <a:r>
-              <a:rPr lang="en-US" dirty="0"/>
-              <a:t>. </a:t>
-            </a:r>
-            <a:r>
-              <a:rPr lang="en-US" dirty="0">
-                <a:hlinkClick r:id="rId7"/>
-              </a:rPr>
-              <a:t>https://</a:t>
-            </a:r>
-            <a:r>
-              <a:rPr lang="en-US" dirty="0" err="1">
-                <a:hlinkClick r:id="rId7"/>
-              </a:rPr>
-              <a:t>extension.unr.edu</a:t>
-            </a:r>
-            <a:r>
-              <a:rPr lang="en-US" dirty="0">
-                <a:hlinkClick r:id="rId7"/>
-              </a:rPr>
-              <a:t>/</a:t>
-            </a:r>
-            <a:r>
-              <a:rPr lang="en-US" dirty="0" err="1">
-                <a:hlinkClick r:id="rId7"/>
-              </a:rPr>
-              <a:t>publication.aspx?PubID</a:t>
-            </a:r>
-            <a:r>
-              <a:rPr lang="en-US" dirty="0">
-                <a:hlinkClick r:id="rId7"/>
-              </a:rPr>
-              <a:t>=2484</a:t>
-            </a:r>
-            <a:endParaRPr lang="en-US" dirty="0"/>
-          </a:p>
-          <a:p>
-            <a:endParaRPr lang="en-US" dirty="0"/>
+              <a:t>Questions?</a:t>
+            </a:r>
           </a:p>
         </p:txBody>
       </p:sp>
     </p:spTree>
     <p:extLst>
       <p:ext uri="{BB962C8B-B14F-4D97-AF65-F5344CB8AC3E}">
-        <p14:creationId xmlns:p14="http://schemas.microsoft.com/office/powerpoint/2010/main" val="2084559206"/>
+        <p14:creationId xmlns:p14="http://schemas.microsoft.com/office/powerpoint/2010/main" val="4170679358"/>
       </p:ext>
     </p:extLst>
   </p:cSld>
@@ -7757,70 +8236,6 @@
           <p:cNvPr id="2" name="Title 1">
             <a:extLst>
               <a:ext uri="{FF2B5EF4-FFF2-40B4-BE49-F238E27FC236}">
-                <a16:creationId xmlns:a16="http://schemas.microsoft.com/office/drawing/2014/main" id="{F93A99E5-7A26-54F0-7699-063A5CE75FA6}"/>
-              </a:ext>
-            </a:extLst>
-          </p:cNvPr>
-          <p:cNvSpPr>
-            <a:spLocks noGrp="1"/>
-          </p:cNvSpPr>
-          <p:nvPr>
-            <p:ph type="title"/>
-          </p:nvPr>
-        </p:nvSpPr>
-        <p:spPr>
-          <a:xfrm>
-            <a:off x="658091" y="2108200"/>
-            <a:ext cx="8596668" cy="1320800"/>
-          </a:xfrm>
-        </p:spPr>
-        <p:txBody>
-          <a:bodyPr/>
-          <a:lstStyle/>
-          <a:p>
-            <a:pPr algn="ctr"/>
-            <a:r>
-              <a:rPr lang="en-US" dirty="0"/>
-              <a:t>Questions?</a:t>
-            </a:r>
-          </a:p>
-        </p:txBody>
-      </p:sp>
-    </p:spTree>
-    <p:extLst>
-      <p:ext uri="{BB962C8B-B14F-4D97-AF65-F5344CB8AC3E}">
-        <p14:creationId xmlns:p14="http://schemas.microsoft.com/office/powerpoint/2010/main" val="4170679358"/>
-      </p:ext>
-    </p:extLst>
-  </p:cSld>
-  <p:clrMapOvr>
-    <a:masterClrMapping/>
-  </p:clrMapOvr>
-</p:sld>
-</file>
-
-<file path=ppt/slides/slide18.xml><?xml version="1.0" encoding="utf-8"?>
-<p:sld xmlns:a="http://schemas.openxmlformats.org/drawingml/2006/main" xmlns:r="http://schemas.openxmlformats.org/officeDocument/2006/relationships" xmlns:p="http://schemas.openxmlformats.org/presentationml/2006/main">
-  <p:cSld>
-    <p:spTree>
-      <p:nvGrpSpPr>
-        <p:cNvPr id="1" name=""/>
-        <p:cNvGrpSpPr/>
-        <p:nvPr/>
-      </p:nvGrpSpPr>
-      <p:grpSpPr>
-        <a:xfrm>
-          <a:off x="0" y="0"/>
-          <a:ext cx="0" cy="0"/>
-          <a:chOff x="0" y="0"/>
-          <a:chExt cx="0" cy="0"/>
-        </a:xfrm>
-      </p:grpSpPr>
-      <p:sp>
-        <p:nvSpPr>
-          <p:cNvPr id="2" name="Title 1">
-            <a:extLst>
-              <a:ext uri="{FF2B5EF4-FFF2-40B4-BE49-F238E27FC236}">
                 <a16:creationId xmlns:a16="http://schemas.microsoft.com/office/drawing/2014/main" id="{1F814D6E-00AA-775A-FF50-94D7BE631017}"/>
               </a:ext>
             </a:extLst>
@@ -7832,15 +8247,24 @@
             <p:ph type="title"/>
           </p:nvPr>
         </p:nvSpPr>
-        <p:spPr/>
+        <p:spPr>
+          <a:xfrm>
+            <a:off x="1797666" y="2768600"/>
+            <a:ext cx="8596668" cy="1320800"/>
+          </a:xfrm>
+        </p:spPr>
         <p:txBody>
           <a:bodyPr/>
           <a:lstStyle/>
           <a:p>
-            <a:r>
-              <a:rPr lang="en-US" dirty="0"/>
-              <a:t>“Off to the dashboard” [hyperlink to Tableau Public dashboard]</a:t>
-            </a:r>
+            <a:pPr algn="ctr"/>
+            <a:r>
+              <a:rPr lang="en-US" dirty="0">
+                <a:hlinkClick r:id="rId2"/>
+              </a:rPr>
+              <a:t>Off to the dashboard!</a:t>
+            </a:r>
+            <a:endParaRPr lang="en-US" dirty="0"/>
           </a:p>
         </p:txBody>
       </p:sp>
@@ -8103,7 +8527,7 @@
           <p:cNvPr id="2" name="Title 1">
             <a:extLst>
               <a:ext uri="{FF2B5EF4-FFF2-40B4-BE49-F238E27FC236}">
-                <a16:creationId xmlns:a16="http://schemas.microsoft.com/office/drawing/2014/main" id="{DFB062F9-C2A6-2AA3-506F-6CB236FC137C}"/>
+                <a16:creationId xmlns:a16="http://schemas.microsoft.com/office/drawing/2014/main" id="{014E76D0-5289-B01E-CC61-A570F8628798}"/>
               </a:ext>
             </a:extLst>
           </p:cNvPr>
@@ -8121,7 +8545,7 @@
           <a:p>
             <a:r>
               <a:rPr lang="en-US" dirty="0"/>
-              <a:t>Non-health related impacts of food deserts</a:t>
+              <a:t>Health Impacts on Individuals/Communities</a:t>
             </a:r>
           </a:p>
         </p:txBody>
@@ -8131,7 +8555,7 @@
           <p:cNvPr id="3" name="Content Placeholder 2">
             <a:extLst>
               <a:ext uri="{FF2B5EF4-FFF2-40B4-BE49-F238E27FC236}">
-                <a16:creationId xmlns:a16="http://schemas.microsoft.com/office/drawing/2014/main" id="{E1A493ED-0A83-43A6-4936-6BBB36FFE4C7}"/>
+                <a16:creationId xmlns:a16="http://schemas.microsoft.com/office/drawing/2014/main" id="{57365260-FD45-C2D7-27A0-4372061593F9}"/>
               </a:ext>
             </a:extLst>
           </p:cNvPr>
@@ -8144,12 +8568,76 @@
         </p:nvSpPr>
         <p:spPr/>
         <p:txBody>
-          <a:bodyPr/>
+          <a:bodyPr>
+            <a:normAutofit/>
+          </a:bodyPr>
           <a:lstStyle/>
           <a:p>
             <a:r>
               <a:rPr lang="en-US" dirty="0"/>
-              <a:t>Socioeconomic discrimination</a:t>
+              <a:t>Wealthier neighborhoods: over three times as many supermarkets, compared to lower income neighborhoods</a:t>
+            </a:r>
+          </a:p>
+          <a:p>
+            <a:r>
+              <a:rPr lang="en-US" dirty="0"/>
+              <a:t>Availability of personal transportation can contribute to malnutrition</a:t>
+            </a:r>
+          </a:p>
+          <a:p>
+            <a:r>
+              <a:rPr lang="en-US" dirty="0"/>
+              <a:t>Minority communities have fewer food choices and more premature death</a:t>
+            </a:r>
+          </a:p>
+          <a:p>
+            <a:pPr marL="0" indent="0">
+              <a:buNone/>
+            </a:pPr>
+            <a:endParaRPr lang="en-US" dirty="0"/>
+          </a:p>
+          <a:p>
+            <a:endParaRPr lang="en-US" dirty="0"/>
+          </a:p>
+        </p:txBody>
+      </p:sp>
+      <p:sp>
+        <p:nvSpPr>
+          <p:cNvPr id="4" name="TextBox 3">
+            <a:extLst>
+              <a:ext uri="{FF2B5EF4-FFF2-40B4-BE49-F238E27FC236}">
+                <a16:creationId xmlns:a16="http://schemas.microsoft.com/office/drawing/2014/main" id="{FEC01250-E187-F686-CE64-E8FA6AFE7F5E}"/>
+              </a:ext>
+            </a:extLst>
+          </p:cNvPr>
+          <p:cNvSpPr txBox="1"/>
+          <p:nvPr/>
+        </p:nvSpPr>
+        <p:spPr>
+          <a:xfrm>
+            <a:off x="773109" y="5610475"/>
+            <a:ext cx="4041422" cy="800219"/>
+          </a:xfrm>
+          <a:prstGeom prst="rect">
+            <a:avLst/>
+          </a:prstGeom>
+          <a:noFill/>
+        </p:spPr>
+        <p:txBody>
+          <a:bodyPr wrap="square" rtlCol="0">
+            <a:spAutoFit/>
+          </a:bodyPr>
+          <a:lstStyle/>
+          <a:p>
+            <a:r>
+              <a:rPr lang="en-US" sz="1400" dirty="0"/>
+              <a:t>Morland, Wing, 2002</a:t>
+            </a:r>
+          </a:p>
+          <a:p>
+            <a:r>
+              <a:rPr lang="en-US" sz="1400" dirty="0"/>
+              <a:t>Gallagher, 2006</a:t>
             </a:r>
           </a:p>
           <a:p>
@@ -8160,7 +8648,7 @@
     </p:spTree>
     <p:extLst>
       <p:ext uri="{BB962C8B-B14F-4D97-AF65-F5344CB8AC3E}">
-        <p14:creationId xmlns:p14="http://schemas.microsoft.com/office/powerpoint/2010/main" val="1179435448"/>
+        <p14:creationId xmlns:p14="http://schemas.microsoft.com/office/powerpoint/2010/main" val="3696257086"/>
       </p:ext>
     </p:extLst>
   </p:cSld>
@@ -8192,7 +8680,7 @@
           <p:cNvPr id="2" name="Title 1">
             <a:extLst>
               <a:ext uri="{FF2B5EF4-FFF2-40B4-BE49-F238E27FC236}">
-                <a16:creationId xmlns:a16="http://schemas.microsoft.com/office/drawing/2014/main" id="{014E76D0-5289-B01E-CC61-A570F8628798}"/>
+                <a16:creationId xmlns:a16="http://schemas.microsoft.com/office/drawing/2014/main" id="{81CCD0A3-40EF-F958-5466-7C5AD6E9616F}"/>
               </a:ext>
             </a:extLst>
           </p:cNvPr>
@@ -8210,7 +8698,7 @@
           <a:p>
             <a:r>
               <a:rPr lang="en-US" dirty="0"/>
-              <a:t>Health Impacts on Individuals/Communities</a:t>
+              <a:t>Reasoning Behind my Analysis</a:t>
             </a:r>
           </a:p>
         </p:txBody>
@@ -8220,7 +8708,7 @@
           <p:cNvPr id="3" name="Content Placeholder 2">
             <a:extLst>
               <a:ext uri="{FF2B5EF4-FFF2-40B4-BE49-F238E27FC236}">
-                <a16:creationId xmlns:a16="http://schemas.microsoft.com/office/drawing/2014/main" id="{57365260-FD45-C2D7-27A0-4372061593F9}"/>
+                <a16:creationId xmlns:a16="http://schemas.microsoft.com/office/drawing/2014/main" id="{B313E338-FCC9-3C03-D40D-A703E41CEB75}"/>
               </a:ext>
             </a:extLst>
           </p:cNvPr>
@@ -8231,78 +8719,43 @@
             <p:ph idx="1"/>
           </p:nvPr>
         </p:nvSpPr>
-        <p:spPr/>
-        <p:txBody>
-          <a:bodyPr>
-            <a:normAutofit/>
-          </a:bodyPr>
-          <a:lstStyle/>
-          <a:p>
-            <a:r>
-              <a:rPr lang="en-US" dirty="0"/>
-              <a:t>Wealthier neighborhoods: over three times as many supermarkets, compared to lower income neighborhoods</a:t>
-            </a:r>
-          </a:p>
-          <a:p>
-            <a:r>
-              <a:rPr lang="en-US" dirty="0"/>
-              <a:t>Lack of transportation contributes to malnutrition</a:t>
-            </a:r>
-          </a:p>
-          <a:p>
-            <a:r>
-              <a:rPr lang="en-US" dirty="0"/>
-              <a:t>Minority communities have fewer food choices and more premature death</a:t>
-            </a:r>
-          </a:p>
-          <a:p>
-            <a:pPr marL="0" indent="0">
-              <a:buNone/>
-            </a:pPr>
-            <a:endParaRPr lang="en-US" dirty="0"/>
-          </a:p>
-          <a:p>
-            <a:endParaRPr lang="en-US" dirty="0"/>
-          </a:p>
-        </p:txBody>
-      </p:sp>
-      <p:sp>
-        <p:nvSpPr>
-          <p:cNvPr id="4" name="TextBox 3">
-            <a:extLst>
-              <a:ext uri="{FF2B5EF4-FFF2-40B4-BE49-F238E27FC236}">
-                <a16:creationId xmlns:a16="http://schemas.microsoft.com/office/drawing/2014/main" id="{FEC01250-E187-F686-CE64-E8FA6AFE7F5E}"/>
-              </a:ext>
-            </a:extLst>
-          </p:cNvPr>
-          <p:cNvSpPr txBox="1"/>
-          <p:nvPr/>
-        </p:nvSpPr>
         <p:spPr>
           <a:xfrm>
-            <a:off x="773109" y="5610475"/>
-            <a:ext cx="4041422" cy="800219"/>
+            <a:off x="677334" y="1488613"/>
+            <a:ext cx="8596668" cy="3880773"/>
           </a:xfrm>
-          <a:prstGeom prst="rect">
-            <a:avLst/>
-          </a:prstGeom>
-          <a:noFill/>
         </p:spPr>
         <p:txBody>
-          <a:bodyPr wrap="square" rtlCol="0">
-            <a:spAutoFit/>
-          </a:bodyPr>
-          <a:lstStyle/>
-          <a:p>
-            <a:r>
-              <a:rPr lang="en-US" sz="1400" dirty="0"/>
-              <a:t>Morland, Wing, 2002</a:t>
-            </a:r>
-          </a:p>
-          <a:p>
-            <a:r>
-              <a:rPr lang="en-US" sz="1400" dirty="0"/>
-              <a:t>Gallagher, 2006</a:t>
+          <a:bodyPr/>
+          <a:lstStyle/>
+          <a:p>
+            <a:r>
+              <a:rPr lang="en-US" dirty="0"/>
+              <a:t>Initial lightbulb moment: the Piggly Wiggly on West End closed down</a:t>
+            </a:r>
+          </a:p>
+          <a:p>
+            <a:r>
+              <a:rPr lang="en-US" dirty="0"/>
+              <a:t>Rising food costs</a:t>
+            </a:r>
+          </a:p>
+          <a:p>
+            <a:r>
+              <a:rPr lang="en-US" dirty="0"/>
+              <a:t>Nashville has less than ideal public transportation (subjective opinion)</a:t>
+            </a:r>
+          </a:p>
+          <a:p>
+            <a:r>
+              <a:rPr lang="en-US" dirty="0"/>
+              <a:t>I am an RN, but public health is everyone’s business</a:t>
+            </a:r>
+          </a:p>
+          <a:p>
+            <a:r>
+              <a:rPr lang="en-US" dirty="0"/>
+              <a:t>Everyone loves food</a:t>
             </a:r>
           </a:p>
           <a:p>
@@ -8313,7 +8766,7 @@
     </p:spTree>
     <p:extLst>
       <p:ext uri="{BB962C8B-B14F-4D97-AF65-F5344CB8AC3E}">
-        <p14:creationId xmlns:p14="http://schemas.microsoft.com/office/powerpoint/2010/main" val="3696257086"/>
+        <p14:creationId xmlns:p14="http://schemas.microsoft.com/office/powerpoint/2010/main" val="4268277911"/>
       </p:ext>
     </p:extLst>
   </p:cSld>
@@ -8345,7 +8798,7 @@
           <p:cNvPr id="2" name="Title 1">
             <a:extLst>
               <a:ext uri="{FF2B5EF4-FFF2-40B4-BE49-F238E27FC236}">
-                <a16:creationId xmlns:a16="http://schemas.microsoft.com/office/drawing/2014/main" id="{81CCD0A3-40EF-F958-5466-7C5AD6E9616F}"/>
+                <a16:creationId xmlns:a16="http://schemas.microsoft.com/office/drawing/2014/main" id="{F90AC1E9-0183-1982-3B35-31B07E9078AD}"/>
               </a:ext>
             </a:extLst>
           </p:cNvPr>
@@ -8363,7 +8816,7 @@
           <a:p>
             <a:r>
               <a:rPr lang="en-US" dirty="0"/>
-              <a:t>Reason why I did this analysis</a:t>
+              <a:t>Analysis technique flow chart?	</a:t>
             </a:r>
           </a:p>
         </p:txBody>
@@ -8373,7 +8826,7 @@
           <p:cNvPr id="3" name="Content Placeholder 2">
             <a:extLst>
               <a:ext uri="{FF2B5EF4-FFF2-40B4-BE49-F238E27FC236}">
-                <a16:creationId xmlns:a16="http://schemas.microsoft.com/office/drawing/2014/main" id="{B313E338-FCC9-3C03-D40D-A703E41CEB75}"/>
+                <a16:creationId xmlns:a16="http://schemas.microsoft.com/office/drawing/2014/main" id="{D75DB9AD-F70A-9FE9-CA81-9AF2D0BABE1C}"/>
               </a:ext>
             </a:extLst>
           </p:cNvPr>
@@ -8384,54 +8837,22 @@
             <p:ph idx="1"/>
           </p:nvPr>
         </p:nvSpPr>
-        <p:spPr>
-          <a:xfrm>
-            <a:off x="677334" y="1488613"/>
-            <a:ext cx="8596668" cy="3880773"/>
-          </a:xfrm>
-        </p:spPr>
+        <p:spPr/>
         <p:txBody>
           <a:bodyPr/>
           <a:lstStyle/>
           <a:p>
             <a:r>
               <a:rPr lang="en-US" dirty="0"/>
-              <a:t>Piggly wiggly on West End</a:t>
-            </a:r>
-          </a:p>
-          <a:p>
-            <a:r>
-              <a:rPr lang="en-US" dirty="0"/>
-              <a:t>Rising food costs</a:t>
-            </a:r>
-          </a:p>
-          <a:p>
-            <a:r>
-              <a:rPr lang="en-US" dirty="0"/>
-              <a:t>Nashville has less than ideal public transportation (subjective opinion)</a:t>
-            </a:r>
-          </a:p>
-          <a:p>
-            <a:r>
-              <a:rPr lang="en-US" dirty="0"/>
-              <a:t>RN with interest in public health</a:t>
-            </a:r>
-          </a:p>
-          <a:p>
-            <a:r>
-              <a:rPr lang="en-US" dirty="0"/>
-              <a:t>Everyone loves food</a:t>
-            </a:r>
-          </a:p>
-          <a:p>
-            <a:endParaRPr lang="en-US" dirty="0"/>
+              <a:t>Steps and arrows to make it look good</a:t>
+            </a:r>
           </a:p>
         </p:txBody>
       </p:sp>
     </p:spTree>
     <p:extLst>
       <p:ext uri="{BB962C8B-B14F-4D97-AF65-F5344CB8AC3E}">
-        <p14:creationId xmlns:p14="http://schemas.microsoft.com/office/powerpoint/2010/main" val="4268277911"/>
+        <p14:creationId xmlns:p14="http://schemas.microsoft.com/office/powerpoint/2010/main" val="504080362"/>
       </p:ext>
     </p:extLst>
   </p:cSld>
@@ -8463,92 +8884,6 @@
           <p:cNvPr id="2" name="Title 1">
             <a:extLst>
               <a:ext uri="{FF2B5EF4-FFF2-40B4-BE49-F238E27FC236}">
-                <a16:creationId xmlns:a16="http://schemas.microsoft.com/office/drawing/2014/main" id="{F90AC1E9-0183-1982-3B35-31B07E9078AD}"/>
-              </a:ext>
-            </a:extLst>
-          </p:cNvPr>
-          <p:cNvSpPr>
-            <a:spLocks noGrp="1"/>
-          </p:cNvSpPr>
-          <p:nvPr>
-            <p:ph type="title"/>
-          </p:nvPr>
-        </p:nvSpPr>
-        <p:spPr/>
-        <p:txBody>
-          <a:bodyPr/>
-          <a:lstStyle/>
-          <a:p>
-            <a:r>
-              <a:rPr lang="en-US" dirty="0"/>
-              <a:t>Analysis technique flow chart?	</a:t>
-            </a:r>
-          </a:p>
-        </p:txBody>
-      </p:sp>
-      <p:sp>
-        <p:nvSpPr>
-          <p:cNvPr id="3" name="Content Placeholder 2">
-            <a:extLst>
-              <a:ext uri="{FF2B5EF4-FFF2-40B4-BE49-F238E27FC236}">
-                <a16:creationId xmlns:a16="http://schemas.microsoft.com/office/drawing/2014/main" id="{D75DB9AD-F70A-9FE9-CA81-9AF2D0BABE1C}"/>
-              </a:ext>
-            </a:extLst>
-          </p:cNvPr>
-          <p:cNvSpPr>
-            <a:spLocks noGrp="1"/>
-          </p:cNvSpPr>
-          <p:nvPr>
-            <p:ph idx="1"/>
-          </p:nvPr>
-        </p:nvSpPr>
-        <p:spPr/>
-        <p:txBody>
-          <a:bodyPr/>
-          <a:lstStyle/>
-          <a:p>
-            <a:r>
-              <a:rPr lang="en-US" dirty="0"/>
-              <a:t>Steps and arrows to make it look good</a:t>
-            </a:r>
-          </a:p>
-        </p:txBody>
-      </p:sp>
-    </p:spTree>
-    <p:extLst>
-      <p:ext uri="{BB962C8B-B14F-4D97-AF65-F5344CB8AC3E}">
-        <p14:creationId xmlns:p14="http://schemas.microsoft.com/office/powerpoint/2010/main" val="504080362"/>
-      </p:ext>
-    </p:extLst>
-  </p:cSld>
-  <p:clrMapOvr>
-    <a:masterClrMapping/>
-  </p:clrMapOvr>
-</p:sld>
-</file>
-
-<file path=ppt/slides/slide7.xml><?xml version="1.0" encoding="utf-8"?>
-<p:sld xmlns:a="http://schemas.openxmlformats.org/drawingml/2006/main" xmlns:r="http://schemas.openxmlformats.org/officeDocument/2006/relationships" xmlns:p="http://schemas.openxmlformats.org/presentationml/2006/main">
-  <p:cSld>
-    <p:spTree>
-      <p:nvGrpSpPr>
-        <p:cNvPr id="1" name=""/>
-        <p:cNvGrpSpPr/>
-        <p:nvPr/>
-      </p:nvGrpSpPr>
-      <p:grpSpPr>
-        <a:xfrm>
-          <a:off x="0" y="0"/>
-          <a:ext cx="0" cy="0"/>
-          <a:chOff x="0" y="0"/>
-          <a:chExt cx="0" cy="0"/>
-        </a:xfrm>
-      </p:grpSpPr>
-      <p:sp>
-        <p:nvSpPr>
-          <p:cNvPr id="2" name="Title 1">
-            <a:extLst>
-              <a:ext uri="{FF2B5EF4-FFF2-40B4-BE49-F238E27FC236}">
                 <a16:creationId xmlns:a16="http://schemas.microsoft.com/office/drawing/2014/main" id="{B4FEE979-9D8C-2186-64E7-C33899109C30}"/>
               </a:ext>
             </a:extLst>
@@ -8588,7 +8923,12 @@
             <p:ph idx="1"/>
           </p:nvPr>
         </p:nvSpPr>
-        <p:spPr/>
+        <p:spPr>
+          <a:xfrm>
+            <a:off x="677334" y="1488613"/>
+            <a:ext cx="8596668" cy="3880773"/>
+          </a:xfrm>
+        </p:spPr>
         <p:txBody>
           <a:bodyPr/>
           <a:lstStyle/>
@@ -8661,7 +9001,7 @@
           <a:p>
             <a:r>
               <a:rPr lang="en-US" dirty="0"/>
-              <a:t>Not taking into account household income data</a:t>
+              <a:t>Does not look at household income or other census data</a:t>
             </a:r>
           </a:p>
         </p:txBody>
@@ -8679,7 +9019,7 @@
 </p:sld>
 </file>
 
-<file path=ppt/slides/slide8.xml><?xml version="1.0" encoding="utf-8"?>
+<file path=ppt/slides/slide7.xml><?xml version="1.0" encoding="utf-8"?>
 <p:sld xmlns:a="http://schemas.openxmlformats.org/drawingml/2006/main" xmlns:r="http://schemas.openxmlformats.org/officeDocument/2006/relationships" xmlns:p="http://schemas.openxmlformats.org/presentationml/2006/main">
   <p:cSld>
     <p:bg>
@@ -10256,6 +10596,90 @@
 </p:sld>
 </file>
 
+<file path=ppt/slides/slide8.xml><?xml version="1.0" encoding="utf-8"?>
+<p:sld xmlns:a="http://schemas.openxmlformats.org/drawingml/2006/main" xmlns:r="http://schemas.openxmlformats.org/officeDocument/2006/relationships" xmlns:p="http://schemas.openxmlformats.org/presentationml/2006/main">
+  <p:cSld>
+    <p:spTree>
+      <p:nvGrpSpPr>
+        <p:cNvPr id="1" name=""/>
+        <p:cNvGrpSpPr/>
+        <p:nvPr/>
+      </p:nvGrpSpPr>
+      <p:grpSpPr>
+        <a:xfrm>
+          <a:off x="0" y="0"/>
+          <a:ext cx="0" cy="0"/>
+          <a:chOff x="0" y="0"/>
+          <a:chExt cx="0" cy="0"/>
+        </a:xfrm>
+      </p:grpSpPr>
+      <p:sp>
+        <p:nvSpPr>
+          <p:cNvPr id="2" name="Title 1">
+            <a:extLst>
+              <a:ext uri="{FF2B5EF4-FFF2-40B4-BE49-F238E27FC236}">
+                <a16:creationId xmlns:a16="http://schemas.microsoft.com/office/drawing/2014/main" id="{A53EA5E4-6308-9126-C254-5D087436B290}"/>
+              </a:ext>
+            </a:extLst>
+          </p:cNvPr>
+          <p:cNvSpPr>
+            <a:spLocks noGrp="1"/>
+          </p:cNvSpPr>
+          <p:nvPr>
+            <p:ph type="title"/>
+          </p:nvPr>
+        </p:nvSpPr>
+        <p:spPr/>
+        <p:txBody>
+          <a:bodyPr/>
+          <a:lstStyle/>
+          <a:p>
+            <a:endParaRPr lang="en-US"/>
+          </a:p>
+        </p:txBody>
+      </p:sp>
+      <p:pic>
+        <p:nvPicPr>
+          <p:cNvPr id="9" name="Content Placeholder 8" descr="Chart, scatter chart&#10;&#10;Description automatically generated">
+            <a:extLst>
+              <a:ext uri="{FF2B5EF4-FFF2-40B4-BE49-F238E27FC236}">
+                <a16:creationId xmlns:a16="http://schemas.microsoft.com/office/drawing/2014/main" id="{404EF7C2-C044-2A79-D3FB-13B512599BFD}"/>
+              </a:ext>
+            </a:extLst>
+          </p:cNvPr>
+          <p:cNvPicPr>
+            <a:picLocks noGrp="1" noChangeAspect="1"/>
+          </p:cNvPicPr>
+          <p:nvPr>
+            <p:ph idx="1"/>
+          </p:nvPr>
+        </p:nvPicPr>
+        <p:blipFill>
+          <a:blip r:embed="rId3"/>
+          <a:stretch>
+            <a:fillRect/>
+          </a:stretch>
+        </p:blipFill>
+        <p:spPr>
+          <a:xfrm>
+            <a:off x="677334" y="0"/>
+            <a:ext cx="9678894" cy="6248400"/>
+          </a:xfrm>
+        </p:spPr>
+      </p:pic>
+    </p:spTree>
+    <p:extLst>
+      <p:ext uri="{BB962C8B-B14F-4D97-AF65-F5344CB8AC3E}">
+        <p14:creationId xmlns:p14="http://schemas.microsoft.com/office/powerpoint/2010/main" val="4164100762"/>
+      </p:ext>
+    </p:extLst>
+  </p:cSld>
+  <p:clrMapOvr>
+    <a:masterClrMapping/>
+  </p:clrMapOvr>
+</p:sld>
+</file>
+
 <file path=ppt/slides/slide9.xml><?xml version="1.0" encoding="utf-8"?>
 <p:sld xmlns:a="http://schemas.openxmlformats.org/drawingml/2006/main" xmlns:r="http://schemas.openxmlformats.org/officeDocument/2006/relationships" xmlns:p="http://schemas.openxmlformats.org/presentationml/2006/main">
   <p:cSld>
@@ -10278,7 +10702,7 @@
           <p:cNvPr id="2" name="Title 1">
             <a:extLst>
               <a:ext uri="{FF2B5EF4-FFF2-40B4-BE49-F238E27FC236}">
-                <a16:creationId xmlns:a16="http://schemas.microsoft.com/office/drawing/2014/main" id="{9A6A4D31-3F31-2363-64CA-25D86BF1533C}"/>
+                <a16:creationId xmlns:a16="http://schemas.microsoft.com/office/drawing/2014/main" id="{A53EA5E4-6308-9126-C254-5D087436B290}"/>
               </a:ext>
             </a:extLst>
           </p:cNvPr>
@@ -10291,29 +10715,46 @@
         </p:nvSpPr>
         <p:spPr/>
         <p:txBody>
-          <a:bodyPr>
-            <a:normAutofit fontScale="90000"/>
-          </a:bodyPr>
-          <a:lstStyle/>
-          <a:p>
-            <a:r>
-              <a:rPr lang="en-US" dirty="0"/>
-              <a:t>Why does one zip code have a total of 10 grocery stores while other zip codes only have one?</a:t>
-            </a:r>
-            <a:br>
-              <a:rPr lang="en-US" dirty="0"/>
-            </a:br>
-            <a:r>
-              <a:rPr lang="en-US" dirty="0"/>
-              <a:t>What percentage of grocery stores that one zip code accounts for</a:t>
-            </a:r>
-          </a:p>
-        </p:txBody>
-      </p:sp>
+          <a:bodyPr/>
+          <a:lstStyle/>
+          <a:p>
+            <a:endParaRPr lang="en-US"/>
+          </a:p>
+        </p:txBody>
+      </p:sp>
+      <p:pic>
+        <p:nvPicPr>
+          <p:cNvPr id="11" name="Content Placeholder 10" descr="Chart, scatter chart&#10;&#10;Description automatically generated">
+            <a:extLst>
+              <a:ext uri="{FF2B5EF4-FFF2-40B4-BE49-F238E27FC236}">
+                <a16:creationId xmlns:a16="http://schemas.microsoft.com/office/drawing/2014/main" id="{F39237DC-D43F-C614-A4E2-7EEB934F30B6}"/>
+              </a:ext>
+            </a:extLst>
+          </p:cNvPr>
+          <p:cNvPicPr>
+            <a:picLocks noGrp="1" noChangeAspect="1"/>
+          </p:cNvPicPr>
+          <p:nvPr>
+            <p:ph idx="1"/>
+          </p:nvPr>
+        </p:nvPicPr>
+        <p:blipFill>
+          <a:blip r:embed="rId2"/>
+          <a:stretch>
+            <a:fillRect/>
+          </a:stretch>
+        </p:blipFill>
+        <p:spPr>
+          <a:xfrm>
+            <a:off x="677334" y="0"/>
+            <a:ext cx="9678894" cy="6248400"/>
+          </a:xfrm>
+        </p:spPr>
+      </p:pic>
     </p:spTree>
     <p:extLst>
       <p:ext uri="{BB962C8B-B14F-4D97-AF65-F5344CB8AC3E}">
-        <p14:creationId xmlns:p14="http://schemas.microsoft.com/office/powerpoint/2010/main" val="2713106244"/>
+        <p14:creationId xmlns:p14="http://schemas.microsoft.com/office/powerpoint/2010/main" val="2117532703"/>
       </p:ext>
     </p:extLst>
   </p:cSld>

--- a/food_desert_pp.pptx
+++ b/food_desert_pp.pptx
@@ -7581,7 +7581,7 @@
         </p:blipFill>
         <p:spPr>
           <a:xfrm>
-            <a:off x="677334" y="0"/>
+            <a:off x="609879" y="0"/>
             <a:ext cx="9678894" cy="6248400"/>
           </a:xfrm>
         </p:spPr>
@@ -7665,7 +7665,7 @@
         </p:blipFill>
         <p:spPr>
           <a:xfrm>
-            <a:off x="677334" y="0"/>
+            <a:off x="617374" y="0"/>
             <a:ext cx="9678894" cy="6248400"/>
           </a:xfrm>
         </p:spPr>
@@ -7749,7 +7749,7 @@
         </p:blipFill>
         <p:spPr>
           <a:xfrm>
-            <a:off x="677334" y="0"/>
+            <a:off x="617374" y="0"/>
             <a:ext cx="9678894" cy="6248400"/>
           </a:xfrm>
         </p:spPr>
@@ -7833,7 +7833,7 @@
         </p:blipFill>
         <p:spPr>
           <a:xfrm>
-            <a:off x="677334" y="0"/>
+            <a:off x="609878" y="0"/>
             <a:ext cx="9678894" cy="6248400"/>
           </a:xfrm>
         </p:spPr>
@@ -10662,7 +10662,7 @@
         </p:blipFill>
         <p:spPr>
           <a:xfrm>
-            <a:off x="677334" y="0"/>
+            <a:off x="602384" y="0"/>
             <a:ext cx="9678894" cy="6248400"/>
           </a:xfrm>
         </p:spPr>
@@ -10746,7 +10746,7 @@
         </p:blipFill>
         <p:spPr>
           <a:xfrm>
-            <a:off x="677334" y="0"/>
+            <a:off x="609879" y="0"/>
             <a:ext cx="9678894" cy="6248400"/>
           </a:xfrm>
         </p:spPr>

--- a/food_desert_pp.pptx
+++ b/food_desert_pp.pptx
@@ -5,7 +5,7 @@
     <p:sldMasterId id="2147483648" r:id="rId1"/>
   </p:sldMasterIdLst>
   <p:notesMasterIdLst>
-    <p:notesMasterId r:id="rId19"/>
+    <p:notesMasterId r:id="rId12"/>
   </p:notesMasterIdLst>
   <p:sldIdLst>
     <p:sldId id="256" r:id="rId2"/>
@@ -15,16 +15,9 @@
     <p:sldId id="272" r:id="rId6"/>
     <p:sldId id="268" r:id="rId7"/>
     <p:sldId id="263" r:id="rId8"/>
-    <p:sldId id="280" r:id="rId9"/>
-    <p:sldId id="281" r:id="rId10"/>
-    <p:sldId id="282" r:id="rId11"/>
-    <p:sldId id="283" r:id="rId12"/>
-    <p:sldId id="284" r:id="rId13"/>
-    <p:sldId id="285" r:id="rId14"/>
-    <p:sldId id="278" r:id="rId15"/>
-    <p:sldId id="258" r:id="rId16"/>
-    <p:sldId id="271" r:id="rId17"/>
-    <p:sldId id="279" r:id="rId18"/>
+    <p:sldId id="278" r:id="rId9"/>
+    <p:sldId id="271" r:id="rId10"/>
+    <p:sldId id="258" r:id="rId11"/>
   </p:sldIdLst>
   <p:sldSz cx="12192000" cy="6858000"/>
   <p:notesSz cx="6858000" cy="9144000"/>
@@ -559,258 +552,6 @@
 </p:notes>
 </file>
 
-<file path=ppt/notesSlides/notesSlide10.xml><?xml version="1.0" encoding="utf-8"?>
-<p:notes xmlns:a="http://schemas.openxmlformats.org/drawingml/2006/main" xmlns:r="http://schemas.openxmlformats.org/officeDocument/2006/relationships" xmlns:p="http://schemas.openxmlformats.org/presentationml/2006/main">
-  <p:cSld>
-    <p:spTree>
-      <p:nvGrpSpPr>
-        <p:cNvPr id="1" name=""/>
-        <p:cNvGrpSpPr/>
-        <p:nvPr/>
-      </p:nvGrpSpPr>
-      <p:grpSpPr>
-        <a:xfrm>
-          <a:off x="0" y="0"/>
-          <a:ext cx="0" cy="0"/>
-          <a:chOff x="0" y="0"/>
-          <a:chExt cx="0" cy="0"/>
-        </a:xfrm>
-      </p:grpSpPr>
-      <p:sp>
-        <p:nvSpPr>
-          <p:cNvPr id="2" name="Slide Image Placeholder 1"/>
-          <p:cNvSpPr>
-            <a:spLocks noGrp="1" noRot="1" noChangeAspect="1"/>
-          </p:cNvSpPr>
-          <p:nvPr>
-            <p:ph type="sldImg"/>
-          </p:nvPr>
-        </p:nvSpPr>
-        <p:spPr/>
-      </p:sp>
-      <p:sp>
-        <p:nvSpPr>
-          <p:cNvPr id="3" name="Notes Placeholder 2"/>
-          <p:cNvSpPr>
-            <a:spLocks noGrp="1"/>
-          </p:cNvSpPr>
-          <p:nvPr>
-            <p:ph type="body" idx="1"/>
-          </p:nvPr>
-        </p:nvSpPr>
-        <p:spPr/>
-        <p:txBody>
-          <a:bodyPr/>
-          <a:lstStyle/>
-          <a:p>
-            <a:endParaRPr lang="en-US" dirty="0"/>
-          </a:p>
-        </p:txBody>
-      </p:sp>
-      <p:sp>
-        <p:nvSpPr>
-          <p:cNvPr id="4" name="Slide Number Placeholder 3"/>
-          <p:cNvSpPr>
-            <a:spLocks noGrp="1"/>
-          </p:cNvSpPr>
-          <p:nvPr>
-            <p:ph type="sldNum" sz="quarter" idx="5"/>
-          </p:nvPr>
-        </p:nvSpPr>
-        <p:spPr/>
-        <p:txBody>
-          <a:bodyPr/>
-          <a:lstStyle/>
-          <a:p>
-            <a:fld id="{215B2E5D-87C1-E14D-8640-5E66DB7EFB6C}" type="slidenum">
-              <a:rPr lang="en-US" smtClean="0"/>
-              <a:t>13</a:t>
-            </a:fld>
-            <a:endParaRPr lang="en-US"/>
-          </a:p>
-        </p:txBody>
-      </p:sp>
-    </p:spTree>
-    <p:extLst>
-      <p:ext uri="{BB962C8B-B14F-4D97-AF65-F5344CB8AC3E}">
-        <p14:creationId xmlns:p14="http://schemas.microsoft.com/office/powerpoint/2010/main" val="737331624"/>
-      </p:ext>
-    </p:extLst>
-  </p:cSld>
-  <p:clrMapOvr>
-    <a:masterClrMapping/>
-  </p:clrMapOvr>
-</p:notes>
-</file>
-
-<file path=ppt/notesSlides/notesSlide11.xml><?xml version="1.0" encoding="utf-8"?>
-<p:notes xmlns:a="http://schemas.openxmlformats.org/drawingml/2006/main" xmlns:r="http://schemas.openxmlformats.org/officeDocument/2006/relationships" xmlns:p="http://schemas.openxmlformats.org/presentationml/2006/main">
-  <p:cSld>
-    <p:spTree>
-      <p:nvGrpSpPr>
-        <p:cNvPr id="1" name=""/>
-        <p:cNvGrpSpPr/>
-        <p:nvPr/>
-      </p:nvGrpSpPr>
-      <p:grpSpPr>
-        <a:xfrm>
-          <a:off x="0" y="0"/>
-          <a:ext cx="0" cy="0"/>
-          <a:chOff x="0" y="0"/>
-          <a:chExt cx="0" cy="0"/>
-        </a:xfrm>
-      </p:grpSpPr>
-      <p:sp>
-        <p:nvSpPr>
-          <p:cNvPr id="2" name="Slide Image Placeholder 1"/>
-          <p:cNvSpPr>
-            <a:spLocks noGrp="1" noRot="1" noChangeAspect="1"/>
-          </p:cNvSpPr>
-          <p:nvPr>
-            <p:ph type="sldImg"/>
-          </p:nvPr>
-        </p:nvSpPr>
-        <p:spPr/>
-      </p:sp>
-      <p:sp>
-        <p:nvSpPr>
-          <p:cNvPr id="3" name="Notes Placeholder 2"/>
-          <p:cNvSpPr>
-            <a:spLocks noGrp="1"/>
-          </p:cNvSpPr>
-          <p:nvPr>
-            <p:ph type="body" idx="1"/>
-          </p:nvPr>
-        </p:nvSpPr>
-        <p:spPr/>
-        <p:txBody>
-          <a:bodyPr/>
-          <a:lstStyle/>
-          <a:p>
-            <a:endParaRPr lang="en-US" dirty="0"/>
-          </a:p>
-        </p:txBody>
-      </p:sp>
-      <p:sp>
-        <p:nvSpPr>
-          <p:cNvPr id="4" name="Slide Number Placeholder 3"/>
-          <p:cNvSpPr>
-            <a:spLocks noGrp="1"/>
-          </p:cNvSpPr>
-          <p:nvPr>
-            <p:ph type="sldNum" sz="quarter" idx="5"/>
-          </p:nvPr>
-        </p:nvSpPr>
-        <p:spPr/>
-        <p:txBody>
-          <a:bodyPr/>
-          <a:lstStyle/>
-          <a:p>
-            <a:fld id="{215B2E5D-87C1-E14D-8640-5E66DB7EFB6C}" type="slidenum">
-              <a:rPr lang="en-US" smtClean="0"/>
-              <a:t>14</a:t>
-            </a:fld>
-            <a:endParaRPr lang="en-US"/>
-          </a:p>
-        </p:txBody>
-      </p:sp>
-    </p:spTree>
-    <p:extLst>
-      <p:ext uri="{BB962C8B-B14F-4D97-AF65-F5344CB8AC3E}">
-        <p14:creationId xmlns:p14="http://schemas.microsoft.com/office/powerpoint/2010/main" val="1561530210"/>
-      </p:ext>
-    </p:extLst>
-  </p:cSld>
-  <p:clrMapOvr>
-    <a:masterClrMapping/>
-  </p:clrMapOvr>
-</p:notes>
-</file>
-
-<file path=ppt/notesSlides/notesSlide12.xml><?xml version="1.0" encoding="utf-8"?>
-<p:notes xmlns:a="http://schemas.openxmlformats.org/drawingml/2006/main" xmlns:r="http://schemas.openxmlformats.org/officeDocument/2006/relationships" xmlns:p="http://schemas.openxmlformats.org/presentationml/2006/main">
-  <p:cSld>
-    <p:spTree>
-      <p:nvGrpSpPr>
-        <p:cNvPr id="1" name=""/>
-        <p:cNvGrpSpPr/>
-        <p:nvPr/>
-      </p:nvGrpSpPr>
-      <p:grpSpPr>
-        <a:xfrm>
-          <a:off x="0" y="0"/>
-          <a:ext cx="0" cy="0"/>
-          <a:chOff x="0" y="0"/>
-          <a:chExt cx="0" cy="0"/>
-        </a:xfrm>
-      </p:grpSpPr>
-      <p:sp>
-        <p:nvSpPr>
-          <p:cNvPr id="2" name="Slide Image Placeholder 1"/>
-          <p:cNvSpPr>
-            <a:spLocks noGrp="1" noRot="1" noChangeAspect="1"/>
-          </p:cNvSpPr>
-          <p:nvPr>
-            <p:ph type="sldImg"/>
-          </p:nvPr>
-        </p:nvSpPr>
-        <p:spPr/>
-      </p:sp>
-      <p:sp>
-        <p:nvSpPr>
-          <p:cNvPr id="3" name="Notes Placeholder 2"/>
-          <p:cNvSpPr>
-            <a:spLocks noGrp="1"/>
-          </p:cNvSpPr>
-          <p:nvPr>
-            <p:ph type="body" idx="1"/>
-          </p:nvPr>
-        </p:nvSpPr>
-        <p:spPr/>
-        <p:txBody>
-          <a:bodyPr/>
-          <a:lstStyle/>
-          <a:p>
-            <a:endParaRPr lang="en-US" dirty="0"/>
-          </a:p>
-        </p:txBody>
-      </p:sp>
-      <p:sp>
-        <p:nvSpPr>
-          <p:cNvPr id="4" name="Slide Number Placeholder 3"/>
-          <p:cNvSpPr>
-            <a:spLocks noGrp="1"/>
-          </p:cNvSpPr>
-          <p:nvPr>
-            <p:ph type="sldNum" sz="quarter" idx="5"/>
-          </p:nvPr>
-        </p:nvSpPr>
-        <p:spPr/>
-        <p:txBody>
-          <a:bodyPr/>
-          <a:lstStyle/>
-          <a:p>
-            <a:fld id="{215B2E5D-87C1-E14D-8640-5E66DB7EFB6C}" type="slidenum">
-              <a:rPr lang="en-US" smtClean="0"/>
-              <a:t>15</a:t>
-            </a:fld>
-            <a:endParaRPr lang="en-US"/>
-          </a:p>
-        </p:txBody>
-      </p:sp>
-    </p:spTree>
-    <p:extLst>
-      <p:ext uri="{BB962C8B-B14F-4D97-AF65-F5344CB8AC3E}">
-        <p14:creationId xmlns:p14="http://schemas.microsoft.com/office/powerpoint/2010/main" val="923823559"/>
-      </p:ext>
-    </p:extLst>
-  </p:cSld>
-  <p:clrMapOvr>
-    <a:masterClrMapping/>
-  </p:clrMapOvr>
-</p:notes>
-</file>
-
 <file path=ppt/notesSlides/notesSlide2.xml><?xml version="1.0" encoding="utf-8"?>
 <p:notes xmlns:a="http://schemas.openxmlformats.org/drawingml/2006/main" xmlns:r="http://schemas.openxmlformats.org/officeDocument/2006/relationships" xmlns:p="http://schemas.openxmlformats.org/presentationml/2006/main">
   <p:cSld>
@@ -1481,10 +1222,7 @@
           <a:bodyPr/>
           <a:lstStyle/>
           <a:p>
-            <a:r>
-              <a:rPr lang="en-US" dirty="0"/>
-              <a:t>Most of the following scatter plots demonstrate a weak relationship. There are some interesting findings however.</a:t>
-            </a:r>
+            <a:endParaRPr lang="en-US" dirty="0"/>
           </a:p>
         </p:txBody>
       </p:sp>
@@ -1514,7 +1252,7 @@
     </p:spTree>
     <p:extLst>
       <p:ext uri="{BB962C8B-B14F-4D97-AF65-F5344CB8AC3E}">
-        <p14:creationId xmlns:p14="http://schemas.microsoft.com/office/powerpoint/2010/main" val="1297237968"/>
+        <p14:creationId xmlns:p14="http://schemas.microsoft.com/office/powerpoint/2010/main" val="1561530210"/>
       </p:ext>
     </p:extLst>
   </p:cSld>
@@ -1598,178 +1336,7 @@
     </p:spTree>
     <p:extLst>
       <p:ext uri="{BB962C8B-B14F-4D97-AF65-F5344CB8AC3E}">
-        <p14:creationId xmlns:p14="http://schemas.microsoft.com/office/powerpoint/2010/main" val="2591177343"/>
-      </p:ext>
-    </p:extLst>
-  </p:cSld>
-  <p:clrMapOvr>
-    <a:masterClrMapping/>
-  </p:clrMapOvr>
-</p:notes>
-</file>
-
-<file path=ppt/notesSlides/notesSlide8.xml><?xml version="1.0" encoding="utf-8"?>
-<p:notes xmlns:a="http://schemas.openxmlformats.org/drawingml/2006/main" xmlns:r="http://schemas.openxmlformats.org/officeDocument/2006/relationships" xmlns:p="http://schemas.openxmlformats.org/presentationml/2006/main">
-  <p:cSld>
-    <p:spTree>
-      <p:nvGrpSpPr>
-        <p:cNvPr id="1" name=""/>
-        <p:cNvGrpSpPr/>
-        <p:nvPr/>
-      </p:nvGrpSpPr>
-      <p:grpSpPr>
-        <a:xfrm>
-          <a:off x="0" y="0"/>
-          <a:ext cx="0" cy="0"/>
-          <a:chOff x="0" y="0"/>
-          <a:chExt cx="0" cy="0"/>
-        </a:xfrm>
-      </p:grpSpPr>
-      <p:sp>
-        <p:nvSpPr>
-          <p:cNvPr id="2" name="Slide Image Placeholder 1"/>
-          <p:cNvSpPr>
-            <a:spLocks noGrp="1" noRot="1" noChangeAspect="1"/>
-          </p:cNvSpPr>
-          <p:nvPr>
-            <p:ph type="sldImg"/>
-          </p:nvPr>
-        </p:nvSpPr>
-        <p:spPr/>
-      </p:sp>
-      <p:sp>
-        <p:nvSpPr>
-          <p:cNvPr id="3" name="Notes Placeholder 2"/>
-          <p:cNvSpPr>
-            <a:spLocks noGrp="1"/>
-          </p:cNvSpPr>
-          <p:nvPr>
-            <p:ph type="body" idx="1"/>
-          </p:nvPr>
-        </p:nvSpPr>
-        <p:spPr/>
-        <p:txBody>
-          <a:bodyPr/>
-          <a:lstStyle/>
-          <a:p>
-            <a:r>
-              <a:rPr lang="en-US" dirty="0"/>
-              <a:t>High cholesterol seems to have the highest prevalence out of all diseases examined. The positive trend line works against my hypothesis however, so further analysis would benefit from looking at other metrics.</a:t>
-            </a:r>
-          </a:p>
-        </p:txBody>
-      </p:sp>
-      <p:sp>
-        <p:nvSpPr>
-          <p:cNvPr id="4" name="Slide Number Placeholder 3"/>
-          <p:cNvSpPr>
-            <a:spLocks noGrp="1"/>
-          </p:cNvSpPr>
-          <p:nvPr>
-            <p:ph type="sldNum" sz="quarter" idx="5"/>
-          </p:nvPr>
-        </p:nvSpPr>
-        <p:spPr/>
-        <p:txBody>
-          <a:bodyPr/>
-          <a:lstStyle/>
-          <a:p>
-            <a:fld id="{215B2E5D-87C1-E14D-8640-5E66DB7EFB6C}" type="slidenum">
-              <a:rPr lang="en-US" smtClean="0"/>
-              <a:t>11</a:t>
-            </a:fld>
-            <a:endParaRPr lang="en-US"/>
-          </a:p>
-        </p:txBody>
-      </p:sp>
-    </p:spTree>
-    <p:extLst>
-      <p:ext uri="{BB962C8B-B14F-4D97-AF65-F5344CB8AC3E}">
-        <p14:creationId xmlns:p14="http://schemas.microsoft.com/office/powerpoint/2010/main" val="66986011"/>
-      </p:ext>
-    </p:extLst>
-  </p:cSld>
-  <p:clrMapOvr>
-    <a:masterClrMapping/>
-  </p:clrMapOvr>
-</p:notes>
-</file>
-
-<file path=ppt/notesSlides/notesSlide9.xml><?xml version="1.0" encoding="utf-8"?>
-<p:notes xmlns:a="http://schemas.openxmlformats.org/drawingml/2006/main" xmlns:r="http://schemas.openxmlformats.org/officeDocument/2006/relationships" xmlns:p="http://schemas.openxmlformats.org/presentationml/2006/main">
-  <p:cSld>
-    <p:spTree>
-      <p:nvGrpSpPr>
-        <p:cNvPr id="1" name=""/>
-        <p:cNvGrpSpPr/>
-        <p:nvPr/>
-      </p:nvGrpSpPr>
-      <p:grpSpPr>
-        <a:xfrm>
-          <a:off x="0" y="0"/>
-          <a:ext cx="0" cy="0"/>
-          <a:chOff x="0" y="0"/>
-          <a:chExt cx="0" cy="0"/>
-        </a:xfrm>
-      </p:grpSpPr>
-      <p:sp>
-        <p:nvSpPr>
-          <p:cNvPr id="2" name="Slide Image Placeholder 1"/>
-          <p:cNvSpPr>
-            <a:spLocks noGrp="1" noRot="1" noChangeAspect="1"/>
-          </p:cNvSpPr>
-          <p:nvPr>
-            <p:ph type="sldImg"/>
-          </p:nvPr>
-        </p:nvSpPr>
-        <p:spPr/>
-      </p:sp>
-      <p:sp>
-        <p:nvSpPr>
-          <p:cNvPr id="3" name="Notes Placeholder 2"/>
-          <p:cNvSpPr>
-            <a:spLocks noGrp="1"/>
-          </p:cNvSpPr>
-          <p:nvPr>
-            <p:ph type="body" idx="1"/>
-          </p:nvPr>
-        </p:nvSpPr>
-        <p:spPr/>
-        <p:txBody>
-          <a:bodyPr/>
-          <a:lstStyle/>
-          <a:p>
-            <a:endParaRPr lang="en-US" dirty="0"/>
-          </a:p>
-        </p:txBody>
-      </p:sp>
-      <p:sp>
-        <p:nvSpPr>
-          <p:cNvPr id="4" name="Slide Number Placeholder 3"/>
-          <p:cNvSpPr>
-            <a:spLocks noGrp="1"/>
-          </p:cNvSpPr>
-          <p:nvPr>
-            <p:ph type="sldNum" sz="quarter" idx="5"/>
-          </p:nvPr>
-        </p:nvSpPr>
-        <p:spPr/>
-        <p:txBody>
-          <a:bodyPr/>
-          <a:lstStyle/>
-          <a:p>
-            <a:fld id="{215B2E5D-87C1-E14D-8640-5E66DB7EFB6C}" type="slidenum">
-              <a:rPr lang="en-US" smtClean="0"/>
-              <a:t>12</a:t>
-            </a:fld>
-            <a:endParaRPr lang="en-US"/>
-          </a:p>
-        </p:txBody>
-      </p:sp>
-    </p:spTree>
-    <p:extLst>
-      <p:ext uri="{BB962C8B-B14F-4D97-AF65-F5344CB8AC3E}">
-        <p14:creationId xmlns:p14="http://schemas.microsoft.com/office/powerpoint/2010/main" val="1106462944"/>
+        <p14:creationId xmlns:p14="http://schemas.microsoft.com/office/powerpoint/2010/main" val="923823559"/>
       </p:ext>
     </p:extLst>
   </p:cSld>
@@ -7537,412 +7104,6 @@
           <p:cNvPr id="2" name="Title 1">
             <a:extLst>
               <a:ext uri="{FF2B5EF4-FFF2-40B4-BE49-F238E27FC236}">
-                <a16:creationId xmlns:a16="http://schemas.microsoft.com/office/drawing/2014/main" id="{A53EA5E4-6308-9126-C254-5D087436B290}"/>
-              </a:ext>
-            </a:extLst>
-          </p:cNvPr>
-          <p:cNvSpPr>
-            <a:spLocks noGrp="1"/>
-          </p:cNvSpPr>
-          <p:nvPr>
-            <p:ph type="title"/>
-          </p:nvPr>
-        </p:nvSpPr>
-        <p:spPr/>
-        <p:txBody>
-          <a:bodyPr/>
-          <a:lstStyle/>
-          <a:p>
-            <a:endParaRPr lang="en-US"/>
-          </a:p>
-        </p:txBody>
-      </p:sp>
-      <p:pic>
-        <p:nvPicPr>
-          <p:cNvPr id="11" name="Content Placeholder 10" descr="Chart, scatter chart&#10;&#10;Description automatically generated">
-            <a:extLst>
-              <a:ext uri="{FF2B5EF4-FFF2-40B4-BE49-F238E27FC236}">
-                <a16:creationId xmlns:a16="http://schemas.microsoft.com/office/drawing/2014/main" id="{46E7E5FD-2B60-AA49-6321-3B69AC253189}"/>
-              </a:ext>
-            </a:extLst>
-          </p:cNvPr>
-          <p:cNvPicPr>
-            <a:picLocks noGrp="1" noChangeAspect="1"/>
-          </p:cNvPicPr>
-          <p:nvPr>
-            <p:ph idx="1"/>
-          </p:nvPr>
-        </p:nvPicPr>
-        <p:blipFill>
-          <a:blip r:embed="rId3"/>
-          <a:stretch>
-            <a:fillRect/>
-          </a:stretch>
-        </p:blipFill>
-        <p:spPr>
-          <a:xfrm>
-            <a:off x="609879" y="0"/>
-            <a:ext cx="9678894" cy="6248400"/>
-          </a:xfrm>
-        </p:spPr>
-      </p:pic>
-    </p:spTree>
-    <p:extLst>
-      <p:ext uri="{BB962C8B-B14F-4D97-AF65-F5344CB8AC3E}">
-        <p14:creationId xmlns:p14="http://schemas.microsoft.com/office/powerpoint/2010/main" val="499009756"/>
-      </p:ext>
-    </p:extLst>
-  </p:cSld>
-  <p:clrMapOvr>
-    <a:masterClrMapping/>
-  </p:clrMapOvr>
-</p:sld>
-</file>
-
-<file path=ppt/slides/slide11.xml><?xml version="1.0" encoding="utf-8"?>
-<p:sld xmlns:a="http://schemas.openxmlformats.org/drawingml/2006/main" xmlns:r="http://schemas.openxmlformats.org/officeDocument/2006/relationships" xmlns:p="http://schemas.openxmlformats.org/presentationml/2006/main">
-  <p:cSld>
-    <p:spTree>
-      <p:nvGrpSpPr>
-        <p:cNvPr id="1" name=""/>
-        <p:cNvGrpSpPr/>
-        <p:nvPr/>
-      </p:nvGrpSpPr>
-      <p:grpSpPr>
-        <a:xfrm>
-          <a:off x="0" y="0"/>
-          <a:ext cx="0" cy="0"/>
-          <a:chOff x="0" y="0"/>
-          <a:chExt cx="0" cy="0"/>
-        </a:xfrm>
-      </p:grpSpPr>
-      <p:sp>
-        <p:nvSpPr>
-          <p:cNvPr id="2" name="Title 1">
-            <a:extLst>
-              <a:ext uri="{FF2B5EF4-FFF2-40B4-BE49-F238E27FC236}">
-                <a16:creationId xmlns:a16="http://schemas.microsoft.com/office/drawing/2014/main" id="{A53EA5E4-6308-9126-C254-5D087436B290}"/>
-              </a:ext>
-            </a:extLst>
-          </p:cNvPr>
-          <p:cNvSpPr>
-            <a:spLocks noGrp="1"/>
-          </p:cNvSpPr>
-          <p:nvPr>
-            <p:ph type="title"/>
-          </p:nvPr>
-        </p:nvSpPr>
-        <p:spPr/>
-        <p:txBody>
-          <a:bodyPr/>
-          <a:lstStyle/>
-          <a:p>
-            <a:endParaRPr lang="en-US"/>
-          </a:p>
-        </p:txBody>
-      </p:sp>
-      <p:pic>
-        <p:nvPicPr>
-          <p:cNvPr id="11" name="Content Placeholder 10" descr="Chart, scatter chart&#10;&#10;Description automatically generated">
-            <a:extLst>
-              <a:ext uri="{FF2B5EF4-FFF2-40B4-BE49-F238E27FC236}">
-                <a16:creationId xmlns:a16="http://schemas.microsoft.com/office/drawing/2014/main" id="{5C51C8C3-D9DF-B98F-030D-0706C49F3F5B}"/>
-              </a:ext>
-            </a:extLst>
-          </p:cNvPr>
-          <p:cNvPicPr>
-            <a:picLocks noGrp="1" noChangeAspect="1"/>
-          </p:cNvPicPr>
-          <p:nvPr>
-            <p:ph idx="1"/>
-          </p:nvPr>
-        </p:nvPicPr>
-        <p:blipFill>
-          <a:blip r:embed="rId3"/>
-          <a:stretch>
-            <a:fillRect/>
-          </a:stretch>
-        </p:blipFill>
-        <p:spPr>
-          <a:xfrm>
-            <a:off x="617374" y="0"/>
-            <a:ext cx="9678894" cy="6248400"/>
-          </a:xfrm>
-        </p:spPr>
-      </p:pic>
-    </p:spTree>
-    <p:extLst>
-      <p:ext uri="{BB962C8B-B14F-4D97-AF65-F5344CB8AC3E}">
-        <p14:creationId xmlns:p14="http://schemas.microsoft.com/office/powerpoint/2010/main" val="502227334"/>
-      </p:ext>
-    </p:extLst>
-  </p:cSld>
-  <p:clrMapOvr>
-    <a:masterClrMapping/>
-  </p:clrMapOvr>
-</p:sld>
-</file>
-
-<file path=ppt/slides/slide12.xml><?xml version="1.0" encoding="utf-8"?>
-<p:sld xmlns:a="http://schemas.openxmlformats.org/drawingml/2006/main" xmlns:r="http://schemas.openxmlformats.org/officeDocument/2006/relationships" xmlns:p="http://schemas.openxmlformats.org/presentationml/2006/main">
-  <p:cSld>
-    <p:spTree>
-      <p:nvGrpSpPr>
-        <p:cNvPr id="1" name=""/>
-        <p:cNvGrpSpPr/>
-        <p:nvPr/>
-      </p:nvGrpSpPr>
-      <p:grpSpPr>
-        <a:xfrm>
-          <a:off x="0" y="0"/>
-          <a:ext cx="0" cy="0"/>
-          <a:chOff x="0" y="0"/>
-          <a:chExt cx="0" cy="0"/>
-        </a:xfrm>
-      </p:grpSpPr>
-      <p:sp>
-        <p:nvSpPr>
-          <p:cNvPr id="2" name="Title 1">
-            <a:extLst>
-              <a:ext uri="{FF2B5EF4-FFF2-40B4-BE49-F238E27FC236}">
-                <a16:creationId xmlns:a16="http://schemas.microsoft.com/office/drawing/2014/main" id="{A53EA5E4-6308-9126-C254-5D087436B290}"/>
-              </a:ext>
-            </a:extLst>
-          </p:cNvPr>
-          <p:cNvSpPr>
-            <a:spLocks noGrp="1"/>
-          </p:cNvSpPr>
-          <p:nvPr>
-            <p:ph type="title"/>
-          </p:nvPr>
-        </p:nvSpPr>
-        <p:spPr/>
-        <p:txBody>
-          <a:bodyPr/>
-          <a:lstStyle/>
-          <a:p>
-            <a:endParaRPr lang="en-US"/>
-          </a:p>
-        </p:txBody>
-      </p:sp>
-      <p:pic>
-        <p:nvPicPr>
-          <p:cNvPr id="11" name="Content Placeholder 10" descr="Chart, scatter chart&#10;&#10;Description automatically generated">
-            <a:extLst>
-              <a:ext uri="{FF2B5EF4-FFF2-40B4-BE49-F238E27FC236}">
-                <a16:creationId xmlns:a16="http://schemas.microsoft.com/office/drawing/2014/main" id="{B9720362-136D-9DAE-E66A-CC2E7391DB9F}"/>
-              </a:ext>
-            </a:extLst>
-          </p:cNvPr>
-          <p:cNvPicPr>
-            <a:picLocks noGrp="1" noChangeAspect="1"/>
-          </p:cNvPicPr>
-          <p:nvPr>
-            <p:ph idx="1"/>
-          </p:nvPr>
-        </p:nvPicPr>
-        <p:blipFill>
-          <a:blip r:embed="rId3"/>
-          <a:stretch>
-            <a:fillRect/>
-          </a:stretch>
-        </p:blipFill>
-        <p:spPr>
-          <a:xfrm>
-            <a:off x="617374" y="0"/>
-            <a:ext cx="9678894" cy="6248400"/>
-          </a:xfrm>
-        </p:spPr>
-      </p:pic>
-    </p:spTree>
-    <p:extLst>
-      <p:ext uri="{BB962C8B-B14F-4D97-AF65-F5344CB8AC3E}">
-        <p14:creationId xmlns:p14="http://schemas.microsoft.com/office/powerpoint/2010/main" val="3473258192"/>
-      </p:ext>
-    </p:extLst>
-  </p:cSld>
-  <p:clrMapOvr>
-    <a:masterClrMapping/>
-  </p:clrMapOvr>
-</p:sld>
-</file>
-
-<file path=ppt/slides/slide13.xml><?xml version="1.0" encoding="utf-8"?>
-<p:sld xmlns:a="http://schemas.openxmlformats.org/drawingml/2006/main" xmlns:r="http://schemas.openxmlformats.org/officeDocument/2006/relationships" xmlns:p="http://schemas.openxmlformats.org/presentationml/2006/main">
-  <p:cSld>
-    <p:spTree>
-      <p:nvGrpSpPr>
-        <p:cNvPr id="1" name=""/>
-        <p:cNvGrpSpPr/>
-        <p:nvPr/>
-      </p:nvGrpSpPr>
-      <p:grpSpPr>
-        <a:xfrm>
-          <a:off x="0" y="0"/>
-          <a:ext cx="0" cy="0"/>
-          <a:chOff x="0" y="0"/>
-          <a:chExt cx="0" cy="0"/>
-        </a:xfrm>
-      </p:grpSpPr>
-      <p:sp>
-        <p:nvSpPr>
-          <p:cNvPr id="2" name="Title 1">
-            <a:extLst>
-              <a:ext uri="{FF2B5EF4-FFF2-40B4-BE49-F238E27FC236}">
-                <a16:creationId xmlns:a16="http://schemas.microsoft.com/office/drawing/2014/main" id="{A53EA5E4-6308-9126-C254-5D087436B290}"/>
-              </a:ext>
-            </a:extLst>
-          </p:cNvPr>
-          <p:cNvSpPr>
-            <a:spLocks noGrp="1"/>
-          </p:cNvSpPr>
-          <p:nvPr>
-            <p:ph type="title"/>
-          </p:nvPr>
-        </p:nvSpPr>
-        <p:spPr/>
-        <p:txBody>
-          <a:bodyPr/>
-          <a:lstStyle/>
-          <a:p>
-            <a:endParaRPr lang="en-US"/>
-          </a:p>
-        </p:txBody>
-      </p:sp>
-      <p:pic>
-        <p:nvPicPr>
-          <p:cNvPr id="11" name="Content Placeholder 10" descr="Chart, scatter chart&#10;&#10;Description automatically generated">
-            <a:extLst>
-              <a:ext uri="{FF2B5EF4-FFF2-40B4-BE49-F238E27FC236}">
-                <a16:creationId xmlns:a16="http://schemas.microsoft.com/office/drawing/2014/main" id="{78575FAF-3051-4771-D428-279A106357FB}"/>
-              </a:ext>
-            </a:extLst>
-          </p:cNvPr>
-          <p:cNvPicPr>
-            <a:picLocks noGrp="1" noChangeAspect="1"/>
-          </p:cNvPicPr>
-          <p:nvPr>
-            <p:ph idx="1"/>
-          </p:nvPr>
-        </p:nvPicPr>
-        <p:blipFill>
-          <a:blip r:embed="rId3"/>
-          <a:stretch>
-            <a:fillRect/>
-          </a:stretch>
-        </p:blipFill>
-        <p:spPr>
-          <a:xfrm>
-            <a:off x="609878" y="0"/>
-            <a:ext cx="9678894" cy="6248400"/>
-          </a:xfrm>
-        </p:spPr>
-      </p:pic>
-    </p:spTree>
-    <p:extLst>
-      <p:ext uri="{BB962C8B-B14F-4D97-AF65-F5344CB8AC3E}">
-        <p14:creationId xmlns:p14="http://schemas.microsoft.com/office/powerpoint/2010/main" val="3012565670"/>
-      </p:ext>
-    </p:extLst>
-  </p:cSld>
-  <p:clrMapOvr>
-    <a:masterClrMapping/>
-  </p:clrMapOvr>
-</p:sld>
-</file>
-
-<file path=ppt/slides/slide14.xml><?xml version="1.0" encoding="utf-8"?>
-<p:sld xmlns:a="http://schemas.openxmlformats.org/drawingml/2006/main" xmlns:r="http://schemas.openxmlformats.org/officeDocument/2006/relationships" xmlns:p="http://schemas.openxmlformats.org/presentationml/2006/main">
-  <p:cSld>
-    <p:spTree>
-      <p:nvGrpSpPr>
-        <p:cNvPr id="1" name=""/>
-        <p:cNvGrpSpPr/>
-        <p:nvPr/>
-      </p:nvGrpSpPr>
-      <p:grpSpPr>
-        <a:xfrm>
-          <a:off x="0" y="0"/>
-          <a:ext cx="0" cy="0"/>
-          <a:chOff x="0" y="0"/>
-          <a:chExt cx="0" cy="0"/>
-        </a:xfrm>
-      </p:grpSpPr>
-      <p:sp>
-        <p:nvSpPr>
-          <p:cNvPr id="2" name="Title 1">
-            <a:extLst>
-              <a:ext uri="{FF2B5EF4-FFF2-40B4-BE49-F238E27FC236}">
-                <a16:creationId xmlns:a16="http://schemas.microsoft.com/office/drawing/2014/main" id="{9A6A4D31-3F31-2363-64CA-25D86BF1533C}"/>
-              </a:ext>
-            </a:extLst>
-          </p:cNvPr>
-          <p:cNvSpPr>
-            <a:spLocks noGrp="1"/>
-          </p:cNvSpPr>
-          <p:nvPr>
-            <p:ph type="title"/>
-          </p:nvPr>
-        </p:nvSpPr>
-        <p:spPr/>
-        <p:txBody>
-          <a:bodyPr>
-            <a:normAutofit fontScale="90000"/>
-          </a:bodyPr>
-          <a:lstStyle/>
-          <a:p>
-            <a:r>
-              <a:rPr lang="en-US" dirty="0"/>
-              <a:t>Why does one zip code have a total of 9 grocery stores while other zip codes only have one?</a:t>
-            </a:r>
-            <a:br>
-              <a:rPr lang="en-US" dirty="0"/>
-            </a:br>
-            <a:br>
-              <a:rPr lang="en-US" dirty="0"/>
-            </a:br>
-            <a:r>
-              <a:rPr lang="en-US" dirty="0"/>
-              <a:t>What percentage of grocery stores that one zip code accounts for</a:t>
-            </a:r>
-          </a:p>
-        </p:txBody>
-      </p:sp>
-    </p:spTree>
-    <p:extLst>
-      <p:ext uri="{BB962C8B-B14F-4D97-AF65-F5344CB8AC3E}">
-        <p14:creationId xmlns:p14="http://schemas.microsoft.com/office/powerpoint/2010/main" val="2713106244"/>
-      </p:ext>
-    </p:extLst>
-  </p:cSld>
-  <p:clrMapOvr>
-    <a:masterClrMapping/>
-  </p:clrMapOvr>
-</p:sld>
-</file>
-
-<file path=ppt/slides/slide15.xml><?xml version="1.0" encoding="utf-8"?>
-<p:sld xmlns:a="http://schemas.openxmlformats.org/drawingml/2006/main" xmlns:r="http://schemas.openxmlformats.org/officeDocument/2006/relationships" xmlns:p="http://schemas.openxmlformats.org/presentationml/2006/main">
-  <p:cSld>
-    <p:spTree>
-      <p:nvGrpSpPr>
-        <p:cNvPr id="1" name=""/>
-        <p:cNvGrpSpPr/>
-        <p:nvPr/>
-      </p:nvGrpSpPr>
-      <p:grpSpPr>
-        <a:xfrm>
-          <a:off x="0" y="0"/>
-          <a:ext cx="0" cy="0"/>
-          <a:chOff x="0" y="0"/>
-          <a:chExt cx="0" cy="0"/>
-        </a:xfrm>
-      </p:grpSpPr>
-      <p:sp>
-        <p:nvSpPr>
-          <p:cNvPr id="2" name="Title 1">
-            <a:extLst>
-              <a:ext uri="{FF2B5EF4-FFF2-40B4-BE49-F238E27FC236}">
                 <a16:creationId xmlns:a16="http://schemas.microsoft.com/office/drawing/2014/main" id="{EE939CEF-D313-650F-CDED-D901767987C6}"/>
               </a:ext>
             </a:extLst>
@@ -8141,137 +7302,6 @@
     <p:extLst>
       <p:ext uri="{BB962C8B-B14F-4D97-AF65-F5344CB8AC3E}">
         <p14:creationId xmlns:p14="http://schemas.microsoft.com/office/powerpoint/2010/main" val="2084559206"/>
-      </p:ext>
-    </p:extLst>
-  </p:cSld>
-  <p:clrMapOvr>
-    <a:masterClrMapping/>
-  </p:clrMapOvr>
-</p:sld>
-</file>
-
-<file path=ppt/slides/slide16.xml><?xml version="1.0" encoding="utf-8"?>
-<p:sld xmlns:a="http://schemas.openxmlformats.org/drawingml/2006/main" xmlns:r="http://schemas.openxmlformats.org/officeDocument/2006/relationships" xmlns:p="http://schemas.openxmlformats.org/presentationml/2006/main">
-  <p:cSld>
-    <p:spTree>
-      <p:nvGrpSpPr>
-        <p:cNvPr id="1" name=""/>
-        <p:cNvGrpSpPr/>
-        <p:nvPr/>
-      </p:nvGrpSpPr>
-      <p:grpSpPr>
-        <a:xfrm>
-          <a:off x="0" y="0"/>
-          <a:ext cx="0" cy="0"/>
-          <a:chOff x="0" y="0"/>
-          <a:chExt cx="0" cy="0"/>
-        </a:xfrm>
-      </p:grpSpPr>
-      <p:sp>
-        <p:nvSpPr>
-          <p:cNvPr id="2" name="Title 1">
-            <a:extLst>
-              <a:ext uri="{FF2B5EF4-FFF2-40B4-BE49-F238E27FC236}">
-                <a16:creationId xmlns:a16="http://schemas.microsoft.com/office/drawing/2014/main" id="{F93A99E5-7A26-54F0-7699-063A5CE75FA6}"/>
-              </a:ext>
-            </a:extLst>
-          </p:cNvPr>
-          <p:cNvSpPr>
-            <a:spLocks noGrp="1"/>
-          </p:cNvSpPr>
-          <p:nvPr>
-            <p:ph type="title"/>
-          </p:nvPr>
-        </p:nvSpPr>
-        <p:spPr>
-          <a:xfrm>
-            <a:off x="1797666" y="2768600"/>
-            <a:ext cx="8596668" cy="1320800"/>
-          </a:xfrm>
-        </p:spPr>
-        <p:txBody>
-          <a:bodyPr/>
-          <a:lstStyle/>
-          <a:p>
-            <a:pPr algn="ctr"/>
-            <a:r>
-              <a:rPr lang="en-US" dirty="0"/>
-              <a:t>Questions?</a:t>
-            </a:r>
-          </a:p>
-        </p:txBody>
-      </p:sp>
-    </p:spTree>
-    <p:extLst>
-      <p:ext uri="{BB962C8B-B14F-4D97-AF65-F5344CB8AC3E}">
-        <p14:creationId xmlns:p14="http://schemas.microsoft.com/office/powerpoint/2010/main" val="4170679358"/>
-      </p:ext>
-    </p:extLst>
-  </p:cSld>
-  <p:clrMapOvr>
-    <a:masterClrMapping/>
-  </p:clrMapOvr>
-</p:sld>
-</file>
-
-<file path=ppt/slides/slide17.xml><?xml version="1.0" encoding="utf-8"?>
-<p:sld xmlns:a="http://schemas.openxmlformats.org/drawingml/2006/main" xmlns:r="http://schemas.openxmlformats.org/officeDocument/2006/relationships" xmlns:p="http://schemas.openxmlformats.org/presentationml/2006/main">
-  <p:cSld>
-    <p:spTree>
-      <p:nvGrpSpPr>
-        <p:cNvPr id="1" name=""/>
-        <p:cNvGrpSpPr/>
-        <p:nvPr/>
-      </p:nvGrpSpPr>
-      <p:grpSpPr>
-        <a:xfrm>
-          <a:off x="0" y="0"/>
-          <a:ext cx="0" cy="0"/>
-          <a:chOff x="0" y="0"/>
-          <a:chExt cx="0" cy="0"/>
-        </a:xfrm>
-      </p:grpSpPr>
-      <p:sp>
-        <p:nvSpPr>
-          <p:cNvPr id="2" name="Title 1">
-            <a:extLst>
-              <a:ext uri="{FF2B5EF4-FFF2-40B4-BE49-F238E27FC236}">
-                <a16:creationId xmlns:a16="http://schemas.microsoft.com/office/drawing/2014/main" id="{1F814D6E-00AA-775A-FF50-94D7BE631017}"/>
-              </a:ext>
-            </a:extLst>
-          </p:cNvPr>
-          <p:cNvSpPr>
-            <a:spLocks noGrp="1"/>
-          </p:cNvSpPr>
-          <p:nvPr>
-            <p:ph type="title"/>
-          </p:nvPr>
-        </p:nvSpPr>
-        <p:spPr>
-          <a:xfrm>
-            <a:off x="1797666" y="2768600"/>
-            <a:ext cx="8596668" cy="1320800"/>
-          </a:xfrm>
-        </p:spPr>
-        <p:txBody>
-          <a:bodyPr/>
-          <a:lstStyle/>
-          <a:p>
-            <a:pPr algn="ctr"/>
-            <a:r>
-              <a:rPr lang="en-US" dirty="0">
-                <a:hlinkClick r:id="rId2"/>
-              </a:rPr>
-              <a:t>Off to the dashboard!</a:t>
-            </a:r>
-            <a:endParaRPr lang="en-US" dirty="0"/>
-          </a:p>
-        </p:txBody>
-      </p:sp>
-    </p:spTree>
-    <p:extLst>
-      <p:ext uri="{BB962C8B-B14F-4D97-AF65-F5344CB8AC3E}">
-        <p14:creationId xmlns:p14="http://schemas.microsoft.com/office/powerpoint/2010/main" val="2207471357"/>
       </p:ext>
     </p:extLst>
   </p:cSld>
@@ -9858,9 +8888,12 @@
           <a:p>
             <a:pPr algn="r"/>
             <a:r>
-              <a:rPr lang="en-US" sz="4800" dirty="0"/>
+              <a:rPr lang="en-US" sz="4800" dirty="0">
+                <a:hlinkClick r:id="rId3"/>
+              </a:rPr>
               <a:t>Impact on Nashville</a:t>
             </a:r>
+            <a:endParaRPr lang="en-US" sz="4800" dirty="0"/>
           </a:p>
         </p:txBody>
       </p:sp>
@@ -10618,7 +9651,7 @@
           <p:cNvPr id="2" name="Title 1">
             <a:extLst>
               <a:ext uri="{FF2B5EF4-FFF2-40B4-BE49-F238E27FC236}">
-                <a16:creationId xmlns:a16="http://schemas.microsoft.com/office/drawing/2014/main" id="{A53EA5E4-6308-9126-C254-5D087436B290}"/>
+                <a16:creationId xmlns:a16="http://schemas.microsoft.com/office/drawing/2014/main" id="{9A6A4D31-3F31-2363-64CA-25D86BF1533C}"/>
               </a:ext>
             </a:extLst>
           </p:cNvPr>
@@ -10631,46 +9664,32 @@
         </p:nvSpPr>
         <p:spPr/>
         <p:txBody>
-          <a:bodyPr/>
+          <a:bodyPr>
+            <a:normAutofit fontScale="90000"/>
+          </a:bodyPr>
           <a:lstStyle/>
           <a:p>
-            <a:endParaRPr lang="en-US"/>
-          </a:p>
-        </p:txBody>
-      </p:sp>
-      <p:pic>
-        <p:nvPicPr>
-          <p:cNvPr id="9" name="Content Placeholder 8" descr="Chart, scatter chart&#10;&#10;Description automatically generated">
-            <a:extLst>
-              <a:ext uri="{FF2B5EF4-FFF2-40B4-BE49-F238E27FC236}">
-                <a16:creationId xmlns:a16="http://schemas.microsoft.com/office/drawing/2014/main" id="{404EF7C2-C044-2A79-D3FB-13B512599BFD}"/>
-              </a:ext>
-            </a:extLst>
-          </p:cNvPr>
-          <p:cNvPicPr>
-            <a:picLocks noGrp="1" noChangeAspect="1"/>
-          </p:cNvPicPr>
-          <p:nvPr>
-            <p:ph idx="1"/>
-          </p:nvPr>
-        </p:nvPicPr>
-        <p:blipFill>
-          <a:blip r:embed="rId3"/>
-          <a:stretch>
-            <a:fillRect/>
-          </a:stretch>
-        </p:blipFill>
-        <p:spPr>
-          <a:xfrm>
-            <a:off x="602384" y="0"/>
-            <a:ext cx="9678894" cy="6248400"/>
-          </a:xfrm>
-        </p:spPr>
-      </p:pic>
+            <a:r>
+              <a:rPr lang="en-US" dirty="0"/>
+              <a:t>Why does one zip code have a total of 9 grocery stores while other zip codes only have one?</a:t>
+            </a:r>
+            <a:br>
+              <a:rPr lang="en-US" dirty="0"/>
+            </a:br>
+            <a:br>
+              <a:rPr lang="en-US" dirty="0"/>
+            </a:br>
+            <a:r>
+              <a:rPr lang="en-US" dirty="0"/>
+              <a:t>What percentage of grocery stores that one zip code accounts for</a:t>
+            </a:r>
+          </a:p>
+        </p:txBody>
+      </p:sp>
     </p:spTree>
     <p:extLst>
       <p:ext uri="{BB962C8B-B14F-4D97-AF65-F5344CB8AC3E}">
-        <p14:creationId xmlns:p14="http://schemas.microsoft.com/office/powerpoint/2010/main" val="4164100762"/>
+        <p14:creationId xmlns:p14="http://schemas.microsoft.com/office/powerpoint/2010/main" val="2713106244"/>
       </p:ext>
     </p:extLst>
   </p:cSld>
@@ -10702,7 +9721,7 @@
           <p:cNvPr id="2" name="Title 1">
             <a:extLst>
               <a:ext uri="{FF2B5EF4-FFF2-40B4-BE49-F238E27FC236}">
-                <a16:creationId xmlns:a16="http://schemas.microsoft.com/office/drawing/2014/main" id="{A53EA5E4-6308-9126-C254-5D087436B290}"/>
+                <a16:creationId xmlns:a16="http://schemas.microsoft.com/office/drawing/2014/main" id="{F93A99E5-7A26-54F0-7699-063A5CE75FA6}"/>
               </a:ext>
             </a:extLst>
           </p:cNvPr>
@@ -10713,48 +9732,28 @@
             <p:ph type="title"/>
           </p:nvPr>
         </p:nvSpPr>
-        <p:spPr/>
+        <p:spPr>
+          <a:xfrm>
+            <a:off x="1797666" y="2768600"/>
+            <a:ext cx="8596668" cy="1320800"/>
+          </a:xfrm>
+        </p:spPr>
         <p:txBody>
           <a:bodyPr/>
           <a:lstStyle/>
           <a:p>
-            <a:endParaRPr lang="en-US"/>
-          </a:p>
-        </p:txBody>
-      </p:sp>
-      <p:pic>
-        <p:nvPicPr>
-          <p:cNvPr id="11" name="Content Placeholder 10" descr="Chart, scatter chart&#10;&#10;Description automatically generated">
-            <a:extLst>
-              <a:ext uri="{FF2B5EF4-FFF2-40B4-BE49-F238E27FC236}">
-                <a16:creationId xmlns:a16="http://schemas.microsoft.com/office/drawing/2014/main" id="{F39237DC-D43F-C614-A4E2-7EEB934F30B6}"/>
-              </a:ext>
-            </a:extLst>
-          </p:cNvPr>
-          <p:cNvPicPr>
-            <a:picLocks noGrp="1" noChangeAspect="1"/>
-          </p:cNvPicPr>
-          <p:nvPr>
-            <p:ph idx="1"/>
-          </p:nvPr>
-        </p:nvPicPr>
-        <p:blipFill>
-          <a:blip r:embed="rId2"/>
-          <a:stretch>
-            <a:fillRect/>
-          </a:stretch>
-        </p:blipFill>
-        <p:spPr>
-          <a:xfrm>
-            <a:off x="609879" y="0"/>
-            <a:ext cx="9678894" cy="6248400"/>
-          </a:xfrm>
-        </p:spPr>
-      </p:pic>
+            <a:pPr algn="ctr"/>
+            <a:r>
+              <a:rPr lang="en-US" dirty="0"/>
+              <a:t>Questions?</a:t>
+            </a:r>
+          </a:p>
+        </p:txBody>
+      </p:sp>
     </p:spTree>
     <p:extLst>
       <p:ext uri="{BB962C8B-B14F-4D97-AF65-F5344CB8AC3E}">
-        <p14:creationId xmlns:p14="http://schemas.microsoft.com/office/powerpoint/2010/main" val="2117532703"/>
+        <p14:creationId xmlns:p14="http://schemas.microsoft.com/office/powerpoint/2010/main" val="4170679358"/>
       </p:ext>
     </p:extLst>
   </p:cSld>

--- a/food_desert_pp.pptx
+++ b/food_desert_pp.pptx
@@ -10,12 +10,12 @@
   <p:sldIdLst>
     <p:sldId id="256" r:id="rId2"/>
     <p:sldId id="257" r:id="rId3"/>
-    <p:sldId id="265" r:id="rId4"/>
-    <p:sldId id="260" r:id="rId5"/>
-    <p:sldId id="272" r:id="rId6"/>
+    <p:sldId id="279" r:id="rId4"/>
+    <p:sldId id="265" r:id="rId5"/>
+    <p:sldId id="260" r:id="rId6"/>
     <p:sldId id="268" r:id="rId7"/>
     <p:sldId id="263" r:id="rId8"/>
-    <p:sldId id="278" r:id="rId9"/>
+    <p:sldId id="280" r:id="rId9"/>
     <p:sldId id="271" r:id="rId10"/>
     <p:sldId id="258" r:id="rId11"/>
   </p:sldIdLst>
@@ -864,7 +864,7 @@
           <a:p>
             <a:fld id="{215B2E5D-87C1-E14D-8640-5E66DB7EFB6C}" type="slidenum">
               <a:rPr lang="en-US" smtClean="0"/>
-              <a:t>3</a:t>
+              <a:t>4</a:t>
             </a:fld>
             <a:endParaRPr lang="en-US"/>
           </a:p>
@@ -997,7 +997,7 @@
           <a:p>
             <a:fld id="{215B2E5D-87C1-E14D-8640-5E66DB7EFB6C}" type="slidenum">
               <a:rPr lang="en-US" smtClean="0"/>
-              <a:t>4</a:t>
+              <a:t>5</a:t>
             </a:fld>
             <a:endParaRPr lang="en-US"/>
           </a:p>
@@ -1222,7 +1222,10 @@
           <a:bodyPr/>
           <a:lstStyle/>
           <a:p>
-            <a:endParaRPr lang="en-US" dirty="0"/>
+            <a:r>
+              <a:rPr lang="en-US" dirty="0"/>
+              <a:t>I created my dashboard to be utilized as a tool to obtain a quick birds eye view of Nashville. I wanted to be able to quickly determine two things: if there were potential food deserts present in Nashville, and if there seemed to be any sort of recognizable geospatial relationship between the location of grocery stores and the prevalence of chronic disease in my community.</a:t>
+            </a:r>
           </a:p>
         </p:txBody>
       </p:sp>
@@ -1243,7 +1246,7 @@
           <a:p>
             <a:fld id="{215B2E5D-87C1-E14D-8640-5E66DB7EFB6C}" type="slidenum">
               <a:rPr lang="en-US" smtClean="0"/>
-              <a:t>8</a:t>
+              <a:t>7</a:t>
             </a:fld>
             <a:endParaRPr lang="en-US"/>
           </a:p>
@@ -1252,7 +1255,7 @@
     </p:spTree>
     <p:extLst>
       <p:ext uri="{BB962C8B-B14F-4D97-AF65-F5344CB8AC3E}">
-        <p14:creationId xmlns:p14="http://schemas.microsoft.com/office/powerpoint/2010/main" val="1561530210"/>
+        <p14:creationId xmlns:p14="http://schemas.microsoft.com/office/powerpoint/2010/main" val="345059967"/>
       </p:ext>
     </p:extLst>
   </p:cSld>
@@ -1263,6 +1266,174 @@
 </file>
 
 <file path=ppt/notesSlides/notesSlide7.xml><?xml version="1.0" encoding="utf-8"?>
+<p:notes xmlns:a="http://schemas.openxmlformats.org/drawingml/2006/main" xmlns:r="http://schemas.openxmlformats.org/officeDocument/2006/relationships" xmlns:p="http://schemas.openxmlformats.org/presentationml/2006/main">
+  <p:cSld>
+    <p:spTree>
+      <p:nvGrpSpPr>
+        <p:cNvPr id="1" name=""/>
+        <p:cNvGrpSpPr/>
+        <p:nvPr/>
+      </p:nvGrpSpPr>
+      <p:grpSpPr>
+        <a:xfrm>
+          <a:off x="0" y="0"/>
+          <a:ext cx="0" cy="0"/>
+          <a:chOff x="0" y="0"/>
+          <a:chExt cx="0" cy="0"/>
+        </a:xfrm>
+      </p:grpSpPr>
+      <p:sp>
+        <p:nvSpPr>
+          <p:cNvPr id="2" name="Slide Image Placeholder 1"/>
+          <p:cNvSpPr>
+            <a:spLocks noGrp="1" noRot="1" noChangeAspect="1"/>
+          </p:cNvSpPr>
+          <p:nvPr>
+            <p:ph type="sldImg"/>
+          </p:nvPr>
+        </p:nvSpPr>
+        <p:spPr/>
+      </p:sp>
+      <p:sp>
+        <p:nvSpPr>
+          <p:cNvPr id="3" name="Notes Placeholder 2"/>
+          <p:cNvSpPr>
+            <a:spLocks noGrp="1"/>
+          </p:cNvSpPr>
+          <p:nvPr>
+            <p:ph type="body" idx="1"/>
+          </p:nvPr>
+        </p:nvSpPr>
+        <p:spPr/>
+        <p:txBody>
+          <a:bodyPr/>
+          <a:lstStyle/>
+          <a:p>
+            <a:endParaRPr lang="en-US" dirty="0"/>
+          </a:p>
+        </p:txBody>
+      </p:sp>
+      <p:sp>
+        <p:nvSpPr>
+          <p:cNvPr id="4" name="Slide Number Placeholder 3"/>
+          <p:cNvSpPr>
+            <a:spLocks noGrp="1"/>
+          </p:cNvSpPr>
+          <p:nvPr>
+            <p:ph type="sldNum" sz="quarter" idx="5"/>
+          </p:nvPr>
+        </p:nvSpPr>
+        <p:spPr/>
+        <p:txBody>
+          <a:bodyPr/>
+          <a:lstStyle/>
+          <a:p>
+            <a:fld id="{215B2E5D-87C1-E14D-8640-5E66DB7EFB6C}" type="slidenum">
+              <a:rPr lang="en-US" smtClean="0"/>
+              <a:t>8</a:t>
+            </a:fld>
+            <a:endParaRPr lang="en-US"/>
+          </a:p>
+        </p:txBody>
+      </p:sp>
+    </p:spTree>
+    <p:extLst>
+      <p:ext uri="{BB962C8B-B14F-4D97-AF65-F5344CB8AC3E}">
+        <p14:creationId xmlns:p14="http://schemas.microsoft.com/office/powerpoint/2010/main" val="2273978418"/>
+      </p:ext>
+    </p:extLst>
+  </p:cSld>
+  <p:clrMapOvr>
+    <a:masterClrMapping/>
+  </p:clrMapOvr>
+</p:notes>
+</file>
+
+<file path=ppt/notesSlides/notesSlide8.xml><?xml version="1.0" encoding="utf-8"?>
+<p:notes xmlns:a="http://schemas.openxmlformats.org/drawingml/2006/main" xmlns:r="http://schemas.openxmlformats.org/officeDocument/2006/relationships" xmlns:p="http://schemas.openxmlformats.org/presentationml/2006/main">
+  <p:cSld>
+    <p:spTree>
+      <p:nvGrpSpPr>
+        <p:cNvPr id="1" name=""/>
+        <p:cNvGrpSpPr/>
+        <p:nvPr/>
+      </p:nvGrpSpPr>
+      <p:grpSpPr>
+        <a:xfrm>
+          <a:off x="0" y="0"/>
+          <a:ext cx="0" cy="0"/>
+          <a:chOff x="0" y="0"/>
+          <a:chExt cx="0" cy="0"/>
+        </a:xfrm>
+      </p:grpSpPr>
+      <p:sp>
+        <p:nvSpPr>
+          <p:cNvPr id="2" name="Slide Image Placeholder 1"/>
+          <p:cNvSpPr>
+            <a:spLocks noGrp="1" noRot="1" noChangeAspect="1"/>
+          </p:cNvSpPr>
+          <p:nvPr>
+            <p:ph type="sldImg"/>
+          </p:nvPr>
+        </p:nvSpPr>
+        <p:spPr/>
+      </p:sp>
+      <p:sp>
+        <p:nvSpPr>
+          <p:cNvPr id="3" name="Notes Placeholder 2"/>
+          <p:cNvSpPr>
+            <a:spLocks noGrp="1"/>
+          </p:cNvSpPr>
+          <p:nvPr>
+            <p:ph type="body" idx="1"/>
+          </p:nvPr>
+        </p:nvSpPr>
+        <p:spPr/>
+        <p:txBody>
+          <a:bodyPr/>
+          <a:lstStyle/>
+          <a:p>
+            <a:endParaRPr lang="en-US" dirty="0"/>
+          </a:p>
+        </p:txBody>
+      </p:sp>
+      <p:sp>
+        <p:nvSpPr>
+          <p:cNvPr id="4" name="Slide Number Placeholder 3"/>
+          <p:cNvSpPr>
+            <a:spLocks noGrp="1"/>
+          </p:cNvSpPr>
+          <p:nvPr>
+            <p:ph type="sldNum" sz="quarter" idx="5"/>
+          </p:nvPr>
+        </p:nvSpPr>
+        <p:spPr/>
+        <p:txBody>
+          <a:bodyPr/>
+          <a:lstStyle/>
+          <a:p>
+            <a:fld id="{215B2E5D-87C1-E14D-8640-5E66DB7EFB6C}" type="slidenum">
+              <a:rPr lang="en-US" smtClean="0"/>
+              <a:t>9</a:t>
+            </a:fld>
+            <a:endParaRPr lang="en-US"/>
+          </a:p>
+        </p:txBody>
+      </p:sp>
+    </p:spTree>
+    <p:extLst>
+      <p:ext uri="{BB962C8B-B14F-4D97-AF65-F5344CB8AC3E}">
+        <p14:creationId xmlns:p14="http://schemas.microsoft.com/office/powerpoint/2010/main" val="3100755541"/>
+      </p:ext>
+    </p:extLst>
+  </p:cSld>
+  <p:clrMapOvr>
+    <a:masterClrMapping/>
+  </p:clrMapOvr>
+</p:notes>
+</file>
+
+<file path=ppt/notesSlides/notesSlide9.xml><?xml version="1.0" encoding="utf-8"?>
 <p:notes xmlns:a="http://schemas.openxmlformats.org/drawingml/2006/main" xmlns:r="http://schemas.openxmlformats.org/officeDocument/2006/relationships" xmlns:p="http://schemas.openxmlformats.org/presentationml/2006/main">
   <p:cSld>
     <p:spTree>
@@ -7557,7 +7728,7 @@
           <p:cNvPr id="2" name="Title 1">
             <a:extLst>
               <a:ext uri="{FF2B5EF4-FFF2-40B4-BE49-F238E27FC236}">
-                <a16:creationId xmlns:a16="http://schemas.microsoft.com/office/drawing/2014/main" id="{014E76D0-5289-B01E-CC61-A570F8628798}"/>
+                <a16:creationId xmlns:a16="http://schemas.microsoft.com/office/drawing/2014/main" id="{756C20A4-DA63-F31B-B4CE-DE885FEF377E}"/>
               </a:ext>
             </a:extLst>
           </p:cNvPr>
@@ -7575,7 +7746,7 @@
           <a:p>
             <a:r>
               <a:rPr lang="en-US" dirty="0"/>
-              <a:t>Health Impacts on Individuals/Communities</a:t>
+              <a:t>My Hypothesis</a:t>
             </a:r>
           </a:p>
         </p:txBody>
@@ -7585,7 +7756,7 @@
           <p:cNvPr id="3" name="Content Placeholder 2">
             <a:extLst>
               <a:ext uri="{FF2B5EF4-FFF2-40B4-BE49-F238E27FC236}">
-                <a16:creationId xmlns:a16="http://schemas.microsoft.com/office/drawing/2014/main" id="{57365260-FD45-C2D7-27A0-4372061593F9}"/>
+                <a16:creationId xmlns:a16="http://schemas.microsoft.com/office/drawing/2014/main" id="{43DEB8ED-BA5D-5C8C-AD8D-BC339849E190}"/>
               </a:ext>
             </a:extLst>
           </p:cNvPr>
@@ -7598,87 +7769,20 @@
         </p:nvSpPr>
         <p:spPr/>
         <p:txBody>
-          <a:bodyPr>
-            <a:normAutofit/>
-          </a:bodyPr>
+          <a:bodyPr/>
           <a:lstStyle/>
           <a:p>
             <a:r>
               <a:rPr lang="en-US" dirty="0"/>
-              <a:t>Wealthier neighborhoods: over three times as many supermarkets, compared to lower income neighborhoods</a:t>
-            </a:r>
-          </a:p>
-          <a:p>
-            <a:r>
-              <a:rPr lang="en-US" dirty="0"/>
-              <a:t>Availability of personal transportation can contribute to malnutrition</a:t>
-            </a:r>
-          </a:p>
-          <a:p>
-            <a:r>
-              <a:rPr lang="en-US" dirty="0"/>
-              <a:t>Minority communities have fewer food choices and more premature death</a:t>
-            </a:r>
-          </a:p>
-          <a:p>
-            <a:pPr marL="0" indent="0">
-              <a:buNone/>
-            </a:pPr>
-            <a:endParaRPr lang="en-US" dirty="0"/>
-          </a:p>
-          <a:p>
-            <a:endParaRPr lang="en-US" dirty="0"/>
-          </a:p>
-        </p:txBody>
-      </p:sp>
-      <p:sp>
-        <p:nvSpPr>
-          <p:cNvPr id="4" name="TextBox 3">
-            <a:extLst>
-              <a:ext uri="{FF2B5EF4-FFF2-40B4-BE49-F238E27FC236}">
-                <a16:creationId xmlns:a16="http://schemas.microsoft.com/office/drawing/2014/main" id="{FEC01250-E187-F686-CE64-E8FA6AFE7F5E}"/>
-              </a:ext>
-            </a:extLst>
-          </p:cNvPr>
-          <p:cNvSpPr txBox="1"/>
-          <p:nvPr/>
-        </p:nvSpPr>
-        <p:spPr>
-          <a:xfrm>
-            <a:off x="773109" y="5610475"/>
-            <a:ext cx="4041422" cy="800219"/>
-          </a:xfrm>
-          <a:prstGeom prst="rect">
-            <a:avLst/>
-          </a:prstGeom>
-          <a:noFill/>
-        </p:spPr>
-        <p:txBody>
-          <a:bodyPr wrap="square" rtlCol="0">
-            <a:spAutoFit/>
-          </a:bodyPr>
-          <a:lstStyle/>
-          <a:p>
-            <a:r>
-              <a:rPr lang="en-US" sz="1400" dirty="0"/>
-              <a:t>Morland, Wing, 2002</a:t>
-            </a:r>
-          </a:p>
-          <a:p>
-            <a:r>
-              <a:rPr lang="en-US" sz="1400" dirty="0"/>
-              <a:t>Gallagher, 2006</a:t>
-            </a:r>
-          </a:p>
-          <a:p>
-            <a:endParaRPr lang="en-US" dirty="0"/>
+              <a:t>I propose that any area which has greater exposure to potential food deserts, will see a higher prevalence of certain chronic disease within the community</a:t>
+            </a:r>
           </a:p>
         </p:txBody>
       </p:sp>
     </p:spTree>
     <p:extLst>
       <p:ext uri="{BB962C8B-B14F-4D97-AF65-F5344CB8AC3E}">
-        <p14:creationId xmlns:p14="http://schemas.microsoft.com/office/powerpoint/2010/main" val="3696257086"/>
+        <p14:creationId xmlns:p14="http://schemas.microsoft.com/office/powerpoint/2010/main" val="2778042646"/>
       </p:ext>
     </p:extLst>
   </p:cSld>
@@ -7710,7 +7814,7 @@
           <p:cNvPr id="2" name="Title 1">
             <a:extLst>
               <a:ext uri="{FF2B5EF4-FFF2-40B4-BE49-F238E27FC236}">
-                <a16:creationId xmlns:a16="http://schemas.microsoft.com/office/drawing/2014/main" id="{81CCD0A3-40EF-F958-5466-7C5AD6E9616F}"/>
+                <a16:creationId xmlns:a16="http://schemas.microsoft.com/office/drawing/2014/main" id="{014E76D0-5289-B01E-CC61-A570F8628798}"/>
               </a:ext>
             </a:extLst>
           </p:cNvPr>
@@ -7728,7 +7832,7 @@
           <a:p>
             <a:r>
               <a:rPr lang="en-US" dirty="0"/>
-              <a:t>Reasoning Behind my Analysis</a:t>
+              <a:t>Health Impacts on Individuals/Communities</a:t>
             </a:r>
           </a:p>
         </p:txBody>
@@ -7738,7 +7842,7 @@
           <p:cNvPr id="3" name="Content Placeholder 2">
             <a:extLst>
               <a:ext uri="{FF2B5EF4-FFF2-40B4-BE49-F238E27FC236}">
-                <a16:creationId xmlns:a16="http://schemas.microsoft.com/office/drawing/2014/main" id="{B313E338-FCC9-3C03-D40D-A703E41CEB75}"/>
+                <a16:creationId xmlns:a16="http://schemas.microsoft.com/office/drawing/2014/main" id="{57365260-FD45-C2D7-27A0-4372061593F9}"/>
               </a:ext>
             </a:extLst>
           </p:cNvPr>
@@ -7749,43 +7853,84 @@
             <p:ph idx="1"/>
           </p:nvPr>
         </p:nvSpPr>
+        <p:spPr/>
+        <p:txBody>
+          <a:bodyPr>
+            <a:normAutofit/>
+          </a:bodyPr>
+          <a:lstStyle/>
+          <a:p>
+            <a:r>
+              <a:rPr lang="en-US" dirty="0"/>
+              <a:t>Diet is understood to have some notable impact on the onset or progression of many common chronic diseases that affect folks in our community</a:t>
+            </a:r>
+          </a:p>
+          <a:p>
+            <a:r>
+              <a:rPr lang="en-US" dirty="0"/>
+              <a:t>Wealthier neighborhoods: over three times as many supermarkets, compared to lower income neighborhoods</a:t>
+            </a:r>
+          </a:p>
+          <a:p>
+            <a:r>
+              <a:rPr lang="en-US" dirty="0"/>
+              <a:t>Availability of personal transportation can contribute to malnutrition</a:t>
+            </a:r>
+          </a:p>
+          <a:p>
+            <a:r>
+              <a:rPr lang="en-US" dirty="0"/>
+              <a:t>Minority communities have fewer food choices and more premature death</a:t>
+            </a:r>
+          </a:p>
+          <a:p>
+            <a:pPr marL="0" indent="0">
+              <a:buNone/>
+            </a:pPr>
+            <a:endParaRPr lang="en-US" dirty="0"/>
+          </a:p>
+          <a:p>
+            <a:endParaRPr lang="en-US" dirty="0"/>
+          </a:p>
+        </p:txBody>
+      </p:sp>
+      <p:sp>
+        <p:nvSpPr>
+          <p:cNvPr id="4" name="TextBox 3">
+            <a:extLst>
+              <a:ext uri="{FF2B5EF4-FFF2-40B4-BE49-F238E27FC236}">
+                <a16:creationId xmlns:a16="http://schemas.microsoft.com/office/drawing/2014/main" id="{FEC01250-E187-F686-CE64-E8FA6AFE7F5E}"/>
+              </a:ext>
+            </a:extLst>
+          </p:cNvPr>
+          <p:cNvSpPr txBox="1"/>
+          <p:nvPr/>
+        </p:nvSpPr>
         <p:spPr>
           <a:xfrm>
-            <a:off x="677334" y="1488613"/>
-            <a:ext cx="8596668" cy="3880773"/>
+            <a:off x="773109" y="5610475"/>
+            <a:ext cx="4041422" cy="800219"/>
           </a:xfrm>
+          <a:prstGeom prst="rect">
+            <a:avLst/>
+          </a:prstGeom>
+          <a:noFill/>
         </p:spPr>
         <p:txBody>
-          <a:bodyPr/>
+          <a:bodyPr wrap="square" rtlCol="0">
+            <a:spAutoFit/>
+          </a:bodyPr>
           <a:lstStyle/>
           <a:p>
             <a:r>
-              <a:rPr lang="en-US" dirty="0"/>
-              <a:t>Initial lightbulb moment: the Piggly Wiggly on West End closed down</a:t>
-            </a:r>
-          </a:p>
-          <a:p>
-            <a:r>
-              <a:rPr lang="en-US" dirty="0"/>
-              <a:t>Rising food costs</a:t>
-            </a:r>
-          </a:p>
-          <a:p>
-            <a:r>
-              <a:rPr lang="en-US" dirty="0"/>
-              <a:t>Nashville has less than ideal public transportation (subjective opinion)</a:t>
-            </a:r>
-          </a:p>
-          <a:p>
-            <a:r>
-              <a:rPr lang="en-US" dirty="0"/>
-              <a:t>I am an RN, but public health is everyone’s business</a:t>
-            </a:r>
-          </a:p>
-          <a:p>
-            <a:r>
-              <a:rPr lang="en-US" dirty="0"/>
-              <a:t>Everyone loves food</a:t>
+              <a:rPr lang="en-US" sz="1400" dirty="0"/>
+              <a:t>Morland, Wing, 2002</a:t>
+            </a:r>
+          </a:p>
+          <a:p>
+            <a:r>
+              <a:rPr lang="en-US" sz="1400" dirty="0"/>
+              <a:t>Gallagher, 2006</a:t>
             </a:r>
           </a:p>
           <a:p>
@@ -7796,7 +7941,7 @@
     </p:spTree>
     <p:extLst>
       <p:ext uri="{BB962C8B-B14F-4D97-AF65-F5344CB8AC3E}">
-        <p14:creationId xmlns:p14="http://schemas.microsoft.com/office/powerpoint/2010/main" val="4268277911"/>
+        <p14:creationId xmlns:p14="http://schemas.microsoft.com/office/powerpoint/2010/main" val="3696257086"/>
       </p:ext>
     </p:extLst>
   </p:cSld>
@@ -7828,7 +7973,7 @@
           <p:cNvPr id="2" name="Title 1">
             <a:extLst>
               <a:ext uri="{FF2B5EF4-FFF2-40B4-BE49-F238E27FC236}">
-                <a16:creationId xmlns:a16="http://schemas.microsoft.com/office/drawing/2014/main" id="{F90AC1E9-0183-1982-3B35-31B07E9078AD}"/>
+                <a16:creationId xmlns:a16="http://schemas.microsoft.com/office/drawing/2014/main" id="{81CCD0A3-40EF-F958-5466-7C5AD6E9616F}"/>
               </a:ext>
             </a:extLst>
           </p:cNvPr>
@@ -7846,7 +7991,7 @@
           <a:p>
             <a:r>
               <a:rPr lang="en-US" dirty="0"/>
-              <a:t>Analysis technique flow chart?	</a:t>
+              <a:t>Reasoning Behind my Analysis</a:t>
             </a:r>
           </a:p>
         </p:txBody>
@@ -7856,7 +8001,7 @@
           <p:cNvPr id="3" name="Content Placeholder 2">
             <a:extLst>
               <a:ext uri="{FF2B5EF4-FFF2-40B4-BE49-F238E27FC236}">
-                <a16:creationId xmlns:a16="http://schemas.microsoft.com/office/drawing/2014/main" id="{D75DB9AD-F70A-9FE9-CA81-9AF2D0BABE1C}"/>
+                <a16:creationId xmlns:a16="http://schemas.microsoft.com/office/drawing/2014/main" id="{B313E338-FCC9-3C03-D40D-A703E41CEB75}"/>
               </a:ext>
             </a:extLst>
           </p:cNvPr>
@@ -7867,22 +8012,54 @@
             <p:ph idx="1"/>
           </p:nvPr>
         </p:nvSpPr>
-        <p:spPr/>
+        <p:spPr>
+          <a:xfrm>
+            <a:off x="677334" y="1488613"/>
+            <a:ext cx="8596668" cy="3880773"/>
+          </a:xfrm>
+        </p:spPr>
         <p:txBody>
           <a:bodyPr/>
           <a:lstStyle/>
           <a:p>
             <a:r>
               <a:rPr lang="en-US" dirty="0"/>
-              <a:t>Steps and arrows to make it look good</a:t>
-            </a:r>
+              <a:t>Initial lightbulb moment: the Piggly Wiggly on West End closed down</a:t>
+            </a:r>
+          </a:p>
+          <a:p>
+            <a:r>
+              <a:rPr lang="en-US" dirty="0"/>
+              <a:t>Rising food costs</a:t>
+            </a:r>
+          </a:p>
+          <a:p>
+            <a:r>
+              <a:rPr lang="en-US" dirty="0"/>
+              <a:t>Nashville has less than ideal public transportation (subjective opinion)</a:t>
+            </a:r>
+          </a:p>
+          <a:p>
+            <a:r>
+              <a:rPr lang="en-US" dirty="0"/>
+              <a:t>I am an RN, but public health is everyone’s business</a:t>
+            </a:r>
+          </a:p>
+          <a:p>
+            <a:r>
+              <a:rPr lang="en-US" dirty="0"/>
+              <a:t>Everyone loves food</a:t>
+            </a:r>
+          </a:p>
+          <a:p>
+            <a:endParaRPr lang="en-US" dirty="0"/>
           </a:p>
         </p:txBody>
       </p:sp>
     </p:spTree>
     <p:extLst>
       <p:ext uri="{BB962C8B-B14F-4D97-AF65-F5344CB8AC3E}">
-        <p14:creationId xmlns:p14="http://schemas.microsoft.com/office/powerpoint/2010/main" val="504080362"/>
+        <p14:creationId xmlns:p14="http://schemas.microsoft.com/office/powerpoint/2010/main" val="4268277911"/>
       </p:ext>
     </p:extLst>
   </p:cSld>
@@ -8786,7 +8963,7 @@
           <p:nvPr/>
         </p:nvPicPr>
         <p:blipFill rotWithShape="1">
-          <a:blip r:embed="rId2"/>
+          <a:blip r:embed="rId3"/>
           <a:srcRect l="9162" t="5389" b="3702"/>
           <a:stretch/>
         </p:blipFill>
@@ -8889,7 +9066,7 @@
             <a:pPr algn="r"/>
             <a:r>
               <a:rPr lang="en-US" sz="4800" dirty="0">
-                <a:hlinkClick r:id="rId3"/>
+                <a:hlinkClick r:id="rId4"/>
               </a:rPr>
               <a:t>Impact on Nashville</a:t>
             </a:r>
@@ -9651,7 +9828,7 @@
           <p:cNvPr id="2" name="Title 1">
             <a:extLst>
               <a:ext uri="{FF2B5EF4-FFF2-40B4-BE49-F238E27FC236}">
-                <a16:creationId xmlns:a16="http://schemas.microsoft.com/office/drawing/2014/main" id="{9A6A4D31-3F31-2363-64CA-25D86BF1533C}"/>
+                <a16:creationId xmlns:a16="http://schemas.microsoft.com/office/drawing/2014/main" id="{265ED5CD-3D94-3BD1-35BD-8A5E89A84355}"/>
               </a:ext>
             </a:extLst>
           </p:cNvPr>
@@ -9664,32 +9841,66 @@
         </p:nvSpPr>
         <p:spPr/>
         <p:txBody>
-          <a:bodyPr>
-            <a:normAutofit fontScale="90000"/>
-          </a:bodyPr>
+          <a:bodyPr/>
           <a:lstStyle/>
           <a:p>
             <a:r>
               <a:rPr lang="en-US" dirty="0"/>
-              <a:t>Why does one zip code have a total of 9 grocery stores while other zip codes only have one?</a:t>
-            </a:r>
-            <a:br>
+              <a:t>Potential Findings and Opportunities for Further Exploration and Analysis</a:t>
+            </a:r>
+          </a:p>
+        </p:txBody>
+      </p:sp>
+      <p:sp>
+        <p:nvSpPr>
+          <p:cNvPr id="3" name="Content Placeholder 2">
+            <a:extLst>
+              <a:ext uri="{FF2B5EF4-FFF2-40B4-BE49-F238E27FC236}">
+                <a16:creationId xmlns:a16="http://schemas.microsoft.com/office/drawing/2014/main" id="{D0A1DBE3-70D5-7732-B2C3-890D7C487DB9}"/>
+              </a:ext>
+            </a:extLst>
+          </p:cNvPr>
+          <p:cNvSpPr>
+            <a:spLocks noGrp="1"/>
+          </p:cNvSpPr>
+          <p:nvPr>
+            <p:ph idx="1"/>
+          </p:nvPr>
+        </p:nvSpPr>
+        <p:spPr/>
+        <p:txBody>
+          <a:bodyPr/>
+          <a:lstStyle/>
+          <a:p>
+            <a:r>
               <a:rPr lang="en-US" dirty="0"/>
-            </a:br>
-            <a:br>
+              <a:t>Zip Code 37218 consistently has higher prevalence of disease</a:t>
+            </a:r>
+          </a:p>
+          <a:p>
+            <a:r>
               <a:rPr lang="en-US" dirty="0"/>
-            </a:br>
+              <a:t>There does indeed seem to be the potential for a food desert presence based on my dashboard tool</a:t>
+            </a:r>
+          </a:p>
+          <a:p>
             <a:r>
               <a:rPr lang="en-US" dirty="0"/>
-              <a:t>What percentage of grocery stores that one zip code accounts for</a:t>
-            </a:r>
+              <a:t>It would be interesting to pivot my analysis to take further into account socioeconomic factors, and attempt to think of any solutions that address health and diet needs</a:t>
+            </a:r>
+          </a:p>
+          <a:p>
+            <a:endParaRPr lang="en-US" dirty="0"/>
+          </a:p>
+          <a:p>
+            <a:endParaRPr lang="en-US" dirty="0"/>
           </a:p>
         </p:txBody>
       </p:sp>
     </p:spTree>
     <p:extLst>
       <p:ext uri="{BB962C8B-B14F-4D97-AF65-F5344CB8AC3E}">
-        <p14:creationId xmlns:p14="http://schemas.microsoft.com/office/powerpoint/2010/main" val="2713106244"/>
+        <p14:creationId xmlns:p14="http://schemas.microsoft.com/office/powerpoint/2010/main" val="1255026758"/>
       </p:ext>
     </p:extLst>
   </p:cSld>

--- a/food_desert_pp.pptx
+++ b/food_desert_pp.pptx
@@ -10,8 +10,8 @@
   <p:sldIdLst>
     <p:sldId id="256" r:id="rId2"/>
     <p:sldId id="257" r:id="rId3"/>
-    <p:sldId id="279" r:id="rId4"/>
-    <p:sldId id="265" r:id="rId5"/>
+    <p:sldId id="265" r:id="rId4"/>
+    <p:sldId id="279" r:id="rId5"/>
     <p:sldId id="260" r:id="rId6"/>
     <p:sldId id="268" r:id="rId7"/>
     <p:sldId id="263" r:id="rId8"/>
@@ -596,13 +596,6 @@
           <a:bodyPr/>
           <a:lstStyle/>
           <a:p>
-            <a:pPr lvl="1"/>
-            <a:r>
-              <a:rPr lang="en-US" dirty="0"/>
-              <a:t>-Low-income: a poverty rate of 20 percent or greater, or a median family income at or below 80 percent of the statewide or metropolitan area median family income;</a:t>
-            </a:r>
-          </a:p>
-          <a:p>
             <a:r>
               <a:rPr lang="en-US" dirty="0"/>
               <a:t>-Low-access: at least 500 persons and/or at least 33 percent of the population lives more than 1 mile from a supermarket or large grocery store (10 miles, in the case of rural census tracts). </a:t>
@@ -648,7 +641,7 @@
             </a:pPr>
             <a:r>
               <a:rPr lang="en-US" dirty="0"/>
-              <a:t>-The 2010 Census food desert analysis deviated from the established USDA definition, defining a low-income community requires 40 percent of the population to have an income at or below 200 percent of federal poverty thresholds for family size</a:t>
+              <a:t>-The 2010 Census food desert analysis deviated from the established USDA definition, defining a low-income community in this context as 40 percent of the population having an income at or below 200 percent of federal poverty thresholds for family size</a:t>
             </a:r>
           </a:p>
           <a:p>
@@ -864,7 +857,7 @@
           <a:p>
             <a:fld id="{215B2E5D-87C1-E14D-8640-5E66DB7EFB6C}" type="slidenum">
               <a:rPr lang="en-US" smtClean="0"/>
-              <a:t>4</a:t>
+              <a:t>3</a:t>
             </a:fld>
             <a:endParaRPr lang="en-US"/>
           </a:p>
@@ -7728,7 +7721,7 @@
           <p:cNvPr id="2" name="Title 1">
             <a:extLst>
               <a:ext uri="{FF2B5EF4-FFF2-40B4-BE49-F238E27FC236}">
-                <a16:creationId xmlns:a16="http://schemas.microsoft.com/office/drawing/2014/main" id="{756C20A4-DA63-F31B-B4CE-DE885FEF377E}"/>
+                <a16:creationId xmlns:a16="http://schemas.microsoft.com/office/drawing/2014/main" id="{014E76D0-5289-B01E-CC61-A570F8628798}"/>
               </a:ext>
             </a:extLst>
           </p:cNvPr>
@@ -7746,7 +7739,7 @@
           <a:p>
             <a:r>
               <a:rPr lang="en-US" dirty="0"/>
-              <a:t>My Hypothesis</a:t>
+              <a:t>Health Impacts on Individuals/Communities</a:t>
             </a:r>
           </a:p>
         </p:txBody>
@@ -7756,7 +7749,7 @@
           <p:cNvPr id="3" name="Content Placeholder 2">
             <a:extLst>
               <a:ext uri="{FF2B5EF4-FFF2-40B4-BE49-F238E27FC236}">
-                <a16:creationId xmlns:a16="http://schemas.microsoft.com/office/drawing/2014/main" id="{43DEB8ED-BA5D-5C8C-AD8D-BC339849E190}"/>
+                <a16:creationId xmlns:a16="http://schemas.microsoft.com/office/drawing/2014/main" id="{57365260-FD45-C2D7-27A0-4372061593F9}"/>
               </a:ext>
             </a:extLst>
           </p:cNvPr>
@@ -7769,20 +7762,93 @@
         </p:nvSpPr>
         <p:spPr/>
         <p:txBody>
-          <a:bodyPr/>
+          <a:bodyPr>
+            <a:normAutofit/>
+          </a:bodyPr>
           <a:lstStyle/>
           <a:p>
             <a:r>
               <a:rPr lang="en-US" dirty="0"/>
-              <a:t>I propose that any area which has greater exposure to potential food deserts, will see a higher prevalence of certain chronic disease within the community</a:t>
-            </a:r>
+              <a:t>Diet is understood to have some notable impact on the onset or progression of many common chronic diseases that affect folks in our community</a:t>
+            </a:r>
+          </a:p>
+          <a:p>
+            <a:r>
+              <a:rPr lang="en-US" dirty="0"/>
+              <a:t>Wealthier neighborhoods: over three times as many supermarkets, compared to lower income neighborhoods</a:t>
+            </a:r>
+          </a:p>
+          <a:p>
+            <a:r>
+              <a:rPr lang="en-US" dirty="0"/>
+              <a:t>Availability of personal transportation can contribute to malnutrition</a:t>
+            </a:r>
+          </a:p>
+          <a:p>
+            <a:r>
+              <a:rPr lang="en-US" dirty="0"/>
+              <a:t>Minority communities have fewer food choices and more premature death</a:t>
+            </a:r>
+          </a:p>
+          <a:p>
+            <a:pPr marL="0" indent="0">
+              <a:buNone/>
+            </a:pPr>
+            <a:endParaRPr lang="en-US" dirty="0"/>
+          </a:p>
+          <a:p>
+            <a:endParaRPr lang="en-US" dirty="0"/>
+          </a:p>
+        </p:txBody>
+      </p:sp>
+      <p:sp>
+        <p:nvSpPr>
+          <p:cNvPr id="4" name="TextBox 3">
+            <a:extLst>
+              <a:ext uri="{FF2B5EF4-FFF2-40B4-BE49-F238E27FC236}">
+                <a16:creationId xmlns:a16="http://schemas.microsoft.com/office/drawing/2014/main" id="{FEC01250-E187-F686-CE64-E8FA6AFE7F5E}"/>
+              </a:ext>
+            </a:extLst>
+          </p:cNvPr>
+          <p:cNvSpPr txBox="1"/>
+          <p:nvPr/>
+        </p:nvSpPr>
+        <p:spPr>
+          <a:xfrm>
+            <a:off x="773109" y="5610475"/>
+            <a:ext cx="4041422" cy="800219"/>
+          </a:xfrm>
+          <a:prstGeom prst="rect">
+            <a:avLst/>
+          </a:prstGeom>
+          <a:noFill/>
+        </p:spPr>
+        <p:txBody>
+          <a:bodyPr wrap="square" rtlCol="0">
+            <a:spAutoFit/>
+          </a:bodyPr>
+          <a:lstStyle/>
+          <a:p>
+            <a:r>
+              <a:rPr lang="en-US" sz="1400" dirty="0"/>
+              <a:t>Morland, Wing, 2002</a:t>
+            </a:r>
+          </a:p>
+          <a:p>
+            <a:r>
+              <a:rPr lang="en-US" sz="1400" dirty="0"/>
+              <a:t>Gallagher, 2006</a:t>
+            </a:r>
+          </a:p>
+          <a:p>
+            <a:endParaRPr lang="en-US" dirty="0"/>
           </a:p>
         </p:txBody>
       </p:sp>
     </p:spTree>
     <p:extLst>
       <p:ext uri="{BB962C8B-B14F-4D97-AF65-F5344CB8AC3E}">
-        <p14:creationId xmlns:p14="http://schemas.microsoft.com/office/powerpoint/2010/main" val="2778042646"/>
+        <p14:creationId xmlns:p14="http://schemas.microsoft.com/office/powerpoint/2010/main" val="3696257086"/>
       </p:ext>
     </p:extLst>
   </p:cSld>
@@ -7814,7 +7880,7 @@
           <p:cNvPr id="2" name="Title 1">
             <a:extLst>
               <a:ext uri="{FF2B5EF4-FFF2-40B4-BE49-F238E27FC236}">
-                <a16:creationId xmlns:a16="http://schemas.microsoft.com/office/drawing/2014/main" id="{014E76D0-5289-B01E-CC61-A570F8628798}"/>
+                <a16:creationId xmlns:a16="http://schemas.microsoft.com/office/drawing/2014/main" id="{756C20A4-DA63-F31B-B4CE-DE885FEF377E}"/>
               </a:ext>
             </a:extLst>
           </p:cNvPr>
@@ -7832,7 +7898,7 @@
           <a:p>
             <a:r>
               <a:rPr lang="en-US" dirty="0"/>
-              <a:t>Health Impacts on Individuals/Communities</a:t>
+              <a:t>My Hypothesis</a:t>
             </a:r>
           </a:p>
         </p:txBody>
@@ -7842,7 +7908,7 @@
           <p:cNvPr id="3" name="Content Placeholder 2">
             <a:extLst>
               <a:ext uri="{FF2B5EF4-FFF2-40B4-BE49-F238E27FC236}">
-                <a16:creationId xmlns:a16="http://schemas.microsoft.com/office/drawing/2014/main" id="{57365260-FD45-C2D7-27A0-4372061593F9}"/>
+                <a16:creationId xmlns:a16="http://schemas.microsoft.com/office/drawing/2014/main" id="{43DEB8ED-BA5D-5C8C-AD8D-BC339849E190}"/>
               </a:ext>
             </a:extLst>
           </p:cNvPr>
@@ -7855,93 +7921,20 @@
         </p:nvSpPr>
         <p:spPr/>
         <p:txBody>
-          <a:bodyPr>
-            <a:normAutofit/>
-          </a:bodyPr>
+          <a:bodyPr/>
           <a:lstStyle/>
           <a:p>
             <a:r>
               <a:rPr lang="en-US" dirty="0"/>
-              <a:t>Diet is understood to have some notable impact on the onset or progression of many common chronic diseases that affect folks in our community</a:t>
-            </a:r>
-          </a:p>
-          <a:p>
-            <a:r>
-              <a:rPr lang="en-US" dirty="0"/>
-              <a:t>Wealthier neighborhoods: over three times as many supermarkets, compared to lower income neighborhoods</a:t>
-            </a:r>
-          </a:p>
-          <a:p>
-            <a:r>
-              <a:rPr lang="en-US" dirty="0"/>
-              <a:t>Availability of personal transportation can contribute to malnutrition</a:t>
-            </a:r>
-          </a:p>
-          <a:p>
-            <a:r>
-              <a:rPr lang="en-US" dirty="0"/>
-              <a:t>Minority communities have fewer food choices and more premature death</a:t>
-            </a:r>
-          </a:p>
-          <a:p>
-            <a:pPr marL="0" indent="0">
-              <a:buNone/>
-            </a:pPr>
-            <a:endParaRPr lang="en-US" dirty="0"/>
-          </a:p>
-          <a:p>
-            <a:endParaRPr lang="en-US" dirty="0"/>
-          </a:p>
-        </p:txBody>
-      </p:sp>
-      <p:sp>
-        <p:nvSpPr>
-          <p:cNvPr id="4" name="TextBox 3">
-            <a:extLst>
-              <a:ext uri="{FF2B5EF4-FFF2-40B4-BE49-F238E27FC236}">
-                <a16:creationId xmlns:a16="http://schemas.microsoft.com/office/drawing/2014/main" id="{FEC01250-E187-F686-CE64-E8FA6AFE7F5E}"/>
-              </a:ext>
-            </a:extLst>
-          </p:cNvPr>
-          <p:cNvSpPr txBox="1"/>
-          <p:nvPr/>
-        </p:nvSpPr>
-        <p:spPr>
-          <a:xfrm>
-            <a:off x="773109" y="5610475"/>
-            <a:ext cx="4041422" cy="800219"/>
-          </a:xfrm>
-          <a:prstGeom prst="rect">
-            <a:avLst/>
-          </a:prstGeom>
-          <a:noFill/>
-        </p:spPr>
-        <p:txBody>
-          <a:bodyPr wrap="square" rtlCol="0">
-            <a:spAutoFit/>
-          </a:bodyPr>
-          <a:lstStyle/>
-          <a:p>
-            <a:r>
-              <a:rPr lang="en-US" sz="1400" dirty="0"/>
-              <a:t>Morland, Wing, 2002</a:t>
-            </a:r>
-          </a:p>
-          <a:p>
-            <a:r>
-              <a:rPr lang="en-US" sz="1400" dirty="0"/>
-              <a:t>Gallagher, 2006</a:t>
-            </a:r>
-          </a:p>
-          <a:p>
-            <a:endParaRPr lang="en-US" dirty="0"/>
+              <a:t>I propose that any area which has greater exposure to potential food deserts, will see a higher prevalence of certain chronic disease within the community</a:t>
+            </a:r>
           </a:p>
         </p:txBody>
       </p:sp>
     </p:spTree>
     <p:extLst>
       <p:ext uri="{BB962C8B-B14F-4D97-AF65-F5344CB8AC3E}">
-        <p14:creationId xmlns:p14="http://schemas.microsoft.com/office/powerpoint/2010/main" val="3696257086"/>
+        <p14:creationId xmlns:p14="http://schemas.microsoft.com/office/powerpoint/2010/main" val="2778042646"/>
       </p:ext>
     </p:extLst>
   </p:cSld>
